--- a/Documents/PPT/RFSoC RF FrontEnd_v1_00.pptx
+++ b/Documents/PPT/RFSoC RF FrontEnd_v1_00.pptx
@@ -265,7 +265,7 @@
           <a:p>
             <a:fld id="{83D81050-B5AC-4287-9BFE-8FA365E2B7CE}" type="datetimeFigureOut">
               <a:rPr lang="ko-KR" altLang="en-US" smtClean="0"/>
-              <a:t>2023-11-22</a:t>
+              <a:t>2023-11-29</a:t>
             </a:fld>
             <a:endParaRPr lang="ko-KR" altLang="en-US"/>
           </a:p>
@@ -463,7 +463,7 @@
           <a:p>
             <a:fld id="{83D81050-B5AC-4287-9BFE-8FA365E2B7CE}" type="datetimeFigureOut">
               <a:rPr lang="ko-KR" altLang="en-US" smtClean="0"/>
-              <a:t>2023-11-22</a:t>
+              <a:t>2023-11-29</a:t>
             </a:fld>
             <a:endParaRPr lang="ko-KR" altLang="en-US"/>
           </a:p>
@@ -671,7 +671,7 @@
           <a:p>
             <a:fld id="{83D81050-B5AC-4287-9BFE-8FA365E2B7CE}" type="datetimeFigureOut">
               <a:rPr lang="ko-KR" altLang="en-US" smtClean="0"/>
-              <a:t>2023-11-22</a:t>
+              <a:t>2023-11-29</a:t>
             </a:fld>
             <a:endParaRPr lang="ko-KR" altLang="en-US"/>
           </a:p>
@@ -869,7 +869,7 @@
           <a:p>
             <a:fld id="{83D81050-B5AC-4287-9BFE-8FA365E2B7CE}" type="datetimeFigureOut">
               <a:rPr lang="ko-KR" altLang="en-US" smtClean="0"/>
-              <a:t>2023-11-22</a:t>
+              <a:t>2023-11-29</a:t>
             </a:fld>
             <a:endParaRPr lang="ko-KR" altLang="en-US"/>
           </a:p>
@@ -1144,7 +1144,7 @@
           <a:p>
             <a:fld id="{83D81050-B5AC-4287-9BFE-8FA365E2B7CE}" type="datetimeFigureOut">
               <a:rPr lang="ko-KR" altLang="en-US" smtClean="0"/>
-              <a:t>2023-11-22</a:t>
+              <a:t>2023-11-29</a:t>
             </a:fld>
             <a:endParaRPr lang="ko-KR" altLang="en-US"/>
           </a:p>
@@ -1409,7 +1409,7 @@
           <a:p>
             <a:fld id="{83D81050-B5AC-4287-9BFE-8FA365E2B7CE}" type="datetimeFigureOut">
               <a:rPr lang="ko-KR" altLang="en-US" smtClean="0"/>
-              <a:t>2023-11-22</a:t>
+              <a:t>2023-11-29</a:t>
             </a:fld>
             <a:endParaRPr lang="ko-KR" altLang="en-US"/>
           </a:p>
@@ -1821,7 +1821,7 @@
           <a:p>
             <a:fld id="{83D81050-B5AC-4287-9BFE-8FA365E2B7CE}" type="datetimeFigureOut">
               <a:rPr lang="ko-KR" altLang="en-US" smtClean="0"/>
-              <a:t>2023-11-22</a:t>
+              <a:t>2023-11-29</a:t>
             </a:fld>
             <a:endParaRPr lang="ko-KR" altLang="en-US"/>
           </a:p>
@@ -1962,7 +1962,7 @@
           <a:p>
             <a:fld id="{83D81050-B5AC-4287-9BFE-8FA365E2B7CE}" type="datetimeFigureOut">
               <a:rPr lang="ko-KR" altLang="en-US" smtClean="0"/>
-              <a:t>2023-11-22</a:t>
+              <a:t>2023-11-29</a:t>
             </a:fld>
             <a:endParaRPr lang="ko-KR" altLang="en-US"/>
           </a:p>
@@ -2075,7 +2075,7 @@
           <a:p>
             <a:fld id="{83D81050-B5AC-4287-9BFE-8FA365E2B7CE}" type="datetimeFigureOut">
               <a:rPr lang="ko-KR" altLang="en-US" smtClean="0"/>
-              <a:t>2023-11-22</a:t>
+              <a:t>2023-11-29</a:t>
             </a:fld>
             <a:endParaRPr lang="ko-KR" altLang="en-US"/>
           </a:p>
@@ -2386,7 +2386,7 @@
           <a:p>
             <a:fld id="{83D81050-B5AC-4287-9BFE-8FA365E2B7CE}" type="datetimeFigureOut">
               <a:rPr lang="ko-KR" altLang="en-US" smtClean="0"/>
-              <a:t>2023-11-22</a:t>
+              <a:t>2023-11-29</a:t>
             </a:fld>
             <a:endParaRPr lang="ko-KR" altLang="en-US"/>
           </a:p>
@@ -2674,7 +2674,7 @@
           <a:p>
             <a:fld id="{83D81050-B5AC-4287-9BFE-8FA365E2B7CE}" type="datetimeFigureOut">
               <a:rPr lang="ko-KR" altLang="en-US" smtClean="0"/>
-              <a:t>2023-11-22</a:t>
+              <a:t>2023-11-29</a:t>
             </a:fld>
             <a:endParaRPr lang="ko-KR" altLang="en-US"/>
           </a:p>
@@ -2915,7 +2915,7 @@
           <a:p>
             <a:fld id="{83D81050-B5AC-4287-9BFE-8FA365E2B7CE}" type="datetimeFigureOut">
               <a:rPr lang="ko-KR" altLang="en-US" smtClean="0"/>
-              <a:t>2023-11-22</a:t>
+              <a:t>2023-11-29</a:t>
             </a:fld>
             <a:endParaRPr lang="ko-KR" altLang="en-US"/>
           </a:p>
@@ -5070,7 +5070,7 @@
         <p:spPr>
           <a:xfrm>
             <a:off x="4085112" y="5396983"/>
-            <a:ext cx="3586348" cy="1210583"/>
+            <a:ext cx="2511631" cy="1210583"/>
           </a:xfrm>
           <a:prstGeom prst="rect">
             <a:avLst/>
@@ -5391,6 +5391,64 @@
           </a:fontRef>
         </p:style>
       </p:cxnSp>
+      <p:sp>
+        <p:nvSpPr>
+          <p:cNvPr id="2" name="직사각형 1">
+            <a:extLst>
+              <a:ext uri="{FF2B5EF4-FFF2-40B4-BE49-F238E27FC236}">
+                <a16:creationId xmlns:a16="http://schemas.microsoft.com/office/drawing/2014/main" id="{C1AA2F78-550B-009B-BBCC-DF5465D87042}"/>
+              </a:ext>
+            </a:extLst>
+          </p:cNvPr>
+          <p:cNvSpPr/>
+          <p:nvPr/>
+        </p:nvSpPr>
+        <p:spPr>
+          <a:xfrm>
+            <a:off x="6703621" y="5396983"/>
+            <a:ext cx="1074716" cy="1210583"/>
+          </a:xfrm>
+          <a:prstGeom prst="rect">
+            <a:avLst/>
+          </a:prstGeom>
+          <a:solidFill>
+            <a:schemeClr val="accent3"/>
+          </a:solidFill>
+          <a:ln>
+            <a:solidFill>
+              <a:schemeClr val="tx1"/>
+            </a:solidFill>
+          </a:ln>
+        </p:spPr>
+        <p:style>
+          <a:lnRef idx="2">
+            <a:schemeClr val="accent1">
+              <a:shade val="15000"/>
+            </a:schemeClr>
+          </a:lnRef>
+          <a:fillRef idx="1">
+            <a:schemeClr val="accent1"/>
+          </a:fillRef>
+          <a:effectRef idx="0">
+            <a:schemeClr val="accent1"/>
+          </a:effectRef>
+          <a:fontRef idx="minor">
+            <a:schemeClr val="lt1"/>
+          </a:fontRef>
+        </p:style>
+        <p:txBody>
+          <a:bodyPr rtlCol="0" anchor="ctr"/>
+          <a:lstStyle/>
+          <a:p>
+            <a:pPr algn="ctr"/>
+            <a:r>
+              <a:rPr lang="en-US" altLang="ko-KR"/>
+              <a:t>PWR</a:t>
+            </a:r>
+            <a:endParaRPr lang="ko-KR" altLang="en-US"/>
+          </a:p>
+        </p:txBody>
+      </p:sp>
     </p:spTree>
     <p:extLst>
       <p:ext uri="{BB962C8B-B14F-4D97-AF65-F5344CB8AC3E}">
@@ -5435,7 +5493,7 @@
         </p:nvSpPr>
         <p:spPr>
           <a:xfrm rot="5400000">
-            <a:off x="7501904" y="4064514"/>
+            <a:off x="7585177" y="4064514"/>
             <a:ext cx="576488" cy="443603"/>
           </a:xfrm>
           <a:prstGeom prst="triangle">
@@ -5841,7 +5899,7 @@
         </p:nvGrpSpPr>
         <p:grpSpPr>
           <a:xfrm>
-            <a:off x="3637694" y="4149743"/>
+            <a:off x="3779704" y="4242212"/>
             <a:ext cx="621093" cy="621093"/>
             <a:chOff x="3310368" y="4369910"/>
             <a:chExt cx="621093" cy="621093"/>
@@ -6347,7 +6405,6 @@
           </p:cNvPr>
           <p:cNvCxnSpPr>
             <a:cxnSpLocks/>
-            <a:stCxn id="35" idx="1"/>
             <a:endCxn id="6" idx="3"/>
           </p:cNvCxnSpPr>
           <p:nvPr/>
@@ -6355,7 +6412,7 @@
         <p:spPr>
           <a:xfrm flipH="1">
             <a:off x="5687289" y="4283445"/>
-            <a:ext cx="266199" cy="0"/>
+            <a:ext cx="89624" cy="0"/>
           </a:xfrm>
           <a:prstGeom prst="line">
             <a:avLst/>
@@ -6381,47 +6438,6 @@
           </a:fontRef>
         </p:style>
       </p:cxnSp>
-      <p:cxnSp>
-        <p:nvCxnSpPr>
-          <p:cNvPr id="25" name="직선 연결선[R] 92">
-            <a:extLst>
-              <a:ext uri="{FF2B5EF4-FFF2-40B4-BE49-F238E27FC236}">
-                <a16:creationId xmlns:a16="http://schemas.microsoft.com/office/drawing/2014/main" id="{C54F9B86-01F0-8284-A1CA-14C73642D2A4}"/>
-              </a:ext>
-            </a:extLst>
-          </p:cNvPr>
-          <p:cNvCxnSpPr>
-            <a:cxnSpLocks/>
-            <a:stCxn id="4" idx="3"/>
-            <a:endCxn id="10" idx="3"/>
-          </p:cNvCxnSpPr>
-          <p:nvPr/>
-        </p:nvCxnSpPr>
-        <p:spPr>
-          <a:xfrm flipH="1" flipV="1">
-            <a:off x="7416317" y="4284057"/>
-            <a:ext cx="152030" cy="2259"/>
-          </a:xfrm>
-          <a:prstGeom prst="line">
-            <a:avLst/>
-          </a:prstGeom>
-          <a:ln w="25400"/>
-        </p:spPr>
-        <p:style>
-          <a:lnRef idx="1">
-            <a:schemeClr val="dk1"/>
-          </a:lnRef>
-          <a:fillRef idx="0">
-            <a:schemeClr val="dk1"/>
-          </a:fillRef>
-          <a:effectRef idx="0">
-            <a:schemeClr val="dk1"/>
-          </a:effectRef>
-          <a:fontRef idx="minor">
-            <a:schemeClr val="tx1"/>
-          </a:fontRef>
-        </p:style>
-      </p:cxnSp>
       <p:sp>
         <p:nvSpPr>
           <p:cNvPr id="26" name="TextBox 25">
@@ -6436,7 +6452,7 @@
         </p:nvSpPr>
         <p:spPr>
           <a:xfrm>
-            <a:off x="3606426" y="4783821"/>
+            <a:off x="3748436" y="4876290"/>
             <a:ext cx="683628" cy="492443"/>
           </a:xfrm>
           <a:prstGeom prst="rect">
@@ -6902,15 +6918,14 @@
           </p:cNvPr>
           <p:cNvCxnSpPr>
             <a:cxnSpLocks/>
-            <a:stCxn id="10" idx="1"/>
             <a:endCxn id="35" idx="3"/>
           </p:cNvCxnSpPr>
           <p:nvPr/>
         </p:nvCxnSpPr>
         <p:spPr>
-          <a:xfrm flipH="1" flipV="1">
+          <a:xfrm flipH="1">
             <a:off x="6574581" y="4283445"/>
-            <a:ext cx="220643" cy="612"/>
+            <a:ext cx="65932" cy="0"/>
           </a:xfrm>
           <a:prstGeom prst="line">
             <a:avLst/>
@@ -6954,7 +6969,7 @@
         </p:nvCxnSpPr>
         <p:spPr>
           <a:xfrm flipH="1" flipV="1">
-            <a:off x="3017360" y="4460289"/>
+            <a:off x="3159370" y="4552758"/>
             <a:ext cx="620334" cy="1"/>
           </a:xfrm>
           <a:prstGeom prst="line">
@@ -7084,7 +7099,7 @@
         </p:nvSpPr>
         <p:spPr>
           <a:xfrm>
-            <a:off x="2030476" y="3116677"/>
+            <a:off x="2172486" y="3209146"/>
             <a:ext cx="986884" cy="2687224"/>
           </a:xfrm>
           <a:prstGeom prst="rect">
@@ -7144,7 +7159,7 @@
         </p:nvSpPr>
         <p:spPr>
           <a:xfrm>
-            <a:off x="8163978" y="3898356"/>
+            <a:off x="8342047" y="3898356"/>
             <a:ext cx="1187839" cy="775919"/>
           </a:xfrm>
           <a:prstGeom prst="rect">
@@ -7443,14 +7458,329 @@
         <p:spPr>
           <a:xfrm>
             <a:off x="4854154" y="4817040"/>
-            <a:ext cx="3309824" cy="1253560"/>
+            <a:ext cx="3404620" cy="1253560"/>
           </a:xfrm>
           <a:prstGeom prst="bentConnector3">
             <a:avLst>
-              <a:gd name="adj1" fmla="val 6407"/>
+              <a:gd name="adj1" fmla="val 7102"/>
             </a:avLst>
           </a:prstGeom>
           <a:ln w="25400"/>
+        </p:spPr>
+        <p:style>
+          <a:lnRef idx="1">
+            <a:schemeClr val="dk1"/>
+          </a:lnRef>
+          <a:fillRef idx="0">
+            <a:schemeClr val="dk1"/>
+          </a:fillRef>
+          <a:effectRef idx="0">
+            <a:schemeClr val="dk1"/>
+          </a:effectRef>
+          <a:fontRef idx="minor">
+            <a:schemeClr val="tx1"/>
+          </a:fontRef>
+        </p:style>
+      </p:cxnSp>
+      <p:sp>
+        <p:nvSpPr>
+          <p:cNvPr id="52" name="직사각형 51">
+            <a:extLst>
+              <a:ext uri="{FF2B5EF4-FFF2-40B4-BE49-F238E27FC236}">
+                <a16:creationId xmlns:a16="http://schemas.microsoft.com/office/drawing/2014/main" id="{6FA0557C-F19F-27EF-8C92-0CAADD6C57DC}"/>
+              </a:ext>
+            </a:extLst>
+          </p:cNvPr>
+          <p:cNvSpPr/>
+          <p:nvPr/>
+        </p:nvSpPr>
+        <p:spPr>
+          <a:xfrm>
+            <a:off x="8258774" y="5682640"/>
+            <a:ext cx="1187839" cy="775919"/>
+          </a:xfrm>
+          <a:prstGeom prst="rect">
+            <a:avLst/>
+          </a:prstGeom>
+          <a:noFill/>
+          <a:ln w="25400"/>
+        </p:spPr>
+        <p:style>
+          <a:lnRef idx="2">
+            <a:schemeClr val="dk1">
+              <a:shade val="50000"/>
+            </a:schemeClr>
+          </a:lnRef>
+          <a:fillRef idx="1">
+            <a:schemeClr val="dk1"/>
+          </a:fillRef>
+          <a:effectRef idx="0">
+            <a:schemeClr val="dk1"/>
+          </a:effectRef>
+          <a:fontRef idx="minor">
+            <a:schemeClr val="lt1"/>
+          </a:fontRef>
+        </p:style>
+        <p:txBody>
+          <a:bodyPr rtlCol="0" anchor="ctr"/>
+          <a:lstStyle/>
+          <a:p>
+            <a:pPr algn="ctr"/>
+            <a:r>
+              <a:rPr kumimoji="1" lang="en-US" altLang="ko-Kore-KR">
+                <a:solidFill>
+                  <a:schemeClr val="tx1"/>
+                </a:solidFill>
+              </a:rPr>
+              <a:t>SMA </a:t>
+            </a:r>
+          </a:p>
+          <a:p>
+            <a:pPr algn="ctr"/>
+            <a:r>
+              <a:rPr kumimoji="1" lang="en-US" altLang="ko-Kore-KR">
+                <a:solidFill>
+                  <a:schemeClr val="tx1"/>
+                </a:solidFill>
+              </a:rPr>
+              <a:t>output</a:t>
+            </a:r>
+            <a:endParaRPr kumimoji="1" lang="ko-Kore-KR" altLang="en-US" dirty="0">
+              <a:solidFill>
+                <a:schemeClr val="tx1"/>
+              </a:solidFill>
+            </a:endParaRPr>
+          </a:p>
+        </p:txBody>
+      </p:sp>
+      <p:cxnSp>
+        <p:nvCxnSpPr>
+          <p:cNvPr id="53" name="연결선: 꺾임 52">
+            <a:extLst>
+              <a:ext uri="{FF2B5EF4-FFF2-40B4-BE49-F238E27FC236}">
+                <a16:creationId xmlns:a16="http://schemas.microsoft.com/office/drawing/2014/main" id="{1FFEC3D9-4DB6-DAC5-9965-36ADDD50F621}"/>
+              </a:ext>
+            </a:extLst>
+          </p:cNvPr>
+          <p:cNvCxnSpPr>
+            <a:cxnSpLocks/>
+            <a:endCxn id="47" idx="0"/>
+          </p:cNvCxnSpPr>
+          <p:nvPr/>
+        </p:nvCxnSpPr>
+        <p:spPr>
+          <a:xfrm rot="16200000" flipH="1">
+            <a:off x="3925418" y="3355710"/>
+            <a:ext cx="1602029" cy="194701"/>
+          </a:xfrm>
+          <a:prstGeom prst="bentConnector3">
+            <a:avLst>
+              <a:gd name="adj1" fmla="val 50000"/>
+            </a:avLst>
+          </a:prstGeom>
+          <a:ln w="25400">
+            <a:tailEnd type="triangle"/>
+          </a:ln>
+        </p:spPr>
+        <p:style>
+          <a:lnRef idx="1">
+            <a:schemeClr val="dk1"/>
+          </a:lnRef>
+          <a:fillRef idx="0">
+            <a:schemeClr val="dk1"/>
+          </a:fillRef>
+          <a:effectRef idx="0">
+            <a:schemeClr val="dk1"/>
+          </a:effectRef>
+          <a:fontRef idx="minor">
+            <a:schemeClr val="tx1"/>
+          </a:fontRef>
+        </p:style>
+      </p:cxnSp>
+      <p:sp>
+        <p:nvSpPr>
+          <p:cNvPr id="54" name="TextBox 53">
+            <a:extLst>
+              <a:ext uri="{FF2B5EF4-FFF2-40B4-BE49-F238E27FC236}">
+                <a16:creationId xmlns:a16="http://schemas.microsoft.com/office/drawing/2014/main" id="{0E24183F-9031-9203-06BC-349BD75B40CA}"/>
+              </a:ext>
+            </a:extLst>
+          </p:cNvPr>
+          <p:cNvSpPr txBox="1"/>
+          <p:nvPr/>
+        </p:nvSpPr>
+        <p:spPr>
+          <a:xfrm>
+            <a:off x="4270171" y="4911834"/>
+            <a:ext cx="875916" cy="292388"/>
+          </a:xfrm>
+          <a:prstGeom prst="rect">
+            <a:avLst/>
+          </a:prstGeom>
+          <a:noFill/>
+        </p:spPr>
+        <p:txBody>
+          <a:bodyPr wrap="square" rtlCol="0">
+            <a:spAutoFit/>
+          </a:bodyPr>
+          <a:lstStyle/>
+          <a:p>
+            <a:pPr algn="ctr"/>
+            <a:r>
+              <a:rPr kumimoji="1" lang="en-US" altLang="ko-Kore-KR" sz="1300"/>
+              <a:t>RF SPDT</a:t>
+            </a:r>
+            <a:endParaRPr kumimoji="1" lang="ko-Kore-KR" altLang="en-US" sz="1300" dirty="0"/>
+          </a:p>
+        </p:txBody>
+      </p:sp>
+      <p:sp>
+        <p:nvSpPr>
+          <p:cNvPr id="55" name="TextBox 54">
+            <a:extLst>
+              <a:ext uri="{FF2B5EF4-FFF2-40B4-BE49-F238E27FC236}">
+                <a16:creationId xmlns:a16="http://schemas.microsoft.com/office/drawing/2014/main" id="{F158E427-4768-0967-18DB-0EC487444342}"/>
+              </a:ext>
+            </a:extLst>
+          </p:cNvPr>
+          <p:cNvSpPr txBox="1"/>
+          <p:nvPr/>
+        </p:nvSpPr>
+        <p:spPr>
+          <a:xfrm>
+            <a:off x="433449" y="694706"/>
+            <a:ext cx="1424493" cy="369332"/>
+          </a:xfrm>
+          <a:prstGeom prst="rect">
+            <a:avLst/>
+          </a:prstGeom>
+          <a:noFill/>
+        </p:spPr>
+        <p:txBody>
+          <a:bodyPr wrap="none" rtlCol="0">
+            <a:spAutoFit/>
+          </a:bodyPr>
+          <a:lstStyle/>
+          <a:p>
+            <a:r>
+              <a:rPr lang="en-US" altLang="ko-KR"/>
+              <a:t>DAC</a:t>
+            </a:r>
+            <a:r>
+              <a:rPr lang="ko-KR" altLang="en-US"/>
+              <a:t> </a:t>
+            </a:r>
+            <a:r>
+              <a:rPr lang="en-US" altLang="ko-KR"/>
+              <a:t>output</a:t>
+            </a:r>
+            <a:endParaRPr lang="ko-KR" altLang="en-US"/>
+          </a:p>
+        </p:txBody>
+      </p:sp>
+      <p:sp>
+        <p:nvSpPr>
+          <p:cNvPr id="63" name="TextBox 62">
+            <a:extLst>
+              <a:ext uri="{FF2B5EF4-FFF2-40B4-BE49-F238E27FC236}">
+                <a16:creationId xmlns:a16="http://schemas.microsoft.com/office/drawing/2014/main" id="{0B8EC698-4380-CEE5-22A4-1C8347F7F478}"/>
+              </a:ext>
+            </a:extLst>
+          </p:cNvPr>
+          <p:cNvSpPr txBox="1"/>
+          <p:nvPr/>
+        </p:nvSpPr>
+        <p:spPr>
+          <a:xfrm>
+            <a:off x="6229054" y="3054627"/>
+            <a:ext cx="2359671" cy="369332"/>
+          </a:xfrm>
+          <a:prstGeom prst="rect">
+            <a:avLst/>
+          </a:prstGeom>
+          <a:noFill/>
+        </p:spPr>
+        <p:txBody>
+          <a:bodyPr wrap="square">
+            <a:spAutoFit/>
+          </a:bodyPr>
+          <a:lstStyle/>
+          <a:p>
+            <a:pPr algn="ctr"/>
+            <a:r>
+              <a:rPr lang="en-US" altLang="ko-KR" sz="1800" b="1" i="0">
+                <a:effectLst/>
+              </a:rPr>
+              <a:t>PAT1220-C-9DB-T5</a:t>
+            </a:r>
+            <a:endParaRPr lang="ko-KR" altLang="en-US" b="1"/>
+          </a:p>
+        </p:txBody>
+      </p:sp>
+      <p:sp>
+        <p:nvSpPr>
+          <p:cNvPr id="65" name="TextBox 64">
+            <a:extLst>
+              <a:ext uri="{FF2B5EF4-FFF2-40B4-BE49-F238E27FC236}">
+                <a16:creationId xmlns:a16="http://schemas.microsoft.com/office/drawing/2014/main" id="{C8DB26B4-973A-8602-480C-579F69AEE790}"/>
+              </a:ext>
+            </a:extLst>
+          </p:cNvPr>
+          <p:cNvSpPr txBox="1"/>
+          <p:nvPr/>
+        </p:nvSpPr>
+        <p:spPr>
+          <a:xfrm>
+            <a:off x="8544583" y="3041686"/>
+            <a:ext cx="1907517" cy="369332"/>
+          </a:xfrm>
+          <a:prstGeom prst="rect">
+            <a:avLst/>
+          </a:prstGeom>
+          <a:noFill/>
+        </p:spPr>
+        <p:txBody>
+          <a:bodyPr wrap="square">
+            <a:spAutoFit/>
+          </a:bodyPr>
+          <a:lstStyle/>
+          <a:p>
+            <a:pPr algn="ctr"/>
+            <a:r>
+              <a:rPr kumimoji="1" lang="en-US" altLang="en-US" sz="1800" b="1"/>
+              <a:t>ERA-3SM+ </a:t>
+            </a:r>
+            <a:endParaRPr lang="ko-KR" altLang="en-US" b="1"/>
+          </a:p>
+        </p:txBody>
+      </p:sp>
+      <p:cxnSp>
+        <p:nvCxnSpPr>
+          <p:cNvPr id="67" name="직선 연결선 66">
+            <a:extLst>
+              <a:ext uri="{FF2B5EF4-FFF2-40B4-BE49-F238E27FC236}">
+                <a16:creationId xmlns:a16="http://schemas.microsoft.com/office/drawing/2014/main" id="{1C0DE481-3BA8-5133-C25A-5A56EA16280A}"/>
+              </a:ext>
+            </a:extLst>
+          </p:cNvPr>
+          <p:cNvCxnSpPr>
+            <a:cxnSpLocks/>
+            <a:stCxn id="10" idx="0"/>
+            <a:endCxn id="63" idx="2"/>
+          </p:cNvCxnSpPr>
+          <p:nvPr/>
+        </p:nvCxnSpPr>
+        <p:spPr>
+          <a:xfrm flipV="1">
+            <a:off x="7105771" y="3423959"/>
+            <a:ext cx="303119" cy="549551"/>
+          </a:xfrm>
+          <a:prstGeom prst="line">
+            <a:avLst/>
+          </a:prstGeom>
+          <a:ln w="19050">
+            <a:prstDash val="lgDash"/>
+          </a:ln>
         </p:spPr>
         <p:style>
           <a:lnRef idx="1">
@@ -7469,29 +7799,31 @@
       </p:cxnSp>
       <p:cxnSp>
         <p:nvCxnSpPr>
-          <p:cNvPr id="51" name="직선 연결선[R] 92">
-            <a:extLst>
-              <a:ext uri="{FF2B5EF4-FFF2-40B4-BE49-F238E27FC236}">
-                <a16:creationId xmlns:a16="http://schemas.microsoft.com/office/drawing/2014/main" id="{CF163EDA-1A78-7604-2020-9EF81B247438}"/>
+          <p:cNvPr id="68" name="직선 연결선 67">
+            <a:extLst>
+              <a:ext uri="{FF2B5EF4-FFF2-40B4-BE49-F238E27FC236}">
+                <a16:creationId xmlns:a16="http://schemas.microsoft.com/office/drawing/2014/main" id="{C9543972-CC59-38BB-5397-A5A3599AF430}"/>
               </a:ext>
             </a:extLst>
           </p:cNvPr>
           <p:cNvCxnSpPr>
             <a:cxnSpLocks/>
-            <a:stCxn id="44" idx="1"/>
-            <a:endCxn id="4" idx="0"/>
+            <a:stCxn id="4" idx="1"/>
+            <a:endCxn id="65" idx="2"/>
           </p:cNvCxnSpPr>
           <p:nvPr/>
         </p:nvCxnSpPr>
         <p:spPr>
-          <a:xfrm flipH="1">
-            <a:off x="8011950" y="4286316"/>
-            <a:ext cx="152028" cy="0"/>
+          <a:xfrm flipV="1">
+            <a:off x="7873421" y="3411018"/>
+            <a:ext cx="1624921" cy="731176"/>
           </a:xfrm>
           <a:prstGeom prst="line">
             <a:avLst/>
           </a:prstGeom>
-          <a:ln w="25400"/>
+          <a:ln w="19050">
+            <a:prstDash val="lgDash"/>
+          </a:ln>
         </p:spPr>
         <p:style>
           <a:lnRef idx="1">
@@ -7510,10 +7842,397 @@
       </p:cxnSp>
       <p:sp>
         <p:nvSpPr>
-          <p:cNvPr id="52" name="직사각형 51">
-            <a:extLst>
-              <a:ext uri="{FF2B5EF4-FFF2-40B4-BE49-F238E27FC236}">
-                <a16:creationId xmlns:a16="http://schemas.microsoft.com/office/drawing/2014/main" id="{6FA0557C-F19F-27EF-8C92-0CAADD6C57DC}"/>
+          <p:cNvPr id="71" name="TextBox 70">
+            <a:extLst>
+              <a:ext uri="{FF2B5EF4-FFF2-40B4-BE49-F238E27FC236}">
+                <a16:creationId xmlns:a16="http://schemas.microsoft.com/office/drawing/2014/main" id="{9F0E31F0-0209-07AF-029B-C66C3EFA5533}"/>
+              </a:ext>
+            </a:extLst>
+          </p:cNvPr>
+          <p:cNvSpPr txBox="1"/>
+          <p:nvPr/>
+        </p:nvSpPr>
+        <p:spPr>
+          <a:xfrm>
+            <a:off x="4649109" y="3054627"/>
+            <a:ext cx="1597156" cy="369332"/>
+          </a:xfrm>
+          <a:prstGeom prst="rect">
+            <a:avLst/>
+          </a:prstGeom>
+          <a:noFill/>
+        </p:spPr>
+        <p:txBody>
+          <a:bodyPr wrap="square">
+            <a:spAutoFit/>
+          </a:bodyPr>
+          <a:lstStyle/>
+          <a:p>
+            <a:pPr algn="ctr"/>
+            <a:r>
+              <a:rPr lang="en-US" altLang="ko-KR" sz="1800" i="0">
+                <a:effectLst/>
+              </a:rPr>
+              <a:t>Eliptical filter</a:t>
+            </a:r>
+            <a:endParaRPr lang="ko-KR" altLang="en-US"/>
+          </a:p>
+        </p:txBody>
+      </p:sp>
+      <p:cxnSp>
+        <p:nvCxnSpPr>
+          <p:cNvPr id="72" name="직선 연결선 71">
+            <a:extLst>
+              <a:ext uri="{FF2B5EF4-FFF2-40B4-BE49-F238E27FC236}">
+                <a16:creationId xmlns:a16="http://schemas.microsoft.com/office/drawing/2014/main" id="{2BA12069-7DCA-7D8D-5E40-FB2B9CE44E8A}"/>
+              </a:ext>
+            </a:extLst>
+          </p:cNvPr>
+          <p:cNvCxnSpPr>
+            <a:cxnSpLocks/>
+            <a:stCxn id="6" idx="0"/>
+            <a:endCxn id="71" idx="2"/>
+          </p:cNvCxnSpPr>
+          <p:nvPr/>
+        </p:nvCxnSpPr>
+        <p:spPr>
+          <a:xfrm flipV="1">
+            <a:off x="5376743" y="3423959"/>
+            <a:ext cx="70944" cy="548939"/>
+          </a:xfrm>
+          <a:prstGeom prst="line">
+            <a:avLst/>
+          </a:prstGeom>
+          <a:ln w="19050">
+            <a:prstDash val="lgDash"/>
+          </a:ln>
+        </p:spPr>
+        <p:style>
+          <a:lnRef idx="1">
+            <a:schemeClr val="dk1"/>
+          </a:lnRef>
+          <a:fillRef idx="0">
+            <a:schemeClr val="dk1"/>
+          </a:fillRef>
+          <a:effectRef idx="0">
+            <a:schemeClr val="dk1"/>
+          </a:effectRef>
+          <a:fontRef idx="minor">
+            <a:schemeClr val="tx1"/>
+          </a:fontRef>
+        </p:style>
+      </p:cxnSp>
+      <p:sp>
+        <p:nvSpPr>
+          <p:cNvPr id="77" name="TextBox 76">
+            <a:extLst>
+              <a:ext uri="{FF2B5EF4-FFF2-40B4-BE49-F238E27FC236}">
+                <a16:creationId xmlns:a16="http://schemas.microsoft.com/office/drawing/2014/main" id="{A897D51F-BF9D-FBAB-0F0F-69F1B253F5E3}"/>
+              </a:ext>
+            </a:extLst>
+          </p:cNvPr>
+          <p:cNvSpPr txBox="1"/>
+          <p:nvPr/>
+        </p:nvSpPr>
+        <p:spPr>
+          <a:xfrm>
+            <a:off x="3024797" y="3054627"/>
+            <a:ext cx="1597156" cy="369332"/>
+          </a:xfrm>
+          <a:prstGeom prst="rect">
+            <a:avLst/>
+          </a:prstGeom>
+          <a:noFill/>
+        </p:spPr>
+        <p:txBody>
+          <a:bodyPr wrap="square">
+            <a:spAutoFit/>
+          </a:bodyPr>
+          <a:lstStyle/>
+          <a:p>
+            <a:pPr algn="ctr"/>
+            <a:r>
+              <a:rPr lang="en-US" altLang="ko-KR" sz="1800" b="1" i="0">
+                <a:effectLst/>
+              </a:rPr>
+              <a:t>TC2-72T+</a:t>
+            </a:r>
+            <a:endParaRPr lang="ko-KR" altLang="en-US" b="1"/>
+          </a:p>
+        </p:txBody>
+      </p:sp>
+      <p:cxnSp>
+        <p:nvCxnSpPr>
+          <p:cNvPr id="78" name="직선 연결선 77">
+            <a:extLst>
+              <a:ext uri="{FF2B5EF4-FFF2-40B4-BE49-F238E27FC236}">
+                <a16:creationId xmlns:a16="http://schemas.microsoft.com/office/drawing/2014/main" id="{3F47FBC5-D47D-96C3-062A-7F9975F38C28}"/>
+              </a:ext>
+            </a:extLst>
+          </p:cNvPr>
+          <p:cNvCxnSpPr>
+            <a:cxnSpLocks/>
+            <a:stCxn id="15" idx="0"/>
+            <a:endCxn id="77" idx="2"/>
+          </p:cNvCxnSpPr>
+          <p:nvPr/>
+        </p:nvCxnSpPr>
+        <p:spPr>
+          <a:xfrm flipH="1" flipV="1">
+            <a:off x="3823375" y="3423959"/>
+            <a:ext cx="266876" cy="818253"/>
+          </a:xfrm>
+          <a:prstGeom prst="line">
+            <a:avLst/>
+          </a:prstGeom>
+          <a:ln w="19050">
+            <a:prstDash val="lgDash"/>
+          </a:ln>
+        </p:spPr>
+        <p:style>
+          <a:lnRef idx="1">
+            <a:schemeClr val="dk1"/>
+          </a:lnRef>
+          <a:fillRef idx="0">
+            <a:schemeClr val="dk1"/>
+          </a:fillRef>
+          <a:effectRef idx="0">
+            <a:schemeClr val="dk1"/>
+          </a:effectRef>
+          <a:fontRef idx="minor">
+            <a:schemeClr val="tx1"/>
+          </a:fontRef>
+        </p:style>
+      </p:cxnSp>
+      <p:sp>
+        <p:nvSpPr>
+          <p:cNvPr id="85" name="TextBox 84">
+            <a:extLst>
+              <a:ext uri="{FF2B5EF4-FFF2-40B4-BE49-F238E27FC236}">
+                <a16:creationId xmlns:a16="http://schemas.microsoft.com/office/drawing/2014/main" id="{B5FDF0A2-7BFA-0D58-374B-3F3178B85068}"/>
+              </a:ext>
+            </a:extLst>
+          </p:cNvPr>
+          <p:cNvSpPr txBox="1"/>
+          <p:nvPr/>
+        </p:nvSpPr>
+        <p:spPr>
+          <a:xfrm>
+            <a:off x="4095341" y="6343234"/>
+            <a:ext cx="1788397" cy="369332"/>
+          </a:xfrm>
+          <a:prstGeom prst="rect">
+            <a:avLst/>
+          </a:prstGeom>
+          <a:noFill/>
+        </p:spPr>
+        <p:txBody>
+          <a:bodyPr wrap="square">
+            <a:spAutoFit/>
+          </a:bodyPr>
+          <a:lstStyle/>
+          <a:p>
+            <a:pPr algn="ctr"/>
+            <a:r>
+              <a:rPr lang="en-US" altLang="ko-KR" sz="1800" b="1" i="0" u="none" strike="noStrike">
+                <a:solidFill>
+                  <a:srgbClr val="000000"/>
+                </a:solidFill>
+                <a:effectLst/>
+                <a:latin typeface="맑은 고딕" panose="020B0503020000020004" pitchFamily="50" charset="-127"/>
+                <a:ea typeface="맑은 고딕" panose="020B0503020000020004" pitchFamily="50" charset="-127"/>
+              </a:rPr>
+              <a:t>DAT-31A-PP+</a:t>
+            </a:r>
+            <a:r>
+              <a:rPr lang="en-US" altLang="ko-KR" b="1"/>
+              <a:t> </a:t>
+            </a:r>
+            <a:endParaRPr lang="ko-KR" altLang="en-US" b="1"/>
+          </a:p>
+        </p:txBody>
+      </p:sp>
+      <p:cxnSp>
+        <p:nvCxnSpPr>
+          <p:cNvPr id="86" name="직선 연결선 85">
+            <a:extLst>
+              <a:ext uri="{FF2B5EF4-FFF2-40B4-BE49-F238E27FC236}">
+                <a16:creationId xmlns:a16="http://schemas.microsoft.com/office/drawing/2014/main" id="{D3D93FAB-DC53-BC34-D1CE-5B7B0B80A202}"/>
+              </a:ext>
+            </a:extLst>
+          </p:cNvPr>
+          <p:cNvCxnSpPr>
+            <a:cxnSpLocks/>
+            <a:stCxn id="85" idx="0"/>
+            <a:endCxn id="37" idx="2"/>
+          </p:cNvCxnSpPr>
+          <p:nvPr/>
+        </p:nvCxnSpPr>
+        <p:spPr>
+          <a:xfrm flipV="1">
+            <a:off x="4989540" y="5099419"/>
+            <a:ext cx="1288471" cy="1243815"/>
+          </a:xfrm>
+          <a:prstGeom prst="line">
+            <a:avLst/>
+          </a:prstGeom>
+          <a:ln w="19050">
+            <a:prstDash val="lgDash"/>
+          </a:ln>
+        </p:spPr>
+        <p:style>
+          <a:lnRef idx="1">
+            <a:schemeClr val="dk1"/>
+          </a:lnRef>
+          <a:fillRef idx="0">
+            <a:schemeClr val="dk1"/>
+          </a:fillRef>
+          <a:effectRef idx="0">
+            <a:schemeClr val="dk1"/>
+          </a:effectRef>
+          <a:fontRef idx="minor">
+            <a:schemeClr val="tx1"/>
+          </a:fontRef>
+        </p:style>
+      </p:cxnSp>
+      <p:sp>
+        <p:nvSpPr>
+          <p:cNvPr id="92" name="TextBox 91">
+            <a:extLst>
+              <a:ext uri="{FF2B5EF4-FFF2-40B4-BE49-F238E27FC236}">
+                <a16:creationId xmlns:a16="http://schemas.microsoft.com/office/drawing/2014/main" id="{F2B16B54-45A7-6276-FBAB-FB60ECC4B8FB}"/>
+              </a:ext>
+            </a:extLst>
+          </p:cNvPr>
+          <p:cNvSpPr txBox="1"/>
+          <p:nvPr/>
+        </p:nvSpPr>
+        <p:spPr>
+          <a:xfrm>
+            <a:off x="6375581" y="2669087"/>
+            <a:ext cx="1788397" cy="369332"/>
+          </a:xfrm>
+          <a:prstGeom prst="rect">
+            <a:avLst/>
+          </a:prstGeom>
+          <a:noFill/>
+        </p:spPr>
+        <p:txBody>
+          <a:bodyPr wrap="square">
+            <a:spAutoFit/>
+          </a:bodyPr>
+          <a:lstStyle/>
+          <a:p>
+            <a:pPr algn="ctr"/>
+            <a:r>
+              <a:rPr lang="en-US" altLang="ko-KR" sz="1800" b="0" i="0" u="none" strike="noStrike">
+                <a:solidFill>
+                  <a:srgbClr val="000000"/>
+                </a:solidFill>
+                <a:effectLst/>
+                <a:latin typeface="맑은 고딕" panose="020B0503020000020004" pitchFamily="50" charset="-127"/>
+                <a:ea typeface="맑은 고딕" panose="020B0503020000020004" pitchFamily="50" charset="-127"/>
+              </a:rPr>
+              <a:t>5 digital pins</a:t>
+            </a:r>
+            <a:endParaRPr lang="ko-KR" altLang="en-US"/>
+          </a:p>
+        </p:txBody>
+      </p:sp>
+      <p:sp>
+        <p:nvSpPr>
+          <p:cNvPr id="93" name="TextBox 92">
+            <a:extLst>
+              <a:ext uri="{FF2B5EF4-FFF2-40B4-BE49-F238E27FC236}">
+                <a16:creationId xmlns:a16="http://schemas.microsoft.com/office/drawing/2014/main" id="{5BD01865-6106-1C39-CAD0-3C6D458A52C7}"/>
+              </a:ext>
+            </a:extLst>
+          </p:cNvPr>
+          <p:cNvSpPr txBox="1"/>
+          <p:nvPr/>
+        </p:nvSpPr>
+        <p:spPr>
+          <a:xfrm>
+            <a:off x="3005014" y="2663944"/>
+            <a:ext cx="1788397" cy="369332"/>
+          </a:xfrm>
+          <a:prstGeom prst="rect">
+            <a:avLst/>
+          </a:prstGeom>
+          <a:noFill/>
+        </p:spPr>
+        <p:txBody>
+          <a:bodyPr wrap="square">
+            <a:spAutoFit/>
+          </a:bodyPr>
+          <a:lstStyle/>
+          <a:p>
+            <a:pPr algn="ctr"/>
+            <a:r>
+              <a:rPr lang="en-US" altLang="ko-KR" sz="1800" b="0" i="0" u="none" strike="noStrike">
+                <a:solidFill>
+                  <a:srgbClr val="000000"/>
+                </a:solidFill>
+                <a:effectLst/>
+                <a:latin typeface="맑은 고딕" panose="020B0503020000020004" pitchFamily="50" charset="-127"/>
+                <a:ea typeface="맑은 고딕" panose="020B0503020000020004" pitchFamily="50" charset="-127"/>
+              </a:rPr>
+              <a:t>1 digital pin</a:t>
+            </a:r>
+            <a:endParaRPr lang="ko-KR" altLang="en-US"/>
+          </a:p>
+        </p:txBody>
+      </p:sp>
+      <p:sp>
+        <p:nvSpPr>
+          <p:cNvPr id="97" name="TextBox 96">
+            <a:extLst>
+              <a:ext uri="{FF2B5EF4-FFF2-40B4-BE49-F238E27FC236}">
+                <a16:creationId xmlns:a16="http://schemas.microsoft.com/office/drawing/2014/main" id="{30384885-52E9-B1DA-83C2-4D9AEF36CD1E}"/>
+              </a:ext>
+            </a:extLst>
+          </p:cNvPr>
+          <p:cNvSpPr txBox="1"/>
+          <p:nvPr/>
+        </p:nvSpPr>
+        <p:spPr>
+          <a:xfrm>
+            <a:off x="9351817" y="6458559"/>
+            <a:ext cx="2739153" cy="369332"/>
+          </a:xfrm>
+          <a:prstGeom prst="rect">
+            <a:avLst/>
+          </a:prstGeom>
+          <a:noFill/>
+        </p:spPr>
+        <p:txBody>
+          <a:bodyPr wrap="square">
+            <a:spAutoFit/>
+          </a:bodyPr>
+          <a:lstStyle/>
+          <a:p>
+            <a:pPr algn="ctr"/>
+            <a:r>
+              <a:rPr lang="en-US" altLang="ko-KR" sz="1800" b="0" i="0" u="none" strike="noStrike">
+                <a:solidFill>
+                  <a:srgbClr val="000000"/>
+                </a:solidFill>
+                <a:effectLst/>
+                <a:latin typeface="맑은 고딕" panose="020B0503020000020004" pitchFamily="50" charset="-127"/>
+                <a:ea typeface="맑은 고딕" panose="020B0503020000020004" pitchFamily="50" charset="-127"/>
+              </a:rPr>
+              <a:t>or total 13dB attenuator?</a:t>
+            </a:r>
+            <a:endParaRPr lang="ko-KR" altLang="en-US"/>
+          </a:p>
+        </p:txBody>
+      </p:sp>
+      <p:sp>
+        <p:nvSpPr>
+          <p:cNvPr id="3" name="직사각형 2">
+            <a:extLst>
+              <a:ext uri="{FF2B5EF4-FFF2-40B4-BE49-F238E27FC236}">
+                <a16:creationId xmlns:a16="http://schemas.microsoft.com/office/drawing/2014/main" id="{C3963A32-F26D-E111-40EE-3C91548A29E2}"/>
               </a:ext>
             </a:extLst>
           </p:cNvPr>
@@ -7522,8 +8241,8 @@
         </p:nvSpPr>
         <p:spPr>
           <a:xfrm>
-            <a:off x="8163978" y="5682640"/>
-            <a:ext cx="1187839" cy="775919"/>
+            <a:off x="4446773" y="1033825"/>
+            <a:ext cx="1886016" cy="1585980"/>
           </a:xfrm>
           <a:prstGeom prst="rect">
             <a:avLst/>
@@ -7553,59 +8272,196 @@
           <a:p>
             <a:pPr algn="ctr"/>
             <a:r>
-              <a:rPr kumimoji="1" lang="en-US" altLang="ko-Kore-KR">
+              <a:rPr kumimoji="1" lang="en-US" altLang="en-US">
                 <a:solidFill>
                   <a:schemeClr val="tx1"/>
                 </a:solidFill>
               </a:rPr>
-              <a:t>SMA </a:t>
+              <a:t>CPLD</a:t>
             </a:r>
           </a:p>
           <a:p>
             <a:pPr algn="ctr"/>
             <a:r>
-              <a:rPr kumimoji="1" lang="en-US" altLang="ko-Kore-KR">
+              <a:rPr lang="en-US" altLang="ko-KR" b="1" i="0">
+                <a:solidFill>
+                  <a:srgbClr val="333333"/>
+                </a:solidFill>
+                <a:effectLst/>
+                <a:latin typeface="Arial" panose="020B0604020202020204" pitchFamily="34" charset="0"/>
+              </a:rPr>
+              <a:t>XC2C128-7VQG100I</a:t>
+            </a:r>
+          </a:p>
+        </p:txBody>
+      </p:sp>
+      <p:sp>
+        <p:nvSpPr>
+          <p:cNvPr id="64" name="TextBox 24">
+            <a:extLst>
+              <a:ext uri="{FF2B5EF4-FFF2-40B4-BE49-F238E27FC236}">
+                <a16:creationId xmlns:a16="http://schemas.microsoft.com/office/drawing/2014/main" id="{5425818D-6BC4-2E0B-AFCD-2F0E8AE2597C}"/>
+              </a:ext>
+            </a:extLst>
+          </p:cNvPr>
+          <p:cNvSpPr txBox="1"/>
+          <p:nvPr/>
+        </p:nvSpPr>
+        <p:spPr>
+          <a:xfrm>
+            <a:off x="2014568" y="5881569"/>
+            <a:ext cx="3025902" cy="923330"/>
+          </a:xfrm>
+          <a:prstGeom prst="rect">
+            <a:avLst/>
+          </a:prstGeom>
+          <a:noFill/>
+        </p:spPr>
+        <p:txBody>
+          <a:bodyPr wrap="square" rtlCol="0">
+            <a:spAutoFit/>
+          </a:bodyPr>
+          <a:lstStyle>
+            <a:defPPr>
+              <a:defRPr lang="ko-Kore-KR"/>
+            </a:defPPr>
+            <a:lvl1pPr marL="0" algn="l" defTabSz="914400" rtl="0" eaLnBrk="1" latinLnBrk="0" hangingPunct="1">
+              <a:defRPr sz="1800" kern="1200">
                 <a:solidFill>
                   <a:schemeClr val="tx1"/>
                 </a:solidFill>
-              </a:rPr>
-              <a:t>output</a:t>
-            </a:r>
-            <a:endParaRPr kumimoji="1" lang="ko-Kore-KR" altLang="en-US" dirty="0">
-              <a:solidFill>
-                <a:schemeClr val="tx1"/>
-              </a:solidFill>
-            </a:endParaRPr>
+                <a:latin typeface="+mn-lt"/>
+                <a:ea typeface="+mn-ea"/>
+                <a:cs typeface="+mn-cs"/>
+              </a:defRPr>
+            </a:lvl1pPr>
+            <a:lvl2pPr marL="457200" algn="l" defTabSz="914400" rtl="0" eaLnBrk="1" latinLnBrk="0" hangingPunct="1">
+              <a:defRPr sz="1800" kern="1200">
+                <a:solidFill>
+                  <a:schemeClr val="tx1"/>
+                </a:solidFill>
+                <a:latin typeface="+mn-lt"/>
+                <a:ea typeface="+mn-ea"/>
+                <a:cs typeface="+mn-cs"/>
+              </a:defRPr>
+            </a:lvl2pPr>
+            <a:lvl3pPr marL="914400" algn="l" defTabSz="914400" rtl="0" eaLnBrk="1" latinLnBrk="0" hangingPunct="1">
+              <a:defRPr sz="1800" kern="1200">
+                <a:solidFill>
+                  <a:schemeClr val="tx1"/>
+                </a:solidFill>
+                <a:latin typeface="+mn-lt"/>
+                <a:ea typeface="+mn-ea"/>
+                <a:cs typeface="+mn-cs"/>
+              </a:defRPr>
+            </a:lvl3pPr>
+            <a:lvl4pPr marL="1371600" algn="l" defTabSz="914400" rtl="0" eaLnBrk="1" latinLnBrk="0" hangingPunct="1">
+              <a:defRPr sz="1800" kern="1200">
+                <a:solidFill>
+                  <a:schemeClr val="tx1"/>
+                </a:solidFill>
+                <a:latin typeface="+mn-lt"/>
+                <a:ea typeface="+mn-ea"/>
+                <a:cs typeface="+mn-cs"/>
+              </a:defRPr>
+            </a:lvl4pPr>
+            <a:lvl5pPr marL="1828800" algn="l" defTabSz="914400" rtl="0" eaLnBrk="1" latinLnBrk="0" hangingPunct="1">
+              <a:defRPr sz="1800" kern="1200">
+                <a:solidFill>
+                  <a:schemeClr val="tx1"/>
+                </a:solidFill>
+                <a:latin typeface="+mn-lt"/>
+                <a:ea typeface="+mn-ea"/>
+                <a:cs typeface="+mn-cs"/>
+              </a:defRPr>
+            </a:lvl5pPr>
+            <a:lvl6pPr marL="2286000" algn="l" defTabSz="914400" rtl="0" eaLnBrk="1" latinLnBrk="0" hangingPunct="1">
+              <a:defRPr sz="1800" kern="1200">
+                <a:solidFill>
+                  <a:schemeClr val="tx1"/>
+                </a:solidFill>
+                <a:latin typeface="+mn-lt"/>
+                <a:ea typeface="+mn-ea"/>
+                <a:cs typeface="+mn-cs"/>
+              </a:defRPr>
+            </a:lvl6pPr>
+            <a:lvl7pPr marL="2743200" algn="l" defTabSz="914400" rtl="0" eaLnBrk="1" latinLnBrk="0" hangingPunct="1">
+              <a:defRPr sz="1800" kern="1200">
+                <a:solidFill>
+                  <a:schemeClr val="tx1"/>
+                </a:solidFill>
+                <a:latin typeface="+mn-lt"/>
+                <a:ea typeface="+mn-ea"/>
+                <a:cs typeface="+mn-cs"/>
+              </a:defRPr>
+            </a:lvl7pPr>
+            <a:lvl8pPr marL="3200400" algn="l" defTabSz="914400" rtl="0" eaLnBrk="1" latinLnBrk="0" hangingPunct="1">
+              <a:defRPr sz="1800" kern="1200">
+                <a:solidFill>
+                  <a:schemeClr val="tx1"/>
+                </a:solidFill>
+                <a:latin typeface="+mn-lt"/>
+                <a:ea typeface="+mn-ea"/>
+                <a:cs typeface="+mn-cs"/>
+              </a:defRPr>
+            </a:lvl8pPr>
+            <a:lvl9pPr marL="3657600" algn="l" defTabSz="914400" rtl="0" eaLnBrk="1" latinLnBrk="0" hangingPunct="1">
+              <a:defRPr sz="1800" kern="1200">
+                <a:solidFill>
+                  <a:schemeClr val="tx1"/>
+                </a:solidFill>
+                <a:latin typeface="+mn-lt"/>
+                <a:ea typeface="+mn-ea"/>
+                <a:cs typeface="+mn-cs"/>
+              </a:defRPr>
+            </a:lvl9pPr>
+          </a:lstStyle>
+          <a:p>
+            <a:r>
+              <a:rPr lang="en-US" altLang="ko-KR" b="1" dirty="0"/>
+              <a:t>HMC545A</a:t>
+            </a:r>
+          </a:p>
+          <a:p>
+            <a:r>
+              <a:rPr lang="en-US" altLang="ko-KR" b="1" dirty="0"/>
+              <a:t>QPC7522</a:t>
+            </a:r>
+          </a:p>
+          <a:p>
+            <a:r>
+              <a:rPr lang="en-US" altLang="ko-KR" b="1" dirty="0"/>
+              <a:t>HSWA2-30DR+</a:t>
+            </a:r>
+            <a:endParaRPr lang="ko-KR" altLang="en-US" b="1" dirty="0"/>
           </a:p>
         </p:txBody>
       </p:sp>
       <p:cxnSp>
         <p:nvCxnSpPr>
-          <p:cNvPr id="53" name="연결선: 꺾임 52">
-            <a:extLst>
-              <a:ext uri="{FF2B5EF4-FFF2-40B4-BE49-F238E27FC236}">
-                <a16:creationId xmlns:a16="http://schemas.microsoft.com/office/drawing/2014/main" id="{1FFEC3D9-4DB6-DAC5-9965-36ADDD50F621}"/>
+          <p:cNvPr id="66" name="직선 연결선 65">
+            <a:extLst>
+              <a:ext uri="{FF2B5EF4-FFF2-40B4-BE49-F238E27FC236}">
+                <a16:creationId xmlns:a16="http://schemas.microsoft.com/office/drawing/2014/main" id="{4EB82198-2F69-85FE-EEE1-EDCA9E873451}"/>
               </a:ext>
             </a:extLst>
           </p:cNvPr>
           <p:cNvCxnSpPr>
             <a:cxnSpLocks/>
-            <a:endCxn id="47" idx="0"/>
+            <a:stCxn id="54" idx="2"/>
           </p:cNvCxnSpPr>
           <p:nvPr/>
         </p:nvCxnSpPr>
         <p:spPr>
-          <a:xfrm rot="16200000" flipH="1">
-            <a:off x="3881394" y="3311686"/>
-            <a:ext cx="1585981" cy="298797"/>
-          </a:xfrm>
-          <a:prstGeom prst="bentConnector3">
-            <a:avLst>
-              <a:gd name="adj1" fmla="val 50000"/>
-            </a:avLst>
-          </a:prstGeom>
-          <a:ln w="25400">
-            <a:tailEnd type="triangle"/>
+          <a:xfrm flipH="1">
+            <a:off x="3564826" y="5204222"/>
+            <a:ext cx="1143303" cy="593569"/>
+          </a:xfrm>
+          <a:prstGeom prst="line">
+            <a:avLst/>
+          </a:prstGeom>
+          <a:ln w="19050">
+            <a:prstDash val="lgDash"/>
           </a:ln>
         </p:spPr>
         <p:style>
@@ -7625,10 +8481,175 @@
       </p:cxnSp>
       <p:sp>
         <p:nvSpPr>
-          <p:cNvPr id="54" name="TextBox 53">
-            <a:extLst>
-              <a:ext uri="{FF2B5EF4-FFF2-40B4-BE49-F238E27FC236}">
-                <a16:creationId xmlns:a16="http://schemas.microsoft.com/office/drawing/2014/main" id="{0E24183F-9031-9203-06BC-349BD75B40CA}"/>
+          <p:cNvPr id="74" name="직사각형 73">
+            <a:extLst>
+              <a:ext uri="{FF2B5EF4-FFF2-40B4-BE49-F238E27FC236}">
+                <a16:creationId xmlns:a16="http://schemas.microsoft.com/office/drawing/2014/main" id="{48A9B7C4-BC71-E475-8F04-072DD66A0505}"/>
+              </a:ext>
+            </a:extLst>
+          </p:cNvPr>
+          <p:cNvSpPr/>
+          <p:nvPr/>
+        </p:nvSpPr>
+        <p:spPr>
+          <a:xfrm>
+            <a:off x="2482733" y="1029720"/>
+            <a:ext cx="1353274" cy="731176"/>
+          </a:xfrm>
+          <a:prstGeom prst="rect">
+            <a:avLst/>
+          </a:prstGeom>
+          <a:noFill/>
+          <a:ln w="25400"/>
+        </p:spPr>
+        <p:style>
+          <a:lnRef idx="2">
+            <a:schemeClr val="dk1">
+              <a:shade val="50000"/>
+            </a:schemeClr>
+          </a:lnRef>
+          <a:fillRef idx="1">
+            <a:schemeClr val="dk1"/>
+          </a:fillRef>
+          <a:effectRef idx="0">
+            <a:schemeClr val="dk1"/>
+          </a:effectRef>
+          <a:fontRef idx="minor">
+            <a:schemeClr val="lt1"/>
+          </a:fontRef>
+        </p:style>
+        <p:txBody>
+          <a:bodyPr rtlCol="0" anchor="ctr"/>
+          <a:lstStyle/>
+          <a:p>
+            <a:pPr algn="ctr"/>
+            <a:r>
+              <a:rPr kumimoji="1" lang="en-US" altLang="en-US">
+                <a:solidFill>
+                  <a:schemeClr val="tx1"/>
+                </a:solidFill>
+              </a:rPr>
+              <a:t>JATG</a:t>
+            </a:r>
+            <a:endParaRPr kumimoji="1" lang="ko-Kore-KR" altLang="en-US" dirty="0">
+              <a:solidFill>
+                <a:schemeClr val="tx1"/>
+              </a:solidFill>
+            </a:endParaRPr>
+          </a:p>
+        </p:txBody>
+      </p:sp>
+      <p:sp>
+        <p:nvSpPr>
+          <p:cNvPr id="75" name="직사각형 74">
+            <a:extLst>
+              <a:ext uri="{FF2B5EF4-FFF2-40B4-BE49-F238E27FC236}">
+                <a16:creationId xmlns:a16="http://schemas.microsoft.com/office/drawing/2014/main" id="{D1A780B7-7EF7-6223-41EF-70775FBEDB34}"/>
+              </a:ext>
+            </a:extLst>
+          </p:cNvPr>
+          <p:cNvSpPr/>
+          <p:nvPr/>
+        </p:nvSpPr>
+        <p:spPr>
+          <a:xfrm>
+            <a:off x="9275103" y="1034857"/>
+            <a:ext cx="1353274" cy="731176"/>
+          </a:xfrm>
+          <a:prstGeom prst="rect">
+            <a:avLst/>
+          </a:prstGeom>
+          <a:noFill/>
+          <a:ln w="25400"/>
+        </p:spPr>
+        <p:style>
+          <a:lnRef idx="2">
+            <a:schemeClr val="dk1">
+              <a:shade val="50000"/>
+            </a:schemeClr>
+          </a:lnRef>
+          <a:fillRef idx="1">
+            <a:schemeClr val="dk1"/>
+          </a:fillRef>
+          <a:effectRef idx="0">
+            <a:schemeClr val="dk1"/>
+          </a:effectRef>
+          <a:fontRef idx="minor">
+            <a:schemeClr val="lt1"/>
+          </a:fontRef>
+        </p:style>
+        <p:txBody>
+          <a:bodyPr rtlCol="0" anchor="ctr"/>
+          <a:lstStyle/>
+          <a:p>
+            <a:pPr algn="ctr"/>
+            <a:r>
+              <a:rPr kumimoji="1" lang="en-US" altLang="en-US">
+                <a:solidFill>
+                  <a:schemeClr val="tx1"/>
+                </a:solidFill>
+              </a:rPr>
+              <a:t>regulator</a:t>
+            </a:r>
+            <a:endParaRPr kumimoji="1" lang="ko-Kore-KR" altLang="en-US" dirty="0">
+              <a:solidFill>
+                <a:schemeClr val="tx1"/>
+              </a:solidFill>
+            </a:endParaRPr>
+          </a:p>
+        </p:txBody>
+      </p:sp>
+      <p:cxnSp>
+        <p:nvCxnSpPr>
+          <p:cNvPr id="76" name="연결선: 꺾임 75">
+            <a:extLst>
+              <a:ext uri="{FF2B5EF4-FFF2-40B4-BE49-F238E27FC236}">
+                <a16:creationId xmlns:a16="http://schemas.microsoft.com/office/drawing/2014/main" id="{3F74A277-6158-BC59-4FB8-BC59483EDB53}"/>
+              </a:ext>
+            </a:extLst>
+          </p:cNvPr>
+          <p:cNvCxnSpPr>
+            <a:cxnSpLocks/>
+            <a:stCxn id="75" idx="2"/>
+            <a:endCxn id="4" idx="1"/>
+          </p:cNvCxnSpPr>
+          <p:nvPr/>
+        </p:nvCxnSpPr>
+        <p:spPr>
+          <a:xfrm rot="5400000">
+            <a:off x="7724501" y="1914954"/>
+            <a:ext cx="2376161" cy="2078319"/>
+          </a:xfrm>
+          <a:prstGeom prst="bentConnector3">
+            <a:avLst>
+              <a:gd name="adj1" fmla="val 82870"/>
+            </a:avLst>
+          </a:prstGeom>
+          <a:ln w="25400">
+            <a:tailEnd type="triangle"/>
+          </a:ln>
+        </p:spPr>
+        <p:style>
+          <a:lnRef idx="1">
+            <a:schemeClr val="dk1"/>
+          </a:lnRef>
+          <a:fillRef idx="0">
+            <a:schemeClr val="dk1"/>
+          </a:fillRef>
+          <a:effectRef idx="0">
+            <a:schemeClr val="dk1"/>
+          </a:effectRef>
+          <a:fontRef idx="minor">
+            <a:schemeClr val="tx1"/>
+          </a:fontRef>
+        </p:style>
+      </p:cxnSp>
+      <p:sp>
+        <p:nvSpPr>
+          <p:cNvPr id="83" name="TextBox 82">
+            <a:extLst>
+              <a:ext uri="{FF2B5EF4-FFF2-40B4-BE49-F238E27FC236}">
+                <a16:creationId xmlns:a16="http://schemas.microsoft.com/office/drawing/2014/main" id="{56A345CC-5DC4-C56B-07EF-C054670445D0}"/>
               </a:ext>
             </a:extLst>
           </p:cNvPr>
@@ -7637,8 +8658,8 @@
         </p:nvSpPr>
         <p:spPr>
           <a:xfrm>
-            <a:off x="4199167" y="4804055"/>
-            <a:ext cx="875916" cy="292388"/>
+            <a:off x="10095222" y="1956262"/>
+            <a:ext cx="622259" cy="369332"/>
           </a:xfrm>
           <a:prstGeom prst="rect">
             <a:avLst/>
@@ -7646,97 +8667,289 @@
           <a:noFill/>
         </p:spPr>
         <p:txBody>
-          <a:bodyPr wrap="square" rtlCol="0">
+          <a:bodyPr wrap="square">
             <a:spAutoFit/>
           </a:bodyPr>
           <a:lstStyle/>
           <a:p>
             <a:pPr algn="ctr"/>
             <a:r>
-              <a:rPr kumimoji="1" lang="en-US" altLang="ko-Kore-KR" sz="1300"/>
-              <a:t>RF SPDT</a:t>
-            </a:r>
-            <a:endParaRPr kumimoji="1" lang="ko-Kore-KR" altLang="en-US" sz="1300" dirty="0"/>
-          </a:p>
-        </p:txBody>
-      </p:sp>
-      <p:sp>
-        <p:nvSpPr>
-          <p:cNvPr id="55" name="TextBox 54">
-            <a:extLst>
-              <a:ext uri="{FF2B5EF4-FFF2-40B4-BE49-F238E27FC236}">
-                <a16:creationId xmlns:a16="http://schemas.microsoft.com/office/drawing/2014/main" id="{F158E427-4768-0967-18DB-0EC487444342}"/>
-              </a:ext>
-            </a:extLst>
-          </p:cNvPr>
-          <p:cNvSpPr txBox="1"/>
-          <p:nvPr/>
-        </p:nvSpPr>
-        <p:spPr>
-          <a:xfrm>
-            <a:off x="433449" y="694706"/>
-            <a:ext cx="1424493" cy="369332"/>
-          </a:xfrm>
-          <a:prstGeom prst="rect">
-            <a:avLst/>
-          </a:prstGeom>
-          <a:noFill/>
-        </p:spPr>
-        <p:txBody>
-          <a:bodyPr wrap="none" rtlCol="0">
-            <a:spAutoFit/>
-          </a:bodyPr>
-          <a:lstStyle/>
-          <a:p>
-            <a:r>
-              <a:rPr lang="en-US" altLang="ko-KR"/>
-              <a:t>DAC</a:t>
-            </a:r>
-            <a:r>
-              <a:rPr lang="ko-KR" altLang="en-US"/>
-              <a:t> </a:t>
-            </a:r>
-            <a:r>
-              <a:rPr lang="en-US" altLang="ko-KR"/>
-              <a:t>output</a:t>
+              <a:rPr kumimoji="1" lang="en-US" altLang="en-US" sz="1800"/>
+              <a:t>7V</a:t>
             </a:r>
             <a:endParaRPr lang="ko-KR" altLang="en-US"/>
           </a:p>
         </p:txBody>
       </p:sp>
-      <p:sp>
-        <p:nvSpPr>
-          <p:cNvPr id="56" name="직사각형 55">
-            <a:extLst>
-              <a:ext uri="{FF2B5EF4-FFF2-40B4-BE49-F238E27FC236}">
-                <a16:creationId xmlns:a16="http://schemas.microsoft.com/office/drawing/2014/main" id="{CCCA1A9D-3E08-9471-EB1D-97FC65DB1BB7}"/>
-              </a:ext>
-            </a:extLst>
-          </p:cNvPr>
-          <p:cNvSpPr/>
-          <p:nvPr/>
-        </p:nvSpPr>
-        <p:spPr>
-          <a:xfrm>
-            <a:off x="2660819" y="1457512"/>
-            <a:ext cx="6404683" cy="1210583"/>
-          </a:xfrm>
-          <a:prstGeom prst="rect">
-            <a:avLst/>
-          </a:prstGeom>
-          <a:solidFill>
-            <a:schemeClr val="accent3"/>
-          </a:solidFill>
-          <a:ln>
+      <p:cxnSp>
+        <p:nvCxnSpPr>
+          <p:cNvPr id="87" name="직선 연결선[R] 89">
+            <a:extLst>
+              <a:ext uri="{FF2B5EF4-FFF2-40B4-BE49-F238E27FC236}">
+                <a16:creationId xmlns:a16="http://schemas.microsoft.com/office/drawing/2014/main" id="{7F6FA9C9-C432-86E4-8AEA-4C67399CA9E8}"/>
+              </a:ext>
+            </a:extLst>
+          </p:cNvPr>
+          <p:cNvCxnSpPr>
+            <a:cxnSpLocks/>
+            <a:stCxn id="35" idx="1"/>
+          </p:cNvCxnSpPr>
+          <p:nvPr/>
+        </p:nvCxnSpPr>
+        <p:spPr>
+          <a:xfrm flipH="1">
+            <a:off x="5849938" y="4283445"/>
+            <a:ext cx="103550" cy="0"/>
+          </a:xfrm>
+          <a:prstGeom prst="line">
+            <a:avLst/>
+          </a:prstGeom>
+          <a:ln w="25400">
             <a:solidFill>
               <a:schemeClr val="tx1"/>
             </a:solidFill>
           </a:ln>
         </p:spPr>
         <p:style>
+          <a:lnRef idx="1">
+            <a:schemeClr val="dk1"/>
+          </a:lnRef>
+          <a:fillRef idx="0">
+            <a:schemeClr val="dk1"/>
+          </a:fillRef>
+          <a:effectRef idx="0">
+            <a:schemeClr val="dk1"/>
+          </a:effectRef>
+          <a:fontRef idx="minor">
+            <a:schemeClr val="tx1"/>
+          </a:fontRef>
+        </p:style>
+      </p:cxnSp>
+      <p:cxnSp>
+        <p:nvCxnSpPr>
+          <p:cNvPr id="90" name="직선 연결선[R] 117">
+            <a:extLst>
+              <a:ext uri="{FF2B5EF4-FFF2-40B4-BE49-F238E27FC236}">
+                <a16:creationId xmlns:a16="http://schemas.microsoft.com/office/drawing/2014/main" id="{B1EAFF41-36AD-1F20-5472-ADC29636C151}"/>
+              </a:ext>
+            </a:extLst>
+          </p:cNvPr>
+          <p:cNvCxnSpPr>
+            <a:cxnSpLocks/>
+            <a:stCxn id="10" idx="1"/>
+          </p:cNvCxnSpPr>
+          <p:nvPr/>
+        </p:nvCxnSpPr>
+        <p:spPr>
+          <a:xfrm flipH="1">
+            <a:off x="6713538" y="4284057"/>
+            <a:ext cx="81686" cy="0"/>
+          </a:xfrm>
+          <a:prstGeom prst="line">
+            <a:avLst/>
+          </a:prstGeom>
+          <a:ln w="25400">
+            <a:solidFill>
+              <a:schemeClr val="tx1"/>
+            </a:solidFill>
+          </a:ln>
+        </p:spPr>
+        <p:style>
+          <a:lnRef idx="1">
+            <a:schemeClr val="dk1"/>
+          </a:lnRef>
+          <a:fillRef idx="0">
+            <a:schemeClr val="dk1"/>
+          </a:fillRef>
+          <a:effectRef idx="0">
+            <a:schemeClr val="dk1"/>
+          </a:effectRef>
+          <a:fontRef idx="minor">
+            <a:schemeClr val="tx1"/>
+          </a:fontRef>
+        </p:style>
+      </p:cxnSp>
+      <p:cxnSp>
+        <p:nvCxnSpPr>
+          <p:cNvPr id="96" name="직선 연결선 95">
+            <a:extLst>
+              <a:ext uri="{FF2B5EF4-FFF2-40B4-BE49-F238E27FC236}">
+                <a16:creationId xmlns:a16="http://schemas.microsoft.com/office/drawing/2014/main" id="{FDACE928-52F1-F4DE-B9BA-95284FE7AFB2}"/>
+              </a:ext>
+            </a:extLst>
+          </p:cNvPr>
+          <p:cNvCxnSpPr/>
+          <p:nvPr/>
+        </p:nvCxnSpPr>
+        <p:spPr>
+          <a:xfrm>
+            <a:off x="5776913" y="4142194"/>
+            <a:ext cx="0" cy="264792"/>
+          </a:xfrm>
+          <a:prstGeom prst="line">
+            <a:avLst/>
+          </a:prstGeom>
+          <a:ln w="12700"/>
+        </p:spPr>
+        <p:style>
+          <a:lnRef idx="1">
+            <a:schemeClr val="dk1"/>
+          </a:lnRef>
+          <a:fillRef idx="0">
+            <a:schemeClr val="dk1"/>
+          </a:fillRef>
+          <a:effectRef idx="0">
+            <a:schemeClr val="dk1"/>
+          </a:effectRef>
+          <a:fontRef idx="minor">
+            <a:schemeClr val="tx1"/>
+          </a:fontRef>
+        </p:style>
+      </p:cxnSp>
+      <p:cxnSp>
+        <p:nvCxnSpPr>
+          <p:cNvPr id="98" name="직선 연결선 97">
+            <a:extLst>
+              <a:ext uri="{FF2B5EF4-FFF2-40B4-BE49-F238E27FC236}">
+                <a16:creationId xmlns:a16="http://schemas.microsoft.com/office/drawing/2014/main" id="{F33F9930-C984-1FB1-3CD5-85CE9413A3AF}"/>
+              </a:ext>
+            </a:extLst>
+          </p:cNvPr>
+          <p:cNvCxnSpPr/>
+          <p:nvPr/>
+        </p:nvCxnSpPr>
+        <p:spPr>
+          <a:xfrm>
+            <a:off x="5849938" y="4142194"/>
+            <a:ext cx="0" cy="264792"/>
+          </a:xfrm>
+          <a:prstGeom prst="line">
+            <a:avLst/>
+          </a:prstGeom>
+          <a:ln w="12700"/>
+        </p:spPr>
+        <p:style>
+          <a:lnRef idx="1">
+            <a:schemeClr val="dk1"/>
+          </a:lnRef>
+          <a:fillRef idx="0">
+            <a:schemeClr val="dk1"/>
+          </a:fillRef>
+          <a:effectRef idx="0">
+            <a:schemeClr val="dk1"/>
+          </a:effectRef>
+          <a:fontRef idx="minor">
+            <a:schemeClr val="tx1"/>
+          </a:fontRef>
+        </p:style>
+      </p:cxnSp>
+      <p:cxnSp>
+        <p:nvCxnSpPr>
+          <p:cNvPr id="99" name="직선 연결선 98">
+            <a:extLst>
+              <a:ext uri="{FF2B5EF4-FFF2-40B4-BE49-F238E27FC236}">
+                <a16:creationId xmlns:a16="http://schemas.microsoft.com/office/drawing/2014/main" id="{C8B64DFA-C0E0-8B7A-20A3-ADCBB53731AA}"/>
+              </a:ext>
+            </a:extLst>
+          </p:cNvPr>
+          <p:cNvCxnSpPr/>
+          <p:nvPr/>
+        </p:nvCxnSpPr>
+        <p:spPr>
+          <a:xfrm>
+            <a:off x="6640513" y="4142194"/>
+            <a:ext cx="0" cy="264792"/>
+          </a:xfrm>
+          <a:prstGeom prst="line">
+            <a:avLst/>
+          </a:prstGeom>
+          <a:ln w="12700"/>
+        </p:spPr>
+        <p:style>
+          <a:lnRef idx="1">
+            <a:schemeClr val="dk1"/>
+          </a:lnRef>
+          <a:fillRef idx="0">
+            <a:schemeClr val="dk1"/>
+          </a:fillRef>
+          <a:effectRef idx="0">
+            <a:schemeClr val="dk1"/>
+          </a:effectRef>
+          <a:fontRef idx="minor">
+            <a:schemeClr val="tx1"/>
+          </a:fontRef>
+        </p:style>
+      </p:cxnSp>
+      <p:cxnSp>
+        <p:nvCxnSpPr>
+          <p:cNvPr id="100" name="직선 연결선 99">
+            <a:extLst>
+              <a:ext uri="{FF2B5EF4-FFF2-40B4-BE49-F238E27FC236}">
+                <a16:creationId xmlns:a16="http://schemas.microsoft.com/office/drawing/2014/main" id="{4AE4EB0D-9BE8-B714-BF42-E56EFFBA3B77}"/>
+              </a:ext>
+            </a:extLst>
+          </p:cNvPr>
+          <p:cNvCxnSpPr/>
+          <p:nvPr/>
+        </p:nvCxnSpPr>
+        <p:spPr>
+          <a:xfrm>
+            <a:off x="6713538" y="4142194"/>
+            <a:ext cx="0" cy="264792"/>
+          </a:xfrm>
+          <a:prstGeom prst="line">
+            <a:avLst/>
+          </a:prstGeom>
+          <a:ln w="12700"/>
+        </p:spPr>
+        <p:style>
+          <a:lnRef idx="1">
+            <a:schemeClr val="dk1"/>
+          </a:lnRef>
+          <a:fillRef idx="0">
+            <a:schemeClr val="dk1"/>
+          </a:fillRef>
+          <a:effectRef idx="0">
+            <a:schemeClr val="dk1"/>
+          </a:effectRef>
+          <a:fontRef idx="minor">
+            <a:schemeClr val="tx1"/>
+          </a:fontRef>
+        </p:style>
+      </p:cxnSp>
+      <p:sp>
+        <p:nvSpPr>
+          <p:cNvPr id="108" name="아래쪽 화살표[D] 127">
+            <a:extLst>
+              <a:ext uri="{FF2B5EF4-FFF2-40B4-BE49-F238E27FC236}">
+                <a16:creationId xmlns:a16="http://schemas.microsoft.com/office/drawing/2014/main" id="{EE1BF614-93DF-982A-5567-8B857F4E5B18}"/>
+              </a:ext>
+            </a:extLst>
+          </p:cNvPr>
+          <p:cNvSpPr/>
+          <p:nvPr/>
+        </p:nvSpPr>
+        <p:spPr>
+          <a:xfrm rot="16200000">
+            <a:off x="4105077" y="1145306"/>
+            <a:ext cx="56727" cy="534714"/>
+          </a:xfrm>
+          <a:prstGeom prst="downArrow">
+            <a:avLst/>
+          </a:prstGeom>
+          <a:solidFill>
+            <a:schemeClr val="tx1"/>
+          </a:solidFill>
+          <a:ln w="25400">
+            <a:solidFill>
+              <a:schemeClr val="tx1"/>
+            </a:solidFill>
+          </a:ln>
+        </p:spPr>
+        <p:style>
           <a:lnRef idx="2">
             <a:schemeClr val="accent1">
-              <a:shade val="15000"/>
+              <a:shade val="50000"/>
             </a:schemeClr>
           </a:lnRef>
           <a:fillRef idx="1">
@@ -7754,20 +8967,16 @@
           <a:lstStyle/>
           <a:p>
             <a:pPr algn="ctr"/>
-            <a:r>
-              <a:rPr lang="en-US" altLang="ko-KR"/>
-              <a:t>Digital IO</a:t>
-            </a:r>
-            <a:endParaRPr lang="ko-KR" altLang="en-US"/>
-          </a:p>
-        </p:txBody>
-      </p:sp>
-      <p:sp>
-        <p:nvSpPr>
-          <p:cNvPr id="63" name="TextBox 62">
-            <a:extLst>
-              <a:ext uri="{FF2B5EF4-FFF2-40B4-BE49-F238E27FC236}">
-                <a16:creationId xmlns:a16="http://schemas.microsoft.com/office/drawing/2014/main" id="{0B8EC698-4380-CEE5-22A4-1C8347F7F478}"/>
+            <a:endParaRPr kumimoji="1" lang="ko-Kore-KR" altLang="en-US" dirty="0"/>
+          </a:p>
+        </p:txBody>
+      </p:sp>
+      <p:sp>
+        <p:nvSpPr>
+          <p:cNvPr id="111" name="TextBox 110">
+            <a:extLst>
+              <a:ext uri="{FF2B5EF4-FFF2-40B4-BE49-F238E27FC236}">
+                <a16:creationId xmlns:a16="http://schemas.microsoft.com/office/drawing/2014/main" id="{C065E164-CCAE-FF02-C642-62F7B17FDAD4}"/>
               </a:ext>
             </a:extLst>
           </p:cNvPr>
@@ -7776,8 +8985,8 @@
         </p:nvSpPr>
         <p:spPr>
           <a:xfrm>
-            <a:off x="6229055" y="3054627"/>
-            <a:ext cx="2154556" cy="369332"/>
+            <a:off x="10095222" y="438690"/>
+            <a:ext cx="622259" cy="369332"/>
           </a:xfrm>
           <a:prstGeom prst="rect">
             <a:avLst/>
@@ -7792,47 +9001,108 @@
           <a:p>
             <a:pPr algn="ctr"/>
             <a:r>
+              <a:rPr kumimoji="1" lang="en-US" altLang="en-US" sz="1800"/>
+              <a:t>12V</a:t>
+            </a:r>
+            <a:endParaRPr lang="ko-KR" altLang="en-US"/>
+          </a:p>
+        </p:txBody>
+      </p:sp>
+      <p:sp>
+        <p:nvSpPr>
+          <p:cNvPr id="112" name="아래쪽 화살표[D] 127">
+            <a:extLst>
+              <a:ext uri="{FF2B5EF4-FFF2-40B4-BE49-F238E27FC236}">
+                <a16:creationId xmlns:a16="http://schemas.microsoft.com/office/drawing/2014/main" id="{56603FC2-B127-341C-239C-0D0485EFF0E8}"/>
+              </a:ext>
+            </a:extLst>
+          </p:cNvPr>
+          <p:cNvSpPr/>
+          <p:nvPr/>
+        </p:nvSpPr>
+        <p:spPr>
+          <a:xfrm>
+            <a:off x="9916119" y="677908"/>
+            <a:ext cx="71241" cy="297296"/>
+          </a:xfrm>
+          <a:prstGeom prst="downArrow">
+            <a:avLst/>
+          </a:prstGeom>
+          <a:solidFill>
+            <a:schemeClr val="tx1"/>
+          </a:solidFill>
+          <a:ln w="25400">
+            <a:solidFill>
+              <a:schemeClr val="tx1"/>
+            </a:solidFill>
+          </a:ln>
+        </p:spPr>
+        <p:style>
+          <a:lnRef idx="2">
+            <a:schemeClr val="accent1">
+              <a:shade val="50000"/>
+            </a:schemeClr>
+          </a:lnRef>
+          <a:fillRef idx="1">
+            <a:schemeClr val="accent1"/>
+          </a:fillRef>
+          <a:effectRef idx="0">
+            <a:schemeClr val="accent1"/>
+          </a:effectRef>
+          <a:fontRef idx="minor">
+            <a:schemeClr val="lt1"/>
+          </a:fontRef>
+        </p:style>
+        <p:txBody>
+          <a:bodyPr rtlCol="0" anchor="ctr"/>
+          <a:lstStyle/>
+          <a:p>
+            <a:pPr algn="ctr"/>
+            <a:endParaRPr kumimoji="1" lang="ko-Kore-KR" altLang="en-US" dirty="0"/>
+          </a:p>
+        </p:txBody>
+      </p:sp>
+      <p:sp>
+        <p:nvSpPr>
+          <p:cNvPr id="114" name="TextBox 113">
+            <a:extLst>
+              <a:ext uri="{FF2B5EF4-FFF2-40B4-BE49-F238E27FC236}">
+                <a16:creationId xmlns:a16="http://schemas.microsoft.com/office/drawing/2014/main" id="{AB1701BA-8318-D0D9-3C3D-68C4829BFF2A}"/>
+              </a:ext>
+            </a:extLst>
+          </p:cNvPr>
+          <p:cNvSpPr txBox="1"/>
+          <p:nvPr/>
+        </p:nvSpPr>
+        <p:spPr>
+          <a:xfrm>
+            <a:off x="6397121" y="1164562"/>
+            <a:ext cx="1983931" cy="1200329"/>
+          </a:xfrm>
+          <a:prstGeom prst="rect">
+            <a:avLst/>
+          </a:prstGeom>
+          <a:noFill/>
+        </p:spPr>
+        <p:txBody>
+          <a:bodyPr wrap="square">
+            <a:spAutoFit/>
+          </a:bodyPr>
+          <a:lstStyle/>
+          <a:p>
+            <a:pPr algn="ctr"/>
+            <a:r>
               <a:rPr lang="en-US" altLang="ko-KR" sz="1800" i="0">
                 <a:effectLst/>
               </a:rPr>
-              <a:t>PAT1220-C-9DB-T5</a:t>
-            </a:r>
-            <a:endParaRPr lang="ko-KR" altLang="en-US"/>
-          </a:p>
-        </p:txBody>
-      </p:sp>
-      <p:sp>
-        <p:nvSpPr>
-          <p:cNvPr id="65" name="TextBox 64">
-            <a:extLst>
-              <a:ext uri="{FF2B5EF4-FFF2-40B4-BE49-F238E27FC236}">
-                <a16:creationId xmlns:a16="http://schemas.microsoft.com/office/drawing/2014/main" id="{C8DB26B4-973A-8602-480C-579F69AEE790}"/>
-              </a:ext>
-            </a:extLst>
-          </p:cNvPr>
-          <p:cNvSpPr txBox="1"/>
-          <p:nvPr/>
-        </p:nvSpPr>
-        <p:spPr>
-          <a:xfrm>
-            <a:off x="8544583" y="3041686"/>
-            <a:ext cx="1332545" cy="369332"/>
-          </a:xfrm>
-          <a:prstGeom prst="rect">
-            <a:avLst/>
-          </a:prstGeom>
-          <a:noFill/>
-        </p:spPr>
-        <p:txBody>
-          <a:bodyPr wrap="square">
-            <a:spAutoFit/>
-          </a:bodyPr>
-          <a:lstStyle/>
+              <a:t>has 80pins</a:t>
+            </a:r>
+          </a:p>
           <a:p>
             <a:pPr algn="ctr"/>
             <a:r>
-              <a:rPr kumimoji="1" lang="en-US" altLang="en-US" sz="1800"/>
-              <a:t>ERA-3SM+ </a:t>
+              <a:rPr lang="en-US" altLang="ko-KR"/>
+              <a:t>CPLD reamins data after powre down</a:t>
             </a:r>
             <a:endParaRPr lang="ko-KR" altLang="en-US"/>
           </a:p>
@@ -7840,29 +9110,30 @@
       </p:sp>
       <p:cxnSp>
         <p:nvCxnSpPr>
-          <p:cNvPr id="67" name="직선 연결선 66">
-            <a:extLst>
-              <a:ext uri="{FF2B5EF4-FFF2-40B4-BE49-F238E27FC236}">
-                <a16:creationId xmlns:a16="http://schemas.microsoft.com/office/drawing/2014/main" id="{1C0DE481-3BA8-5133-C25A-5A56EA16280A}"/>
+          <p:cNvPr id="115" name="직선 연결선[R] 117">
+            <a:extLst>
+              <a:ext uri="{FF2B5EF4-FFF2-40B4-BE49-F238E27FC236}">
+                <a16:creationId xmlns:a16="http://schemas.microsoft.com/office/drawing/2014/main" id="{40877C0D-F736-B077-3F29-269786288F01}"/>
               </a:ext>
             </a:extLst>
           </p:cNvPr>
           <p:cNvCxnSpPr>
-            <a:stCxn id="10" idx="0"/>
-            <a:endCxn id="63" idx="2"/>
+            <a:cxnSpLocks/>
           </p:cNvCxnSpPr>
           <p:nvPr/>
         </p:nvCxnSpPr>
         <p:spPr>
-          <a:xfrm flipV="1">
-            <a:off x="7105771" y="3423959"/>
-            <a:ext cx="200562" cy="549551"/>
+          <a:xfrm flipH="1">
+            <a:off x="7429389" y="4283445"/>
+            <a:ext cx="65932" cy="0"/>
           </a:xfrm>
           <a:prstGeom prst="line">
             <a:avLst/>
           </a:prstGeom>
-          <a:ln w="19050">
-            <a:prstDash val="lgDash"/>
+          <a:ln w="25400">
+            <a:solidFill>
+              <a:schemeClr val="tx1"/>
+            </a:solidFill>
           </a:ln>
         </p:spPr>
         <p:style>
@@ -7882,30 +9153,30 @@
       </p:cxnSp>
       <p:cxnSp>
         <p:nvCxnSpPr>
-          <p:cNvPr id="68" name="직선 연결선 67">
-            <a:extLst>
-              <a:ext uri="{FF2B5EF4-FFF2-40B4-BE49-F238E27FC236}">
-                <a16:creationId xmlns:a16="http://schemas.microsoft.com/office/drawing/2014/main" id="{C9543972-CC59-38BB-5397-A5A3599AF430}"/>
+          <p:cNvPr id="116" name="직선 연결선[R] 117">
+            <a:extLst>
+              <a:ext uri="{FF2B5EF4-FFF2-40B4-BE49-F238E27FC236}">
+                <a16:creationId xmlns:a16="http://schemas.microsoft.com/office/drawing/2014/main" id="{F63FE9AD-F5D8-947B-1D71-262DE4C5277E}"/>
               </a:ext>
             </a:extLst>
           </p:cNvPr>
           <p:cNvCxnSpPr>
             <a:cxnSpLocks/>
-            <a:stCxn id="4" idx="1"/>
-            <a:endCxn id="65" idx="2"/>
           </p:cNvCxnSpPr>
           <p:nvPr/>
         </p:nvCxnSpPr>
         <p:spPr>
-          <a:xfrm flipV="1">
-            <a:off x="7790148" y="3411018"/>
-            <a:ext cx="1420708" cy="731176"/>
+          <a:xfrm flipH="1">
+            <a:off x="7568346" y="4284057"/>
+            <a:ext cx="81686" cy="0"/>
           </a:xfrm>
           <a:prstGeom prst="line">
             <a:avLst/>
           </a:prstGeom>
-          <a:ln w="19050">
-            <a:prstDash val="lgDash"/>
+          <a:ln w="25400">
+            <a:solidFill>
+              <a:schemeClr val="tx1"/>
+            </a:solidFill>
           </a:ln>
         </p:spPr>
         <p:style>
@@ -7923,72 +9194,27 @@
           </a:fontRef>
         </p:style>
       </p:cxnSp>
-      <p:sp>
-        <p:nvSpPr>
-          <p:cNvPr id="71" name="TextBox 70">
-            <a:extLst>
-              <a:ext uri="{FF2B5EF4-FFF2-40B4-BE49-F238E27FC236}">
-                <a16:creationId xmlns:a16="http://schemas.microsoft.com/office/drawing/2014/main" id="{9F0E31F0-0209-07AF-029B-C66C3EFA5533}"/>
-              </a:ext>
-            </a:extLst>
-          </p:cNvPr>
-          <p:cNvSpPr txBox="1"/>
-          <p:nvPr/>
-        </p:nvSpPr>
-        <p:spPr>
-          <a:xfrm>
-            <a:off x="4604242" y="3054627"/>
-            <a:ext cx="1597156" cy="369332"/>
-          </a:xfrm>
-          <a:prstGeom prst="rect">
-            <a:avLst/>
-          </a:prstGeom>
-          <a:noFill/>
-        </p:spPr>
-        <p:txBody>
-          <a:bodyPr wrap="square">
-            <a:spAutoFit/>
-          </a:bodyPr>
-          <a:lstStyle/>
-          <a:p>
-            <a:pPr algn="ctr"/>
-            <a:r>
-              <a:rPr lang="en-US" altLang="ko-KR" sz="1800" i="0">
-                <a:effectLst/>
-              </a:rPr>
-              <a:t>Eliptical filter</a:t>
-            </a:r>
-            <a:endParaRPr lang="ko-KR" altLang="en-US"/>
-          </a:p>
-        </p:txBody>
-      </p:sp>
       <p:cxnSp>
         <p:nvCxnSpPr>
-          <p:cNvPr id="72" name="직선 연결선 71">
-            <a:extLst>
-              <a:ext uri="{FF2B5EF4-FFF2-40B4-BE49-F238E27FC236}">
-                <a16:creationId xmlns:a16="http://schemas.microsoft.com/office/drawing/2014/main" id="{2BA12069-7DCA-7D8D-5E40-FB2B9CE44E8A}"/>
-              </a:ext>
-            </a:extLst>
-          </p:cNvPr>
-          <p:cNvCxnSpPr>
-            <a:cxnSpLocks/>
-            <a:stCxn id="6" idx="0"/>
-            <a:endCxn id="71" idx="2"/>
-          </p:cNvCxnSpPr>
+          <p:cNvPr id="117" name="직선 연결선 116">
+            <a:extLst>
+              <a:ext uri="{FF2B5EF4-FFF2-40B4-BE49-F238E27FC236}">
+                <a16:creationId xmlns:a16="http://schemas.microsoft.com/office/drawing/2014/main" id="{01AC8B2F-373C-8448-6458-92ACFF90F33E}"/>
+              </a:ext>
+            </a:extLst>
+          </p:cNvPr>
+          <p:cNvCxnSpPr/>
           <p:nvPr/>
         </p:nvCxnSpPr>
         <p:spPr>
-          <a:xfrm flipV="1">
-            <a:off x="5376743" y="3423959"/>
-            <a:ext cx="26077" cy="548939"/>
+          <a:xfrm>
+            <a:off x="7495321" y="4142194"/>
+            <a:ext cx="0" cy="264792"/>
           </a:xfrm>
           <a:prstGeom prst="line">
             <a:avLst/>
           </a:prstGeom>
-          <a:ln w="19050">
-            <a:prstDash val="lgDash"/>
-          </a:ln>
+          <a:ln w="12700"/>
         </p:spPr>
         <p:style>
           <a:lnRef idx="1">
@@ -8005,72 +9231,27 @@
           </a:fontRef>
         </p:style>
       </p:cxnSp>
-      <p:sp>
-        <p:nvSpPr>
-          <p:cNvPr id="77" name="TextBox 76">
-            <a:extLst>
-              <a:ext uri="{FF2B5EF4-FFF2-40B4-BE49-F238E27FC236}">
-                <a16:creationId xmlns:a16="http://schemas.microsoft.com/office/drawing/2014/main" id="{A897D51F-BF9D-FBAB-0F0F-69F1B253F5E3}"/>
-              </a:ext>
-            </a:extLst>
-          </p:cNvPr>
-          <p:cNvSpPr txBox="1"/>
-          <p:nvPr/>
-        </p:nvSpPr>
-        <p:spPr>
-          <a:xfrm>
-            <a:off x="2874933" y="3054627"/>
-            <a:ext cx="1597156" cy="369332"/>
-          </a:xfrm>
-          <a:prstGeom prst="rect">
-            <a:avLst/>
-          </a:prstGeom>
-          <a:noFill/>
-        </p:spPr>
-        <p:txBody>
-          <a:bodyPr wrap="square">
-            <a:spAutoFit/>
-          </a:bodyPr>
-          <a:lstStyle/>
-          <a:p>
-            <a:pPr algn="ctr"/>
-            <a:r>
-              <a:rPr lang="en-US" altLang="ko-KR" sz="1800" i="0">
-                <a:effectLst/>
-              </a:rPr>
-              <a:t>TC2-72T+</a:t>
-            </a:r>
-            <a:endParaRPr lang="ko-KR" altLang="en-US"/>
-          </a:p>
-        </p:txBody>
-      </p:sp>
       <p:cxnSp>
         <p:nvCxnSpPr>
-          <p:cNvPr id="78" name="직선 연결선 77">
-            <a:extLst>
-              <a:ext uri="{FF2B5EF4-FFF2-40B4-BE49-F238E27FC236}">
-                <a16:creationId xmlns:a16="http://schemas.microsoft.com/office/drawing/2014/main" id="{3F47FBC5-D47D-96C3-062A-7F9975F38C28}"/>
-              </a:ext>
-            </a:extLst>
-          </p:cNvPr>
-          <p:cNvCxnSpPr>
-            <a:cxnSpLocks/>
-            <a:stCxn id="15" idx="0"/>
-            <a:endCxn id="77" idx="2"/>
-          </p:cNvCxnSpPr>
+          <p:cNvPr id="118" name="직선 연결선 117">
+            <a:extLst>
+              <a:ext uri="{FF2B5EF4-FFF2-40B4-BE49-F238E27FC236}">
+                <a16:creationId xmlns:a16="http://schemas.microsoft.com/office/drawing/2014/main" id="{AE112570-D401-96D9-1227-2AE523450CB3}"/>
+              </a:ext>
+            </a:extLst>
+          </p:cNvPr>
+          <p:cNvCxnSpPr/>
           <p:nvPr/>
         </p:nvCxnSpPr>
         <p:spPr>
-          <a:xfrm flipH="1" flipV="1">
-            <a:off x="3673511" y="3423959"/>
-            <a:ext cx="274730" cy="725784"/>
+          <a:xfrm>
+            <a:off x="7568346" y="4142194"/>
+            <a:ext cx="0" cy="264792"/>
           </a:xfrm>
           <a:prstGeom prst="line">
             <a:avLst/>
           </a:prstGeom>
-          <a:ln w="19050">
-            <a:prstDash val="lgDash"/>
-          </a:ln>
+          <a:ln w="12700"/>
         </p:spPr>
         <p:style>
           <a:lnRef idx="1">
@@ -8087,12 +9268,215 @@
           </a:fontRef>
         </p:style>
       </p:cxnSp>
-      <p:sp>
-        <p:nvSpPr>
-          <p:cNvPr id="85" name="TextBox 84">
-            <a:extLst>
-              <a:ext uri="{FF2B5EF4-FFF2-40B4-BE49-F238E27FC236}">
-                <a16:creationId xmlns:a16="http://schemas.microsoft.com/office/drawing/2014/main" id="{B5FDF0A2-7BFA-0D58-374B-3F3178B85068}"/>
+      <p:cxnSp>
+        <p:nvCxnSpPr>
+          <p:cNvPr id="125" name="직선 연결선[R] 117">
+            <a:extLst>
+              <a:ext uri="{FF2B5EF4-FFF2-40B4-BE49-F238E27FC236}">
+                <a16:creationId xmlns:a16="http://schemas.microsoft.com/office/drawing/2014/main" id="{55B72F5E-F9EB-4550-EF51-AEFBA0D20CAB}"/>
+              </a:ext>
+            </a:extLst>
+          </p:cNvPr>
+          <p:cNvCxnSpPr>
+            <a:cxnSpLocks/>
+          </p:cNvCxnSpPr>
+          <p:nvPr/>
+        </p:nvCxnSpPr>
+        <p:spPr>
+          <a:xfrm flipH="1">
+            <a:off x="8108294" y="4283445"/>
+            <a:ext cx="65932" cy="0"/>
+          </a:xfrm>
+          <a:prstGeom prst="line">
+            <a:avLst/>
+          </a:prstGeom>
+          <a:ln w="25400">
+            <a:solidFill>
+              <a:schemeClr val="tx1"/>
+            </a:solidFill>
+          </a:ln>
+        </p:spPr>
+        <p:style>
+          <a:lnRef idx="1">
+            <a:schemeClr val="dk1"/>
+          </a:lnRef>
+          <a:fillRef idx="0">
+            <a:schemeClr val="dk1"/>
+          </a:fillRef>
+          <a:effectRef idx="0">
+            <a:schemeClr val="dk1"/>
+          </a:effectRef>
+          <a:fontRef idx="minor">
+            <a:schemeClr val="tx1"/>
+          </a:fontRef>
+        </p:style>
+      </p:cxnSp>
+      <p:cxnSp>
+        <p:nvCxnSpPr>
+          <p:cNvPr id="126" name="직선 연결선[R] 117">
+            <a:extLst>
+              <a:ext uri="{FF2B5EF4-FFF2-40B4-BE49-F238E27FC236}">
+                <a16:creationId xmlns:a16="http://schemas.microsoft.com/office/drawing/2014/main" id="{0BAF5226-A736-D048-9FDA-1AAD2723ED1B}"/>
+              </a:ext>
+            </a:extLst>
+          </p:cNvPr>
+          <p:cNvCxnSpPr>
+            <a:cxnSpLocks/>
+          </p:cNvCxnSpPr>
+          <p:nvPr/>
+        </p:nvCxnSpPr>
+        <p:spPr>
+          <a:xfrm flipH="1">
+            <a:off x="8247251" y="4284057"/>
+            <a:ext cx="81686" cy="0"/>
+          </a:xfrm>
+          <a:prstGeom prst="line">
+            <a:avLst/>
+          </a:prstGeom>
+          <a:ln w="25400">
+            <a:solidFill>
+              <a:schemeClr val="tx1"/>
+            </a:solidFill>
+          </a:ln>
+        </p:spPr>
+        <p:style>
+          <a:lnRef idx="1">
+            <a:schemeClr val="dk1"/>
+          </a:lnRef>
+          <a:fillRef idx="0">
+            <a:schemeClr val="dk1"/>
+          </a:fillRef>
+          <a:effectRef idx="0">
+            <a:schemeClr val="dk1"/>
+          </a:effectRef>
+          <a:fontRef idx="minor">
+            <a:schemeClr val="tx1"/>
+          </a:fontRef>
+        </p:style>
+      </p:cxnSp>
+      <p:cxnSp>
+        <p:nvCxnSpPr>
+          <p:cNvPr id="127" name="직선 연결선 126">
+            <a:extLst>
+              <a:ext uri="{FF2B5EF4-FFF2-40B4-BE49-F238E27FC236}">
+                <a16:creationId xmlns:a16="http://schemas.microsoft.com/office/drawing/2014/main" id="{E5BC80F0-C254-0469-7E97-DC4F402789D1}"/>
+              </a:ext>
+            </a:extLst>
+          </p:cNvPr>
+          <p:cNvCxnSpPr/>
+          <p:nvPr/>
+        </p:nvCxnSpPr>
+        <p:spPr>
+          <a:xfrm>
+            <a:off x="8174226" y="4142194"/>
+            <a:ext cx="0" cy="264792"/>
+          </a:xfrm>
+          <a:prstGeom prst="line">
+            <a:avLst/>
+          </a:prstGeom>
+          <a:ln w="12700"/>
+        </p:spPr>
+        <p:style>
+          <a:lnRef idx="1">
+            <a:schemeClr val="dk1"/>
+          </a:lnRef>
+          <a:fillRef idx="0">
+            <a:schemeClr val="dk1"/>
+          </a:fillRef>
+          <a:effectRef idx="0">
+            <a:schemeClr val="dk1"/>
+          </a:effectRef>
+          <a:fontRef idx="minor">
+            <a:schemeClr val="tx1"/>
+          </a:fontRef>
+        </p:style>
+      </p:cxnSp>
+      <p:cxnSp>
+        <p:nvCxnSpPr>
+          <p:cNvPr id="128" name="직선 연결선 127">
+            <a:extLst>
+              <a:ext uri="{FF2B5EF4-FFF2-40B4-BE49-F238E27FC236}">
+                <a16:creationId xmlns:a16="http://schemas.microsoft.com/office/drawing/2014/main" id="{4E46308D-258B-E89C-A5C5-2DC4EB747078}"/>
+              </a:ext>
+            </a:extLst>
+          </p:cNvPr>
+          <p:cNvCxnSpPr/>
+          <p:nvPr/>
+        </p:nvCxnSpPr>
+        <p:spPr>
+          <a:xfrm>
+            <a:off x="8247251" y="4142194"/>
+            <a:ext cx="0" cy="264792"/>
+          </a:xfrm>
+          <a:prstGeom prst="line">
+            <a:avLst/>
+          </a:prstGeom>
+          <a:ln w="12700"/>
+        </p:spPr>
+        <p:style>
+          <a:lnRef idx="1">
+            <a:schemeClr val="dk1"/>
+          </a:lnRef>
+          <a:fillRef idx="0">
+            <a:schemeClr val="dk1"/>
+          </a:fillRef>
+          <a:effectRef idx="0">
+            <a:schemeClr val="dk1"/>
+          </a:effectRef>
+          <a:fontRef idx="minor">
+            <a:schemeClr val="tx1"/>
+          </a:fontRef>
+        </p:style>
+      </p:cxnSp>
+      <p:cxnSp>
+        <p:nvCxnSpPr>
+          <p:cNvPr id="131" name="연결선: 꺾임 130">
+            <a:extLst>
+              <a:ext uri="{FF2B5EF4-FFF2-40B4-BE49-F238E27FC236}">
+                <a16:creationId xmlns:a16="http://schemas.microsoft.com/office/drawing/2014/main" id="{AB9D781E-5A4D-A81F-AD72-5E9BDA8E0998}"/>
+              </a:ext>
+            </a:extLst>
+          </p:cNvPr>
+          <p:cNvCxnSpPr>
+            <a:cxnSpLocks/>
+            <a:stCxn id="43" idx="0"/>
+            <a:endCxn id="3" idx="1"/>
+          </p:cNvCxnSpPr>
+          <p:nvPr/>
+        </p:nvCxnSpPr>
+        <p:spPr>
+          <a:xfrm rot="5400000" flipH="1" flipV="1">
+            <a:off x="2865185" y="1627559"/>
+            <a:ext cx="1382331" cy="1780845"/>
+          </a:xfrm>
+          <a:prstGeom prst="bentConnector2">
+            <a:avLst/>
+          </a:prstGeom>
+          <a:ln w="25400">
+            <a:tailEnd type="triangle"/>
+          </a:ln>
+        </p:spPr>
+        <p:style>
+          <a:lnRef idx="1">
+            <a:schemeClr val="dk1"/>
+          </a:lnRef>
+          <a:fillRef idx="0">
+            <a:schemeClr val="dk1"/>
+          </a:fillRef>
+          <a:effectRef idx="0">
+            <a:schemeClr val="dk1"/>
+          </a:effectRef>
+          <a:fontRef idx="minor">
+            <a:schemeClr val="tx1"/>
+          </a:fontRef>
+        </p:style>
+      </p:cxnSp>
+      <p:sp>
+        <p:nvSpPr>
+          <p:cNvPr id="135" name="TextBox 134">
+            <a:extLst>
+              <a:ext uri="{FF2B5EF4-FFF2-40B4-BE49-F238E27FC236}">
+                <a16:creationId xmlns:a16="http://schemas.microsoft.com/office/drawing/2014/main" id="{26B6C4D5-BF80-383A-2CD6-DA035C5B9C74}"/>
               </a:ext>
             </a:extLst>
           </p:cNvPr>
@@ -8101,8 +9485,8 @@
         </p:nvSpPr>
         <p:spPr>
           <a:xfrm>
-            <a:off x="4095341" y="6343234"/>
-            <a:ext cx="1788397" cy="369332"/>
+            <a:off x="911234" y="2232555"/>
+            <a:ext cx="1788397" cy="646331"/>
           </a:xfrm>
           <a:prstGeom prst="rect">
             <a:avLst/>
@@ -8125,186 +9509,7 @@
                 <a:latin typeface="맑은 고딕" panose="020B0503020000020004" pitchFamily="50" charset="-127"/>
                 <a:ea typeface="맑은 고딕" panose="020B0503020000020004" pitchFamily="50" charset="-127"/>
               </a:rPr>
-              <a:t>DAT-31A-PP+</a:t>
-            </a:r>
-            <a:r>
-              <a:rPr lang="en-US" altLang="ko-KR"/>
-              <a:t> </a:t>
-            </a:r>
-            <a:endParaRPr lang="ko-KR" altLang="en-US"/>
-          </a:p>
-        </p:txBody>
-      </p:sp>
-      <p:cxnSp>
-        <p:nvCxnSpPr>
-          <p:cNvPr id="86" name="직선 연결선 85">
-            <a:extLst>
-              <a:ext uri="{FF2B5EF4-FFF2-40B4-BE49-F238E27FC236}">
-                <a16:creationId xmlns:a16="http://schemas.microsoft.com/office/drawing/2014/main" id="{D3D93FAB-DC53-BC34-D1CE-5B7B0B80A202}"/>
-              </a:ext>
-            </a:extLst>
-          </p:cNvPr>
-          <p:cNvCxnSpPr>
-            <a:cxnSpLocks/>
-            <a:stCxn id="85" idx="0"/>
-            <a:endCxn id="37" idx="2"/>
-          </p:cNvCxnSpPr>
-          <p:nvPr/>
-        </p:nvCxnSpPr>
-        <p:spPr>
-          <a:xfrm flipV="1">
-            <a:off x="4989540" y="5099419"/>
-            <a:ext cx="1288471" cy="1243815"/>
-          </a:xfrm>
-          <a:prstGeom prst="line">
-            <a:avLst/>
-          </a:prstGeom>
-          <a:ln w="19050">
-            <a:prstDash val="lgDash"/>
-          </a:ln>
-        </p:spPr>
-        <p:style>
-          <a:lnRef idx="1">
-            <a:schemeClr val="dk1"/>
-          </a:lnRef>
-          <a:fillRef idx="0">
-            <a:schemeClr val="dk1"/>
-          </a:fillRef>
-          <a:effectRef idx="0">
-            <a:schemeClr val="dk1"/>
-          </a:effectRef>
-          <a:fontRef idx="minor">
-            <a:schemeClr val="tx1"/>
-          </a:fontRef>
-        </p:style>
-      </p:cxnSp>
-      <p:sp>
-        <p:nvSpPr>
-          <p:cNvPr id="92" name="TextBox 91">
-            <a:extLst>
-              <a:ext uri="{FF2B5EF4-FFF2-40B4-BE49-F238E27FC236}">
-                <a16:creationId xmlns:a16="http://schemas.microsoft.com/office/drawing/2014/main" id="{F2B16B54-45A7-6276-FBAB-FB60ECC4B8FB}"/>
-              </a:ext>
-            </a:extLst>
-          </p:cNvPr>
-          <p:cNvSpPr txBox="1"/>
-          <p:nvPr/>
-        </p:nvSpPr>
-        <p:spPr>
-          <a:xfrm>
-            <a:off x="6375581" y="2669087"/>
-            <a:ext cx="1788397" cy="369332"/>
-          </a:xfrm>
-          <a:prstGeom prst="rect">
-            <a:avLst/>
-          </a:prstGeom>
-          <a:noFill/>
-        </p:spPr>
-        <p:txBody>
-          <a:bodyPr wrap="square">
-            <a:spAutoFit/>
-          </a:bodyPr>
-          <a:lstStyle/>
-          <a:p>
-            <a:pPr algn="ctr"/>
-            <a:r>
-              <a:rPr lang="en-US" altLang="ko-KR" sz="1800" b="0" i="0" u="none" strike="noStrike">
-                <a:solidFill>
-                  <a:srgbClr val="000000"/>
-                </a:solidFill>
-                <a:effectLst/>
-                <a:latin typeface="맑은 고딕" panose="020B0503020000020004" pitchFamily="50" charset="-127"/>
-                <a:ea typeface="맑은 고딕" panose="020B0503020000020004" pitchFamily="50" charset="-127"/>
-              </a:rPr>
-              <a:t>5 digital pins</a:t>
-            </a:r>
-            <a:endParaRPr lang="ko-KR" altLang="en-US"/>
-          </a:p>
-        </p:txBody>
-      </p:sp>
-      <p:sp>
-        <p:nvSpPr>
-          <p:cNvPr id="93" name="TextBox 92">
-            <a:extLst>
-              <a:ext uri="{FF2B5EF4-FFF2-40B4-BE49-F238E27FC236}">
-                <a16:creationId xmlns:a16="http://schemas.microsoft.com/office/drawing/2014/main" id="{5BD01865-6106-1C39-CAD0-3C6D458A52C7}"/>
-              </a:ext>
-            </a:extLst>
-          </p:cNvPr>
-          <p:cNvSpPr txBox="1"/>
-          <p:nvPr/>
-        </p:nvSpPr>
-        <p:spPr>
-          <a:xfrm>
-            <a:off x="4460758" y="2669087"/>
-            <a:ext cx="1788397" cy="369332"/>
-          </a:xfrm>
-          <a:prstGeom prst="rect">
-            <a:avLst/>
-          </a:prstGeom>
-          <a:noFill/>
-        </p:spPr>
-        <p:txBody>
-          <a:bodyPr wrap="square">
-            <a:spAutoFit/>
-          </a:bodyPr>
-          <a:lstStyle/>
-          <a:p>
-            <a:pPr algn="ctr"/>
-            <a:r>
-              <a:rPr lang="en-US" altLang="ko-KR" sz="1800" b="0" i="0" u="none" strike="noStrike">
-                <a:solidFill>
-                  <a:srgbClr val="000000"/>
-                </a:solidFill>
-                <a:effectLst/>
-                <a:latin typeface="맑은 고딕" panose="020B0503020000020004" pitchFamily="50" charset="-127"/>
-                <a:ea typeface="맑은 고딕" panose="020B0503020000020004" pitchFamily="50" charset="-127"/>
-              </a:rPr>
-              <a:t>1 digital pins</a:t>
-            </a:r>
-            <a:endParaRPr lang="ko-KR" altLang="en-US"/>
-          </a:p>
-        </p:txBody>
-      </p:sp>
-      <p:sp>
-        <p:nvSpPr>
-          <p:cNvPr id="97" name="TextBox 96">
-            <a:extLst>
-              <a:ext uri="{FF2B5EF4-FFF2-40B4-BE49-F238E27FC236}">
-                <a16:creationId xmlns:a16="http://schemas.microsoft.com/office/drawing/2014/main" id="{30384885-52E9-B1DA-83C2-4D9AEF36CD1E}"/>
-              </a:ext>
-            </a:extLst>
-          </p:cNvPr>
-          <p:cNvSpPr txBox="1"/>
-          <p:nvPr/>
-        </p:nvSpPr>
-        <p:spPr>
-          <a:xfrm>
-            <a:off x="5836475" y="6431202"/>
-            <a:ext cx="2739153" cy="369332"/>
-          </a:xfrm>
-          <a:prstGeom prst="rect">
-            <a:avLst/>
-          </a:prstGeom>
-          <a:noFill/>
-        </p:spPr>
-        <p:txBody>
-          <a:bodyPr wrap="square">
-            <a:spAutoFit/>
-          </a:bodyPr>
-          <a:lstStyle/>
-          <a:p>
-            <a:pPr algn="ctr"/>
-            <a:r>
-              <a:rPr lang="en-US" altLang="ko-KR" sz="1800" b="0" i="0" u="none" strike="noStrike">
-                <a:solidFill>
-                  <a:srgbClr val="000000"/>
-                </a:solidFill>
-                <a:effectLst/>
-                <a:latin typeface="맑은 고딕" panose="020B0503020000020004" pitchFamily="50" charset="-127"/>
-                <a:ea typeface="맑은 고딕" panose="020B0503020000020004" pitchFamily="50" charset="-127"/>
-              </a:rPr>
-              <a:t>or total 13dB attenuator?</a:t>
+              <a:t>use IO port as a CPLD clock</a:t>
             </a:r>
             <a:endParaRPr lang="ko-KR" altLang="en-US"/>
           </a:p>
@@ -8372,174 +9577,6 @@
       </p:pic>
       <p:sp>
         <p:nvSpPr>
-          <p:cNvPr id="6" name="직사각형 5">
-            <a:extLst>
-              <a:ext uri="{FF2B5EF4-FFF2-40B4-BE49-F238E27FC236}">
-                <a16:creationId xmlns:a16="http://schemas.microsoft.com/office/drawing/2014/main" id="{C5E1EC08-A74C-FB2E-55C5-CDD6C0CAF529}"/>
-              </a:ext>
-            </a:extLst>
-          </p:cNvPr>
-          <p:cNvSpPr/>
-          <p:nvPr/>
-        </p:nvSpPr>
-        <p:spPr>
-          <a:xfrm>
-            <a:off x="2297874" y="5520267"/>
-            <a:ext cx="5149405" cy="322392"/>
-          </a:xfrm>
-          <a:prstGeom prst="rect">
-            <a:avLst/>
-          </a:prstGeom>
-          <a:solidFill>
-            <a:srgbClr val="FF0000">
-              <a:alpha val="37000"/>
-            </a:srgbClr>
-          </a:solidFill>
-          <a:ln w="28575">
-            <a:solidFill>
-              <a:srgbClr val="FF0000"/>
-            </a:solidFill>
-          </a:ln>
-        </p:spPr>
-        <p:style>
-          <a:lnRef idx="2">
-            <a:schemeClr val="accent1">
-              <a:shade val="15000"/>
-            </a:schemeClr>
-          </a:lnRef>
-          <a:fillRef idx="1">
-            <a:schemeClr val="accent1"/>
-          </a:fillRef>
-          <a:effectRef idx="0">
-            <a:schemeClr val="accent1"/>
-          </a:effectRef>
-          <a:fontRef idx="minor">
-            <a:schemeClr val="lt1"/>
-          </a:fontRef>
-        </p:style>
-        <p:txBody>
-          <a:bodyPr rtlCol="0" anchor="ctr"/>
-          <a:lstStyle/>
-          <a:p>
-            <a:pPr algn="ctr"/>
-            <a:endParaRPr lang="ko-KR" altLang="en-US"/>
-          </a:p>
-        </p:txBody>
-      </p:sp>
-      <p:sp>
-        <p:nvSpPr>
-          <p:cNvPr id="9" name="직사각형 8">
-            <a:extLst>
-              <a:ext uri="{FF2B5EF4-FFF2-40B4-BE49-F238E27FC236}">
-                <a16:creationId xmlns:a16="http://schemas.microsoft.com/office/drawing/2014/main" id="{0BC921EA-9830-3E3C-CA59-77445B3ED8AF}"/>
-              </a:ext>
-            </a:extLst>
-          </p:cNvPr>
-          <p:cNvSpPr/>
-          <p:nvPr/>
-        </p:nvSpPr>
-        <p:spPr>
-          <a:xfrm>
-            <a:off x="2297874" y="5841600"/>
-            <a:ext cx="4387405" cy="284033"/>
-          </a:xfrm>
-          <a:prstGeom prst="rect">
-            <a:avLst/>
-          </a:prstGeom>
-          <a:solidFill>
-            <a:srgbClr val="FF0000">
-              <a:alpha val="37000"/>
-            </a:srgbClr>
-          </a:solidFill>
-          <a:ln w="28575">
-            <a:solidFill>
-              <a:srgbClr val="FF0000"/>
-            </a:solidFill>
-          </a:ln>
-        </p:spPr>
-        <p:style>
-          <a:lnRef idx="2">
-            <a:schemeClr val="accent1">
-              <a:shade val="15000"/>
-            </a:schemeClr>
-          </a:lnRef>
-          <a:fillRef idx="1">
-            <a:schemeClr val="accent1"/>
-          </a:fillRef>
-          <a:effectRef idx="0">
-            <a:schemeClr val="accent1"/>
-          </a:effectRef>
-          <a:fontRef idx="minor">
-            <a:schemeClr val="lt1"/>
-          </a:fontRef>
-        </p:style>
-        <p:txBody>
-          <a:bodyPr rtlCol="0" anchor="ctr"/>
-          <a:lstStyle/>
-          <a:p>
-            <a:pPr algn="ctr"/>
-            <a:endParaRPr lang="ko-KR" altLang="en-US"/>
-          </a:p>
-        </p:txBody>
-      </p:sp>
-      <p:sp>
-        <p:nvSpPr>
-          <p:cNvPr id="12" name="직사각형 11">
-            <a:extLst>
-              <a:ext uri="{FF2B5EF4-FFF2-40B4-BE49-F238E27FC236}">
-                <a16:creationId xmlns:a16="http://schemas.microsoft.com/office/drawing/2014/main" id="{C68CD428-9AD6-7349-BA85-845057196DD9}"/>
-              </a:ext>
-            </a:extLst>
-          </p:cNvPr>
-          <p:cNvSpPr/>
-          <p:nvPr/>
-        </p:nvSpPr>
-        <p:spPr>
-          <a:xfrm>
-            <a:off x="2297875" y="6125633"/>
-            <a:ext cx="4387404" cy="322392"/>
-          </a:xfrm>
-          <a:prstGeom prst="rect">
-            <a:avLst/>
-          </a:prstGeom>
-          <a:solidFill>
-            <a:srgbClr val="FF0000">
-              <a:alpha val="37000"/>
-            </a:srgbClr>
-          </a:solidFill>
-          <a:ln w="28575">
-            <a:solidFill>
-              <a:srgbClr val="FF0000"/>
-            </a:solidFill>
-          </a:ln>
-        </p:spPr>
-        <p:style>
-          <a:lnRef idx="2">
-            <a:schemeClr val="accent1">
-              <a:shade val="15000"/>
-            </a:schemeClr>
-          </a:lnRef>
-          <a:fillRef idx="1">
-            <a:schemeClr val="accent1"/>
-          </a:fillRef>
-          <a:effectRef idx="0">
-            <a:schemeClr val="accent1"/>
-          </a:effectRef>
-          <a:fontRef idx="minor">
-            <a:schemeClr val="lt1"/>
-          </a:fontRef>
-        </p:style>
-        <p:txBody>
-          <a:bodyPr rtlCol="0" anchor="ctr"/>
-          <a:lstStyle/>
-          <a:p>
-            <a:pPr algn="ctr"/>
-            <a:endParaRPr lang="ko-KR" altLang="en-US"/>
-          </a:p>
-        </p:txBody>
-      </p:sp>
-      <p:sp>
-        <p:nvSpPr>
           <p:cNvPr id="14" name="TextBox 13">
             <a:extLst>
               <a:ext uri="{FF2B5EF4-FFF2-40B4-BE49-F238E27FC236}">
@@ -8578,62 +9615,6 @@
               </a:rPr>
               <a:t>8ns resolution</a:t>
             </a:r>
-            <a:endParaRPr lang="ko-KR" altLang="en-US"/>
-          </a:p>
-        </p:txBody>
-      </p:sp>
-      <p:sp>
-        <p:nvSpPr>
-          <p:cNvPr id="15" name="직사각형 14">
-            <a:extLst>
-              <a:ext uri="{FF2B5EF4-FFF2-40B4-BE49-F238E27FC236}">
-                <a16:creationId xmlns:a16="http://schemas.microsoft.com/office/drawing/2014/main" id="{5C21470F-A224-7A6B-A00D-C64C09AC5C21}"/>
-              </a:ext>
-            </a:extLst>
-          </p:cNvPr>
-          <p:cNvSpPr/>
-          <p:nvPr/>
-        </p:nvSpPr>
-        <p:spPr>
-          <a:xfrm>
-            <a:off x="6685279" y="5841600"/>
-            <a:ext cx="1524000" cy="606425"/>
-          </a:xfrm>
-          <a:prstGeom prst="rect">
-            <a:avLst/>
-          </a:prstGeom>
-          <a:solidFill>
-            <a:srgbClr val="FF0000">
-              <a:alpha val="37000"/>
-            </a:srgbClr>
-          </a:solidFill>
-          <a:ln w="28575">
-            <a:solidFill>
-              <a:srgbClr val="FF0000"/>
-            </a:solidFill>
-          </a:ln>
-        </p:spPr>
-        <p:style>
-          <a:lnRef idx="2">
-            <a:schemeClr val="accent1">
-              <a:shade val="15000"/>
-            </a:schemeClr>
-          </a:lnRef>
-          <a:fillRef idx="1">
-            <a:schemeClr val="accent1"/>
-          </a:fillRef>
-          <a:effectRef idx="0">
-            <a:schemeClr val="accent1"/>
-          </a:effectRef>
-          <a:fontRef idx="minor">
-            <a:schemeClr val="lt1"/>
-          </a:fontRef>
-        </p:style>
-        <p:txBody>
-          <a:bodyPr rtlCol="0" anchor="ctr"/>
-          <a:lstStyle/>
-          <a:p>
-            <a:pPr algn="ctr"/>
             <a:endParaRPr lang="ko-KR" altLang="en-US"/>
           </a:p>
         </p:txBody>
@@ -8698,230 +9679,6 @@
           </a:prstGeom>
         </p:spPr>
       </p:pic>
-      <p:sp>
-        <p:nvSpPr>
-          <p:cNvPr id="6" name="직사각형 5">
-            <a:extLst>
-              <a:ext uri="{FF2B5EF4-FFF2-40B4-BE49-F238E27FC236}">
-                <a16:creationId xmlns:a16="http://schemas.microsoft.com/office/drawing/2014/main" id="{F2338533-4B89-9515-2C6C-4A1422B05A4E}"/>
-              </a:ext>
-            </a:extLst>
-          </p:cNvPr>
-          <p:cNvSpPr/>
-          <p:nvPr/>
-        </p:nvSpPr>
-        <p:spPr>
-          <a:xfrm>
-            <a:off x="3275774" y="440267"/>
-            <a:ext cx="4248975" cy="322392"/>
-          </a:xfrm>
-          <a:prstGeom prst="rect">
-            <a:avLst/>
-          </a:prstGeom>
-          <a:solidFill>
-            <a:srgbClr val="FF0000">
-              <a:alpha val="37000"/>
-            </a:srgbClr>
-          </a:solidFill>
-          <a:ln w="28575">
-            <a:solidFill>
-              <a:srgbClr val="FF0000"/>
-            </a:solidFill>
-          </a:ln>
-        </p:spPr>
-        <p:style>
-          <a:lnRef idx="2">
-            <a:schemeClr val="accent1">
-              <a:shade val="15000"/>
-            </a:schemeClr>
-          </a:lnRef>
-          <a:fillRef idx="1">
-            <a:schemeClr val="accent1"/>
-          </a:fillRef>
-          <a:effectRef idx="0">
-            <a:schemeClr val="accent1"/>
-          </a:effectRef>
-          <a:fontRef idx="minor">
-            <a:schemeClr val="lt1"/>
-          </a:fontRef>
-        </p:style>
-        <p:txBody>
-          <a:bodyPr rtlCol="0" anchor="ctr"/>
-          <a:lstStyle/>
-          <a:p>
-            <a:pPr algn="ctr"/>
-            <a:endParaRPr lang="ko-KR" altLang="en-US"/>
-          </a:p>
-        </p:txBody>
-      </p:sp>
-      <p:sp>
-        <p:nvSpPr>
-          <p:cNvPr id="7" name="직사각형 6">
-            <a:extLst>
-              <a:ext uri="{FF2B5EF4-FFF2-40B4-BE49-F238E27FC236}">
-                <a16:creationId xmlns:a16="http://schemas.microsoft.com/office/drawing/2014/main" id="{2FAAEB34-9B48-E179-0EFE-E1F7E8047D7A}"/>
-              </a:ext>
-            </a:extLst>
-          </p:cNvPr>
-          <p:cNvSpPr/>
-          <p:nvPr/>
-        </p:nvSpPr>
-        <p:spPr>
-          <a:xfrm>
-            <a:off x="3275774" y="761600"/>
-            <a:ext cx="4248975" cy="284033"/>
-          </a:xfrm>
-          <a:prstGeom prst="rect">
-            <a:avLst/>
-          </a:prstGeom>
-          <a:solidFill>
-            <a:srgbClr val="FF0000">
-              <a:alpha val="37000"/>
-            </a:srgbClr>
-          </a:solidFill>
-          <a:ln w="28575">
-            <a:solidFill>
-              <a:srgbClr val="FF0000"/>
-            </a:solidFill>
-          </a:ln>
-        </p:spPr>
-        <p:style>
-          <a:lnRef idx="2">
-            <a:schemeClr val="accent1">
-              <a:shade val="15000"/>
-            </a:schemeClr>
-          </a:lnRef>
-          <a:fillRef idx="1">
-            <a:schemeClr val="accent1"/>
-          </a:fillRef>
-          <a:effectRef idx="0">
-            <a:schemeClr val="accent1"/>
-          </a:effectRef>
-          <a:fontRef idx="minor">
-            <a:schemeClr val="lt1"/>
-          </a:fontRef>
-        </p:style>
-        <p:txBody>
-          <a:bodyPr rtlCol="0" anchor="ctr"/>
-          <a:lstStyle/>
-          <a:p>
-            <a:pPr algn="ctr"/>
-            <a:endParaRPr lang="ko-KR" altLang="en-US"/>
-          </a:p>
-        </p:txBody>
-      </p:sp>
-      <p:sp>
-        <p:nvSpPr>
-          <p:cNvPr id="8" name="직사각형 7">
-            <a:extLst>
-              <a:ext uri="{FF2B5EF4-FFF2-40B4-BE49-F238E27FC236}">
-                <a16:creationId xmlns:a16="http://schemas.microsoft.com/office/drawing/2014/main" id="{5557258B-032D-3447-7DAF-D6B8EA5184D6}"/>
-              </a:ext>
-            </a:extLst>
-          </p:cNvPr>
-          <p:cNvSpPr/>
-          <p:nvPr/>
-        </p:nvSpPr>
-        <p:spPr>
-          <a:xfrm>
-            <a:off x="3275774" y="1045633"/>
-            <a:ext cx="5030026" cy="322392"/>
-          </a:xfrm>
-          <a:prstGeom prst="rect">
-            <a:avLst/>
-          </a:prstGeom>
-          <a:solidFill>
-            <a:srgbClr val="FF0000">
-              <a:alpha val="37000"/>
-            </a:srgbClr>
-          </a:solidFill>
-          <a:ln w="28575">
-            <a:solidFill>
-              <a:srgbClr val="FF0000"/>
-            </a:solidFill>
-          </a:ln>
-        </p:spPr>
-        <p:style>
-          <a:lnRef idx="2">
-            <a:schemeClr val="accent1">
-              <a:shade val="15000"/>
-            </a:schemeClr>
-          </a:lnRef>
-          <a:fillRef idx="1">
-            <a:schemeClr val="accent1"/>
-          </a:fillRef>
-          <a:effectRef idx="0">
-            <a:schemeClr val="accent1"/>
-          </a:effectRef>
-          <a:fontRef idx="minor">
-            <a:schemeClr val="lt1"/>
-          </a:fontRef>
-        </p:style>
-        <p:txBody>
-          <a:bodyPr rtlCol="0" anchor="ctr"/>
-          <a:lstStyle/>
-          <a:p>
-            <a:pPr algn="ctr"/>
-            <a:endParaRPr lang="ko-KR" altLang="en-US"/>
-          </a:p>
-        </p:txBody>
-      </p:sp>
-      <p:sp>
-        <p:nvSpPr>
-          <p:cNvPr id="10" name="직사각형 9">
-            <a:extLst>
-              <a:ext uri="{FF2B5EF4-FFF2-40B4-BE49-F238E27FC236}">
-                <a16:creationId xmlns:a16="http://schemas.microsoft.com/office/drawing/2014/main" id="{76E93F26-4EB2-4886-255B-F5A9E26E7D32}"/>
-              </a:ext>
-            </a:extLst>
-          </p:cNvPr>
-          <p:cNvSpPr/>
-          <p:nvPr/>
-        </p:nvSpPr>
-        <p:spPr>
-          <a:xfrm>
-            <a:off x="7524749" y="440267"/>
-            <a:ext cx="1539240" cy="322392"/>
-          </a:xfrm>
-          <a:prstGeom prst="rect">
-            <a:avLst/>
-          </a:prstGeom>
-          <a:solidFill>
-            <a:srgbClr val="FF0000">
-              <a:alpha val="37000"/>
-            </a:srgbClr>
-          </a:solidFill>
-          <a:ln w="28575">
-            <a:solidFill>
-              <a:srgbClr val="FF0000"/>
-            </a:solidFill>
-          </a:ln>
-        </p:spPr>
-        <p:style>
-          <a:lnRef idx="2">
-            <a:schemeClr val="accent1">
-              <a:shade val="15000"/>
-            </a:schemeClr>
-          </a:lnRef>
-          <a:fillRef idx="1">
-            <a:schemeClr val="accent1"/>
-          </a:fillRef>
-          <a:effectRef idx="0">
-            <a:schemeClr val="accent1"/>
-          </a:effectRef>
-          <a:fontRef idx="minor">
-            <a:schemeClr val="lt1"/>
-          </a:fontRef>
-        </p:style>
-        <p:txBody>
-          <a:bodyPr rtlCol="0" anchor="ctr"/>
-          <a:lstStyle/>
-          <a:p>
-            <a:pPr algn="ctr"/>
-            <a:endParaRPr lang="ko-KR" altLang="en-US"/>
-          </a:p>
-        </p:txBody>
-      </p:sp>
     </p:spTree>
     <p:extLst>
       <p:ext uri="{BB962C8B-B14F-4D97-AF65-F5344CB8AC3E}">

--- a/Documents/PPT/RFSoC RF FrontEnd_v1_00.pptx
+++ b/Documents/PPT/RFSoC RF FrontEnd_v1_00.pptx
@@ -9,9 +9,17 @@
     <p:sldId id="257" r:id="rId3"/>
     <p:sldId id="258" r:id="rId4"/>
     <p:sldId id="259" r:id="rId5"/>
-    <p:sldId id="260" r:id="rId6"/>
-    <p:sldId id="261" r:id="rId7"/>
-    <p:sldId id="262" r:id="rId8"/>
+    <p:sldId id="268" r:id="rId6"/>
+    <p:sldId id="260" r:id="rId7"/>
+    <p:sldId id="267" r:id="rId8"/>
+    <p:sldId id="266" r:id="rId9"/>
+    <p:sldId id="269" r:id="rId10"/>
+    <p:sldId id="270" r:id="rId11"/>
+    <p:sldId id="261" r:id="rId12"/>
+    <p:sldId id="262" r:id="rId13"/>
+    <p:sldId id="263" r:id="rId14"/>
+    <p:sldId id="264" r:id="rId15"/>
+    <p:sldId id="265" r:id="rId16"/>
   </p:sldIdLst>
   <p:sldSz cx="12192000" cy="6858000"/>
   <p:notesSz cx="6858000" cy="9144000"/>
@@ -265,7 +273,7 @@
           <a:p>
             <a:fld id="{83D81050-B5AC-4287-9BFE-8FA365E2B7CE}" type="datetimeFigureOut">
               <a:rPr lang="ko-KR" altLang="en-US" smtClean="0"/>
-              <a:t>2023-11-29</a:t>
+              <a:t>2023-11-30</a:t>
             </a:fld>
             <a:endParaRPr lang="ko-KR" altLang="en-US"/>
           </a:p>
@@ -463,7 +471,7 @@
           <a:p>
             <a:fld id="{83D81050-B5AC-4287-9BFE-8FA365E2B7CE}" type="datetimeFigureOut">
               <a:rPr lang="ko-KR" altLang="en-US" smtClean="0"/>
-              <a:t>2023-11-29</a:t>
+              <a:t>2023-11-30</a:t>
             </a:fld>
             <a:endParaRPr lang="ko-KR" altLang="en-US"/>
           </a:p>
@@ -671,7 +679,7 @@
           <a:p>
             <a:fld id="{83D81050-B5AC-4287-9BFE-8FA365E2B7CE}" type="datetimeFigureOut">
               <a:rPr lang="ko-KR" altLang="en-US" smtClean="0"/>
-              <a:t>2023-11-29</a:t>
+              <a:t>2023-11-30</a:t>
             </a:fld>
             <a:endParaRPr lang="ko-KR" altLang="en-US"/>
           </a:p>
@@ -869,7 +877,7 @@
           <a:p>
             <a:fld id="{83D81050-B5AC-4287-9BFE-8FA365E2B7CE}" type="datetimeFigureOut">
               <a:rPr lang="ko-KR" altLang="en-US" smtClean="0"/>
-              <a:t>2023-11-29</a:t>
+              <a:t>2023-11-30</a:t>
             </a:fld>
             <a:endParaRPr lang="ko-KR" altLang="en-US"/>
           </a:p>
@@ -1144,7 +1152,7 @@
           <a:p>
             <a:fld id="{83D81050-B5AC-4287-9BFE-8FA365E2B7CE}" type="datetimeFigureOut">
               <a:rPr lang="ko-KR" altLang="en-US" smtClean="0"/>
-              <a:t>2023-11-29</a:t>
+              <a:t>2023-11-30</a:t>
             </a:fld>
             <a:endParaRPr lang="ko-KR" altLang="en-US"/>
           </a:p>
@@ -1409,7 +1417,7 @@
           <a:p>
             <a:fld id="{83D81050-B5AC-4287-9BFE-8FA365E2B7CE}" type="datetimeFigureOut">
               <a:rPr lang="ko-KR" altLang="en-US" smtClean="0"/>
-              <a:t>2023-11-29</a:t>
+              <a:t>2023-11-30</a:t>
             </a:fld>
             <a:endParaRPr lang="ko-KR" altLang="en-US"/>
           </a:p>
@@ -1821,7 +1829,7 @@
           <a:p>
             <a:fld id="{83D81050-B5AC-4287-9BFE-8FA365E2B7CE}" type="datetimeFigureOut">
               <a:rPr lang="ko-KR" altLang="en-US" smtClean="0"/>
-              <a:t>2023-11-29</a:t>
+              <a:t>2023-11-30</a:t>
             </a:fld>
             <a:endParaRPr lang="ko-KR" altLang="en-US"/>
           </a:p>
@@ -1962,7 +1970,7 @@
           <a:p>
             <a:fld id="{83D81050-B5AC-4287-9BFE-8FA365E2B7CE}" type="datetimeFigureOut">
               <a:rPr lang="ko-KR" altLang="en-US" smtClean="0"/>
-              <a:t>2023-11-29</a:t>
+              <a:t>2023-11-30</a:t>
             </a:fld>
             <a:endParaRPr lang="ko-KR" altLang="en-US"/>
           </a:p>
@@ -2075,7 +2083,7 @@
           <a:p>
             <a:fld id="{83D81050-B5AC-4287-9BFE-8FA365E2B7CE}" type="datetimeFigureOut">
               <a:rPr lang="ko-KR" altLang="en-US" smtClean="0"/>
-              <a:t>2023-11-29</a:t>
+              <a:t>2023-11-30</a:t>
             </a:fld>
             <a:endParaRPr lang="ko-KR" altLang="en-US"/>
           </a:p>
@@ -2386,7 +2394,7 @@
           <a:p>
             <a:fld id="{83D81050-B5AC-4287-9BFE-8FA365E2B7CE}" type="datetimeFigureOut">
               <a:rPr lang="ko-KR" altLang="en-US" smtClean="0"/>
-              <a:t>2023-11-29</a:t>
+              <a:t>2023-11-30</a:t>
             </a:fld>
             <a:endParaRPr lang="ko-KR" altLang="en-US"/>
           </a:p>
@@ -2674,7 +2682,7 @@
           <a:p>
             <a:fld id="{83D81050-B5AC-4287-9BFE-8FA365E2B7CE}" type="datetimeFigureOut">
               <a:rPr lang="ko-KR" altLang="en-US" smtClean="0"/>
-              <a:t>2023-11-29</a:t>
+              <a:t>2023-11-30</a:t>
             </a:fld>
             <a:endParaRPr lang="ko-KR" altLang="en-US"/>
           </a:p>
@@ -2915,7 +2923,7 @@
           <a:p>
             <a:fld id="{83D81050-B5AC-4287-9BFE-8FA365E2B7CE}" type="datetimeFigureOut">
               <a:rPr lang="ko-KR" altLang="en-US" smtClean="0"/>
-              <a:t>2023-11-29</a:t>
+              <a:t>2023-11-30</a:t>
             </a:fld>
             <a:endParaRPr lang="ko-KR" altLang="en-US"/>
           </a:p>
@@ -3403,6 +3411,1008 @@
 </p:sld>
 </file>
 
+<file path=ppt/slides/slide10.xml><?xml version="1.0" encoding="utf-8"?>
+<p:sld xmlns:a="http://schemas.openxmlformats.org/drawingml/2006/main" xmlns:r="http://schemas.openxmlformats.org/officeDocument/2006/relationships" xmlns:p="http://schemas.openxmlformats.org/presentationml/2006/main">
+  <p:cSld>
+    <p:spTree>
+      <p:nvGrpSpPr>
+        <p:cNvPr id="1" name=""/>
+        <p:cNvGrpSpPr/>
+        <p:nvPr/>
+      </p:nvGrpSpPr>
+      <p:grpSpPr>
+        <a:xfrm>
+          <a:off x="0" y="0"/>
+          <a:ext cx="0" cy="0"/>
+          <a:chOff x="0" y="0"/>
+          <a:chExt cx="0" cy="0"/>
+        </a:xfrm>
+      </p:grpSpPr>
+      <p:pic>
+        <p:nvPicPr>
+          <p:cNvPr id="5" name="그림 4" descr="텍스트, 스크린샷, 소프트웨어, 컴퓨터 아이콘이(가) 표시된 사진&#10;&#10;자동 생성된 설명">
+            <a:extLst>
+              <a:ext uri="{FF2B5EF4-FFF2-40B4-BE49-F238E27FC236}">
+                <a16:creationId xmlns:a16="http://schemas.microsoft.com/office/drawing/2014/main" id="{BEAFBC8C-B362-4374-72C7-01C2FB356D0C}"/>
+              </a:ext>
+            </a:extLst>
+          </p:cNvPr>
+          <p:cNvPicPr>
+            <a:picLocks noChangeAspect="1"/>
+          </p:cNvPicPr>
+          <p:nvPr/>
+        </p:nvPicPr>
+        <p:blipFill>
+          <a:blip r:embed="rId2">
+            <a:extLst>
+              <a:ext uri="{28A0092B-C50C-407E-A947-70E740481C1C}">
+                <a14:useLocalDpi xmlns:a14="http://schemas.microsoft.com/office/drawing/2010/main" val="0"/>
+              </a:ext>
+            </a:extLst>
+          </a:blip>
+          <a:stretch>
+            <a:fillRect/>
+          </a:stretch>
+        </p:blipFill>
+        <p:spPr>
+          <a:xfrm>
+            <a:off x="5956300" y="3488530"/>
+            <a:ext cx="5391150" cy="3369469"/>
+          </a:xfrm>
+          <a:prstGeom prst="rect">
+            <a:avLst/>
+          </a:prstGeom>
+        </p:spPr>
+      </p:pic>
+      <p:pic>
+        <p:nvPicPr>
+          <p:cNvPr id="7" name="그림 6" descr="텍스트, 스크린샷, 소프트웨어, 디스플레이이(가) 표시된 사진&#10;&#10;자동 생성된 설명">
+            <a:extLst>
+              <a:ext uri="{FF2B5EF4-FFF2-40B4-BE49-F238E27FC236}">
+                <a16:creationId xmlns:a16="http://schemas.microsoft.com/office/drawing/2014/main" id="{967EEE2A-B9E6-9F9F-AF92-C1E84D348D70}"/>
+              </a:ext>
+            </a:extLst>
+          </p:cNvPr>
+          <p:cNvPicPr>
+            <a:picLocks noChangeAspect="1"/>
+          </p:cNvPicPr>
+          <p:nvPr/>
+        </p:nvPicPr>
+        <p:blipFill>
+          <a:blip r:embed="rId3">
+            <a:extLst>
+              <a:ext uri="{28A0092B-C50C-407E-A947-70E740481C1C}">
+                <a14:useLocalDpi xmlns:a14="http://schemas.microsoft.com/office/drawing/2010/main" val="0"/>
+              </a:ext>
+            </a:extLst>
+          </a:blip>
+          <a:stretch>
+            <a:fillRect/>
+          </a:stretch>
+        </p:blipFill>
+        <p:spPr>
+          <a:xfrm>
+            <a:off x="133350" y="3488531"/>
+            <a:ext cx="5391150" cy="3369469"/>
+          </a:xfrm>
+          <a:prstGeom prst="rect">
+            <a:avLst/>
+          </a:prstGeom>
+        </p:spPr>
+      </p:pic>
+      <p:pic>
+        <p:nvPicPr>
+          <p:cNvPr id="9" name="그림 8" descr="텍스트, 스크린샷, 소프트웨어, 디스플레이이(가) 표시된 사진&#10;&#10;자동 생성된 설명">
+            <a:extLst>
+              <a:ext uri="{FF2B5EF4-FFF2-40B4-BE49-F238E27FC236}">
+                <a16:creationId xmlns:a16="http://schemas.microsoft.com/office/drawing/2014/main" id="{FCF2284F-AAC5-0BAD-300A-A596586F6D6D}"/>
+              </a:ext>
+            </a:extLst>
+          </p:cNvPr>
+          <p:cNvPicPr>
+            <a:picLocks noChangeAspect="1"/>
+          </p:cNvPicPr>
+          <p:nvPr/>
+        </p:nvPicPr>
+        <p:blipFill>
+          <a:blip r:embed="rId4">
+            <a:extLst>
+              <a:ext uri="{28A0092B-C50C-407E-A947-70E740481C1C}">
+                <a14:useLocalDpi xmlns:a14="http://schemas.microsoft.com/office/drawing/2010/main" val="0"/>
+              </a:ext>
+            </a:extLst>
+          </a:blip>
+          <a:stretch>
+            <a:fillRect/>
+          </a:stretch>
+        </p:blipFill>
+        <p:spPr>
+          <a:xfrm>
+            <a:off x="5956300" y="59530"/>
+            <a:ext cx="5391150" cy="3369469"/>
+          </a:xfrm>
+          <a:prstGeom prst="rect">
+            <a:avLst/>
+          </a:prstGeom>
+        </p:spPr>
+      </p:pic>
+      <p:pic>
+        <p:nvPicPr>
+          <p:cNvPr id="11" name="그림 10" descr="텍스트, 스크린샷, 소프트웨어, 디스플레이이(가) 표시된 사진&#10;&#10;자동 생성된 설명">
+            <a:extLst>
+              <a:ext uri="{FF2B5EF4-FFF2-40B4-BE49-F238E27FC236}">
+                <a16:creationId xmlns:a16="http://schemas.microsoft.com/office/drawing/2014/main" id="{A7A1C25D-6A69-F563-4AB7-CC11DA72F007}"/>
+              </a:ext>
+            </a:extLst>
+          </p:cNvPr>
+          <p:cNvPicPr>
+            <a:picLocks noChangeAspect="1"/>
+          </p:cNvPicPr>
+          <p:nvPr/>
+        </p:nvPicPr>
+        <p:blipFill>
+          <a:blip r:embed="rId5">
+            <a:extLst>
+              <a:ext uri="{28A0092B-C50C-407E-A947-70E740481C1C}">
+                <a14:useLocalDpi xmlns:a14="http://schemas.microsoft.com/office/drawing/2010/main" val="0"/>
+              </a:ext>
+            </a:extLst>
+          </a:blip>
+          <a:stretch>
+            <a:fillRect/>
+          </a:stretch>
+        </p:blipFill>
+        <p:spPr>
+          <a:xfrm>
+            <a:off x="133350" y="59531"/>
+            <a:ext cx="5391150" cy="3369469"/>
+          </a:xfrm>
+          <a:prstGeom prst="rect">
+            <a:avLst/>
+          </a:prstGeom>
+        </p:spPr>
+      </p:pic>
+    </p:spTree>
+    <p:extLst>
+      <p:ext uri="{BB962C8B-B14F-4D97-AF65-F5344CB8AC3E}">
+        <p14:creationId xmlns:p14="http://schemas.microsoft.com/office/powerpoint/2010/main" val="2080594813"/>
+      </p:ext>
+    </p:extLst>
+  </p:cSld>
+  <p:clrMapOvr>
+    <a:masterClrMapping/>
+  </p:clrMapOvr>
+</p:sld>
+</file>
+
+<file path=ppt/slides/slide11.xml><?xml version="1.0" encoding="utf-8"?>
+<p:sld xmlns:a="http://schemas.openxmlformats.org/drawingml/2006/main" xmlns:r="http://schemas.openxmlformats.org/officeDocument/2006/relationships" xmlns:p="http://schemas.openxmlformats.org/presentationml/2006/main">
+  <p:cSld>
+    <p:spTree>
+      <p:nvGrpSpPr>
+        <p:cNvPr id="1" name=""/>
+        <p:cNvGrpSpPr/>
+        <p:nvPr/>
+      </p:nvGrpSpPr>
+      <p:grpSpPr>
+        <a:xfrm>
+          <a:off x="0" y="0"/>
+          <a:ext cx="0" cy="0"/>
+          <a:chOff x="0" y="0"/>
+          <a:chExt cx="0" cy="0"/>
+        </a:xfrm>
+      </p:grpSpPr>
+      <p:pic>
+        <p:nvPicPr>
+          <p:cNvPr id="5" name="그림 4">
+            <a:extLst>
+              <a:ext uri="{FF2B5EF4-FFF2-40B4-BE49-F238E27FC236}">
+                <a16:creationId xmlns:a16="http://schemas.microsoft.com/office/drawing/2014/main" id="{D630B02A-92DA-27A2-1525-0F7BA0E2D860}"/>
+              </a:ext>
+            </a:extLst>
+          </p:cNvPr>
+          <p:cNvPicPr>
+            <a:picLocks noChangeAspect="1"/>
+          </p:cNvPicPr>
+          <p:nvPr/>
+        </p:nvPicPr>
+        <p:blipFill>
+          <a:blip r:embed="rId2"/>
+          <a:stretch>
+            <a:fillRect/>
+          </a:stretch>
+        </p:blipFill>
+        <p:spPr>
+          <a:xfrm>
+            <a:off x="1887279" y="0"/>
+            <a:ext cx="6659893" cy="6858000"/>
+          </a:xfrm>
+          <a:prstGeom prst="rect">
+            <a:avLst/>
+          </a:prstGeom>
+        </p:spPr>
+      </p:pic>
+      <p:sp>
+        <p:nvSpPr>
+          <p:cNvPr id="14" name="TextBox 13">
+            <a:extLst>
+              <a:ext uri="{FF2B5EF4-FFF2-40B4-BE49-F238E27FC236}">
+                <a16:creationId xmlns:a16="http://schemas.microsoft.com/office/drawing/2014/main" id="{E9FA7747-6E00-D026-5267-9C97D8C84E02}"/>
+              </a:ext>
+            </a:extLst>
+          </p:cNvPr>
+          <p:cNvSpPr txBox="1"/>
+          <p:nvPr/>
+        </p:nvSpPr>
+        <p:spPr>
+          <a:xfrm>
+            <a:off x="136156" y="5678314"/>
+            <a:ext cx="1788397" cy="369332"/>
+          </a:xfrm>
+          <a:prstGeom prst="rect">
+            <a:avLst/>
+          </a:prstGeom>
+          <a:noFill/>
+        </p:spPr>
+        <p:txBody>
+          <a:bodyPr wrap="square">
+            <a:spAutoFit/>
+          </a:bodyPr>
+          <a:lstStyle/>
+          <a:p>
+            <a:pPr algn="ctr"/>
+            <a:r>
+              <a:rPr lang="en-US" altLang="ko-KR" sz="1800" b="0" i="0" u="none" strike="noStrike">
+                <a:solidFill>
+                  <a:srgbClr val="000000"/>
+                </a:solidFill>
+                <a:effectLst/>
+                <a:latin typeface="맑은 고딕" panose="020B0503020000020004" pitchFamily="50" charset="-127"/>
+                <a:ea typeface="맑은 고딕" panose="020B0503020000020004" pitchFamily="50" charset="-127"/>
+              </a:rPr>
+              <a:t>8ns resolution</a:t>
+            </a:r>
+            <a:endParaRPr lang="ko-KR" altLang="en-US"/>
+          </a:p>
+        </p:txBody>
+      </p:sp>
+      <p:sp>
+        <p:nvSpPr>
+          <p:cNvPr id="2" name="TextBox 1">
+            <a:extLst>
+              <a:ext uri="{FF2B5EF4-FFF2-40B4-BE49-F238E27FC236}">
+                <a16:creationId xmlns:a16="http://schemas.microsoft.com/office/drawing/2014/main" id="{ED772FED-7E3D-7970-14B5-45A1BC79EAA2}"/>
+              </a:ext>
+            </a:extLst>
+          </p:cNvPr>
+          <p:cNvSpPr txBox="1"/>
+          <p:nvPr/>
+        </p:nvSpPr>
+        <p:spPr>
+          <a:xfrm>
+            <a:off x="7926369" y="5473003"/>
+            <a:ext cx="1788397" cy="369332"/>
+          </a:xfrm>
+          <a:prstGeom prst="rect">
+            <a:avLst/>
+          </a:prstGeom>
+          <a:noFill/>
+        </p:spPr>
+        <p:txBody>
+          <a:bodyPr wrap="square">
+            <a:spAutoFit/>
+          </a:bodyPr>
+          <a:lstStyle/>
+          <a:p>
+            <a:pPr algn="ctr"/>
+            <a:r>
+              <a:rPr lang="en-US" altLang="ko-KR" sz="1800" b="0" i="0" u="none" strike="noStrike">
+                <a:solidFill>
+                  <a:srgbClr val="000000"/>
+                </a:solidFill>
+                <a:effectLst/>
+                <a:latin typeface="맑은 고딕" panose="020B0503020000020004" pitchFamily="50" charset="-127"/>
+                <a:ea typeface="맑은 고딕" panose="020B0503020000020004" pitchFamily="50" charset="-127"/>
+              </a:rPr>
+              <a:t>1.8V</a:t>
+            </a:r>
+            <a:endParaRPr lang="ko-KR" altLang="en-US"/>
+          </a:p>
+        </p:txBody>
+      </p:sp>
+      <p:sp>
+        <p:nvSpPr>
+          <p:cNvPr id="3" name="TextBox 2">
+            <a:extLst>
+              <a:ext uri="{FF2B5EF4-FFF2-40B4-BE49-F238E27FC236}">
+                <a16:creationId xmlns:a16="http://schemas.microsoft.com/office/drawing/2014/main" id="{C7646EED-7EB2-E3AE-A62E-A462248187D6}"/>
+              </a:ext>
+            </a:extLst>
+          </p:cNvPr>
+          <p:cNvSpPr txBox="1"/>
+          <p:nvPr/>
+        </p:nvSpPr>
+        <p:spPr>
+          <a:xfrm>
+            <a:off x="136155" y="301299"/>
+            <a:ext cx="1788397" cy="646331"/>
+          </a:xfrm>
+          <a:prstGeom prst="rect">
+            <a:avLst/>
+          </a:prstGeom>
+          <a:noFill/>
+        </p:spPr>
+        <p:txBody>
+          <a:bodyPr wrap="square">
+            <a:spAutoFit/>
+          </a:bodyPr>
+          <a:lstStyle/>
+          <a:p>
+            <a:pPr algn="ctr"/>
+            <a:r>
+              <a:rPr lang="en-US" altLang="ko-KR" sz="1800" b="0" i="0" u="none" strike="noStrike">
+                <a:solidFill>
+                  <a:srgbClr val="000000"/>
+                </a:solidFill>
+                <a:effectLst/>
+                <a:latin typeface="맑은 고딕" panose="020B0503020000020004" pitchFamily="50" charset="-127"/>
+                <a:ea typeface="맑은 고딕" panose="020B0503020000020004" pitchFamily="50" charset="-127"/>
+              </a:rPr>
+              <a:t>2.5V in 20mA</a:t>
+            </a:r>
+          </a:p>
+          <a:p>
+            <a:pPr algn="ctr"/>
+            <a:r>
+              <a:rPr lang="en-US" altLang="ko-KR" sz="1800" b="0" i="0" u="none" strike="noStrike">
+                <a:solidFill>
+                  <a:srgbClr val="000000"/>
+                </a:solidFill>
+                <a:effectLst/>
+                <a:latin typeface="맑은 고딕" panose="020B0503020000020004" pitchFamily="50" charset="-127"/>
+                <a:ea typeface="맑은 고딕" panose="020B0503020000020004" pitchFamily="50" charset="-127"/>
+              </a:rPr>
+              <a:t>3.0V in 32mA</a:t>
+            </a:r>
+            <a:endParaRPr lang="ko-KR" altLang="en-US"/>
+          </a:p>
+        </p:txBody>
+      </p:sp>
+    </p:spTree>
+    <p:extLst>
+      <p:ext uri="{BB962C8B-B14F-4D97-AF65-F5344CB8AC3E}">
+        <p14:creationId xmlns:p14="http://schemas.microsoft.com/office/powerpoint/2010/main" val="931128585"/>
+      </p:ext>
+    </p:extLst>
+  </p:cSld>
+  <p:clrMapOvr>
+    <a:masterClrMapping/>
+  </p:clrMapOvr>
+</p:sld>
+</file>
+
+<file path=ppt/slides/slide12.xml><?xml version="1.0" encoding="utf-8"?>
+<p:sld xmlns:a="http://schemas.openxmlformats.org/drawingml/2006/main" xmlns:r="http://schemas.openxmlformats.org/officeDocument/2006/relationships" xmlns:p="http://schemas.openxmlformats.org/presentationml/2006/main">
+  <p:cSld>
+    <p:spTree>
+      <p:nvGrpSpPr>
+        <p:cNvPr id="1" name=""/>
+        <p:cNvGrpSpPr/>
+        <p:nvPr/>
+      </p:nvGrpSpPr>
+      <p:grpSpPr>
+        <a:xfrm>
+          <a:off x="0" y="0"/>
+          <a:ext cx="0" cy="0"/>
+          <a:chOff x="0" y="0"/>
+          <a:chExt cx="0" cy="0"/>
+        </a:xfrm>
+      </p:grpSpPr>
+      <p:pic>
+        <p:nvPicPr>
+          <p:cNvPr id="5" name="그림 4">
+            <a:extLst>
+              <a:ext uri="{FF2B5EF4-FFF2-40B4-BE49-F238E27FC236}">
+                <a16:creationId xmlns:a16="http://schemas.microsoft.com/office/drawing/2014/main" id="{64503EE6-A5CA-E864-ECD2-DDF2E077C7DE}"/>
+              </a:ext>
+            </a:extLst>
+          </p:cNvPr>
+          <p:cNvPicPr>
+            <a:picLocks noChangeAspect="1"/>
+          </p:cNvPicPr>
+          <p:nvPr/>
+        </p:nvPicPr>
+        <p:blipFill>
+          <a:blip r:embed="rId2"/>
+          <a:stretch>
+            <a:fillRect/>
+          </a:stretch>
+        </p:blipFill>
+        <p:spPr>
+          <a:xfrm>
+            <a:off x="2861953" y="96159"/>
+            <a:ext cx="6468094" cy="6665682"/>
+          </a:xfrm>
+          <a:prstGeom prst="rect">
+            <a:avLst/>
+          </a:prstGeom>
+        </p:spPr>
+      </p:pic>
+    </p:spTree>
+    <p:extLst>
+      <p:ext uri="{BB962C8B-B14F-4D97-AF65-F5344CB8AC3E}">
+        <p14:creationId xmlns:p14="http://schemas.microsoft.com/office/powerpoint/2010/main" val="808146173"/>
+      </p:ext>
+    </p:extLst>
+  </p:cSld>
+  <p:clrMapOvr>
+    <a:masterClrMapping/>
+  </p:clrMapOvr>
+</p:sld>
+</file>
+
+<file path=ppt/slides/slide13.xml><?xml version="1.0" encoding="utf-8"?>
+<p:sld xmlns:a="http://schemas.openxmlformats.org/drawingml/2006/main" xmlns:r="http://schemas.openxmlformats.org/officeDocument/2006/relationships" xmlns:p="http://schemas.openxmlformats.org/presentationml/2006/main">
+  <p:cSld>
+    <p:spTree>
+      <p:nvGrpSpPr>
+        <p:cNvPr id="1" name=""/>
+        <p:cNvGrpSpPr/>
+        <p:nvPr/>
+      </p:nvGrpSpPr>
+      <p:grpSpPr>
+        <a:xfrm>
+          <a:off x="0" y="0"/>
+          <a:ext cx="0" cy="0"/>
+          <a:chOff x="0" y="0"/>
+          <a:chExt cx="0" cy="0"/>
+        </a:xfrm>
+      </p:grpSpPr>
+      <p:sp>
+        <p:nvSpPr>
+          <p:cNvPr id="2" name="제목 1">
+            <a:extLst>
+              <a:ext uri="{FF2B5EF4-FFF2-40B4-BE49-F238E27FC236}">
+                <a16:creationId xmlns:a16="http://schemas.microsoft.com/office/drawing/2014/main" id="{6538D25D-A4D0-48E3-9CA0-48E1BFAB26C9}"/>
+              </a:ext>
+            </a:extLst>
+          </p:cNvPr>
+          <p:cNvSpPr>
+            <a:spLocks noGrp="1"/>
+          </p:cNvSpPr>
+          <p:nvPr>
+            <p:ph type="title"/>
+          </p:nvPr>
+        </p:nvSpPr>
+        <p:spPr/>
+        <p:txBody>
+          <a:bodyPr/>
+          <a:lstStyle/>
+          <a:p>
+            <a:r>
+              <a:rPr lang="en-US" altLang="ko-KR"/>
+              <a:t>Artiq RFSoC SAWG</a:t>
+            </a:r>
+            <a:endParaRPr lang="ko-KR" altLang="en-US"/>
+          </a:p>
+        </p:txBody>
+      </p:sp>
+      <p:sp>
+        <p:nvSpPr>
+          <p:cNvPr id="4" name="TextBox 3">
+            <a:extLst>
+              <a:ext uri="{FF2B5EF4-FFF2-40B4-BE49-F238E27FC236}">
+                <a16:creationId xmlns:a16="http://schemas.microsoft.com/office/drawing/2014/main" id="{269FF6D6-C0B9-7C02-937D-98051C41C496}"/>
+              </a:ext>
+            </a:extLst>
+          </p:cNvPr>
+          <p:cNvSpPr txBox="1"/>
+          <p:nvPr/>
+        </p:nvSpPr>
+        <p:spPr>
+          <a:xfrm>
+            <a:off x="430284" y="5967345"/>
+            <a:ext cx="4135778" cy="369332"/>
+          </a:xfrm>
+          <a:prstGeom prst="rect">
+            <a:avLst/>
+          </a:prstGeom>
+          <a:noFill/>
+        </p:spPr>
+        <p:txBody>
+          <a:bodyPr wrap="square">
+            <a:spAutoFit/>
+          </a:bodyPr>
+          <a:lstStyle/>
+          <a:p>
+            <a:r>
+              <a:rPr lang="en-US" altLang="ko-KR" sz="1800" b="0" i="0" u="none" strike="noStrike">
+                <a:solidFill>
+                  <a:srgbClr val="000000"/>
+                </a:solidFill>
+                <a:effectLst/>
+                <a:latin typeface="맑은 고딕" panose="020B0503020000020004" pitchFamily="50" charset="-127"/>
+                <a:ea typeface="맑은 고딕" panose="020B0503020000020004" pitchFamily="50" charset="-127"/>
+              </a:rPr>
+              <a:t>-No Amp, only a filter exists</a:t>
+            </a:r>
+            <a:endParaRPr lang="ko-KR" altLang="en-US"/>
+          </a:p>
+        </p:txBody>
+      </p:sp>
+      <p:pic>
+        <p:nvPicPr>
+          <p:cNvPr id="6" name="그림 5">
+            <a:extLst>
+              <a:ext uri="{FF2B5EF4-FFF2-40B4-BE49-F238E27FC236}">
+                <a16:creationId xmlns:a16="http://schemas.microsoft.com/office/drawing/2014/main" id="{A9C62AC8-6F02-A141-F946-C60A096E6888}"/>
+              </a:ext>
+            </a:extLst>
+          </p:cNvPr>
+          <p:cNvPicPr>
+            <a:picLocks noChangeAspect="1"/>
+          </p:cNvPicPr>
+          <p:nvPr/>
+        </p:nvPicPr>
+        <p:blipFill>
+          <a:blip r:embed="rId2"/>
+          <a:stretch>
+            <a:fillRect/>
+          </a:stretch>
+        </p:blipFill>
+        <p:spPr>
+          <a:xfrm>
+            <a:off x="0" y="1564271"/>
+            <a:ext cx="12192000" cy="3729457"/>
+          </a:xfrm>
+          <a:prstGeom prst="rect">
+            <a:avLst/>
+          </a:prstGeom>
+        </p:spPr>
+      </p:pic>
+    </p:spTree>
+    <p:extLst>
+      <p:ext uri="{BB962C8B-B14F-4D97-AF65-F5344CB8AC3E}">
+        <p14:creationId xmlns:p14="http://schemas.microsoft.com/office/powerpoint/2010/main" val="69580139"/>
+      </p:ext>
+    </p:extLst>
+  </p:cSld>
+  <p:clrMapOvr>
+    <a:masterClrMapping/>
+  </p:clrMapOvr>
+</p:sld>
+</file>
+
+<file path=ppt/slides/slide14.xml><?xml version="1.0" encoding="utf-8"?>
+<p:sld xmlns:a="http://schemas.openxmlformats.org/drawingml/2006/main" xmlns:r="http://schemas.openxmlformats.org/officeDocument/2006/relationships" xmlns:p="http://schemas.openxmlformats.org/presentationml/2006/main">
+  <p:cSld>
+    <p:spTree>
+      <p:nvGrpSpPr>
+        <p:cNvPr id="1" name=""/>
+        <p:cNvGrpSpPr/>
+        <p:nvPr/>
+      </p:nvGrpSpPr>
+      <p:grpSpPr>
+        <a:xfrm>
+          <a:off x="0" y="0"/>
+          <a:ext cx="0" cy="0"/>
+          <a:chOff x="0" y="0"/>
+          <a:chExt cx="0" cy="0"/>
+        </a:xfrm>
+      </p:grpSpPr>
+      <p:sp>
+        <p:nvSpPr>
+          <p:cNvPr id="2" name="제목 1">
+            <a:extLst>
+              <a:ext uri="{FF2B5EF4-FFF2-40B4-BE49-F238E27FC236}">
+                <a16:creationId xmlns:a16="http://schemas.microsoft.com/office/drawing/2014/main" id="{22077502-435A-E1FE-A74C-394E8EE84E05}"/>
+              </a:ext>
+            </a:extLst>
+          </p:cNvPr>
+          <p:cNvSpPr>
+            <a:spLocks noGrp="1"/>
+          </p:cNvSpPr>
+          <p:nvPr>
+            <p:ph type="title"/>
+          </p:nvPr>
+        </p:nvSpPr>
+        <p:spPr/>
+        <p:txBody>
+          <a:bodyPr/>
+          <a:lstStyle/>
+          <a:p>
+            <a:r>
+              <a:rPr lang="en-US" altLang="ko-KR"/>
+              <a:t>DAC_AVTT Connection</a:t>
+            </a:r>
+            <a:endParaRPr lang="ko-KR" altLang="en-US"/>
+          </a:p>
+        </p:txBody>
+      </p:sp>
+      <p:pic>
+        <p:nvPicPr>
+          <p:cNvPr id="9" name="그림 8">
+            <a:extLst>
+              <a:ext uri="{FF2B5EF4-FFF2-40B4-BE49-F238E27FC236}">
+                <a16:creationId xmlns:a16="http://schemas.microsoft.com/office/drawing/2014/main" id="{C0419374-F5E6-3C91-C315-79788D35671F}"/>
+              </a:ext>
+            </a:extLst>
+          </p:cNvPr>
+          <p:cNvPicPr>
+            <a:picLocks noChangeAspect="1"/>
+          </p:cNvPicPr>
+          <p:nvPr/>
+        </p:nvPicPr>
+        <p:blipFill>
+          <a:blip r:embed="rId2"/>
+          <a:stretch>
+            <a:fillRect/>
+          </a:stretch>
+        </p:blipFill>
+        <p:spPr>
+          <a:xfrm>
+            <a:off x="3247878" y="1619388"/>
+            <a:ext cx="5696243" cy="1054154"/>
+          </a:xfrm>
+          <a:prstGeom prst="rect">
+            <a:avLst/>
+          </a:prstGeom>
+        </p:spPr>
+      </p:pic>
+      <p:pic>
+        <p:nvPicPr>
+          <p:cNvPr id="11" name="그림 10">
+            <a:extLst>
+              <a:ext uri="{FF2B5EF4-FFF2-40B4-BE49-F238E27FC236}">
+                <a16:creationId xmlns:a16="http://schemas.microsoft.com/office/drawing/2014/main" id="{C8792EB3-19E2-6AA1-3A47-41851EA98A6A}"/>
+              </a:ext>
+            </a:extLst>
+          </p:cNvPr>
+          <p:cNvPicPr>
+            <a:picLocks noChangeAspect="1"/>
+          </p:cNvPicPr>
+          <p:nvPr/>
+        </p:nvPicPr>
+        <p:blipFill>
+          <a:blip r:embed="rId3"/>
+          <a:stretch>
+            <a:fillRect/>
+          </a:stretch>
+        </p:blipFill>
+        <p:spPr>
+          <a:xfrm>
+            <a:off x="3504964" y="2789233"/>
+            <a:ext cx="4362674" cy="958899"/>
+          </a:xfrm>
+          <a:prstGeom prst="rect">
+            <a:avLst/>
+          </a:prstGeom>
+        </p:spPr>
+      </p:pic>
+      <p:sp>
+        <p:nvSpPr>
+          <p:cNvPr id="12" name="직사각형 11">
+            <a:extLst>
+              <a:ext uri="{FF2B5EF4-FFF2-40B4-BE49-F238E27FC236}">
+                <a16:creationId xmlns:a16="http://schemas.microsoft.com/office/drawing/2014/main" id="{A5D552CD-BB8A-343C-628F-F1800EC60A20}"/>
+              </a:ext>
+            </a:extLst>
+          </p:cNvPr>
+          <p:cNvSpPr/>
+          <p:nvPr/>
+        </p:nvSpPr>
+        <p:spPr>
+          <a:xfrm>
+            <a:off x="4168239" y="1864426"/>
+            <a:ext cx="2422566" cy="154379"/>
+          </a:xfrm>
+          <a:prstGeom prst="rect">
+            <a:avLst/>
+          </a:prstGeom>
+          <a:noFill/>
+          <a:ln>
+            <a:solidFill>
+              <a:srgbClr val="FF0000"/>
+            </a:solidFill>
+          </a:ln>
+        </p:spPr>
+        <p:style>
+          <a:lnRef idx="2">
+            <a:schemeClr val="accent1">
+              <a:shade val="15000"/>
+            </a:schemeClr>
+          </a:lnRef>
+          <a:fillRef idx="1">
+            <a:schemeClr val="accent1"/>
+          </a:fillRef>
+          <a:effectRef idx="0">
+            <a:schemeClr val="accent1"/>
+          </a:effectRef>
+          <a:fontRef idx="minor">
+            <a:schemeClr val="lt1"/>
+          </a:fontRef>
+        </p:style>
+        <p:txBody>
+          <a:bodyPr rtlCol="0" anchor="ctr"/>
+          <a:lstStyle/>
+          <a:p>
+            <a:pPr algn="ctr"/>
+            <a:endParaRPr lang="ko-KR" altLang="en-US"/>
+          </a:p>
+        </p:txBody>
+      </p:sp>
+      <p:sp>
+        <p:nvSpPr>
+          <p:cNvPr id="15" name="직사각형 14">
+            <a:extLst>
+              <a:ext uri="{FF2B5EF4-FFF2-40B4-BE49-F238E27FC236}">
+                <a16:creationId xmlns:a16="http://schemas.microsoft.com/office/drawing/2014/main" id="{61490893-304E-4C18-33F0-3617FE3C8368}"/>
+              </a:ext>
+            </a:extLst>
+          </p:cNvPr>
+          <p:cNvSpPr/>
+          <p:nvPr/>
+        </p:nvSpPr>
+        <p:spPr>
+          <a:xfrm>
+            <a:off x="3331029" y="2027735"/>
+            <a:ext cx="354088" cy="154379"/>
+          </a:xfrm>
+          <a:prstGeom prst="rect">
+            <a:avLst/>
+          </a:prstGeom>
+          <a:noFill/>
+          <a:ln>
+            <a:solidFill>
+              <a:srgbClr val="FF0000"/>
+            </a:solidFill>
+          </a:ln>
+        </p:spPr>
+        <p:style>
+          <a:lnRef idx="2">
+            <a:schemeClr val="accent1">
+              <a:shade val="15000"/>
+            </a:schemeClr>
+          </a:lnRef>
+          <a:fillRef idx="1">
+            <a:schemeClr val="accent1"/>
+          </a:fillRef>
+          <a:effectRef idx="0">
+            <a:schemeClr val="accent1"/>
+          </a:effectRef>
+          <a:fontRef idx="minor">
+            <a:schemeClr val="lt1"/>
+          </a:fontRef>
+        </p:style>
+        <p:txBody>
+          <a:bodyPr rtlCol="0" anchor="ctr"/>
+          <a:lstStyle/>
+          <a:p>
+            <a:pPr algn="ctr"/>
+            <a:endParaRPr lang="ko-KR" altLang="en-US"/>
+          </a:p>
+        </p:txBody>
+      </p:sp>
+    </p:spTree>
+    <p:extLst>
+      <p:ext uri="{BB962C8B-B14F-4D97-AF65-F5344CB8AC3E}">
+        <p14:creationId xmlns:p14="http://schemas.microsoft.com/office/powerpoint/2010/main" val="728009058"/>
+      </p:ext>
+    </p:extLst>
+  </p:cSld>
+  <p:clrMapOvr>
+    <a:masterClrMapping/>
+  </p:clrMapOvr>
+</p:sld>
+</file>
+
+<file path=ppt/slides/slide15.xml><?xml version="1.0" encoding="utf-8"?>
+<p:sld xmlns:a="http://schemas.openxmlformats.org/drawingml/2006/main" xmlns:r="http://schemas.openxmlformats.org/officeDocument/2006/relationships" xmlns:p="http://schemas.openxmlformats.org/presentationml/2006/main">
+  <p:cSld>
+    <p:spTree>
+      <p:nvGrpSpPr>
+        <p:cNvPr id="1" name=""/>
+        <p:cNvGrpSpPr/>
+        <p:nvPr/>
+      </p:nvGrpSpPr>
+      <p:grpSpPr>
+        <a:xfrm>
+          <a:off x="0" y="0"/>
+          <a:ext cx="0" cy="0"/>
+          <a:chOff x="0" y="0"/>
+          <a:chExt cx="0" cy="0"/>
+        </a:xfrm>
+      </p:grpSpPr>
+      <p:sp>
+        <p:nvSpPr>
+          <p:cNvPr id="2" name="제목 1">
+            <a:extLst>
+              <a:ext uri="{FF2B5EF4-FFF2-40B4-BE49-F238E27FC236}">
+                <a16:creationId xmlns:a16="http://schemas.microsoft.com/office/drawing/2014/main" id="{9890B773-1A45-FF9E-CAB0-04924BD18E5B}"/>
+              </a:ext>
+            </a:extLst>
+          </p:cNvPr>
+          <p:cNvSpPr>
+            <a:spLocks noGrp="1"/>
+          </p:cNvSpPr>
+          <p:nvPr>
+            <p:ph type="title"/>
+          </p:nvPr>
+        </p:nvSpPr>
+        <p:spPr/>
+        <p:txBody>
+          <a:bodyPr/>
+          <a:lstStyle/>
+          <a:p>
+            <a:r>
+              <a:rPr lang="en-US" altLang="ko-KR"/>
+              <a:t>VADJ connection</a:t>
+            </a:r>
+            <a:endParaRPr lang="ko-KR" altLang="en-US"/>
+          </a:p>
+        </p:txBody>
+      </p:sp>
+      <p:pic>
+        <p:nvPicPr>
+          <p:cNvPr id="5" name="그림 4">
+            <a:extLst>
+              <a:ext uri="{FF2B5EF4-FFF2-40B4-BE49-F238E27FC236}">
+                <a16:creationId xmlns:a16="http://schemas.microsoft.com/office/drawing/2014/main" id="{FAF1C837-E120-730B-C79B-0975BB93EFA5}"/>
+              </a:ext>
+            </a:extLst>
+          </p:cNvPr>
+          <p:cNvPicPr>
+            <a:picLocks noChangeAspect="1"/>
+          </p:cNvPicPr>
+          <p:nvPr/>
+        </p:nvPicPr>
+        <p:blipFill>
+          <a:blip r:embed="rId2"/>
+          <a:stretch>
+            <a:fillRect/>
+          </a:stretch>
+        </p:blipFill>
+        <p:spPr>
+          <a:xfrm>
+            <a:off x="59883" y="2187511"/>
+            <a:ext cx="8179220" cy="2482978"/>
+          </a:xfrm>
+          <a:prstGeom prst="rect">
+            <a:avLst/>
+          </a:prstGeom>
+        </p:spPr>
+      </p:pic>
+      <p:pic>
+        <p:nvPicPr>
+          <p:cNvPr id="7" name="그림 6">
+            <a:extLst>
+              <a:ext uri="{FF2B5EF4-FFF2-40B4-BE49-F238E27FC236}">
+                <a16:creationId xmlns:a16="http://schemas.microsoft.com/office/drawing/2014/main" id="{A48CAF0F-AE1E-C1E5-C601-445403F7E2FA}"/>
+              </a:ext>
+            </a:extLst>
+          </p:cNvPr>
+          <p:cNvPicPr>
+            <a:picLocks noChangeAspect="1"/>
+          </p:cNvPicPr>
+          <p:nvPr/>
+        </p:nvPicPr>
+        <p:blipFill>
+          <a:blip r:embed="rId3"/>
+          <a:stretch>
+            <a:fillRect/>
+          </a:stretch>
+        </p:blipFill>
+        <p:spPr>
+          <a:xfrm>
+            <a:off x="8042508" y="1246906"/>
+            <a:ext cx="3778444" cy="4934204"/>
+          </a:xfrm>
+          <a:prstGeom prst="rect">
+            <a:avLst/>
+          </a:prstGeom>
+        </p:spPr>
+      </p:pic>
+      <p:sp>
+        <p:nvSpPr>
+          <p:cNvPr id="8" name="직사각형 7">
+            <a:extLst>
+              <a:ext uri="{FF2B5EF4-FFF2-40B4-BE49-F238E27FC236}">
+                <a16:creationId xmlns:a16="http://schemas.microsoft.com/office/drawing/2014/main" id="{3E986F57-B117-1E04-8D8A-19FD2B761E86}"/>
+              </a:ext>
+            </a:extLst>
+          </p:cNvPr>
+          <p:cNvSpPr/>
+          <p:nvPr/>
+        </p:nvSpPr>
+        <p:spPr>
+          <a:xfrm>
+            <a:off x="8526483" y="1579418"/>
+            <a:ext cx="2345377" cy="608093"/>
+          </a:xfrm>
+          <a:prstGeom prst="rect">
+            <a:avLst/>
+          </a:prstGeom>
+          <a:noFill/>
+          <a:ln>
+            <a:solidFill>
+              <a:srgbClr val="FF0000"/>
+            </a:solidFill>
+          </a:ln>
+        </p:spPr>
+        <p:style>
+          <a:lnRef idx="2">
+            <a:schemeClr val="accent1">
+              <a:shade val="15000"/>
+            </a:schemeClr>
+          </a:lnRef>
+          <a:fillRef idx="1">
+            <a:schemeClr val="accent1"/>
+          </a:fillRef>
+          <a:effectRef idx="0">
+            <a:schemeClr val="accent1"/>
+          </a:effectRef>
+          <a:fontRef idx="minor">
+            <a:schemeClr val="lt1"/>
+          </a:fontRef>
+        </p:style>
+        <p:txBody>
+          <a:bodyPr rtlCol="0" anchor="ctr"/>
+          <a:lstStyle/>
+          <a:p>
+            <a:pPr algn="ctr"/>
+            <a:endParaRPr lang="ko-KR" altLang="en-US"/>
+          </a:p>
+        </p:txBody>
+      </p:sp>
+      <p:sp>
+        <p:nvSpPr>
+          <p:cNvPr id="9" name="TextBox 8">
+            <a:extLst>
+              <a:ext uri="{FF2B5EF4-FFF2-40B4-BE49-F238E27FC236}">
+                <a16:creationId xmlns:a16="http://schemas.microsoft.com/office/drawing/2014/main" id="{0F0A6A14-FCB1-A95F-A852-D4B5C107961F}"/>
+              </a:ext>
+            </a:extLst>
+          </p:cNvPr>
+          <p:cNvSpPr txBox="1"/>
+          <p:nvPr/>
+        </p:nvSpPr>
+        <p:spPr>
+          <a:xfrm>
+            <a:off x="8728363" y="1043830"/>
+            <a:ext cx="1877117" cy="369332"/>
+          </a:xfrm>
+          <a:prstGeom prst="rect">
+            <a:avLst/>
+          </a:prstGeom>
+          <a:noFill/>
+        </p:spPr>
+        <p:txBody>
+          <a:bodyPr wrap="none" rtlCol="0">
+            <a:spAutoFit/>
+          </a:bodyPr>
+          <a:lstStyle/>
+          <a:p>
+            <a:r>
+              <a:rPr lang="en-US" altLang="ko-KR"/>
+              <a:t>Connect to 1.8V</a:t>
+            </a:r>
+            <a:endParaRPr lang="ko-KR" altLang="en-US"/>
+          </a:p>
+        </p:txBody>
+      </p:sp>
+    </p:spTree>
+    <p:extLst>
+      <p:ext uri="{BB962C8B-B14F-4D97-AF65-F5344CB8AC3E}">
+        <p14:creationId xmlns:p14="http://schemas.microsoft.com/office/powerpoint/2010/main" val="1867419548"/>
+      </p:ext>
+    </p:extLst>
+  </p:cSld>
+  <p:clrMapOvr>
+    <a:masterClrMapping/>
+  </p:clrMapOvr>
+</p:sld>
+</file>
+
 <file path=ppt/slides/slide2.xml><?xml version="1.0" encoding="utf-8"?>
 <p:sld xmlns:a="http://schemas.openxmlformats.org/drawingml/2006/main" xmlns:r="http://schemas.openxmlformats.org/officeDocument/2006/relationships" xmlns:p="http://schemas.openxmlformats.org/presentationml/2006/main">
   <p:cSld>
@@ -4953,8 +5963,8 @@
         </p:nvSpPr>
         <p:spPr>
           <a:xfrm>
-            <a:off x="5373584" y="1715984"/>
-            <a:ext cx="2297876" cy="1499679"/>
+            <a:off x="5373584" y="2024745"/>
+            <a:ext cx="2297876" cy="1190918"/>
           </a:xfrm>
           <a:prstGeom prst="rect">
             <a:avLst/>
@@ -5012,7 +6022,7 @@
         <p:spPr>
           <a:xfrm>
             <a:off x="5373584" y="3552219"/>
-            <a:ext cx="2297876" cy="1499679"/>
+            <a:ext cx="2297876" cy="1203849"/>
           </a:xfrm>
           <a:prstGeom prst="rect">
             <a:avLst/>
@@ -5069,8 +6079,8 @@
         </p:nvSpPr>
         <p:spPr>
           <a:xfrm>
-            <a:off x="4085112" y="5396983"/>
-            <a:ext cx="2511631" cy="1210583"/>
+            <a:off x="5272644" y="5396983"/>
+            <a:ext cx="2398814" cy="1210583"/>
           </a:xfrm>
           <a:prstGeom prst="rect">
             <a:avLst/>
@@ -5127,8 +6137,8 @@
         </p:nvSpPr>
         <p:spPr>
           <a:xfrm>
-            <a:off x="4085112" y="214120"/>
-            <a:ext cx="3586348" cy="1210583"/>
+            <a:off x="5272644" y="214120"/>
+            <a:ext cx="2398816" cy="1210583"/>
           </a:xfrm>
           <a:prstGeom prst="rect">
             <a:avLst/>
@@ -5393,10 +6403,10 @@
       </p:cxnSp>
       <p:sp>
         <p:nvSpPr>
-          <p:cNvPr id="2" name="직사각형 1">
-            <a:extLst>
-              <a:ext uri="{FF2B5EF4-FFF2-40B4-BE49-F238E27FC236}">
-                <a16:creationId xmlns:a16="http://schemas.microsoft.com/office/drawing/2014/main" id="{C1AA2F78-550B-009B-BBCC-DF5465D87042}"/>
+          <p:cNvPr id="3" name="직사각형 2">
+            <a:extLst>
+              <a:ext uri="{FF2B5EF4-FFF2-40B4-BE49-F238E27FC236}">
+                <a16:creationId xmlns:a16="http://schemas.microsoft.com/office/drawing/2014/main" id="{03301C7D-B08E-28B8-E63E-FA38EF235FAD}"/>
               </a:ext>
             </a:extLst>
           </p:cNvPr>
@@ -5405,8 +6415,8 @@
         </p:nvSpPr>
         <p:spPr>
           <a:xfrm>
-            <a:off x="6703621" y="5396983"/>
-            <a:ext cx="1074716" cy="1210583"/>
+            <a:off x="5373584" y="4863917"/>
+            <a:ext cx="2297876" cy="314880"/>
           </a:xfrm>
           <a:prstGeom prst="rect">
             <a:avLst/>
@@ -5443,9 +6453,277 @@
             <a:pPr algn="ctr"/>
             <a:r>
               <a:rPr lang="en-US" altLang="ko-KR"/>
-              <a:t>PWR</a:t>
+              <a:t>DAC CLK1,2</a:t>
             </a:r>
             <a:endParaRPr lang="ko-KR" altLang="en-US"/>
+          </a:p>
+        </p:txBody>
+      </p:sp>
+      <p:sp>
+        <p:nvSpPr>
+          <p:cNvPr id="15" name="직사각형 14">
+            <a:extLst>
+              <a:ext uri="{FF2B5EF4-FFF2-40B4-BE49-F238E27FC236}">
+                <a16:creationId xmlns:a16="http://schemas.microsoft.com/office/drawing/2014/main" id="{8A45086C-B78D-3F50-2917-FD30ACA607AC}"/>
+              </a:ext>
+            </a:extLst>
+          </p:cNvPr>
+          <p:cNvSpPr/>
+          <p:nvPr/>
+        </p:nvSpPr>
+        <p:spPr>
+          <a:xfrm>
+            <a:off x="5373584" y="1575283"/>
+            <a:ext cx="2297876" cy="314880"/>
+          </a:xfrm>
+          <a:prstGeom prst="rect">
+            <a:avLst/>
+          </a:prstGeom>
+          <a:solidFill>
+            <a:schemeClr val="accent3"/>
+          </a:solidFill>
+          <a:ln>
+            <a:solidFill>
+              <a:schemeClr val="tx1"/>
+            </a:solidFill>
+          </a:ln>
+        </p:spPr>
+        <p:style>
+          <a:lnRef idx="2">
+            <a:schemeClr val="accent1">
+              <a:shade val="15000"/>
+            </a:schemeClr>
+          </a:lnRef>
+          <a:fillRef idx="1">
+            <a:schemeClr val="accent1"/>
+          </a:fillRef>
+          <a:effectRef idx="0">
+            <a:schemeClr val="accent1"/>
+          </a:effectRef>
+          <a:fontRef idx="minor">
+            <a:schemeClr val="lt1"/>
+          </a:fontRef>
+        </p:style>
+        <p:txBody>
+          <a:bodyPr rtlCol="0" anchor="ctr"/>
+          <a:lstStyle/>
+          <a:p>
+            <a:pPr algn="ctr"/>
+            <a:r>
+              <a:rPr lang="en-US" altLang="ko-KR"/>
+              <a:t>ADC CLK1,2,3,4</a:t>
+            </a:r>
+            <a:endParaRPr lang="ko-KR" altLang="en-US"/>
+          </a:p>
+        </p:txBody>
+      </p:sp>
+      <p:sp>
+        <p:nvSpPr>
+          <p:cNvPr id="22" name="직사각형 21">
+            <a:extLst>
+              <a:ext uri="{FF2B5EF4-FFF2-40B4-BE49-F238E27FC236}">
+                <a16:creationId xmlns:a16="http://schemas.microsoft.com/office/drawing/2014/main" id="{D53C68BB-9205-35BE-DB4B-9ED795A74C6E}"/>
+              </a:ext>
+            </a:extLst>
+          </p:cNvPr>
+          <p:cNvSpPr/>
+          <p:nvPr/>
+        </p:nvSpPr>
+        <p:spPr>
+          <a:xfrm>
+            <a:off x="3978232" y="5396983"/>
+            <a:ext cx="1217221" cy="1210583"/>
+          </a:xfrm>
+          <a:prstGeom prst="rect">
+            <a:avLst/>
+          </a:prstGeom>
+          <a:solidFill>
+            <a:schemeClr val="accent3"/>
+          </a:solidFill>
+          <a:ln>
+            <a:solidFill>
+              <a:schemeClr val="tx1"/>
+            </a:solidFill>
+          </a:ln>
+        </p:spPr>
+        <p:style>
+          <a:lnRef idx="2">
+            <a:schemeClr val="accent1">
+              <a:shade val="15000"/>
+            </a:schemeClr>
+          </a:lnRef>
+          <a:fillRef idx="1">
+            <a:schemeClr val="accent1"/>
+          </a:fillRef>
+          <a:effectRef idx="0">
+            <a:schemeClr val="accent1"/>
+          </a:effectRef>
+          <a:fontRef idx="minor">
+            <a:schemeClr val="lt1"/>
+          </a:fontRef>
+        </p:style>
+        <p:txBody>
+          <a:bodyPr rtlCol="0" anchor="ctr"/>
+          <a:lstStyle/>
+          <a:p>
+            <a:pPr algn="ctr"/>
+            <a:r>
+              <a:rPr lang="en-US" altLang="ko-KR"/>
+              <a:t>Regulator</a:t>
+            </a:r>
+            <a:endParaRPr lang="ko-KR" altLang="en-US"/>
+          </a:p>
+        </p:txBody>
+      </p:sp>
+      <p:sp>
+        <p:nvSpPr>
+          <p:cNvPr id="25" name="직사각형 24">
+            <a:extLst>
+              <a:ext uri="{FF2B5EF4-FFF2-40B4-BE49-F238E27FC236}">
+                <a16:creationId xmlns:a16="http://schemas.microsoft.com/office/drawing/2014/main" id="{05073B3A-A80E-27FC-6E26-FF42E2156343}"/>
+              </a:ext>
+            </a:extLst>
+          </p:cNvPr>
+          <p:cNvSpPr/>
+          <p:nvPr/>
+        </p:nvSpPr>
+        <p:spPr>
+          <a:xfrm>
+            <a:off x="4286992" y="212877"/>
+            <a:ext cx="908461" cy="1210583"/>
+          </a:xfrm>
+          <a:prstGeom prst="rect">
+            <a:avLst/>
+          </a:prstGeom>
+          <a:solidFill>
+            <a:schemeClr val="accent3"/>
+          </a:solidFill>
+          <a:ln>
+            <a:solidFill>
+              <a:schemeClr val="tx1"/>
+            </a:solidFill>
+          </a:ln>
+        </p:spPr>
+        <p:style>
+          <a:lnRef idx="2">
+            <a:schemeClr val="accent1">
+              <a:shade val="15000"/>
+            </a:schemeClr>
+          </a:lnRef>
+          <a:fillRef idx="1">
+            <a:schemeClr val="accent1"/>
+          </a:fillRef>
+          <a:effectRef idx="0">
+            <a:schemeClr val="accent1"/>
+          </a:effectRef>
+          <a:fontRef idx="minor">
+            <a:schemeClr val="lt1"/>
+          </a:fontRef>
+        </p:style>
+        <p:txBody>
+          <a:bodyPr rtlCol="0" anchor="ctr"/>
+          <a:lstStyle/>
+          <a:p>
+            <a:pPr algn="ctr"/>
+            <a:r>
+              <a:rPr lang="en-US" altLang="ko-KR"/>
+              <a:t>CPLD</a:t>
+            </a:r>
+            <a:endParaRPr lang="ko-KR" altLang="en-US"/>
+          </a:p>
+        </p:txBody>
+      </p:sp>
+      <p:sp>
+        <p:nvSpPr>
+          <p:cNvPr id="26" name="직사각형 25">
+            <a:extLst>
+              <a:ext uri="{FF2B5EF4-FFF2-40B4-BE49-F238E27FC236}">
+                <a16:creationId xmlns:a16="http://schemas.microsoft.com/office/drawing/2014/main" id="{F4A5AC9F-FEE5-EEBF-8F4D-E6D0EEEAE525}"/>
+              </a:ext>
+            </a:extLst>
+          </p:cNvPr>
+          <p:cNvSpPr/>
+          <p:nvPr/>
+        </p:nvSpPr>
+        <p:spPr>
+          <a:xfrm rot="5400000">
+            <a:off x="3441226" y="627862"/>
+            <a:ext cx="1210582" cy="380612"/>
+          </a:xfrm>
+          <a:prstGeom prst="rect">
+            <a:avLst/>
+          </a:prstGeom>
+          <a:solidFill>
+            <a:schemeClr val="accent3"/>
+          </a:solidFill>
+          <a:ln>
+            <a:solidFill>
+              <a:schemeClr val="tx1"/>
+            </a:solidFill>
+          </a:ln>
+        </p:spPr>
+        <p:style>
+          <a:lnRef idx="2">
+            <a:schemeClr val="accent1">
+              <a:shade val="15000"/>
+            </a:schemeClr>
+          </a:lnRef>
+          <a:fillRef idx="1">
+            <a:schemeClr val="accent1"/>
+          </a:fillRef>
+          <a:effectRef idx="0">
+            <a:schemeClr val="accent1"/>
+          </a:effectRef>
+          <a:fontRef idx="minor">
+            <a:schemeClr val="lt1"/>
+          </a:fontRef>
+        </p:style>
+        <p:txBody>
+          <a:bodyPr rtlCol="0" anchor="ctr"/>
+          <a:lstStyle/>
+          <a:p>
+            <a:pPr algn="ctr"/>
+            <a:r>
+              <a:rPr lang="en-US" altLang="ko-KR"/>
+              <a:t>JTAG</a:t>
+            </a:r>
+            <a:endParaRPr lang="ko-KR" altLang="en-US"/>
+          </a:p>
+        </p:txBody>
+      </p:sp>
+      <p:sp>
+        <p:nvSpPr>
+          <p:cNvPr id="29" name="TextBox 28">
+            <a:extLst>
+              <a:ext uri="{FF2B5EF4-FFF2-40B4-BE49-F238E27FC236}">
+                <a16:creationId xmlns:a16="http://schemas.microsoft.com/office/drawing/2014/main" id="{3B0EF9A6-6A5A-73EF-03A2-8E7D05ED8660}"/>
+              </a:ext>
+            </a:extLst>
+          </p:cNvPr>
+          <p:cNvSpPr txBox="1"/>
+          <p:nvPr/>
+        </p:nvSpPr>
+        <p:spPr>
+          <a:xfrm>
+            <a:off x="59376" y="117628"/>
+            <a:ext cx="1020087" cy="477054"/>
+          </a:xfrm>
+          <a:prstGeom prst="rect">
+            <a:avLst/>
+          </a:prstGeom>
+          <a:noFill/>
+        </p:spPr>
+        <p:txBody>
+          <a:bodyPr wrap="none" rtlCol="0">
+            <a:spAutoFit/>
+          </a:bodyPr>
+          <a:lstStyle/>
+          <a:p>
+            <a:r>
+              <a:rPr lang="en-US" altLang="ko-KR" sz="2500"/>
+              <a:t>Arch1</a:t>
+            </a:r>
+            <a:endParaRPr lang="ko-KR" altLang="en-US" sz="2500"/>
           </a:p>
         </p:txBody>
       </p:sp>
@@ -5463,6 +6741,1367 @@
 </file>
 
 <file path=ppt/slides/slide5.xml><?xml version="1.0" encoding="utf-8"?>
+<p:sld xmlns:a="http://schemas.openxmlformats.org/drawingml/2006/main" xmlns:r="http://schemas.openxmlformats.org/officeDocument/2006/relationships" xmlns:p="http://schemas.openxmlformats.org/presentationml/2006/main">
+  <p:cSld>
+    <p:spTree>
+      <p:nvGrpSpPr>
+        <p:cNvPr id="1" name=""/>
+        <p:cNvGrpSpPr/>
+        <p:nvPr/>
+      </p:nvGrpSpPr>
+      <p:grpSpPr>
+        <a:xfrm>
+          <a:off x="0" y="0"/>
+          <a:ext cx="0" cy="0"/>
+          <a:chOff x="0" y="0"/>
+          <a:chExt cx="0" cy="0"/>
+        </a:xfrm>
+      </p:grpSpPr>
+      <p:grpSp>
+        <p:nvGrpSpPr>
+          <p:cNvPr id="6" name="그룹 5">
+            <a:extLst>
+              <a:ext uri="{FF2B5EF4-FFF2-40B4-BE49-F238E27FC236}">
+                <a16:creationId xmlns:a16="http://schemas.microsoft.com/office/drawing/2014/main" id="{54338C35-CAC6-B129-6356-D5548F198DD2}"/>
+              </a:ext>
+            </a:extLst>
+          </p:cNvPr>
+          <p:cNvGrpSpPr/>
+          <p:nvPr/>
+        </p:nvGrpSpPr>
+        <p:grpSpPr>
+          <a:xfrm>
+            <a:off x="2539615" y="118753"/>
+            <a:ext cx="5351538" cy="6561117"/>
+            <a:chOff x="2539615" y="1264724"/>
+            <a:chExt cx="5351538" cy="5415146"/>
+          </a:xfrm>
+        </p:grpSpPr>
+        <p:sp>
+          <p:nvSpPr>
+            <p:cNvPr id="4" name="직사각형 3">
+              <a:extLst>
+                <a:ext uri="{FF2B5EF4-FFF2-40B4-BE49-F238E27FC236}">
+                  <a16:creationId xmlns:a16="http://schemas.microsoft.com/office/drawing/2014/main" id="{F01ECD6E-68BB-7E2C-A02D-D97C03AFBBF6}"/>
+                </a:ext>
+              </a:extLst>
+            </p:cNvPr>
+            <p:cNvSpPr/>
+            <p:nvPr/>
+          </p:nvSpPr>
+          <p:spPr>
+            <a:xfrm>
+              <a:off x="2539615" y="2464131"/>
+              <a:ext cx="1270659" cy="3016332"/>
+            </a:xfrm>
+            <a:prstGeom prst="rect">
+              <a:avLst/>
+            </a:prstGeom>
+            <a:solidFill>
+              <a:schemeClr val="accent6"/>
+            </a:solidFill>
+            <a:ln>
+              <a:noFill/>
+            </a:ln>
+          </p:spPr>
+          <p:style>
+            <a:lnRef idx="2">
+              <a:schemeClr val="accent1">
+                <a:shade val="15000"/>
+              </a:schemeClr>
+            </a:lnRef>
+            <a:fillRef idx="1">
+              <a:schemeClr val="accent1"/>
+            </a:fillRef>
+            <a:effectRef idx="0">
+              <a:schemeClr val="accent1"/>
+            </a:effectRef>
+            <a:fontRef idx="minor">
+              <a:schemeClr val="lt1"/>
+            </a:fontRef>
+          </p:style>
+          <p:txBody>
+            <a:bodyPr rtlCol="0" anchor="ctr"/>
+            <a:lstStyle/>
+            <a:p>
+              <a:pPr algn="ctr"/>
+              <a:endParaRPr lang="ko-KR" altLang="en-US"/>
+            </a:p>
+          </p:txBody>
+        </p:sp>
+        <p:sp>
+          <p:nvSpPr>
+            <p:cNvPr id="5" name="직사각형 4">
+              <a:extLst>
+                <a:ext uri="{FF2B5EF4-FFF2-40B4-BE49-F238E27FC236}">
+                  <a16:creationId xmlns:a16="http://schemas.microsoft.com/office/drawing/2014/main" id="{3C65E68A-3179-B10A-43B0-CC3813C31058}"/>
+                </a:ext>
+              </a:extLst>
+            </p:cNvPr>
+            <p:cNvSpPr/>
+            <p:nvPr/>
+          </p:nvSpPr>
+          <p:spPr>
+            <a:xfrm>
+              <a:off x="3806041" y="1264724"/>
+              <a:ext cx="4085112" cy="5415146"/>
+            </a:xfrm>
+            <a:prstGeom prst="rect">
+              <a:avLst/>
+            </a:prstGeom>
+            <a:solidFill>
+              <a:schemeClr val="accent6"/>
+            </a:solidFill>
+            <a:ln>
+              <a:noFill/>
+            </a:ln>
+          </p:spPr>
+          <p:style>
+            <a:lnRef idx="2">
+              <a:schemeClr val="accent1">
+                <a:shade val="15000"/>
+              </a:schemeClr>
+            </a:lnRef>
+            <a:fillRef idx="1">
+              <a:schemeClr val="accent1"/>
+            </a:fillRef>
+            <a:effectRef idx="0">
+              <a:schemeClr val="accent1"/>
+            </a:effectRef>
+            <a:fontRef idx="minor">
+              <a:schemeClr val="lt1"/>
+            </a:fontRef>
+          </p:style>
+          <p:txBody>
+            <a:bodyPr rtlCol="0" anchor="ctr"/>
+            <a:lstStyle/>
+            <a:p>
+              <a:pPr algn="ctr"/>
+              <a:endParaRPr lang="ko-KR" altLang="en-US"/>
+            </a:p>
+          </p:txBody>
+        </p:sp>
+      </p:grpSp>
+      <p:sp>
+        <p:nvSpPr>
+          <p:cNvPr id="7" name="사각형: 위쪽 모서리의 한쪽은 둥글고 다른 한쪽은 잘림 6">
+            <a:extLst>
+              <a:ext uri="{FF2B5EF4-FFF2-40B4-BE49-F238E27FC236}">
+                <a16:creationId xmlns:a16="http://schemas.microsoft.com/office/drawing/2014/main" id="{E854BF75-EC61-D72B-C492-733900467667}"/>
+              </a:ext>
+            </a:extLst>
+          </p:cNvPr>
+          <p:cNvSpPr/>
+          <p:nvPr/>
+        </p:nvSpPr>
+        <p:spPr>
+          <a:xfrm>
+            <a:off x="2831029" y="1851653"/>
+            <a:ext cx="458272" cy="1364013"/>
+          </a:xfrm>
+          <a:prstGeom prst="snipRoundRect">
+            <a:avLst>
+              <a:gd name="adj1" fmla="val 0"/>
+              <a:gd name="adj2" fmla="val 16667"/>
+            </a:avLst>
+          </a:prstGeom>
+          <a:solidFill>
+            <a:schemeClr val="tx2"/>
+          </a:solidFill>
+          <a:ln>
+            <a:solidFill>
+              <a:schemeClr val="tx1"/>
+            </a:solidFill>
+          </a:ln>
+        </p:spPr>
+        <p:style>
+          <a:lnRef idx="2">
+            <a:schemeClr val="accent1">
+              <a:shade val="15000"/>
+            </a:schemeClr>
+          </a:lnRef>
+          <a:fillRef idx="1">
+            <a:schemeClr val="accent1"/>
+          </a:fillRef>
+          <a:effectRef idx="0">
+            <a:schemeClr val="accent1"/>
+          </a:effectRef>
+          <a:fontRef idx="minor">
+            <a:schemeClr val="lt1"/>
+          </a:fontRef>
+        </p:style>
+        <p:txBody>
+          <a:bodyPr rtlCol="0" anchor="ctr"/>
+          <a:lstStyle/>
+          <a:p>
+            <a:pPr algn="ctr"/>
+            <a:r>
+              <a:rPr lang="en-US" altLang="ko-KR"/>
+              <a:t>LPAM</a:t>
+            </a:r>
+            <a:endParaRPr lang="ko-KR" altLang="en-US"/>
+          </a:p>
+        </p:txBody>
+      </p:sp>
+      <p:sp>
+        <p:nvSpPr>
+          <p:cNvPr id="8" name="사각형: 위쪽 모서리의 한쪽은 둥글고 다른 한쪽은 잘림 7">
+            <a:extLst>
+              <a:ext uri="{FF2B5EF4-FFF2-40B4-BE49-F238E27FC236}">
+                <a16:creationId xmlns:a16="http://schemas.microsoft.com/office/drawing/2014/main" id="{91566C85-0AA8-5AA0-9B8E-107C307AA610}"/>
+              </a:ext>
+            </a:extLst>
+          </p:cNvPr>
+          <p:cNvSpPr/>
+          <p:nvPr/>
+        </p:nvSpPr>
+        <p:spPr>
+          <a:xfrm>
+            <a:off x="2831029" y="3524399"/>
+            <a:ext cx="458272" cy="1364013"/>
+          </a:xfrm>
+          <a:prstGeom prst="snipRoundRect">
+            <a:avLst>
+              <a:gd name="adj1" fmla="val 0"/>
+              <a:gd name="adj2" fmla="val 16667"/>
+            </a:avLst>
+          </a:prstGeom>
+          <a:solidFill>
+            <a:schemeClr val="tx2"/>
+          </a:solidFill>
+          <a:ln>
+            <a:solidFill>
+              <a:schemeClr val="tx1"/>
+            </a:solidFill>
+          </a:ln>
+        </p:spPr>
+        <p:style>
+          <a:lnRef idx="2">
+            <a:schemeClr val="accent1">
+              <a:shade val="15000"/>
+            </a:schemeClr>
+          </a:lnRef>
+          <a:fillRef idx="1">
+            <a:schemeClr val="accent1"/>
+          </a:fillRef>
+          <a:effectRef idx="0">
+            <a:schemeClr val="accent1"/>
+          </a:effectRef>
+          <a:fontRef idx="minor">
+            <a:schemeClr val="lt1"/>
+          </a:fontRef>
+        </p:style>
+        <p:txBody>
+          <a:bodyPr rtlCol="0" anchor="ctr"/>
+          <a:lstStyle/>
+          <a:p>
+            <a:pPr algn="ctr"/>
+            <a:r>
+              <a:rPr lang="en-US" altLang="ko-KR"/>
+              <a:t>LPAM</a:t>
+            </a:r>
+            <a:endParaRPr lang="ko-KR" altLang="en-US"/>
+          </a:p>
+        </p:txBody>
+      </p:sp>
+      <p:sp>
+        <p:nvSpPr>
+          <p:cNvPr id="9" name="타원 8">
+            <a:extLst>
+              <a:ext uri="{FF2B5EF4-FFF2-40B4-BE49-F238E27FC236}">
+                <a16:creationId xmlns:a16="http://schemas.microsoft.com/office/drawing/2014/main" id="{6E043C72-6717-958D-9209-D9633EB6E051}"/>
+              </a:ext>
+            </a:extLst>
+          </p:cNvPr>
+          <p:cNvSpPr/>
+          <p:nvPr/>
+        </p:nvSpPr>
+        <p:spPr>
+          <a:xfrm>
+            <a:off x="2933700" y="3240916"/>
+            <a:ext cx="258233" cy="258233"/>
+          </a:xfrm>
+          <a:prstGeom prst="ellipse">
+            <a:avLst/>
+          </a:prstGeom>
+          <a:solidFill>
+            <a:schemeClr val="bg1"/>
+          </a:solidFill>
+          <a:ln>
+            <a:solidFill>
+              <a:schemeClr val="tx1"/>
+            </a:solidFill>
+          </a:ln>
+        </p:spPr>
+        <p:style>
+          <a:lnRef idx="2">
+            <a:schemeClr val="accent1">
+              <a:shade val="15000"/>
+            </a:schemeClr>
+          </a:lnRef>
+          <a:fillRef idx="1">
+            <a:schemeClr val="accent1"/>
+          </a:fillRef>
+          <a:effectRef idx="0">
+            <a:schemeClr val="accent1"/>
+          </a:effectRef>
+          <a:fontRef idx="minor">
+            <a:schemeClr val="lt1"/>
+          </a:fontRef>
+        </p:style>
+        <p:txBody>
+          <a:bodyPr rtlCol="0" anchor="ctr"/>
+          <a:lstStyle/>
+          <a:p>
+            <a:pPr algn="ctr"/>
+            <a:endParaRPr lang="ko-KR" altLang="en-US"/>
+          </a:p>
+        </p:txBody>
+      </p:sp>
+      <p:sp>
+        <p:nvSpPr>
+          <p:cNvPr id="10" name="타원 9">
+            <a:extLst>
+              <a:ext uri="{FF2B5EF4-FFF2-40B4-BE49-F238E27FC236}">
+                <a16:creationId xmlns:a16="http://schemas.microsoft.com/office/drawing/2014/main" id="{A3970408-AC19-91AD-6C33-96AEB183C5BA}"/>
+              </a:ext>
+            </a:extLst>
+          </p:cNvPr>
+          <p:cNvSpPr/>
+          <p:nvPr/>
+        </p:nvSpPr>
+        <p:spPr>
+          <a:xfrm>
+            <a:off x="2933700" y="1582695"/>
+            <a:ext cx="258233" cy="258233"/>
+          </a:xfrm>
+          <a:prstGeom prst="ellipse">
+            <a:avLst/>
+          </a:prstGeom>
+          <a:solidFill>
+            <a:schemeClr val="bg1"/>
+          </a:solidFill>
+          <a:ln>
+            <a:solidFill>
+              <a:schemeClr val="tx1"/>
+            </a:solidFill>
+          </a:ln>
+        </p:spPr>
+        <p:style>
+          <a:lnRef idx="2">
+            <a:schemeClr val="accent1">
+              <a:shade val="15000"/>
+            </a:schemeClr>
+          </a:lnRef>
+          <a:fillRef idx="1">
+            <a:schemeClr val="accent1"/>
+          </a:fillRef>
+          <a:effectRef idx="0">
+            <a:schemeClr val="accent1"/>
+          </a:effectRef>
+          <a:fontRef idx="minor">
+            <a:schemeClr val="lt1"/>
+          </a:fontRef>
+        </p:style>
+        <p:txBody>
+          <a:bodyPr rtlCol="0" anchor="ctr"/>
+          <a:lstStyle/>
+          <a:p>
+            <a:pPr algn="ctr"/>
+            <a:endParaRPr lang="ko-KR" altLang="en-US"/>
+          </a:p>
+        </p:txBody>
+      </p:sp>
+      <p:sp>
+        <p:nvSpPr>
+          <p:cNvPr id="11" name="타원 10">
+            <a:extLst>
+              <a:ext uri="{FF2B5EF4-FFF2-40B4-BE49-F238E27FC236}">
+                <a16:creationId xmlns:a16="http://schemas.microsoft.com/office/drawing/2014/main" id="{6F2A1B5B-8F65-2E4A-084D-073472B076A0}"/>
+              </a:ext>
+            </a:extLst>
+          </p:cNvPr>
+          <p:cNvSpPr/>
+          <p:nvPr/>
+        </p:nvSpPr>
+        <p:spPr>
+          <a:xfrm>
+            <a:off x="2933700" y="4913662"/>
+            <a:ext cx="258233" cy="258233"/>
+          </a:xfrm>
+          <a:prstGeom prst="ellipse">
+            <a:avLst/>
+          </a:prstGeom>
+          <a:solidFill>
+            <a:schemeClr val="bg1"/>
+          </a:solidFill>
+          <a:ln>
+            <a:solidFill>
+              <a:schemeClr val="tx1"/>
+            </a:solidFill>
+          </a:ln>
+        </p:spPr>
+        <p:style>
+          <a:lnRef idx="2">
+            <a:schemeClr val="accent1">
+              <a:shade val="15000"/>
+            </a:schemeClr>
+          </a:lnRef>
+          <a:fillRef idx="1">
+            <a:schemeClr val="accent1"/>
+          </a:fillRef>
+          <a:effectRef idx="0">
+            <a:schemeClr val="accent1"/>
+          </a:effectRef>
+          <a:fontRef idx="minor">
+            <a:schemeClr val="lt1"/>
+          </a:fontRef>
+        </p:style>
+        <p:txBody>
+          <a:bodyPr rtlCol="0" anchor="ctr"/>
+          <a:lstStyle/>
+          <a:p>
+            <a:pPr algn="ctr"/>
+            <a:endParaRPr lang="ko-KR" altLang="en-US"/>
+          </a:p>
+        </p:txBody>
+      </p:sp>
+      <p:cxnSp>
+        <p:nvCxnSpPr>
+          <p:cNvPr id="13" name="직선 연결선 12">
+            <a:extLst>
+              <a:ext uri="{FF2B5EF4-FFF2-40B4-BE49-F238E27FC236}">
+                <a16:creationId xmlns:a16="http://schemas.microsoft.com/office/drawing/2014/main" id="{863DD8E9-CB6B-61EB-A672-F6BB766EB15B}"/>
+              </a:ext>
+            </a:extLst>
+          </p:cNvPr>
+          <p:cNvCxnSpPr/>
+          <p:nvPr/>
+        </p:nvCxnSpPr>
+        <p:spPr>
+          <a:xfrm>
+            <a:off x="1015340" y="3370032"/>
+            <a:ext cx="8692738" cy="0"/>
+          </a:xfrm>
+          <a:prstGeom prst="line">
+            <a:avLst/>
+          </a:prstGeom>
+          <a:ln>
+            <a:solidFill>
+              <a:schemeClr val="tx1"/>
+            </a:solidFill>
+            <a:prstDash val="lgDash"/>
+          </a:ln>
+        </p:spPr>
+        <p:style>
+          <a:lnRef idx="1">
+            <a:schemeClr val="accent1"/>
+          </a:lnRef>
+          <a:fillRef idx="0">
+            <a:schemeClr val="accent1"/>
+          </a:fillRef>
+          <a:effectRef idx="0">
+            <a:schemeClr val="accent1"/>
+          </a:effectRef>
+          <a:fontRef idx="minor">
+            <a:schemeClr val="tx1"/>
+          </a:fontRef>
+        </p:style>
+      </p:cxnSp>
+      <p:cxnSp>
+        <p:nvCxnSpPr>
+          <p:cNvPr id="14" name="직선 연결선 13">
+            <a:extLst>
+              <a:ext uri="{FF2B5EF4-FFF2-40B4-BE49-F238E27FC236}">
+                <a16:creationId xmlns:a16="http://schemas.microsoft.com/office/drawing/2014/main" id="{425DC4B6-2099-F991-6E45-35086E83B350}"/>
+              </a:ext>
+            </a:extLst>
+          </p:cNvPr>
+          <p:cNvCxnSpPr>
+            <a:cxnSpLocks/>
+          </p:cNvCxnSpPr>
+          <p:nvPr/>
+        </p:nvCxnSpPr>
+        <p:spPr>
+          <a:xfrm>
+            <a:off x="4483100" y="1533796"/>
+            <a:ext cx="5224978" cy="0"/>
+          </a:xfrm>
+          <a:prstGeom prst="line">
+            <a:avLst/>
+          </a:prstGeom>
+          <a:ln>
+            <a:solidFill>
+              <a:schemeClr val="tx1"/>
+            </a:solidFill>
+            <a:prstDash val="lgDash"/>
+          </a:ln>
+        </p:spPr>
+        <p:style>
+          <a:lnRef idx="1">
+            <a:schemeClr val="accent1"/>
+          </a:lnRef>
+          <a:fillRef idx="0">
+            <a:schemeClr val="accent1"/>
+          </a:fillRef>
+          <a:effectRef idx="0">
+            <a:schemeClr val="accent1"/>
+          </a:effectRef>
+          <a:fontRef idx="minor">
+            <a:schemeClr val="tx1"/>
+          </a:fontRef>
+        </p:style>
+      </p:cxnSp>
+      <p:sp>
+        <p:nvSpPr>
+          <p:cNvPr id="16" name="직사각형 15">
+            <a:extLst>
+              <a:ext uri="{FF2B5EF4-FFF2-40B4-BE49-F238E27FC236}">
+                <a16:creationId xmlns:a16="http://schemas.microsoft.com/office/drawing/2014/main" id="{58822901-030E-DED8-150F-CCE9F9B0584C}"/>
+              </a:ext>
+            </a:extLst>
+          </p:cNvPr>
+          <p:cNvSpPr/>
+          <p:nvPr/>
+        </p:nvSpPr>
+        <p:spPr>
+          <a:xfrm rot="5400000">
+            <a:off x="4034329" y="2236590"/>
+            <a:ext cx="1717486" cy="409697"/>
+          </a:xfrm>
+          <a:prstGeom prst="rect">
+            <a:avLst/>
+          </a:prstGeom>
+          <a:solidFill>
+            <a:schemeClr val="tx2"/>
+          </a:solidFill>
+          <a:ln>
+            <a:solidFill>
+              <a:schemeClr val="tx1"/>
+            </a:solidFill>
+          </a:ln>
+        </p:spPr>
+        <p:style>
+          <a:lnRef idx="2">
+            <a:schemeClr val="accent1">
+              <a:shade val="15000"/>
+            </a:schemeClr>
+          </a:lnRef>
+          <a:fillRef idx="1">
+            <a:schemeClr val="accent1"/>
+          </a:fillRef>
+          <a:effectRef idx="0">
+            <a:schemeClr val="accent1"/>
+          </a:effectRef>
+          <a:fontRef idx="minor">
+            <a:schemeClr val="lt1"/>
+          </a:fontRef>
+        </p:style>
+        <p:txBody>
+          <a:bodyPr rtlCol="0" anchor="ctr"/>
+          <a:lstStyle/>
+          <a:p>
+            <a:pPr algn="ctr"/>
+            <a:r>
+              <a:rPr lang="en-US" altLang="ko-KR"/>
+              <a:t>BALUN</a:t>
+            </a:r>
+            <a:endParaRPr lang="ko-KR" altLang="en-US"/>
+          </a:p>
+        </p:txBody>
+      </p:sp>
+      <p:sp>
+        <p:nvSpPr>
+          <p:cNvPr id="17" name="직사각형 16">
+            <a:extLst>
+              <a:ext uri="{FF2B5EF4-FFF2-40B4-BE49-F238E27FC236}">
+                <a16:creationId xmlns:a16="http://schemas.microsoft.com/office/drawing/2014/main" id="{0D6F2AEC-41FF-F41E-AC47-DCB323DE188F}"/>
+              </a:ext>
+            </a:extLst>
+          </p:cNvPr>
+          <p:cNvSpPr/>
+          <p:nvPr/>
+        </p:nvSpPr>
+        <p:spPr>
+          <a:xfrm rot="5400000">
+            <a:off x="4034329" y="4115205"/>
+            <a:ext cx="1717486" cy="409697"/>
+          </a:xfrm>
+          <a:prstGeom prst="rect">
+            <a:avLst/>
+          </a:prstGeom>
+          <a:solidFill>
+            <a:schemeClr val="tx2"/>
+          </a:solidFill>
+          <a:ln>
+            <a:solidFill>
+              <a:schemeClr val="tx1"/>
+            </a:solidFill>
+          </a:ln>
+        </p:spPr>
+        <p:style>
+          <a:lnRef idx="2">
+            <a:schemeClr val="accent1">
+              <a:shade val="15000"/>
+            </a:schemeClr>
+          </a:lnRef>
+          <a:fillRef idx="1">
+            <a:schemeClr val="accent1"/>
+          </a:fillRef>
+          <a:effectRef idx="0">
+            <a:schemeClr val="accent1"/>
+          </a:effectRef>
+          <a:fontRef idx="minor">
+            <a:schemeClr val="lt1"/>
+          </a:fontRef>
+        </p:style>
+        <p:txBody>
+          <a:bodyPr rtlCol="0" anchor="ctr"/>
+          <a:lstStyle/>
+          <a:p>
+            <a:pPr algn="ctr"/>
+            <a:r>
+              <a:rPr lang="en-US" altLang="ko-KR"/>
+              <a:t>BALUN</a:t>
+            </a:r>
+            <a:endParaRPr lang="ko-KR" altLang="en-US"/>
+          </a:p>
+        </p:txBody>
+      </p:sp>
+      <p:sp>
+        <p:nvSpPr>
+          <p:cNvPr id="18" name="직사각형 17">
+            <a:extLst>
+              <a:ext uri="{FF2B5EF4-FFF2-40B4-BE49-F238E27FC236}">
+                <a16:creationId xmlns:a16="http://schemas.microsoft.com/office/drawing/2014/main" id="{72B14F98-D311-CFB4-3BE2-F6CE9A99DAA1}"/>
+              </a:ext>
+            </a:extLst>
+          </p:cNvPr>
+          <p:cNvSpPr/>
+          <p:nvPr/>
+        </p:nvSpPr>
+        <p:spPr>
+          <a:xfrm>
+            <a:off x="5373584" y="2024745"/>
+            <a:ext cx="2297876" cy="1190918"/>
+          </a:xfrm>
+          <a:prstGeom prst="rect">
+            <a:avLst/>
+          </a:prstGeom>
+          <a:solidFill>
+            <a:schemeClr val="accent3"/>
+          </a:solidFill>
+          <a:ln>
+            <a:solidFill>
+              <a:schemeClr val="tx1"/>
+            </a:solidFill>
+          </a:ln>
+        </p:spPr>
+        <p:style>
+          <a:lnRef idx="2">
+            <a:schemeClr val="accent1">
+              <a:shade val="15000"/>
+            </a:schemeClr>
+          </a:lnRef>
+          <a:fillRef idx="1">
+            <a:schemeClr val="accent1"/>
+          </a:fillRef>
+          <a:effectRef idx="0">
+            <a:schemeClr val="accent1"/>
+          </a:effectRef>
+          <a:fontRef idx="minor">
+            <a:schemeClr val="lt1"/>
+          </a:fontRef>
+        </p:style>
+        <p:txBody>
+          <a:bodyPr rtlCol="0" anchor="ctr"/>
+          <a:lstStyle/>
+          <a:p>
+            <a:pPr algn="ctr"/>
+            <a:r>
+              <a:rPr lang="en-US" altLang="ko-KR"/>
+              <a:t>ADC Input</a:t>
+            </a:r>
+            <a:endParaRPr lang="ko-KR" altLang="en-US"/>
+          </a:p>
+        </p:txBody>
+      </p:sp>
+      <p:sp>
+        <p:nvSpPr>
+          <p:cNvPr id="19" name="직사각형 18">
+            <a:extLst>
+              <a:ext uri="{FF2B5EF4-FFF2-40B4-BE49-F238E27FC236}">
+                <a16:creationId xmlns:a16="http://schemas.microsoft.com/office/drawing/2014/main" id="{FE72726A-C392-6D32-4E5C-AFE2B8657AB1}"/>
+              </a:ext>
+            </a:extLst>
+          </p:cNvPr>
+          <p:cNvSpPr/>
+          <p:nvPr/>
+        </p:nvSpPr>
+        <p:spPr>
+          <a:xfrm>
+            <a:off x="5373584" y="3552219"/>
+            <a:ext cx="2297876" cy="1203849"/>
+          </a:xfrm>
+          <a:prstGeom prst="rect">
+            <a:avLst/>
+          </a:prstGeom>
+          <a:solidFill>
+            <a:schemeClr val="accent3"/>
+          </a:solidFill>
+          <a:ln>
+            <a:solidFill>
+              <a:schemeClr val="tx1"/>
+            </a:solidFill>
+          </a:ln>
+        </p:spPr>
+        <p:style>
+          <a:lnRef idx="2">
+            <a:schemeClr val="accent1">
+              <a:shade val="15000"/>
+            </a:schemeClr>
+          </a:lnRef>
+          <a:fillRef idx="1">
+            <a:schemeClr val="accent1"/>
+          </a:fillRef>
+          <a:effectRef idx="0">
+            <a:schemeClr val="accent1"/>
+          </a:effectRef>
+          <a:fontRef idx="minor">
+            <a:schemeClr val="lt1"/>
+          </a:fontRef>
+        </p:style>
+        <p:txBody>
+          <a:bodyPr rtlCol="0" anchor="ctr"/>
+          <a:lstStyle/>
+          <a:p>
+            <a:pPr algn="ctr"/>
+            <a:r>
+              <a:rPr lang="en-US" altLang="ko-KR"/>
+              <a:t>DAC Output</a:t>
+            </a:r>
+            <a:endParaRPr lang="ko-KR" altLang="en-US"/>
+          </a:p>
+        </p:txBody>
+      </p:sp>
+      <p:sp>
+        <p:nvSpPr>
+          <p:cNvPr id="20" name="직사각형 19">
+            <a:extLst>
+              <a:ext uri="{FF2B5EF4-FFF2-40B4-BE49-F238E27FC236}">
+                <a16:creationId xmlns:a16="http://schemas.microsoft.com/office/drawing/2014/main" id="{65F2E6B5-DB2A-4EAE-C5A2-6CD0D8F9D07E}"/>
+              </a:ext>
+            </a:extLst>
+          </p:cNvPr>
+          <p:cNvSpPr/>
+          <p:nvPr/>
+        </p:nvSpPr>
+        <p:spPr>
+          <a:xfrm>
+            <a:off x="5272644" y="5396983"/>
+            <a:ext cx="2398814" cy="1210583"/>
+          </a:xfrm>
+          <a:prstGeom prst="rect">
+            <a:avLst/>
+          </a:prstGeom>
+          <a:solidFill>
+            <a:schemeClr val="accent3"/>
+          </a:solidFill>
+          <a:ln>
+            <a:solidFill>
+              <a:schemeClr val="tx1"/>
+            </a:solidFill>
+          </a:ln>
+        </p:spPr>
+        <p:style>
+          <a:lnRef idx="2">
+            <a:schemeClr val="accent1">
+              <a:shade val="15000"/>
+            </a:schemeClr>
+          </a:lnRef>
+          <a:fillRef idx="1">
+            <a:schemeClr val="accent1"/>
+          </a:fillRef>
+          <a:effectRef idx="0">
+            <a:schemeClr val="accent1"/>
+          </a:effectRef>
+          <a:fontRef idx="minor">
+            <a:schemeClr val="lt1"/>
+          </a:fontRef>
+        </p:style>
+        <p:txBody>
+          <a:bodyPr rtlCol="0" anchor="ctr"/>
+          <a:lstStyle/>
+          <a:p>
+            <a:pPr algn="ctr"/>
+            <a:r>
+              <a:rPr lang="en-US" altLang="ko-KR"/>
+              <a:t>Digital IO</a:t>
+            </a:r>
+            <a:endParaRPr lang="ko-KR" altLang="en-US"/>
+          </a:p>
+        </p:txBody>
+      </p:sp>
+      <p:sp>
+        <p:nvSpPr>
+          <p:cNvPr id="21" name="직사각형 20">
+            <a:extLst>
+              <a:ext uri="{FF2B5EF4-FFF2-40B4-BE49-F238E27FC236}">
+                <a16:creationId xmlns:a16="http://schemas.microsoft.com/office/drawing/2014/main" id="{436045E9-5D12-8842-2CE0-C24DB2279BA8}"/>
+              </a:ext>
+            </a:extLst>
+          </p:cNvPr>
+          <p:cNvSpPr/>
+          <p:nvPr/>
+        </p:nvSpPr>
+        <p:spPr>
+          <a:xfrm>
+            <a:off x="4286993" y="214120"/>
+            <a:ext cx="3384467" cy="1210583"/>
+          </a:xfrm>
+          <a:prstGeom prst="rect">
+            <a:avLst/>
+          </a:prstGeom>
+          <a:solidFill>
+            <a:schemeClr val="accent3"/>
+          </a:solidFill>
+          <a:ln>
+            <a:solidFill>
+              <a:schemeClr val="tx1"/>
+            </a:solidFill>
+          </a:ln>
+        </p:spPr>
+        <p:style>
+          <a:lnRef idx="2">
+            <a:schemeClr val="accent1">
+              <a:shade val="15000"/>
+            </a:schemeClr>
+          </a:lnRef>
+          <a:fillRef idx="1">
+            <a:schemeClr val="accent1"/>
+          </a:fillRef>
+          <a:effectRef idx="0">
+            <a:schemeClr val="accent1"/>
+          </a:effectRef>
+          <a:fontRef idx="minor">
+            <a:schemeClr val="lt1"/>
+          </a:fontRef>
+        </p:style>
+        <p:txBody>
+          <a:bodyPr rtlCol="0" anchor="ctr"/>
+          <a:lstStyle/>
+          <a:p>
+            <a:pPr algn="ctr"/>
+            <a:r>
+              <a:rPr lang="en-US" altLang="ko-KR"/>
+              <a:t>Digital IO</a:t>
+            </a:r>
+            <a:endParaRPr lang="ko-KR" altLang="en-US"/>
+          </a:p>
+        </p:txBody>
+      </p:sp>
+      <p:cxnSp>
+        <p:nvCxnSpPr>
+          <p:cNvPr id="12" name="직선 연결선 11">
+            <a:extLst>
+              <a:ext uri="{FF2B5EF4-FFF2-40B4-BE49-F238E27FC236}">
+                <a16:creationId xmlns:a16="http://schemas.microsoft.com/office/drawing/2014/main" id="{AB12A293-25C9-7B54-D167-DA4EB61F4336}"/>
+              </a:ext>
+            </a:extLst>
+          </p:cNvPr>
+          <p:cNvCxnSpPr>
+            <a:cxnSpLocks/>
+          </p:cNvCxnSpPr>
+          <p:nvPr/>
+        </p:nvCxnSpPr>
+        <p:spPr>
+          <a:xfrm>
+            <a:off x="4483100" y="5286646"/>
+            <a:ext cx="5224978" cy="0"/>
+          </a:xfrm>
+          <a:prstGeom prst="line">
+            <a:avLst/>
+          </a:prstGeom>
+          <a:ln>
+            <a:solidFill>
+              <a:schemeClr val="tx1"/>
+            </a:solidFill>
+            <a:prstDash val="lgDash"/>
+          </a:ln>
+        </p:spPr>
+        <p:style>
+          <a:lnRef idx="1">
+            <a:schemeClr val="accent1"/>
+          </a:lnRef>
+          <a:fillRef idx="0">
+            <a:schemeClr val="accent1"/>
+          </a:fillRef>
+          <a:effectRef idx="0">
+            <a:schemeClr val="accent1"/>
+          </a:effectRef>
+          <a:fontRef idx="minor">
+            <a:schemeClr val="tx1"/>
+          </a:fontRef>
+        </p:style>
+      </p:cxnSp>
+      <p:cxnSp>
+        <p:nvCxnSpPr>
+          <p:cNvPr id="24" name="직선 연결선 23">
+            <a:extLst>
+              <a:ext uri="{FF2B5EF4-FFF2-40B4-BE49-F238E27FC236}">
+                <a16:creationId xmlns:a16="http://schemas.microsoft.com/office/drawing/2014/main" id="{708B1A7D-7547-7F58-6B6E-424613D7074C}"/>
+              </a:ext>
+            </a:extLst>
+          </p:cNvPr>
+          <p:cNvCxnSpPr>
+            <a:cxnSpLocks/>
+          </p:cNvCxnSpPr>
+          <p:nvPr/>
+        </p:nvCxnSpPr>
+        <p:spPr>
+          <a:xfrm>
+            <a:off x="1015340" y="2175146"/>
+            <a:ext cx="3467760" cy="0"/>
+          </a:xfrm>
+          <a:prstGeom prst="line">
+            <a:avLst/>
+          </a:prstGeom>
+          <a:ln>
+            <a:solidFill>
+              <a:schemeClr val="tx1"/>
+            </a:solidFill>
+            <a:prstDash val="lgDash"/>
+          </a:ln>
+        </p:spPr>
+        <p:style>
+          <a:lnRef idx="1">
+            <a:schemeClr val="accent1"/>
+          </a:lnRef>
+          <a:fillRef idx="0">
+            <a:schemeClr val="accent1"/>
+          </a:fillRef>
+          <a:effectRef idx="0">
+            <a:schemeClr val="accent1"/>
+          </a:effectRef>
+          <a:fontRef idx="minor">
+            <a:schemeClr val="tx1"/>
+          </a:fontRef>
+        </p:style>
+      </p:cxnSp>
+      <p:cxnSp>
+        <p:nvCxnSpPr>
+          <p:cNvPr id="27" name="직선 연결선 26">
+            <a:extLst>
+              <a:ext uri="{FF2B5EF4-FFF2-40B4-BE49-F238E27FC236}">
+                <a16:creationId xmlns:a16="http://schemas.microsoft.com/office/drawing/2014/main" id="{CF8E20DB-9655-C704-20C4-B83CD594FEE4}"/>
+              </a:ext>
+            </a:extLst>
+          </p:cNvPr>
+          <p:cNvCxnSpPr>
+            <a:cxnSpLocks/>
+          </p:cNvCxnSpPr>
+          <p:nvPr/>
+        </p:nvCxnSpPr>
+        <p:spPr>
+          <a:xfrm>
+            <a:off x="1015340" y="4397646"/>
+            <a:ext cx="3467760" cy="0"/>
+          </a:xfrm>
+          <a:prstGeom prst="line">
+            <a:avLst/>
+          </a:prstGeom>
+          <a:ln>
+            <a:solidFill>
+              <a:schemeClr val="tx1"/>
+            </a:solidFill>
+            <a:prstDash val="lgDash"/>
+          </a:ln>
+        </p:spPr>
+        <p:style>
+          <a:lnRef idx="1">
+            <a:schemeClr val="accent1"/>
+          </a:lnRef>
+          <a:fillRef idx="0">
+            <a:schemeClr val="accent1"/>
+          </a:fillRef>
+          <a:effectRef idx="0">
+            <a:schemeClr val="accent1"/>
+          </a:effectRef>
+          <a:fontRef idx="minor">
+            <a:schemeClr val="tx1"/>
+          </a:fontRef>
+        </p:style>
+      </p:cxnSp>
+      <p:cxnSp>
+        <p:nvCxnSpPr>
+          <p:cNvPr id="28" name="직선 연결선 27">
+            <a:extLst>
+              <a:ext uri="{FF2B5EF4-FFF2-40B4-BE49-F238E27FC236}">
+                <a16:creationId xmlns:a16="http://schemas.microsoft.com/office/drawing/2014/main" id="{35F95821-E53F-ED01-7609-9173524D89F0}"/>
+              </a:ext>
+            </a:extLst>
+          </p:cNvPr>
+          <p:cNvCxnSpPr>
+            <a:cxnSpLocks/>
+          </p:cNvCxnSpPr>
+          <p:nvPr/>
+        </p:nvCxnSpPr>
+        <p:spPr>
+          <a:xfrm flipV="1">
+            <a:off x="4483100" y="1533796"/>
+            <a:ext cx="0" cy="641350"/>
+          </a:xfrm>
+          <a:prstGeom prst="line">
+            <a:avLst/>
+          </a:prstGeom>
+          <a:ln>
+            <a:solidFill>
+              <a:schemeClr val="tx1"/>
+            </a:solidFill>
+            <a:prstDash val="lgDash"/>
+          </a:ln>
+        </p:spPr>
+        <p:style>
+          <a:lnRef idx="1">
+            <a:schemeClr val="accent1"/>
+          </a:lnRef>
+          <a:fillRef idx="0">
+            <a:schemeClr val="accent1"/>
+          </a:fillRef>
+          <a:effectRef idx="0">
+            <a:schemeClr val="accent1"/>
+          </a:effectRef>
+          <a:fontRef idx="minor">
+            <a:schemeClr val="tx1"/>
+          </a:fontRef>
+        </p:style>
+      </p:cxnSp>
+      <p:cxnSp>
+        <p:nvCxnSpPr>
+          <p:cNvPr id="33" name="직선 연결선 32">
+            <a:extLst>
+              <a:ext uri="{FF2B5EF4-FFF2-40B4-BE49-F238E27FC236}">
+                <a16:creationId xmlns:a16="http://schemas.microsoft.com/office/drawing/2014/main" id="{6F9D43F8-9533-E5E6-0A57-725DF2103190}"/>
+              </a:ext>
+            </a:extLst>
+          </p:cNvPr>
+          <p:cNvCxnSpPr>
+            <a:cxnSpLocks/>
+          </p:cNvCxnSpPr>
+          <p:nvPr/>
+        </p:nvCxnSpPr>
+        <p:spPr>
+          <a:xfrm flipV="1">
+            <a:off x="4483100" y="4397646"/>
+            <a:ext cx="0" cy="889000"/>
+          </a:xfrm>
+          <a:prstGeom prst="line">
+            <a:avLst/>
+          </a:prstGeom>
+          <a:ln>
+            <a:solidFill>
+              <a:schemeClr val="tx1"/>
+            </a:solidFill>
+            <a:prstDash val="lgDash"/>
+          </a:ln>
+        </p:spPr>
+        <p:style>
+          <a:lnRef idx="1">
+            <a:schemeClr val="accent1"/>
+          </a:lnRef>
+          <a:fillRef idx="0">
+            <a:schemeClr val="accent1"/>
+          </a:fillRef>
+          <a:effectRef idx="0">
+            <a:schemeClr val="accent1"/>
+          </a:effectRef>
+          <a:fontRef idx="minor">
+            <a:schemeClr val="tx1"/>
+          </a:fontRef>
+        </p:style>
+      </p:cxnSp>
+      <p:sp>
+        <p:nvSpPr>
+          <p:cNvPr id="3" name="직사각형 2">
+            <a:extLst>
+              <a:ext uri="{FF2B5EF4-FFF2-40B4-BE49-F238E27FC236}">
+                <a16:creationId xmlns:a16="http://schemas.microsoft.com/office/drawing/2014/main" id="{03301C7D-B08E-28B8-E63E-FA38EF235FAD}"/>
+              </a:ext>
+            </a:extLst>
+          </p:cNvPr>
+          <p:cNvSpPr/>
+          <p:nvPr/>
+        </p:nvSpPr>
+        <p:spPr>
+          <a:xfrm>
+            <a:off x="5373584" y="4863917"/>
+            <a:ext cx="2297876" cy="314880"/>
+          </a:xfrm>
+          <a:prstGeom prst="rect">
+            <a:avLst/>
+          </a:prstGeom>
+          <a:solidFill>
+            <a:schemeClr val="accent3"/>
+          </a:solidFill>
+          <a:ln>
+            <a:solidFill>
+              <a:schemeClr val="tx1"/>
+            </a:solidFill>
+          </a:ln>
+        </p:spPr>
+        <p:style>
+          <a:lnRef idx="2">
+            <a:schemeClr val="accent1">
+              <a:shade val="15000"/>
+            </a:schemeClr>
+          </a:lnRef>
+          <a:fillRef idx="1">
+            <a:schemeClr val="accent1"/>
+          </a:fillRef>
+          <a:effectRef idx="0">
+            <a:schemeClr val="accent1"/>
+          </a:effectRef>
+          <a:fontRef idx="minor">
+            <a:schemeClr val="lt1"/>
+          </a:fontRef>
+        </p:style>
+        <p:txBody>
+          <a:bodyPr rtlCol="0" anchor="ctr"/>
+          <a:lstStyle/>
+          <a:p>
+            <a:pPr algn="ctr"/>
+            <a:r>
+              <a:rPr lang="en-US" altLang="ko-KR"/>
+              <a:t>DAC CLK1,2</a:t>
+            </a:r>
+            <a:endParaRPr lang="ko-KR" altLang="en-US"/>
+          </a:p>
+        </p:txBody>
+      </p:sp>
+      <p:sp>
+        <p:nvSpPr>
+          <p:cNvPr id="15" name="직사각형 14">
+            <a:extLst>
+              <a:ext uri="{FF2B5EF4-FFF2-40B4-BE49-F238E27FC236}">
+                <a16:creationId xmlns:a16="http://schemas.microsoft.com/office/drawing/2014/main" id="{8A45086C-B78D-3F50-2917-FD30ACA607AC}"/>
+              </a:ext>
+            </a:extLst>
+          </p:cNvPr>
+          <p:cNvSpPr/>
+          <p:nvPr/>
+        </p:nvSpPr>
+        <p:spPr>
+          <a:xfrm>
+            <a:off x="5373584" y="1575283"/>
+            <a:ext cx="2297876" cy="314880"/>
+          </a:xfrm>
+          <a:prstGeom prst="rect">
+            <a:avLst/>
+          </a:prstGeom>
+          <a:solidFill>
+            <a:schemeClr val="accent3"/>
+          </a:solidFill>
+          <a:ln>
+            <a:solidFill>
+              <a:schemeClr val="tx1"/>
+            </a:solidFill>
+          </a:ln>
+        </p:spPr>
+        <p:style>
+          <a:lnRef idx="2">
+            <a:schemeClr val="accent1">
+              <a:shade val="15000"/>
+            </a:schemeClr>
+          </a:lnRef>
+          <a:fillRef idx="1">
+            <a:schemeClr val="accent1"/>
+          </a:fillRef>
+          <a:effectRef idx="0">
+            <a:schemeClr val="accent1"/>
+          </a:effectRef>
+          <a:fontRef idx="minor">
+            <a:schemeClr val="lt1"/>
+          </a:fontRef>
+        </p:style>
+        <p:txBody>
+          <a:bodyPr rtlCol="0" anchor="ctr"/>
+          <a:lstStyle/>
+          <a:p>
+            <a:pPr algn="ctr"/>
+            <a:r>
+              <a:rPr lang="en-US" altLang="ko-KR"/>
+              <a:t>ADC CLK1,2,3,4</a:t>
+            </a:r>
+            <a:endParaRPr lang="ko-KR" altLang="en-US"/>
+          </a:p>
+        </p:txBody>
+      </p:sp>
+      <p:sp>
+        <p:nvSpPr>
+          <p:cNvPr id="22" name="직사각형 21">
+            <a:extLst>
+              <a:ext uri="{FF2B5EF4-FFF2-40B4-BE49-F238E27FC236}">
+                <a16:creationId xmlns:a16="http://schemas.microsoft.com/office/drawing/2014/main" id="{D53C68BB-9205-35BE-DB4B-9ED795A74C6E}"/>
+              </a:ext>
+            </a:extLst>
+          </p:cNvPr>
+          <p:cNvSpPr/>
+          <p:nvPr/>
+        </p:nvSpPr>
+        <p:spPr>
+          <a:xfrm>
+            <a:off x="3978232" y="5396983"/>
+            <a:ext cx="1217221" cy="1210583"/>
+          </a:xfrm>
+          <a:prstGeom prst="rect">
+            <a:avLst/>
+          </a:prstGeom>
+          <a:solidFill>
+            <a:schemeClr val="accent3"/>
+          </a:solidFill>
+          <a:ln>
+            <a:solidFill>
+              <a:schemeClr val="tx1"/>
+            </a:solidFill>
+          </a:ln>
+        </p:spPr>
+        <p:style>
+          <a:lnRef idx="2">
+            <a:schemeClr val="accent1">
+              <a:shade val="15000"/>
+            </a:schemeClr>
+          </a:lnRef>
+          <a:fillRef idx="1">
+            <a:schemeClr val="accent1"/>
+          </a:fillRef>
+          <a:effectRef idx="0">
+            <a:schemeClr val="accent1"/>
+          </a:effectRef>
+          <a:fontRef idx="minor">
+            <a:schemeClr val="lt1"/>
+          </a:fontRef>
+        </p:style>
+        <p:txBody>
+          <a:bodyPr rtlCol="0" anchor="ctr"/>
+          <a:lstStyle/>
+          <a:p>
+            <a:pPr algn="ctr"/>
+            <a:r>
+              <a:rPr lang="en-US" altLang="ko-KR"/>
+              <a:t>Regulator</a:t>
+            </a:r>
+            <a:endParaRPr lang="ko-KR" altLang="en-US"/>
+          </a:p>
+        </p:txBody>
+      </p:sp>
+      <p:sp>
+        <p:nvSpPr>
+          <p:cNvPr id="26" name="직사각형 25">
+            <a:extLst>
+              <a:ext uri="{FF2B5EF4-FFF2-40B4-BE49-F238E27FC236}">
+                <a16:creationId xmlns:a16="http://schemas.microsoft.com/office/drawing/2014/main" id="{F4A5AC9F-FEE5-EEBF-8F4D-E6D0EEEAE525}"/>
+              </a:ext>
+            </a:extLst>
+          </p:cNvPr>
+          <p:cNvSpPr/>
+          <p:nvPr/>
+        </p:nvSpPr>
+        <p:spPr>
+          <a:xfrm rot="5400000">
+            <a:off x="3441226" y="627862"/>
+            <a:ext cx="1210582" cy="380612"/>
+          </a:xfrm>
+          <a:prstGeom prst="rect">
+            <a:avLst/>
+          </a:prstGeom>
+          <a:solidFill>
+            <a:schemeClr val="accent3"/>
+          </a:solidFill>
+          <a:ln>
+            <a:solidFill>
+              <a:schemeClr val="tx1"/>
+            </a:solidFill>
+          </a:ln>
+        </p:spPr>
+        <p:style>
+          <a:lnRef idx="2">
+            <a:schemeClr val="accent1">
+              <a:shade val="15000"/>
+            </a:schemeClr>
+          </a:lnRef>
+          <a:fillRef idx="1">
+            <a:schemeClr val="accent1"/>
+          </a:fillRef>
+          <a:effectRef idx="0">
+            <a:schemeClr val="accent1"/>
+          </a:effectRef>
+          <a:fontRef idx="minor">
+            <a:schemeClr val="lt1"/>
+          </a:fontRef>
+        </p:style>
+        <p:txBody>
+          <a:bodyPr rtlCol="0" anchor="ctr"/>
+          <a:lstStyle/>
+          <a:p>
+            <a:pPr algn="ctr"/>
+            <a:r>
+              <a:rPr lang="en-US" altLang="ko-KR"/>
+              <a:t>JTAG</a:t>
+            </a:r>
+            <a:endParaRPr lang="ko-KR" altLang="en-US"/>
+          </a:p>
+        </p:txBody>
+      </p:sp>
+      <p:sp>
+        <p:nvSpPr>
+          <p:cNvPr id="29" name="TextBox 28">
+            <a:extLst>
+              <a:ext uri="{FF2B5EF4-FFF2-40B4-BE49-F238E27FC236}">
+                <a16:creationId xmlns:a16="http://schemas.microsoft.com/office/drawing/2014/main" id="{3B0EF9A6-6A5A-73EF-03A2-8E7D05ED8660}"/>
+              </a:ext>
+            </a:extLst>
+          </p:cNvPr>
+          <p:cNvSpPr txBox="1"/>
+          <p:nvPr/>
+        </p:nvSpPr>
+        <p:spPr>
+          <a:xfrm>
+            <a:off x="59376" y="117628"/>
+            <a:ext cx="1020087" cy="477054"/>
+          </a:xfrm>
+          <a:prstGeom prst="rect">
+            <a:avLst/>
+          </a:prstGeom>
+          <a:noFill/>
+        </p:spPr>
+        <p:txBody>
+          <a:bodyPr wrap="none" rtlCol="0">
+            <a:spAutoFit/>
+          </a:bodyPr>
+          <a:lstStyle/>
+          <a:p>
+            <a:r>
+              <a:rPr lang="en-US" altLang="ko-KR" sz="2500"/>
+              <a:t>Arch2</a:t>
+            </a:r>
+            <a:endParaRPr lang="ko-KR" altLang="en-US" sz="2500"/>
+          </a:p>
+        </p:txBody>
+      </p:sp>
+    </p:spTree>
+    <p:extLst>
+      <p:ext uri="{BB962C8B-B14F-4D97-AF65-F5344CB8AC3E}">
+        <p14:creationId xmlns:p14="http://schemas.microsoft.com/office/powerpoint/2010/main" val="820493510"/>
+      </p:ext>
+    </p:extLst>
+  </p:cSld>
+  <p:clrMapOvr>
+    <a:masterClrMapping/>
+  </p:clrMapOvr>
+</p:sld>
+</file>
+
+<file path=ppt/slides/slide6.xml><?xml version="1.0" encoding="utf-8"?>
 <p:sld xmlns:a="http://schemas.openxmlformats.org/drawingml/2006/main" xmlns:r="http://schemas.openxmlformats.org/officeDocument/2006/relationships" xmlns:p="http://schemas.openxmlformats.org/presentationml/2006/main">
   <p:cSld>
     <p:spTree>
@@ -7648,8 +10287,8 @@
         </p:nvSpPr>
         <p:spPr>
           <a:xfrm>
-            <a:off x="433449" y="694706"/>
-            <a:ext cx="1424493" cy="369332"/>
+            <a:off x="59376" y="117628"/>
+            <a:ext cx="2856551" cy="477054"/>
           </a:xfrm>
           <a:prstGeom prst="rect">
             <a:avLst/>
@@ -7663,18 +10302,18 @@
           <a:lstStyle/>
           <a:p>
             <a:r>
-              <a:rPr lang="en-US" altLang="ko-KR"/>
+              <a:rPr lang="en-US" altLang="ko-KR" sz="2500"/>
               <a:t>DAC</a:t>
             </a:r>
             <a:r>
-              <a:rPr lang="ko-KR" altLang="en-US"/>
+              <a:rPr lang="ko-KR" altLang="en-US" sz="2500"/>
               <a:t> </a:t>
             </a:r>
             <a:r>
-              <a:rPr lang="en-US" altLang="ko-KR"/>
-              <a:t>output</a:t>
-            </a:r>
-            <a:endParaRPr lang="ko-KR" altLang="en-US"/>
+              <a:rPr lang="en-US" altLang="ko-KR" sz="2500"/>
+              <a:t>output Arch1</a:t>
+            </a:r>
+            <a:endParaRPr lang="ko-KR" altLang="en-US" sz="2500"/>
           </a:p>
         </p:txBody>
       </p:sp>
@@ -8986,7 +11625,7 @@
         <p:spPr>
           <a:xfrm>
             <a:off x="10095222" y="438690"/>
-            <a:ext cx="622259" cy="369332"/>
+            <a:ext cx="1995748" cy="369332"/>
           </a:xfrm>
           <a:prstGeom prst="rect">
             <a:avLst/>
@@ -9002,7 +11641,7 @@
             <a:pPr algn="ctr"/>
             <a:r>
               <a:rPr kumimoji="1" lang="en-US" altLang="en-US" sz="1800"/>
-              <a:t>12V</a:t>
+              <a:t>12V from RFMC</a:t>
             </a:r>
             <a:endParaRPr lang="ko-KR" altLang="en-US"/>
           </a:p>
@@ -9076,8 +11715,8 @@
         </p:nvSpPr>
         <p:spPr>
           <a:xfrm>
-            <a:off x="6397121" y="1164562"/>
-            <a:ext cx="1983931" cy="1200329"/>
+            <a:off x="6397121" y="870963"/>
+            <a:ext cx="1983931" cy="1754326"/>
           </a:xfrm>
           <a:prstGeom prst="rect">
             <a:avLst/>
@@ -9090,19 +11729,23 @@
           </a:bodyPr>
           <a:lstStyle/>
           <a:p>
-            <a:pPr algn="ctr"/>
             <a:r>
               <a:rPr lang="en-US" altLang="ko-KR" sz="1800" i="0">
                 <a:effectLst/>
               </a:rPr>
-              <a:t>has 80pins</a:t>
-            </a:r>
-          </a:p>
-          <a:p>
-            <a:pPr algn="ctr"/>
+              <a:t>-has 80pins</a:t>
+            </a:r>
+          </a:p>
+          <a:p>
             <a:r>
               <a:rPr lang="en-US" altLang="ko-KR"/>
-              <a:t>CPLD reamins data after powre down</a:t>
+              <a:t>-CPLD reamins data after powre down</a:t>
+            </a:r>
+          </a:p>
+          <a:p>
+            <a:r>
+              <a:rPr lang="en-US" altLang="ko-KR"/>
+              <a:t>-core 1.8V, logic 3.3V</a:t>
             </a:r>
             <a:endParaRPr lang="ko-KR" altLang="en-US"/>
           </a:p>
@@ -9519,110 +12162,6 @@
     <p:extLst>
       <p:ext uri="{BB962C8B-B14F-4D97-AF65-F5344CB8AC3E}">
         <p14:creationId xmlns:p14="http://schemas.microsoft.com/office/powerpoint/2010/main" val="533924856"/>
-      </p:ext>
-    </p:extLst>
-  </p:cSld>
-  <p:clrMapOvr>
-    <a:masterClrMapping/>
-  </p:clrMapOvr>
-</p:sld>
-</file>
-
-<file path=ppt/slides/slide6.xml><?xml version="1.0" encoding="utf-8"?>
-<p:sld xmlns:a="http://schemas.openxmlformats.org/drawingml/2006/main" xmlns:r="http://schemas.openxmlformats.org/officeDocument/2006/relationships" xmlns:p="http://schemas.openxmlformats.org/presentationml/2006/main">
-  <p:cSld>
-    <p:spTree>
-      <p:nvGrpSpPr>
-        <p:cNvPr id="1" name=""/>
-        <p:cNvGrpSpPr/>
-        <p:nvPr/>
-      </p:nvGrpSpPr>
-      <p:grpSpPr>
-        <a:xfrm>
-          <a:off x="0" y="0"/>
-          <a:ext cx="0" cy="0"/>
-          <a:chOff x="0" y="0"/>
-          <a:chExt cx="0" cy="0"/>
-        </a:xfrm>
-      </p:grpSpPr>
-      <p:pic>
-        <p:nvPicPr>
-          <p:cNvPr id="5" name="그림 4">
-            <a:extLst>
-              <a:ext uri="{FF2B5EF4-FFF2-40B4-BE49-F238E27FC236}">
-                <a16:creationId xmlns:a16="http://schemas.microsoft.com/office/drawing/2014/main" id="{D630B02A-92DA-27A2-1525-0F7BA0E2D860}"/>
-              </a:ext>
-            </a:extLst>
-          </p:cNvPr>
-          <p:cNvPicPr>
-            <a:picLocks noChangeAspect="1"/>
-          </p:cNvPicPr>
-          <p:nvPr/>
-        </p:nvPicPr>
-        <p:blipFill>
-          <a:blip r:embed="rId2"/>
-          <a:stretch>
-            <a:fillRect/>
-          </a:stretch>
-        </p:blipFill>
-        <p:spPr>
-          <a:xfrm>
-            <a:off x="1887279" y="0"/>
-            <a:ext cx="6659893" cy="6858000"/>
-          </a:xfrm>
-          <a:prstGeom prst="rect">
-            <a:avLst/>
-          </a:prstGeom>
-        </p:spPr>
-      </p:pic>
-      <p:sp>
-        <p:nvSpPr>
-          <p:cNvPr id="14" name="TextBox 13">
-            <a:extLst>
-              <a:ext uri="{FF2B5EF4-FFF2-40B4-BE49-F238E27FC236}">
-                <a16:creationId xmlns:a16="http://schemas.microsoft.com/office/drawing/2014/main" id="{E9FA7747-6E00-D026-5267-9C97D8C84E02}"/>
-              </a:ext>
-            </a:extLst>
-          </p:cNvPr>
-          <p:cNvSpPr txBox="1"/>
-          <p:nvPr/>
-        </p:nvSpPr>
-        <p:spPr>
-          <a:xfrm>
-            <a:off x="136156" y="5678314"/>
-            <a:ext cx="1788397" cy="369332"/>
-          </a:xfrm>
-          <a:prstGeom prst="rect">
-            <a:avLst/>
-          </a:prstGeom>
-          <a:noFill/>
-        </p:spPr>
-        <p:txBody>
-          <a:bodyPr wrap="square">
-            <a:spAutoFit/>
-          </a:bodyPr>
-          <a:lstStyle/>
-          <a:p>
-            <a:pPr algn="ctr"/>
-            <a:r>
-              <a:rPr lang="en-US" altLang="ko-KR" sz="1800" b="0" i="0" u="none" strike="noStrike">
-                <a:solidFill>
-                  <a:srgbClr val="000000"/>
-                </a:solidFill>
-                <a:effectLst/>
-                <a:latin typeface="맑은 고딕" panose="020B0503020000020004" pitchFamily="50" charset="-127"/>
-                <a:ea typeface="맑은 고딕" panose="020B0503020000020004" pitchFamily="50" charset="-127"/>
-              </a:rPr>
-              <a:t>8ns resolution</a:t>
-            </a:r>
-            <a:endParaRPr lang="ko-KR" altLang="en-US"/>
-          </a:p>
-        </p:txBody>
-      </p:sp>
-    </p:spTree>
-    <p:extLst>
-      <p:ext uri="{BB962C8B-B14F-4D97-AF65-F5344CB8AC3E}">
-        <p14:creationId xmlns:p14="http://schemas.microsoft.com/office/powerpoint/2010/main" val="931128585"/>
       </p:ext>
     </p:extLst>
   </p:cSld>
@@ -9649,12 +12188,5218 @@
           <a:chExt cx="0" cy="0"/>
         </a:xfrm>
       </p:grpSpPr>
+      <p:sp>
+        <p:nvSpPr>
+          <p:cNvPr id="4" name="삼각형 10">
+            <a:extLst>
+              <a:ext uri="{FF2B5EF4-FFF2-40B4-BE49-F238E27FC236}">
+                <a16:creationId xmlns:a16="http://schemas.microsoft.com/office/drawing/2014/main" id="{92819343-B7AA-7431-FBCC-D44F891EF0FD}"/>
+              </a:ext>
+            </a:extLst>
+          </p:cNvPr>
+          <p:cNvSpPr/>
+          <p:nvPr/>
+        </p:nvSpPr>
+        <p:spPr>
+          <a:xfrm rot="5400000">
+            <a:off x="7585177" y="4064514"/>
+            <a:ext cx="576488" cy="443603"/>
+          </a:xfrm>
+          <a:prstGeom prst="triangle">
+            <a:avLst/>
+          </a:prstGeom>
+          <a:noFill/>
+          <a:ln w="25400"/>
+        </p:spPr>
+        <p:style>
+          <a:lnRef idx="2">
+            <a:schemeClr val="dk1">
+              <a:shade val="50000"/>
+            </a:schemeClr>
+          </a:lnRef>
+          <a:fillRef idx="1">
+            <a:schemeClr val="dk1"/>
+          </a:fillRef>
+          <a:effectRef idx="0">
+            <a:schemeClr val="dk1"/>
+          </a:effectRef>
+          <a:fontRef idx="minor">
+            <a:schemeClr val="lt1"/>
+          </a:fontRef>
+        </p:style>
+        <p:txBody>
+          <a:bodyPr rtlCol="0" anchor="ctr"/>
+          <a:lstStyle/>
+          <a:p>
+            <a:pPr algn="ctr"/>
+            <a:endParaRPr kumimoji="1" lang="ko-Kore-KR" altLang="en-US"/>
+          </a:p>
+        </p:txBody>
+      </p:sp>
+      <p:grpSp>
+        <p:nvGrpSpPr>
+          <p:cNvPr id="5" name="그룹 4">
+            <a:extLst>
+              <a:ext uri="{FF2B5EF4-FFF2-40B4-BE49-F238E27FC236}">
+                <a16:creationId xmlns:a16="http://schemas.microsoft.com/office/drawing/2014/main" id="{054BFBDF-AE63-184D-9DB2-9FC552885D1E}"/>
+              </a:ext>
+            </a:extLst>
+          </p:cNvPr>
+          <p:cNvGrpSpPr/>
+          <p:nvPr/>
+        </p:nvGrpSpPr>
+        <p:grpSpPr>
+          <a:xfrm>
+            <a:off x="6450806" y="3972898"/>
+            <a:ext cx="621093" cy="621093"/>
+            <a:chOff x="4583493" y="4396491"/>
+            <a:chExt cx="621093" cy="621093"/>
+          </a:xfrm>
+        </p:grpSpPr>
+        <p:sp>
+          <p:nvSpPr>
+            <p:cNvPr id="6" name="직사각형 5">
+              <a:extLst>
+                <a:ext uri="{FF2B5EF4-FFF2-40B4-BE49-F238E27FC236}">
+                  <a16:creationId xmlns:a16="http://schemas.microsoft.com/office/drawing/2014/main" id="{CDA124CA-760D-428A-5D6D-D189BEE05E2C}"/>
+                </a:ext>
+              </a:extLst>
+            </p:cNvPr>
+            <p:cNvSpPr/>
+            <p:nvPr/>
+          </p:nvSpPr>
+          <p:spPr>
+            <a:xfrm>
+              <a:off x="4583493" y="4396491"/>
+              <a:ext cx="621093" cy="621093"/>
+            </a:xfrm>
+            <a:prstGeom prst="rect">
+              <a:avLst/>
+            </a:prstGeom>
+            <a:noFill/>
+            <a:ln w="25400"/>
+          </p:spPr>
+          <p:style>
+            <a:lnRef idx="2">
+              <a:schemeClr val="dk1">
+                <a:shade val="50000"/>
+              </a:schemeClr>
+            </a:lnRef>
+            <a:fillRef idx="1">
+              <a:schemeClr val="dk1"/>
+            </a:fillRef>
+            <a:effectRef idx="0">
+              <a:schemeClr val="dk1"/>
+            </a:effectRef>
+            <a:fontRef idx="minor">
+              <a:schemeClr val="lt1"/>
+            </a:fontRef>
+          </p:style>
+          <p:txBody>
+            <a:bodyPr rtlCol="0" anchor="ctr"/>
+            <a:lstStyle/>
+            <a:p>
+              <a:pPr algn="ctr"/>
+              <a:endParaRPr kumimoji="1" lang="ko-Kore-KR" altLang="en-US"/>
+            </a:p>
+          </p:txBody>
+        </p:sp>
+        <p:cxnSp>
+          <p:nvCxnSpPr>
+            <p:cNvPr id="7" name="직선 연결선[R] 16">
+              <a:extLst>
+                <a:ext uri="{FF2B5EF4-FFF2-40B4-BE49-F238E27FC236}">
+                  <a16:creationId xmlns:a16="http://schemas.microsoft.com/office/drawing/2014/main" id="{7181AE10-CC76-80C8-02AD-B820EE330006}"/>
+                </a:ext>
+              </a:extLst>
+            </p:cNvPr>
+            <p:cNvCxnSpPr>
+              <a:cxnSpLocks/>
+            </p:cNvCxnSpPr>
+            <p:nvPr/>
+          </p:nvCxnSpPr>
+          <p:spPr>
+            <a:xfrm>
+              <a:off x="4645419" y="4518604"/>
+              <a:ext cx="395024" cy="0"/>
+            </a:xfrm>
+            <a:prstGeom prst="line">
+              <a:avLst/>
+            </a:prstGeom>
+            <a:ln w="25400"/>
+          </p:spPr>
+          <p:style>
+            <a:lnRef idx="1">
+              <a:schemeClr val="dk1"/>
+            </a:lnRef>
+            <a:fillRef idx="0">
+              <a:schemeClr val="dk1"/>
+            </a:fillRef>
+            <a:effectRef idx="0">
+              <a:schemeClr val="dk1"/>
+            </a:effectRef>
+            <a:fontRef idx="minor">
+              <a:schemeClr val="tx1"/>
+            </a:fontRef>
+          </p:style>
+        </p:cxnSp>
+        <p:cxnSp>
+          <p:nvCxnSpPr>
+            <p:cNvPr id="8" name="직선 연결선[R] 17">
+              <a:extLst>
+                <a:ext uri="{FF2B5EF4-FFF2-40B4-BE49-F238E27FC236}">
+                  <a16:creationId xmlns:a16="http://schemas.microsoft.com/office/drawing/2014/main" id="{CD4CA63C-527A-587D-0F31-7642367DBD06}"/>
+                </a:ext>
+              </a:extLst>
+            </p:cNvPr>
+            <p:cNvCxnSpPr>
+              <a:cxnSpLocks/>
+            </p:cNvCxnSpPr>
+            <p:nvPr/>
+          </p:nvCxnSpPr>
+          <p:spPr>
+            <a:xfrm>
+              <a:off x="5033668" y="4512038"/>
+              <a:ext cx="112133" cy="318541"/>
+            </a:xfrm>
+            <a:prstGeom prst="line">
+              <a:avLst/>
+            </a:prstGeom>
+            <a:ln w="25400"/>
+          </p:spPr>
+          <p:style>
+            <a:lnRef idx="1">
+              <a:schemeClr val="dk1"/>
+            </a:lnRef>
+            <a:fillRef idx="0">
+              <a:schemeClr val="dk1"/>
+            </a:fillRef>
+            <a:effectRef idx="0">
+              <a:schemeClr val="dk1"/>
+            </a:effectRef>
+            <a:fontRef idx="minor">
+              <a:schemeClr val="tx1"/>
+            </a:fontRef>
+          </p:style>
+        </p:cxnSp>
+      </p:grpSp>
+      <p:grpSp>
+        <p:nvGrpSpPr>
+          <p:cNvPr id="9" name="그룹 8">
+            <a:extLst>
+              <a:ext uri="{FF2B5EF4-FFF2-40B4-BE49-F238E27FC236}">
+                <a16:creationId xmlns:a16="http://schemas.microsoft.com/office/drawing/2014/main" id="{BB9FD084-A7B2-A127-55C0-D32E31CC02F2}"/>
+              </a:ext>
+            </a:extLst>
+          </p:cNvPr>
+          <p:cNvGrpSpPr/>
+          <p:nvPr/>
+        </p:nvGrpSpPr>
+        <p:grpSpPr>
+          <a:xfrm>
+            <a:off x="3882490" y="4242866"/>
+            <a:ext cx="621093" cy="621093"/>
+            <a:chOff x="6181344" y="4375997"/>
+            <a:chExt cx="621093" cy="621093"/>
+          </a:xfrm>
+        </p:grpSpPr>
+        <p:sp>
+          <p:nvSpPr>
+            <p:cNvPr id="10" name="직사각형 9">
+              <a:extLst>
+                <a:ext uri="{FF2B5EF4-FFF2-40B4-BE49-F238E27FC236}">
+                  <a16:creationId xmlns:a16="http://schemas.microsoft.com/office/drawing/2014/main" id="{55B5C8CE-CA10-B0EF-79A4-2DDC88C8A2CA}"/>
+                </a:ext>
+              </a:extLst>
+            </p:cNvPr>
+            <p:cNvSpPr/>
+            <p:nvPr/>
+          </p:nvSpPr>
+          <p:spPr>
+            <a:xfrm>
+              <a:off x="6181344" y="4375997"/>
+              <a:ext cx="621093" cy="621093"/>
+            </a:xfrm>
+            <a:prstGeom prst="rect">
+              <a:avLst/>
+            </a:prstGeom>
+            <a:noFill/>
+            <a:ln w="25400"/>
+          </p:spPr>
+          <p:style>
+            <a:lnRef idx="2">
+              <a:schemeClr val="dk1">
+                <a:shade val="50000"/>
+              </a:schemeClr>
+            </a:lnRef>
+            <a:fillRef idx="1">
+              <a:schemeClr val="dk1"/>
+            </a:fillRef>
+            <a:effectRef idx="0">
+              <a:schemeClr val="dk1"/>
+            </a:effectRef>
+            <a:fontRef idx="minor">
+              <a:schemeClr val="lt1"/>
+            </a:fontRef>
+          </p:style>
+          <p:txBody>
+            <a:bodyPr rtlCol="0" anchor="ctr"/>
+            <a:lstStyle/>
+            <a:p>
+              <a:pPr algn="ctr"/>
+              <a:endParaRPr kumimoji="1" lang="ko-Kore-KR" altLang="en-US"/>
+            </a:p>
+          </p:txBody>
+        </p:sp>
+        <p:sp>
+          <p:nvSpPr>
+            <p:cNvPr id="11" name="자유형 83">
+              <a:extLst>
+                <a:ext uri="{FF2B5EF4-FFF2-40B4-BE49-F238E27FC236}">
+                  <a16:creationId xmlns:a16="http://schemas.microsoft.com/office/drawing/2014/main" id="{5FEC4D23-9E48-5A56-40F2-C963F880ABB5}"/>
+                </a:ext>
+              </a:extLst>
+            </p:cNvPr>
+            <p:cNvSpPr/>
+            <p:nvPr/>
+          </p:nvSpPr>
+          <p:spPr>
+            <a:xfrm>
+              <a:off x="6289989" y="4482601"/>
+              <a:ext cx="85725" cy="412314"/>
+            </a:xfrm>
+            <a:custGeom>
+              <a:avLst/>
+              <a:gdLst>
+                <a:gd name="connsiteX0" fmla="*/ 46434 w 85725"/>
+                <a:gd name="connsiteY0" fmla="*/ 0 h 692944"/>
+                <a:gd name="connsiteX1" fmla="*/ 46434 w 85725"/>
+                <a:gd name="connsiteY1" fmla="*/ 121444 h 692944"/>
+                <a:gd name="connsiteX2" fmla="*/ 85725 w 85725"/>
+                <a:gd name="connsiteY2" fmla="*/ 160735 h 692944"/>
+                <a:gd name="connsiteX3" fmla="*/ 10716 w 85725"/>
+                <a:gd name="connsiteY3" fmla="*/ 235744 h 692944"/>
+                <a:gd name="connsiteX4" fmla="*/ 82153 w 85725"/>
+                <a:gd name="connsiteY4" fmla="*/ 307181 h 692944"/>
+                <a:gd name="connsiteX5" fmla="*/ 3571 w 85725"/>
+                <a:gd name="connsiteY5" fmla="*/ 385763 h 692944"/>
+                <a:gd name="connsiteX6" fmla="*/ 78581 w 85725"/>
+                <a:gd name="connsiteY6" fmla="*/ 460773 h 692944"/>
+                <a:gd name="connsiteX7" fmla="*/ 0 w 85725"/>
+                <a:gd name="connsiteY7" fmla="*/ 539354 h 692944"/>
+                <a:gd name="connsiteX8" fmla="*/ 46434 w 85725"/>
+                <a:gd name="connsiteY8" fmla="*/ 585788 h 692944"/>
+                <a:gd name="connsiteX9" fmla="*/ 46434 w 85725"/>
+                <a:gd name="connsiteY9" fmla="*/ 692944 h 692944"/>
+              </a:gdLst>
+              <a:ahLst/>
+              <a:cxnLst>
+                <a:cxn ang="0">
+                  <a:pos x="connsiteX0" y="connsiteY0"/>
+                </a:cxn>
+                <a:cxn ang="0">
+                  <a:pos x="connsiteX1" y="connsiteY1"/>
+                </a:cxn>
+                <a:cxn ang="0">
+                  <a:pos x="connsiteX2" y="connsiteY2"/>
+                </a:cxn>
+                <a:cxn ang="0">
+                  <a:pos x="connsiteX3" y="connsiteY3"/>
+                </a:cxn>
+                <a:cxn ang="0">
+                  <a:pos x="connsiteX4" y="connsiteY4"/>
+                </a:cxn>
+                <a:cxn ang="0">
+                  <a:pos x="connsiteX5" y="connsiteY5"/>
+                </a:cxn>
+                <a:cxn ang="0">
+                  <a:pos x="connsiteX6" y="connsiteY6"/>
+                </a:cxn>
+                <a:cxn ang="0">
+                  <a:pos x="connsiteX7" y="connsiteY7"/>
+                </a:cxn>
+                <a:cxn ang="0">
+                  <a:pos x="connsiteX8" y="connsiteY8"/>
+                </a:cxn>
+                <a:cxn ang="0">
+                  <a:pos x="connsiteX9" y="connsiteY9"/>
+                </a:cxn>
+              </a:cxnLst>
+              <a:rect l="l" t="t" r="r" b="b"/>
+              <a:pathLst>
+                <a:path w="85725" h="692944">
+                  <a:moveTo>
+                    <a:pt x="46434" y="0"/>
+                  </a:moveTo>
+                  <a:lnTo>
+                    <a:pt x="46434" y="121444"/>
+                  </a:lnTo>
+                  <a:lnTo>
+                    <a:pt x="85725" y="160735"/>
+                  </a:lnTo>
+                  <a:lnTo>
+                    <a:pt x="10716" y="235744"/>
+                  </a:lnTo>
+                  <a:lnTo>
+                    <a:pt x="82153" y="307181"/>
+                  </a:lnTo>
+                  <a:lnTo>
+                    <a:pt x="3571" y="385763"/>
+                  </a:lnTo>
+                  <a:lnTo>
+                    <a:pt x="78581" y="460773"/>
+                  </a:lnTo>
+                  <a:lnTo>
+                    <a:pt x="0" y="539354"/>
+                  </a:lnTo>
+                  <a:lnTo>
+                    <a:pt x="46434" y="585788"/>
+                  </a:lnTo>
+                  <a:lnTo>
+                    <a:pt x="46434" y="692944"/>
+                  </a:lnTo>
+                </a:path>
+              </a:pathLst>
+            </a:custGeom>
+            <a:noFill/>
+            <a:ln>
+              <a:solidFill>
+                <a:schemeClr val="tx1"/>
+              </a:solidFill>
+            </a:ln>
+          </p:spPr>
+          <p:style>
+            <a:lnRef idx="2">
+              <a:schemeClr val="accent1">
+                <a:shade val="50000"/>
+              </a:schemeClr>
+            </a:lnRef>
+            <a:fillRef idx="1">
+              <a:schemeClr val="accent1"/>
+            </a:fillRef>
+            <a:effectRef idx="0">
+              <a:schemeClr val="accent1"/>
+            </a:effectRef>
+            <a:fontRef idx="minor">
+              <a:schemeClr val="lt1"/>
+            </a:fontRef>
+          </p:style>
+          <p:txBody>
+            <a:bodyPr rtlCol="0" anchor="ctr"/>
+            <a:lstStyle/>
+            <a:p>
+              <a:pPr algn="ctr"/>
+              <a:endParaRPr kumimoji="1" lang="ko-Kore-KR" altLang="en-US"/>
+            </a:p>
+          </p:txBody>
+        </p:sp>
+        <p:sp>
+          <p:nvSpPr>
+            <p:cNvPr id="25" name="자유형 83">
+              <a:extLst>
+                <a:ext uri="{FF2B5EF4-FFF2-40B4-BE49-F238E27FC236}">
+                  <a16:creationId xmlns:a16="http://schemas.microsoft.com/office/drawing/2014/main" id="{1CE420B2-FA91-8102-208F-ADFC16ABE2CB}"/>
+                </a:ext>
+              </a:extLst>
+            </p:cNvPr>
+            <p:cNvSpPr/>
+            <p:nvPr/>
+          </p:nvSpPr>
+          <p:spPr>
+            <a:xfrm>
+              <a:off x="6617179" y="4482601"/>
+              <a:ext cx="85725" cy="412314"/>
+            </a:xfrm>
+            <a:custGeom>
+              <a:avLst/>
+              <a:gdLst>
+                <a:gd name="connsiteX0" fmla="*/ 46434 w 85725"/>
+                <a:gd name="connsiteY0" fmla="*/ 0 h 692944"/>
+                <a:gd name="connsiteX1" fmla="*/ 46434 w 85725"/>
+                <a:gd name="connsiteY1" fmla="*/ 121444 h 692944"/>
+                <a:gd name="connsiteX2" fmla="*/ 85725 w 85725"/>
+                <a:gd name="connsiteY2" fmla="*/ 160735 h 692944"/>
+                <a:gd name="connsiteX3" fmla="*/ 10716 w 85725"/>
+                <a:gd name="connsiteY3" fmla="*/ 235744 h 692944"/>
+                <a:gd name="connsiteX4" fmla="*/ 82153 w 85725"/>
+                <a:gd name="connsiteY4" fmla="*/ 307181 h 692944"/>
+                <a:gd name="connsiteX5" fmla="*/ 3571 w 85725"/>
+                <a:gd name="connsiteY5" fmla="*/ 385763 h 692944"/>
+                <a:gd name="connsiteX6" fmla="*/ 78581 w 85725"/>
+                <a:gd name="connsiteY6" fmla="*/ 460773 h 692944"/>
+                <a:gd name="connsiteX7" fmla="*/ 0 w 85725"/>
+                <a:gd name="connsiteY7" fmla="*/ 539354 h 692944"/>
+                <a:gd name="connsiteX8" fmla="*/ 46434 w 85725"/>
+                <a:gd name="connsiteY8" fmla="*/ 585788 h 692944"/>
+                <a:gd name="connsiteX9" fmla="*/ 46434 w 85725"/>
+                <a:gd name="connsiteY9" fmla="*/ 692944 h 692944"/>
+              </a:gdLst>
+              <a:ahLst/>
+              <a:cxnLst>
+                <a:cxn ang="0">
+                  <a:pos x="connsiteX0" y="connsiteY0"/>
+                </a:cxn>
+                <a:cxn ang="0">
+                  <a:pos x="connsiteX1" y="connsiteY1"/>
+                </a:cxn>
+                <a:cxn ang="0">
+                  <a:pos x="connsiteX2" y="connsiteY2"/>
+                </a:cxn>
+                <a:cxn ang="0">
+                  <a:pos x="connsiteX3" y="connsiteY3"/>
+                </a:cxn>
+                <a:cxn ang="0">
+                  <a:pos x="connsiteX4" y="connsiteY4"/>
+                </a:cxn>
+                <a:cxn ang="0">
+                  <a:pos x="connsiteX5" y="connsiteY5"/>
+                </a:cxn>
+                <a:cxn ang="0">
+                  <a:pos x="connsiteX6" y="connsiteY6"/>
+                </a:cxn>
+                <a:cxn ang="0">
+                  <a:pos x="connsiteX7" y="connsiteY7"/>
+                </a:cxn>
+                <a:cxn ang="0">
+                  <a:pos x="connsiteX8" y="connsiteY8"/>
+                </a:cxn>
+                <a:cxn ang="0">
+                  <a:pos x="connsiteX9" y="connsiteY9"/>
+                </a:cxn>
+              </a:cxnLst>
+              <a:rect l="l" t="t" r="r" b="b"/>
+              <a:pathLst>
+                <a:path w="85725" h="692944">
+                  <a:moveTo>
+                    <a:pt x="46434" y="0"/>
+                  </a:moveTo>
+                  <a:lnTo>
+                    <a:pt x="46434" y="121444"/>
+                  </a:lnTo>
+                  <a:lnTo>
+                    <a:pt x="85725" y="160735"/>
+                  </a:lnTo>
+                  <a:lnTo>
+                    <a:pt x="10716" y="235744"/>
+                  </a:lnTo>
+                  <a:lnTo>
+                    <a:pt x="82153" y="307181"/>
+                  </a:lnTo>
+                  <a:lnTo>
+                    <a:pt x="3571" y="385763"/>
+                  </a:lnTo>
+                  <a:lnTo>
+                    <a:pt x="78581" y="460773"/>
+                  </a:lnTo>
+                  <a:lnTo>
+                    <a:pt x="0" y="539354"/>
+                  </a:lnTo>
+                  <a:lnTo>
+                    <a:pt x="46434" y="585788"/>
+                  </a:lnTo>
+                  <a:lnTo>
+                    <a:pt x="46434" y="692944"/>
+                  </a:lnTo>
+                </a:path>
+              </a:pathLst>
+            </a:custGeom>
+            <a:noFill/>
+            <a:ln>
+              <a:solidFill>
+                <a:schemeClr val="tx1"/>
+              </a:solidFill>
+            </a:ln>
+          </p:spPr>
+          <p:style>
+            <a:lnRef idx="2">
+              <a:schemeClr val="accent1">
+                <a:shade val="50000"/>
+              </a:schemeClr>
+            </a:lnRef>
+            <a:fillRef idx="1">
+              <a:schemeClr val="accent1"/>
+            </a:fillRef>
+            <a:effectRef idx="0">
+              <a:schemeClr val="accent1"/>
+            </a:effectRef>
+            <a:fontRef idx="minor">
+              <a:schemeClr val="lt1"/>
+            </a:fontRef>
+          </p:style>
+          <p:txBody>
+            <a:bodyPr rtlCol="0" anchor="ctr"/>
+            <a:lstStyle/>
+            <a:p>
+              <a:pPr algn="ctr"/>
+              <a:endParaRPr kumimoji="1" lang="ko-Kore-KR" altLang="en-US"/>
+            </a:p>
+          </p:txBody>
+        </p:sp>
+        <p:sp>
+          <p:nvSpPr>
+            <p:cNvPr id="42" name="자유형 83">
+              <a:extLst>
+                <a:ext uri="{FF2B5EF4-FFF2-40B4-BE49-F238E27FC236}">
+                  <a16:creationId xmlns:a16="http://schemas.microsoft.com/office/drawing/2014/main" id="{71AE718A-99CB-8EA0-4FAA-20919FD0CBB5}"/>
+                </a:ext>
+              </a:extLst>
+            </p:cNvPr>
+            <p:cNvSpPr/>
+            <p:nvPr/>
+          </p:nvSpPr>
+          <p:spPr>
+            <a:xfrm rot="16200000">
+              <a:off x="6453885" y="4284774"/>
+              <a:ext cx="85725" cy="412314"/>
+            </a:xfrm>
+            <a:custGeom>
+              <a:avLst/>
+              <a:gdLst>
+                <a:gd name="connsiteX0" fmla="*/ 46434 w 85725"/>
+                <a:gd name="connsiteY0" fmla="*/ 0 h 692944"/>
+                <a:gd name="connsiteX1" fmla="*/ 46434 w 85725"/>
+                <a:gd name="connsiteY1" fmla="*/ 121444 h 692944"/>
+                <a:gd name="connsiteX2" fmla="*/ 85725 w 85725"/>
+                <a:gd name="connsiteY2" fmla="*/ 160735 h 692944"/>
+                <a:gd name="connsiteX3" fmla="*/ 10716 w 85725"/>
+                <a:gd name="connsiteY3" fmla="*/ 235744 h 692944"/>
+                <a:gd name="connsiteX4" fmla="*/ 82153 w 85725"/>
+                <a:gd name="connsiteY4" fmla="*/ 307181 h 692944"/>
+                <a:gd name="connsiteX5" fmla="*/ 3571 w 85725"/>
+                <a:gd name="connsiteY5" fmla="*/ 385763 h 692944"/>
+                <a:gd name="connsiteX6" fmla="*/ 78581 w 85725"/>
+                <a:gd name="connsiteY6" fmla="*/ 460773 h 692944"/>
+                <a:gd name="connsiteX7" fmla="*/ 0 w 85725"/>
+                <a:gd name="connsiteY7" fmla="*/ 539354 h 692944"/>
+                <a:gd name="connsiteX8" fmla="*/ 46434 w 85725"/>
+                <a:gd name="connsiteY8" fmla="*/ 585788 h 692944"/>
+                <a:gd name="connsiteX9" fmla="*/ 46434 w 85725"/>
+                <a:gd name="connsiteY9" fmla="*/ 692944 h 692944"/>
+              </a:gdLst>
+              <a:ahLst/>
+              <a:cxnLst>
+                <a:cxn ang="0">
+                  <a:pos x="connsiteX0" y="connsiteY0"/>
+                </a:cxn>
+                <a:cxn ang="0">
+                  <a:pos x="connsiteX1" y="connsiteY1"/>
+                </a:cxn>
+                <a:cxn ang="0">
+                  <a:pos x="connsiteX2" y="connsiteY2"/>
+                </a:cxn>
+                <a:cxn ang="0">
+                  <a:pos x="connsiteX3" y="connsiteY3"/>
+                </a:cxn>
+                <a:cxn ang="0">
+                  <a:pos x="connsiteX4" y="connsiteY4"/>
+                </a:cxn>
+                <a:cxn ang="0">
+                  <a:pos x="connsiteX5" y="connsiteY5"/>
+                </a:cxn>
+                <a:cxn ang="0">
+                  <a:pos x="connsiteX6" y="connsiteY6"/>
+                </a:cxn>
+                <a:cxn ang="0">
+                  <a:pos x="connsiteX7" y="connsiteY7"/>
+                </a:cxn>
+                <a:cxn ang="0">
+                  <a:pos x="connsiteX8" y="connsiteY8"/>
+                </a:cxn>
+                <a:cxn ang="0">
+                  <a:pos x="connsiteX9" y="connsiteY9"/>
+                </a:cxn>
+              </a:cxnLst>
+              <a:rect l="l" t="t" r="r" b="b"/>
+              <a:pathLst>
+                <a:path w="85725" h="692944">
+                  <a:moveTo>
+                    <a:pt x="46434" y="0"/>
+                  </a:moveTo>
+                  <a:lnTo>
+                    <a:pt x="46434" y="121444"/>
+                  </a:lnTo>
+                  <a:lnTo>
+                    <a:pt x="85725" y="160735"/>
+                  </a:lnTo>
+                  <a:lnTo>
+                    <a:pt x="10716" y="235744"/>
+                  </a:lnTo>
+                  <a:lnTo>
+                    <a:pt x="82153" y="307181"/>
+                  </a:lnTo>
+                  <a:lnTo>
+                    <a:pt x="3571" y="385763"/>
+                  </a:lnTo>
+                  <a:lnTo>
+                    <a:pt x="78581" y="460773"/>
+                  </a:lnTo>
+                  <a:lnTo>
+                    <a:pt x="0" y="539354"/>
+                  </a:lnTo>
+                  <a:lnTo>
+                    <a:pt x="46434" y="585788"/>
+                  </a:lnTo>
+                  <a:lnTo>
+                    <a:pt x="46434" y="692944"/>
+                  </a:lnTo>
+                </a:path>
+              </a:pathLst>
+            </a:custGeom>
+            <a:noFill/>
+            <a:ln>
+              <a:solidFill>
+                <a:schemeClr val="tx1"/>
+              </a:solidFill>
+            </a:ln>
+          </p:spPr>
+          <p:style>
+            <a:lnRef idx="2">
+              <a:schemeClr val="accent1">
+                <a:shade val="50000"/>
+              </a:schemeClr>
+            </a:lnRef>
+            <a:fillRef idx="1">
+              <a:schemeClr val="accent1"/>
+            </a:fillRef>
+            <a:effectRef idx="0">
+              <a:schemeClr val="accent1"/>
+            </a:effectRef>
+            <a:fontRef idx="minor">
+              <a:schemeClr val="lt1"/>
+            </a:fontRef>
+          </p:style>
+          <p:txBody>
+            <a:bodyPr rtlCol="0" anchor="ctr"/>
+            <a:lstStyle/>
+            <a:p>
+              <a:pPr algn="ctr"/>
+              <a:endParaRPr kumimoji="1" lang="ko-Kore-KR" altLang="en-US"/>
+            </a:p>
+          </p:txBody>
+        </p:sp>
+      </p:grpSp>
+      <p:grpSp>
+        <p:nvGrpSpPr>
+          <p:cNvPr id="12" name="그룹 11">
+            <a:extLst>
+              <a:ext uri="{FF2B5EF4-FFF2-40B4-BE49-F238E27FC236}">
+                <a16:creationId xmlns:a16="http://schemas.microsoft.com/office/drawing/2014/main" id="{5C423090-D674-BFD8-A9D4-751A8471A780}"/>
+              </a:ext>
+            </a:extLst>
+          </p:cNvPr>
+          <p:cNvGrpSpPr/>
+          <p:nvPr/>
+        </p:nvGrpSpPr>
+        <p:grpSpPr>
+          <a:xfrm>
+            <a:off x="5162152" y="4242212"/>
+            <a:ext cx="621093" cy="621093"/>
+            <a:chOff x="3310368" y="4369910"/>
+            <a:chExt cx="621093" cy="621093"/>
+          </a:xfrm>
+        </p:grpSpPr>
+        <p:grpSp>
+          <p:nvGrpSpPr>
+            <p:cNvPr id="13" name="그룹 12">
+              <a:extLst>
+                <a:ext uri="{FF2B5EF4-FFF2-40B4-BE49-F238E27FC236}">
+                  <a16:creationId xmlns:a16="http://schemas.microsoft.com/office/drawing/2014/main" id="{8DF7DC08-3BEA-8DCA-412F-CC31DF0E0769}"/>
+                </a:ext>
+              </a:extLst>
+            </p:cNvPr>
+            <p:cNvGrpSpPr/>
+            <p:nvPr/>
+          </p:nvGrpSpPr>
+          <p:grpSpPr>
+            <a:xfrm>
+              <a:off x="3637237" y="4396565"/>
+              <a:ext cx="261557" cy="576489"/>
+              <a:chOff x="3605908" y="4392214"/>
+              <a:chExt cx="318565" cy="576489"/>
+            </a:xfrm>
+          </p:grpSpPr>
+          <p:cxnSp>
+            <p:nvCxnSpPr>
+              <p:cNvPr id="20" name="직선 연결선[R] 62">
+                <a:extLst>
+                  <a:ext uri="{FF2B5EF4-FFF2-40B4-BE49-F238E27FC236}">
+                    <a16:creationId xmlns:a16="http://schemas.microsoft.com/office/drawing/2014/main" id="{2FD91E06-0137-39CF-30B7-4D6CC0827575}"/>
+                  </a:ext>
+                </a:extLst>
+              </p:cNvPr>
+              <p:cNvCxnSpPr>
+                <a:cxnSpLocks/>
+              </p:cNvCxnSpPr>
+              <p:nvPr/>
+            </p:nvCxnSpPr>
+            <p:spPr>
+              <a:xfrm>
+                <a:off x="3912676" y="4392214"/>
+                <a:ext cx="0" cy="576489"/>
+              </a:xfrm>
+              <a:prstGeom prst="line">
+                <a:avLst/>
+              </a:prstGeom>
+              <a:ln w="25400">
+                <a:solidFill>
+                  <a:schemeClr val="tx1"/>
+                </a:solidFill>
+              </a:ln>
+            </p:spPr>
+            <p:style>
+              <a:lnRef idx="1">
+                <a:schemeClr val="accent1"/>
+              </a:lnRef>
+              <a:fillRef idx="0">
+                <a:schemeClr val="accent1"/>
+              </a:fillRef>
+              <a:effectRef idx="0">
+                <a:schemeClr val="accent1"/>
+              </a:effectRef>
+              <a:fontRef idx="minor">
+                <a:schemeClr val="tx1"/>
+              </a:fontRef>
+            </p:style>
+          </p:cxnSp>
+          <p:sp>
+            <p:nvSpPr>
+              <p:cNvPr id="21" name="타원 20">
+                <a:extLst>
+                  <a:ext uri="{FF2B5EF4-FFF2-40B4-BE49-F238E27FC236}">
+                    <a16:creationId xmlns:a16="http://schemas.microsoft.com/office/drawing/2014/main" id="{9091111F-E42C-059B-D2E4-015EA09B4120}"/>
+                  </a:ext>
+                </a:extLst>
+              </p:cNvPr>
+              <p:cNvSpPr/>
+              <p:nvPr/>
+            </p:nvSpPr>
+            <p:spPr>
+              <a:xfrm>
+                <a:off x="3605908" y="4483230"/>
+                <a:ext cx="318565" cy="162556"/>
+              </a:xfrm>
+              <a:prstGeom prst="ellipse">
+                <a:avLst/>
+              </a:prstGeom>
+              <a:noFill/>
+              <a:ln w="25400">
+                <a:solidFill>
+                  <a:schemeClr val="tx1"/>
+                </a:solidFill>
+              </a:ln>
+            </p:spPr>
+            <p:style>
+              <a:lnRef idx="2">
+                <a:schemeClr val="accent1">
+                  <a:shade val="50000"/>
+                </a:schemeClr>
+              </a:lnRef>
+              <a:fillRef idx="1">
+                <a:schemeClr val="accent1"/>
+              </a:fillRef>
+              <a:effectRef idx="0">
+                <a:schemeClr val="accent1"/>
+              </a:effectRef>
+              <a:fontRef idx="minor">
+                <a:schemeClr val="lt1"/>
+              </a:fontRef>
+            </p:style>
+            <p:txBody>
+              <a:bodyPr rtlCol="0" anchor="ctr"/>
+              <a:lstStyle/>
+              <a:p>
+                <a:pPr algn="ctr"/>
+                <a:endParaRPr kumimoji="1" lang="ko-Kore-KR" altLang="en-US"/>
+              </a:p>
+            </p:txBody>
+          </p:sp>
+          <p:sp>
+            <p:nvSpPr>
+              <p:cNvPr id="22" name="타원 21">
+                <a:extLst>
+                  <a:ext uri="{FF2B5EF4-FFF2-40B4-BE49-F238E27FC236}">
+                    <a16:creationId xmlns:a16="http://schemas.microsoft.com/office/drawing/2014/main" id="{FC87788B-7139-2307-3528-C7C15D2B146D}"/>
+                  </a:ext>
+                </a:extLst>
+              </p:cNvPr>
+              <p:cNvSpPr/>
+              <p:nvPr/>
+            </p:nvSpPr>
+            <p:spPr>
+              <a:xfrm>
+                <a:off x="3605908" y="4586748"/>
+                <a:ext cx="318565" cy="162556"/>
+              </a:xfrm>
+              <a:prstGeom prst="ellipse">
+                <a:avLst/>
+              </a:prstGeom>
+              <a:noFill/>
+              <a:ln w="25400">
+                <a:solidFill>
+                  <a:schemeClr val="tx1"/>
+                </a:solidFill>
+              </a:ln>
+            </p:spPr>
+            <p:style>
+              <a:lnRef idx="2">
+                <a:schemeClr val="accent1">
+                  <a:shade val="50000"/>
+                </a:schemeClr>
+              </a:lnRef>
+              <a:fillRef idx="1">
+                <a:schemeClr val="accent1"/>
+              </a:fillRef>
+              <a:effectRef idx="0">
+                <a:schemeClr val="accent1"/>
+              </a:effectRef>
+              <a:fontRef idx="minor">
+                <a:schemeClr val="lt1"/>
+              </a:fontRef>
+            </p:style>
+            <p:txBody>
+              <a:bodyPr rtlCol="0" anchor="ctr"/>
+              <a:lstStyle/>
+              <a:p>
+                <a:pPr algn="ctr"/>
+                <a:endParaRPr kumimoji="1" lang="ko-Kore-KR" altLang="en-US"/>
+              </a:p>
+            </p:txBody>
+          </p:sp>
+          <p:sp>
+            <p:nvSpPr>
+              <p:cNvPr id="23" name="타원 22">
+                <a:extLst>
+                  <a:ext uri="{FF2B5EF4-FFF2-40B4-BE49-F238E27FC236}">
+                    <a16:creationId xmlns:a16="http://schemas.microsoft.com/office/drawing/2014/main" id="{DCBEC928-2BB9-7575-302E-2653337F2B36}"/>
+                  </a:ext>
+                </a:extLst>
+              </p:cNvPr>
+              <p:cNvSpPr/>
+              <p:nvPr/>
+            </p:nvSpPr>
+            <p:spPr>
+              <a:xfrm>
+                <a:off x="3605908" y="4695886"/>
+                <a:ext cx="318565" cy="162556"/>
+              </a:xfrm>
+              <a:prstGeom prst="ellipse">
+                <a:avLst/>
+              </a:prstGeom>
+              <a:noFill/>
+              <a:ln w="25400">
+                <a:solidFill>
+                  <a:schemeClr val="tx1"/>
+                </a:solidFill>
+              </a:ln>
+            </p:spPr>
+            <p:style>
+              <a:lnRef idx="2">
+                <a:schemeClr val="accent1">
+                  <a:shade val="50000"/>
+                </a:schemeClr>
+              </a:lnRef>
+              <a:fillRef idx="1">
+                <a:schemeClr val="accent1"/>
+              </a:fillRef>
+              <a:effectRef idx="0">
+                <a:schemeClr val="accent1"/>
+              </a:effectRef>
+              <a:fontRef idx="minor">
+                <a:schemeClr val="lt1"/>
+              </a:fontRef>
+            </p:style>
+            <p:txBody>
+              <a:bodyPr rtlCol="0" anchor="ctr"/>
+              <a:lstStyle/>
+              <a:p>
+                <a:pPr algn="ctr"/>
+                <a:endParaRPr kumimoji="1" lang="ko-Kore-KR" altLang="en-US"/>
+              </a:p>
+            </p:txBody>
+          </p:sp>
+        </p:grpSp>
+        <p:grpSp>
+          <p:nvGrpSpPr>
+            <p:cNvPr id="14" name="그룹 13">
+              <a:extLst>
+                <a:ext uri="{FF2B5EF4-FFF2-40B4-BE49-F238E27FC236}">
+                  <a16:creationId xmlns:a16="http://schemas.microsoft.com/office/drawing/2014/main" id="{E10878BF-3622-3366-659B-CA15C5165824}"/>
+                </a:ext>
+              </a:extLst>
+            </p:cNvPr>
+            <p:cNvGrpSpPr/>
+            <p:nvPr/>
+          </p:nvGrpSpPr>
+          <p:grpSpPr>
+            <a:xfrm rot="10800000">
+              <a:off x="3350135" y="4392213"/>
+              <a:ext cx="261557" cy="576489"/>
+              <a:chOff x="3605908" y="4392214"/>
+              <a:chExt cx="318565" cy="576489"/>
+            </a:xfrm>
+          </p:grpSpPr>
+          <p:cxnSp>
+            <p:nvCxnSpPr>
+              <p:cNvPr id="16" name="직선 연결선[R] 69">
+                <a:extLst>
+                  <a:ext uri="{FF2B5EF4-FFF2-40B4-BE49-F238E27FC236}">
+                    <a16:creationId xmlns:a16="http://schemas.microsoft.com/office/drawing/2014/main" id="{D33EEFA1-8E8B-0542-FECA-E663CC37114B}"/>
+                  </a:ext>
+                </a:extLst>
+              </p:cNvPr>
+              <p:cNvCxnSpPr>
+                <a:cxnSpLocks/>
+              </p:cNvCxnSpPr>
+              <p:nvPr/>
+            </p:nvCxnSpPr>
+            <p:spPr>
+              <a:xfrm>
+                <a:off x="3912676" y="4392214"/>
+                <a:ext cx="0" cy="576489"/>
+              </a:xfrm>
+              <a:prstGeom prst="line">
+                <a:avLst/>
+              </a:prstGeom>
+              <a:ln w="25400">
+                <a:solidFill>
+                  <a:schemeClr val="tx1"/>
+                </a:solidFill>
+              </a:ln>
+            </p:spPr>
+            <p:style>
+              <a:lnRef idx="1">
+                <a:schemeClr val="accent1"/>
+              </a:lnRef>
+              <a:fillRef idx="0">
+                <a:schemeClr val="accent1"/>
+              </a:fillRef>
+              <a:effectRef idx="0">
+                <a:schemeClr val="accent1"/>
+              </a:effectRef>
+              <a:fontRef idx="minor">
+                <a:schemeClr val="tx1"/>
+              </a:fontRef>
+            </p:style>
+          </p:cxnSp>
+          <p:sp>
+            <p:nvSpPr>
+              <p:cNvPr id="17" name="타원 16">
+                <a:extLst>
+                  <a:ext uri="{FF2B5EF4-FFF2-40B4-BE49-F238E27FC236}">
+                    <a16:creationId xmlns:a16="http://schemas.microsoft.com/office/drawing/2014/main" id="{36ED5AAE-6749-E616-F5A7-D8A722E8950F}"/>
+                  </a:ext>
+                </a:extLst>
+              </p:cNvPr>
+              <p:cNvSpPr/>
+              <p:nvPr/>
+            </p:nvSpPr>
+            <p:spPr>
+              <a:xfrm>
+                <a:off x="3605908" y="4483230"/>
+                <a:ext cx="318565" cy="162556"/>
+              </a:xfrm>
+              <a:prstGeom prst="ellipse">
+                <a:avLst/>
+              </a:prstGeom>
+              <a:noFill/>
+              <a:ln w="25400">
+                <a:solidFill>
+                  <a:schemeClr val="tx1"/>
+                </a:solidFill>
+              </a:ln>
+            </p:spPr>
+            <p:style>
+              <a:lnRef idx="2">
+                <a:schemeClr val="accent1">
+                  <a:shade val="50000"/>
+                </a:schemeClr>
+              </a:lnRef>
+              <a:fillRef idx="1">
+                <a:schemeClr val="accent1"/>
+              </a:fillRef>
+              <a:effectRef idx="0">
+                <a:schemeClr val="accent1"/>
+              </a:effectRef>
+              <a:fontRef idx="minor">
+                <a:schemeClr val="lt1"/>
+              </a:fontRef>
+            </p:style>
+            <p:txBody>
+              <a:bodyPr rtlCol="0" anchor="ctr"/>
+              <a:lstStyle/>
+              <a:p>
+                <a:pPr algn="ctr"/>
+                <a:endParaRPr kumimoji="1" lang="ko-Kore-KR" altLang="en-US"/>
+              </a:p>
+            </p:txBody>
+          </p:sp>
+          <p:sp>
+            <p:nvSpPr>
+              <p:cNvPr id="18" name="타원 17">
+                <a:extLst>
+                  <a:ext uri="{FF2B5EF4-FFF2-40B4-BE49-F238E27FC236}">
+                    <a16:creationId xmlns:a16="http://schemas.microsoft.com/office/drawing/2014/main" id="{C8D7E0C5-1C4B-837A-0575-15DD8E89C81A}"/>
+                  </a:ext>
+                </a:extLst>
+              </p:cNvPr>
+              <p:cNvSpPr/>
+              <p:nvPr/>
+            </p:nvSpPr>
+            <p:spPr>
+              <a:xfrm>
+                <a:off x="3605908" y="4586748"/>
+                <a:ext cx="318565" cy="162556"/>
+              </a:xfrm>
+              <a:prstGeom prst="ellipse">
+                <a:avLst/>
+              </a:prstGeom>
+              <a:noFill/>
+              <a:ln w="25400">
+                <a:solidFill>
+                  <a:schemeClr val="tx1"/>
+                </a:solidFill>
+              </a:ln>
+            </p:spPr>
+            <p:style>
+              <a:lnRef idx="2">
+                <a:schemeClr val="accent1">
+                  <a:shade val="50000"/>
+                </a:schemeClr>
+              </a:lnRef>
+              <a:fillRef idx="1">
+                <a:schemeClr val="accent1"/>
+              </a:fillRef>
+              <a:effectRef idx="0">
+                <a:schemeClr val="accent1"/>
+              </a:effectRef>
+              <a:fontRef idx="minor">
+                <a:schemeClr val="lt1"/>
+              </a:fontRef>
+            </p:style>
+            <p:txBody>
+              <a:bodyPr rtlCol="0" anchor="ctr"/>
+              <a:lstStyle/>
+              <a:p>
+                <a:pPr algn="ctr"/>
+                <a:endParaRPr kumimoji="1" lang="ko-Kore-KR" altLang="en-US"/>
+              </a:p>
+            </p:txBody>
+          </p:sp>
+          <p:sp>
+            <p:nvSpPr>
+              <p:cNvPr id="19" name="타원 18">
+                <a:extLst>
+                  <a:ext uri="{FF2B5EF4-FFF2-40B4-BE49-F238E27FC236}">
+                    <a16:creationId xmlns:a16="http://schemas.microsoft.com/office/drawing/2014/main" id="{1F642BA7-4CD6-FB32-83EB-33A15412C0C1}"/>
+                  </a:ext>
+                </a:extLst>
+              </p:cNvPr>
+              <p:cNvSpPr/>
+              <p:nvPr/>
+            </p:nvSpPr>
+            <p:spPr>
+              <a:xfrm>
+                <a:off x="3605908" y="4695886"/>
+                <a:ext cx="318565" cy="162556"/>
+              </a:xfrm>
+              <a:prstGeom prst="ellipse">
+                <a:avLst/>
+              </a:prstGeom>
+              <a:noFill/>
+              <a:ln w="25400">
+                <a:solidFill>
+                  <a:schemeClr val="tx1"/>
+                </a:solidFill>
+              </a:ln>
+            </p:spPr>
+            <p:style>
+              <a:lnRef idx="2">
+                <a:schemeClr val="accent1">
+                  <a:shade val="50000"/>
+                </a:schemeClr>
+              </a:lnRef>
+              <a:fillRef idx="1">
+                <a:schemeClr val="accent1"/>
+              </a:fillRef>
+              <a:effectRef idx="0">
+                <a:schemeClr val="accent1"/>
+              </a:effectRef>
+              <a:fontRef idx="minor">
+                <a:schemeClr val="lt1"/>
+              </a:fontRef>
+            </p:style>
+            <p:txBody>
+              <a:bodyPr rtlCol="0" anchor="ctr"/>
+              <a:lstStyle/>
+              <a:p>
+                <a:pPr algn="ctr"/>
+                <a:endParaRPr kumimoji="1" lang="ko-Kore-KR" altLang="en-US"/>
+              </a:p>
+            </p:txBody>
+          </p:sp>
+        </p:grpSp>
+        <p:sp>
+          <p:nvSpPr>
+            <p:cNvPr id="15" name="직사각형 14">
+              <a:extLst>
+                <a:ext uri="{FF2B5EF4-FFF2-40B4-BE49-F238E27FC236}">
+                  <a16:creationId xmlns:a16="http://schemas.microsoft.com/office/drawing/2014/main" id="{5E26EEF7-B396-58F7-8F8A-6076B93ABC0B}"/>
+                </a:ext>
+              </a:extLst>
+            </p:cNvPr>
+            <p:cNvSpPr/>
+            <p:nvPr/>
+          </p:nvSpPr>
+          <p:spPr>
+            <a:xfrm>
+              <a:off x="3310368" y="4369910"/>
+              <a:ext cx="621093" cy="621093"/>
+            </a:xfrm>
+            <a:prstGeom prst="rect">
+              <a:avLst/>
+            </a:prstGeom>
+            <a:noFill/>
+            <a:ln w="25400"/>
+          </p:spPr>
+          <p:style>
+            <a:lnRef idx="2">
+              <a:schemeClr val="dk1">
+                <a:shade val="50000"/>
+              </a:schemeClr>
+            </a:lnRef>
+            <a:fillRef idx="1">
+              <a:schemeClr val="dk1"/>
+            </a:fillRef>
+            <a:effectRef idx="0">
+              <a:schemeClr val="dk1"/>
+            </a:effectRef>
+            <a:fontRef idx="minor">
+              <a:schemeClr val="lt1"/>
+            </a:fontRef>
+          </p:style>
+          <p:txBody>
+            <a:bodyPr rtlCol="0" anchor="ctr"/>
+            <a:lstStyle/>
+            <a:p>
+              <a:pPr algn="ctr"/>
+              <a:endParaRPr kumimoji="1" lang="ko-Kore-KR" altLang="en-US"/>
+            </a:p>
+          </p:txBody>
+        </p:sp>
+      </p:grpSp>
+      <p:sp>
+        <p:nvSpPr>
+          <p:cNvPr id="26" name="TextBox 25">
+            <a:extLst>
+              <a:ext uri="{FF2B5EF4-FFF2-40B4-BE49-F238E27FC236}">
+                <a16:creationId xmlns:a16="http://schemas.microsoft.com/office/drawing/2014/main" id="{9FCA5740-D30D-806E-E52D-24FEBF69A992}"/>
+              </a:ext>
+            </a:extLst>
+          </p:cNvPr>
+          <p:cNvSpPr txBox="1"/>
+          <p:nvPr/>
+        </p:nvSpPr>
+        <p:spPr>
+          <a:xfrm>
+            <a:off x="5130884" y="4876290"/>
+            <a:ext cx="683628" cy="492443"/>
+          </a:xfrm>
+          <a:prstGeom prst="rect">
+            <a:avLst/>
+          </a:prstGeom>
+          <a:noFill/>
+        </p:spPr>
+        <p:txBody>
+          <a:bodyPr wrap="square" rtlCol="0">
+            <a:spAutoFit/>
+          </a:bodyPr>
+          <a:lstStyle/>
+          <a:p>
+            <a:pPr algn="ctr"/>
+            <a:r>
+              <a:rPr kumimoji="1" lang="en-US" altLang="ko-Kore-KR" sz="1300" dirty="0" err="1"/>
+              <a:t>balun</a:t>
+            </a:r>
+            <a:endParaRPr kumimoji="1" lang="en-US" altLang="ko-Kore-KR" sz="1300" dirty="0"/>
+          </a:p>
+          <a:p>
+            <a:pPr algn="ctr"/>
+            <a:r>
+              <a:rPr kumimoji="1" lang="en-US" altLang="ko-Kore-KR" sz="1300" dirty="0"/>
+              <a:t>-0.5dB</a:t>
+            </a:r>
+            <a:endParaRPr kumimoji="1" lang="ko-Kore-KR" altLang="en-US" sz="1300" dirty="0"/>
+          </a:p>
+        </p:txBody>
+      </p:sp>
+      <p:sp>
+        <p:nvSpPr>
+          <p:cNvPr id="27" name="TextBox 26">
+            <a:extLst>
+              <a:ext uri="{FF2B5EF4-FFF2-40B4-BE49-F238E27FC236}">
+                <a16:creationId xmlns:a16="http://schemas.microsoft.com/office/drawing/2014/main" id="{66BD9E70-A272-2992-A411-9FE9F5A32F43}"/>
+              </a:ext>
+            </a:extLst>
+          </p:cNvPr>
+          <p:cNvSpPr txBox="1"/>
+          <p:nvPr/>
+        </p:nvSpPr>
+        <p:spPr>
+          <a:xfrm>
+            <a:off x="6419538" y="4606976"/>
+            <a:ext cx="683628" cy="292388"/>
+          </a:xfrm>
+          <a:prstGeom prst="rect">
+            <a:avLst/>
+          </a:prstGeom>
+          <a:noFill/>
+        </p:spPr>
+        <p:txBody>
+          <a:bodyPr wrap="square" rtlCol="0">
+            <a:spAutoFit/>
+          </a:bodyPr>
+          <a:lstStyle/>
+          <a:p>
+            <a:pPr algn="ctr"/>
+            <a:r>
+              <a:rPr kumimoji="1" lang="en-US" altLang="ko-Kore-KR" sz="1300"/>
+              <a:t>LPF</a:t>
+            </a:r>
+            <a:endParaRPr kumimoji="1" lang="ko-Kore-KR" altLang="en-US" sz="1300" dirty="0"/>
+          </a:p>
+        </p:txBody>
+      </p:sp>
+      <p:sp>
+        <p:nvSpPr>
+          <p:cNvPr id="28" name="TextBox 27">
+            <a:extLst>
+              <a:ext uri="{FF2B5EF4-FFF2-40B4-BE49-F238E27FC236}">
+                <a16:creationId xmlns:a16="http://schemas.microsoft.com/office/drawing/2014/main" id="{693DA0DE-CEC5-C575-5265-A8A9B1AF1731}"/>
+              </a:ext>
+            </a:extLst>
+          </p:cNvPr>
+          <p:cNvSpPr txBox="1"/>
+          <p:nvPr/>
+        </p:nvSpPr>
+        <p:spPr>
+          <a:xfrm>
+            <a:off x="3848198" y="4846938"/>
+            <a:ext cx="683628" cy="492443"/>
+          </a:xfrm>
+          <a:prstGeom prst="rect">
+            <a:avLst/>
+          </a:prstGeom>
+          <a:noFill/>
+        </p:spPr>
+        <p:txBody>
+          <a:bodyPr wrap="square" rtlCol="0">
+            <a:spAutoFit/>
+          </a:bodyPr>
+          <a:lstStyle/>
+          <a:p>
+            <a:pPr algn="ctr"/>
+            <a:r>
+              <a:rPr kumimoji="1" lang="en-US" altLang="ko-Kore-KR" sz="1300"/>
+              <a:t>PI-pad</a:t>
+            </a:r>
+            <a:endParaRPr kumimoji="1" lang="en-US" altLang="ko-Kore-KR" sz="1300" dirty="0"/>
+          </a:p>
+          <a:p>
+            <a:pPr algn="ctr"/>
+            <a:r>
+              <a:rPr kumimoji="1" lang="en-US" altLang="ko-Kore-KR" sz="1300"/>
+              <a:t>-13dB</a:t>
+            </a:r>
+            <a:endParaRPr kumimoji="1" lang="ko-Kore-KR" altLang="en-US" sz="1300" dirty="0"/>
+          </a:p>
+        </p:txBody>
+      </p:sp>
+      <p:sp>
+        <p:nvSpPr>
+          <p:cNvPr id="29" name="TextBox 28">
+            <a:extLst>
+              <a:ext uri="{FF2B5EF4-FFF2-40B4-BE49-F238E27FC236}">
+                <a16:creationId xmlns:a16="http://schemas.microsoft.com/office/drawing/2014/main" id="{03C3AA69-3B85-F111-3C9B-7C9E8FEFCCD0}"/>
+              </a:ext>
+            </a:extLst>
+          </p:cNvPr>
+          <p:cNvSpPr txBox="1"/>
+          <p:nvPr/>
+        </p:nvSpPr>
+        <p:spPr>
+          <a:xfrm>
+            <a:off x="7062907" y="4606976"/>
+            <a:ext cx="1409774" cy="692497"/>
+          </a:xfrm>
+          <a:prstGeom prst="rect">
+            <a:avLst/>
+          </a:prstGeom>
+          <a:noFill/>
+        </p:spPr>
+        <p:txBody>
+          <a:bodyPr wrap="square" rtlCol="0">
+            <a:spAutoFit/>
+          </a:bodyPr>
+          <a:lstStyle/>
+          <a:p>
+            <a:pPr algn="ctr"/>
+            <a:r>
+              <a:rPr kumimoji="1" lang="en-US" altLang="ko-Kore-KR" sz="1300"/>
+              <a:t>PA</a:t>
+            </a:r>
+            <a:endParaRPr kumimoji="1" lang="en-US" altLang="ko-Kore-KR" sz="1300" dirty="0"/>
+          </a:p>
+          <a:p>
+            <a:pPr algn="ctr"/>
+            <a:r>
+              <a:rPr kumimoji="1" lang="en-US" altLang="ko-Kore-KR" sz="1300" dirty="0"/>
+              <a:t>+23dB</a:t>
+            </a:r>
+          </a:p>
+          <a:p>
+            <a:pPr algn="ctr"/>
+            <a:r>
+              <a:rPr kumimoji="1" lang="en-US" altLang="ko-Kore-KR" sz="1300" dirty="0"/>
+              <a:t>(P1dB +13dBm)</a:t>
+            </a:r>
+          </a:p>
+        </p:txBody>
+      </p:sp>
+      <p:cxnSp>
+        <p:nvCxnSpPr>
+          <p:cNvPr id="40" name="직선 연결선[R] 124">
+            <a:extLst>
+              <a:ext uri="{FF2B5EF4-FFF2-40B4-BE49-F238E27FC236}">
+                <a16:creationId xmlns:a16="http://schemas.microsoft.com/office/drawing/2014/main" id="{BEA6E19B-5657-C857-E98A-ACFD396892E3}"/>
+              </a:ext>
+            </a:extLst>
+          </p:cNvPr>
+          <p:cNvCxnSpPr>
+            <a:cxnSpLocks/>
+          </p:cNvCxnSpPr>
+          <p:nvPr/>
+        </p:nvCxnSpPr>
+        <p:spPr>
+          <a:xfrm flipH="1">
+            <a:off x="5798600" y="4553369"/>
+            <a:ext cx="180033" cy="0"/>
+          </a:xfrm>
+          <a:prstGeom prst="line">
+            <a:avLst/>
+          </a:prstGeom>
+          <a:ln w="25400"/>
+        </p:spPr>
+        <p:style>
+          <a:lnRef idx="1">
+            <a:schemeClr val="dk1"/>
+          </a:lnRef>
+          <a:fillRef idx="0">
+            <a:schemeClr val="dk1"/>
+          </a:fillRef>
+          <a:effectRef idx="0">
+            <a:schemeClr val="dk1"/>
+          </a:effectRef>
+          <a:fontRef idx="minor">
+            <a:schemeClr val="tx1"/>
+          </a:fontRef>
+        </p:style>
+      </p:cxnSp>
+      <p:sp>
+        <p:nvSpPr>
+          <p:cNvPr id="43" name="직사각형 42">
+            <a:extLst>
+              <a:ext uri="{FF2B5EF4-FFF2-40B4-BE49-F238E27FC236}">
+                <a16:creationId xmlns:a16="http://schemas.microsoft.com/office/drawing/2014/main" id="{72B7BA62-762D-BEFD-AABF-88689B9F0D9F}"/>
+              </a:ext>
+            </a:extLst>
+          </p:cNvPr>
+          <p:cNvSpPr/>
+          <p:nvPr/>
+        </p:nvSpPr>
+        <p:spPr>
+          <a:xfrm>
+            <a:off x="2223119" y="3209146"/>
+            <a:ext cx="986884" cy="2687224"/>
+          </a:xfrm>
+          <a:prstGeom prst="rect">
+            <a:avLst/>
+          </a:prstGeom>
+          <a:noFill/>
+          <a:ln w="25400"/>
+        </p:spPr>
+        <p:style>
+          <a:lnRef idx="2">
+            <a:schemeClr val="dk1">
+              <a:shade val="50000"/>
+            </a:schemeClr>
+          </a:lnRef>
+          <a:fillRef idx="1">
+            <a:schemeClr val="dk1"/>
+          </a:fillRef>
+          <a:effectRef idx="0">
+            <a:schemeClr val="dk1"/>
+          </a:effectRef>
+          <a:fontRef idx="minor">
+            <a:schemeClr val="lt1"/>
+          </a:fontRef>
+        </p:style>
+        <p:txBody>
+          <a:bodyPr rtlCol="0" anchor="ctr"/>
+          <a:lstStyle/>
+          <a:p>
+            <a:pPr algn="ctr"/>
+            <a:r>
+              <a:rPr kumimoji="1" lang="en-US" altLang="ko-Kore-KR">
+                <a:solidFill>
+                  <a:schemeClr val="tx1"/>
+                </a:solidFill>
+              </a:rPr>
+              <a:t>RFMC</a:t>
+            </a:r>
+            <a:endParaRPr kumimoji="1" lang="ko-Kore-KR" altLang="en-US" dirty="0">
+              <a:solidFill>
+                <a:schemeClr val="tx1"/>
+              </a:solidFill>
+            </a:endParaRPr>
+          </a:p>
+        </p:txBody>
+      </p:sp>
+      <p:sp>
+        <p:nvSpPr>
+          <p:cNvPr id="44" name="직사각형 43">
+            <a:extLst>
+              <a:ext uri="{FF2B5EF4-FFF2-40B4-BE49-F238E27FC236}">
+                <a16:creationId xmlns:a16="http://schemas.microsoft.com/office/drawing/2014/main" id="{58430907-7C04-0F43-20BD-5784FFB221D7}"/>
+              </a:ext>
+            </a:extLst>
+          </p:cNvPr>
+          <p:cNvSpPr/>
+          <p:nvPr/>
+        </p:nvSpPr>
+        <p:spPr>
+          <a:xfrm>
+            <a:off x="8342047" y="3898356"/>
+            <a:ext cx="1187839" cy="775919"/>
+          </a:xfrm>
+          <a:prstGeom prst="rect">
+            <a:avLst/>
+          </a:prstGeom>
+          <a:noFill/>
+          <a:ln w="25400"/>
+        </p:spPr>
+        <p:style>
+          <a:lnRef idx="2">
+            <a:schemeClr val="dk1">
+              <a:shade val="50000"/>
+            </a:schemeClr>
+          </a:lnRef>
+          <a:fillRef idx="1">
+            <a:schemeClr val="dk1"/>
+          </a:fillRef>
+          <a:effectRef idx="0">
+            <a:schemeClr val="dk1"/>
+          </a:effectRef>
+          <a:fontRef idx="minor">
+            <a:schemeClr val="lt1"/>
+          </a:fontRef>
+        </p:style>
+        <p:txBody>
+          <a:bodyPr rtlCol="0" anchor="ctr"/>
+          <a:lstStyle/>
+          <a:p>
+            <a:pPr algn="ctr"/>
+            <a:r>
+              <a:rPr kumimoji="1" lang="en-US" altLang="ko-Kore-KR">
+                <a:solidFill>
+                  <a:schemeClr val="tx1"/>
+                </a:solidFill>
+              </a:rPr>
+              <a:t>SMA </a:t>
+            </a:r>
+          </a:p>
+          <a:p>
+            <a:pPr algn="ctr"/>
+            <a:r>
+              <a:rPr kumimoji="1" lang="en-US" altLang="ko-Kore-KR">
+                <a:solidFill>
+                  <a:schemeClr val="tx1"/>
+                </a:solidFill>
+              </a:rPr>
+              <a:t>output</a:t>
+            </a:r>
+            <a:endParaRPr kumimoji="1" lang="ko-Kore-KR" altLang="en-US" dirty="0">
+              <a:solidFill>
+                <a:schemeClr val="tx1"/>
+              </a:solidFill>
+            </a:endParaRPr>
+          </a:p>
+        </p:txBody>
+      </p:sp>
+      <p:cxnSp>
+        <p:nvCxnSpPr>
+          <p:cNvPr id="45" name="직선 연결선[R] 135">
+            <a:extLst>
+              <a:ext uri="{FF2B5EF4-FFF2-40B4-BE49-F238E27FC236}">
+                <a16:creationId xmlns:a16="http://schemas.microsoft.com/office/drawing/2014/main" id="{98478FAD-D750-23EA-3A20-53C1EE8CC541}"/>
+              </a:ext>
+            </a:extLst>
+          </p:cNvPr>
+          <p:cNvCxnSpPr>
+            <a:cxnSpLocks/>
+            <a:stCxn id="6" idx="1"/>
+            <a:endCxn id="47" idx="6"/>
+          </p:cNvCxnSpPr>
+          <p:nvPr/>
+        </p:nvCxnSpPr>
+        <p:spPr>
+          <a:xfrm flipH="1">
+            <a:off x="6238764" y="4283445"/>
+            <a:ext cx="212042" cy="1003"/>
+          </a:xfrm>
+          <a:prstGeom prst="line">
+            <a:avLst/>
+          </a:prstGeom>
+          <a:ln w="25400"/>
+        </p:spPr>
+        <p:style>
+          <a:lnRef idx="1">
+            <a:schemeClr val="dk1"/>
+          </a:lnRef>
+          <a:fillRef idx="0">
+            <a:schemeClr val="dk1"/>
+          </a:fillRef>
+          <a:effectRef idx="0">
+            <a:schemeClr val="dk1"/>
+          </a:effectRef>
+          <a:fontRef idx="minor">
+            <a:schemeClr val="tx1"/>
+          </a:fontRef>
+        </p:style>
+      </p:cxnSp>
+      <p:sp>
+        <p:nvSpPr>
+          <p:cNvPr id="46" name="타원 45">
+            <a:extLst>
+              <a:ext uri="{FF2B5EF4-FFF2-40B4-BE49-F238E27FC236}">
+                <a16:creationId xmlns:a16="http://schemas.microsoft.com/office/drawing/2014/main" id="{6C966050-950D-D282-E710-D948447ACD7D}"/>
+              </a:ext>
+            </a:extLst>
+          </p:cNvPr>
+          <p:cNvSpPr/>
+          <p:nvPr/>
+        </p:nvSpPr>
+        <p:spPr>
+          <a:xfrm>
+            <a:off x="5980795" y="4521127"/>
+            <a:ext cx="60743" cy="60743"/>
+          </a:xfrm>
+          <a:prstGeom prst="ellipse">
+            <a:avLst/>
+          </a:prstGeom>
+          <a:noFill/>
+        </p:spPr>
+        <p:style>
+          <a:lnRef idx="2">
+            <a:schemeClr val="dk1">
+              <a:shade val="50000"/>
+            </a:schemeClr>
+          </a:lnRef>
+          <a:fillRef idx="1">
+            <a:schemeClr val="dk1"/>
+          </a:fillRef>
+          <a:effectRef idx="0">
+            <a:schemeClr val="dk1"/>
+          </a:effectRef>
+          <a:fontRef idx="minor">
+            <a:schemeClr val="lt1"/>
+          </a:fontRef>
+        </p:style>
+        <p:txBody>
+          <a:bodyPr rtlCol="0" anchor="ctr"/>
+          <a:lstStyle/>
+          <a:p>
+            <a:pPr algn="ctr"/>
+            <a:endParaRPr kumimoji="1" lang="ko-Kore-KR" altLang="en-US"/>
+          </a:p>
+        </p:txBody>
+      </p:sp>
+      <p:sp>
+        <p:nvSpPr>
+          <p:cNvPr id="47" name="타원 46">
+            <a:extLst>
+              <a:ext uri="{FF2B5EF4-FFF2-40B4-BE49-F238E27FC236}">
+                <a16:creationId xmlns:a16="http://schemas.microsoft.com/office/drawing/2014/main" id="{ECD32CF0-3ED2-E524-0D82-3EC32B7F2EDB}"/>
+              </a:ext>
+            </a:extLst>
+          </p:cNvPr>
+          <p:cNvSpPr/>
+          <p:nvPr/>
+        </p:nvSpPr>
+        <p:spPr>
+          <a:xfrm>
+            <a:off x="6178021" y="4254076"/>
+            <a:ext cx="60743" cy="60743"/>
+          </a:xfrm>
+          <a:prstGeom prst="ellipse">
+            <a:avLst/>
+          </a:prstGeom>
+          <a:noFill/>
+        </p:spPr>
+        <p:style>
+          <a:lnRef idx="2">
+            <a:schemeClr val="dk1">
+              <a:shade val="50000"/>
+            </a:schemeClr>
+          </a:lnRef>
+          <a:fillRef idx="1">
+            <a:schemeClr val="dk1"/>
+          </a:fillRef>
+          <a:effectRef idx="0">
+            <a:schemeClr val="dk1"/>
+          </a:effectRef>
+          <a:fontRef idx="minor">
+            <a:schemeClr val="lt1"/>
+          </a:fontRef>
+        </p:style>
+        <p:txBody>
+          <a:bodyPr rtlCol="0" anchor="ctr"/>
+          <a:lstStyle/>
+          <a:p>
+            <a:pPr algn="ctr"/>
+            <a:endParaRPr kumimoji="1" lang="ko-Kore-KR" altLang="en-US"/>
+          </a:p>
+        </p:txBody>
+      </p:sp>
+      <p:sp>
+        <p:nvSpPr>
+          <p:cNvPr id="48" name="타원 47">
+            <a:extLst>
+              <a:ext uri="{FF2B5EF4-FFF2-40B4-BE49-F238E27FC236}">
+                <a16:creationId xmlns:a16="http://schemas.microsoft.com/office/drawing/2014/main" id="{BF59B2A8-9D58-8F1F-15C3-2B9609C7AF2E}"/>
+              </a:ext>
+            </a:extLst>
+          </p:cNvPr>
+          <p:cNvSpPr/>
+          <p:nvPr/>
+        </p:nvSpPr>
+        <p:spPr>
+          <a:xfrm>
+            <a:off x="6178021" y="4786668"/>
+            <a:ext cx="60743" cy="60743"/>
+          </a:xfrm>
+          <a:prstGeom prst="ellipse">
+            <a:avLst/>
+          </a:prstGeom>
+          <a:noFill/>
+        </p:spPr>
+        <p:style>
+          <a:lnRef idx="2">
+            <a:schemeClr val="dk1">
+              <a:shade val="50000"/>
+            </a:schemeClr>
+          </a:lnRef>
+          <a:fillRef idx="1">
+            <a:schemeClr val="dk1"/>
+          </a:fillRef>
+          <a:effectRef idx="0">
+            <a:schemeClr val="dk1"/>
+          </a:effectRef>
+          <a:fontRef idx="minor">
+            <a:schemeClr val="lt1"/>
+          </a:fontRef>
+        </p:style>
+        <p:txBody>
+          <a:bodyPr rtlCol="0" anchor="ctr"/>
+          <a:lstStyle/>
+          <a:p>
+            <a:pPr algn="ctr"/>
+            <a:endParaRPr kumimoji="1" lang="ko-Kore-KR" altLang="en-US"/>
+          </a:p>
+        </p:txBody>
+      </p:sp>
+      <p:cxnSp>
+        <p:nvCxnSpPr>
+          <p:cNvPr id="49" name="직선 연결선[R] 144">
+            <a:extLst>
+              <a:ext uri="{FF2B5EF4-FFF2-40B4-BE49-F238E27FC236}">
+                <a16:creationId xmlns:a16="http://schemas.microsoft.com/office/drawing/2014/main" id="{25B51D75-F687-4AB0-EB75-9A8DB1D85744}"/>
+              </a:ext>
+            </a:extLst>
+          </p:cNvPr>
+          <p:cNvCxnSpPr>
+            <a:cxnSpLocks/>
+            <a:stCxn id="47" idx="3"/>
+            <a:endCxn id="46" idx="7"/>
+          </p:cNvCxnSpPr>
+          <p:nvPr/>
+        </p:nvCxnSpPr>
+        <p:spPr>
+          <a:xfrm flipH="1">
+            <a:off x="6032642" y="4305923"/>
+            <a:ext cx="154275" cy="224100"/>
+          </a:xfrm>
+          <a:prstGeom prst="line">
+            <a:avLst/>
+          </a:prstGeom>
+          <a:ln w="25400"/>
+        </p:spPr>
+        <p:style>
+          <a:lnRef idx="1">
+            <a:schemeClr val="dk1"/>
+          </a:lnRef>
+          <a:fillRef idx="0">
+            <a:schemeClr val="dk1"/>
+          </a:fillRef>
+          <a:effectRef idx="0">
+            <a:schemeClr val="dk1"/>
+          </a:effectRef>
+          <a:fontRef idx="minor">
+            <a:schemeClr val="tx1"/>
+          </a:fontRef>
+        </p:style>
+      </p:cxnSp>
+      <p:cxnSp>
+        <p:nvCxnSpPr>
+          <p:cNvPr id="50" name="연결선: 꺾임 49">
+            <a:extLst>
+              <a:ext uri="{FF2B5EF4-FFF2-40B4-BE49-F238E27FC236}">
+                <a16:creationId xmlns:a16="http://schemas.microsoft.com/office/drawing/2014/main" id="{32E6A8F6-F742-E876-C466-52C00AD8FCCB}"/>
+              </a:ext>
+            </a:extLst>
+          </p:cNvPr>
+          <p:cNvCxnSpPr>
+            <a:cxnSpLocks/>
+            <a:stCxn id="48" idx="6"/>
+            <a:endCxn id="52" idx="1"/>
+          </p:cNvCxnSpPr>
+          <p:nvPr/>
+        </p:nvCxnSpPr>
+        <p:spPr>
+          <a:xfrm>
+            <a:off x="6238764" y="4817040"/>
+            <a:ext cx="2020010" cy="1253560"/>
+          </a:xfrm>
+          <a:prstGeom prst="bentConnector3">
+            <a:avLst>
+              <a:gd name="adj1" fmla="val 12529"/>
+            </a:avLst>
+          </a:prstGeom>
+          <a:ln w="25400"/>
+        </p:spPr>
+        <p:style>
+          <a:lnRef idx="1">
+            <a:schemeClr val="dk1"/>
+          </a:lnRef>
+          <a:fillRef idx="0">
+            <a:schemeClr val="dk1"/>
+          </a:fillRef>
+          <a:effectRef idx="0">
+            <a:schemeClr val="dk1"/>
+          </a:effectRef>
+          <a:fontRef idx="minor">
+            <a:schemeClr val="tx1"/>
+          </a:fontRef>
+        </p:style>
+      </p:cxnSp>
+      <p:sp>
+        <p:nvSpPr>
+          <p:cNvPr id="52" name="직사각형 51">
+            <a:extLst>
+              <a:ext uri="{FF2B5EF4-FFF2-40B4-BE49-F238E27FC236}">
+                <a16:creationId xmlns:a16="http://schemas.microsoft.com/office/drawing/2014/main" id="{6FA0557C-F19F-27EF-8C92-0CAADD6C57DC}"/>
+              </a:ext>
+            </a:extLst>
+          </p:cNvPr>
+          <p:cNvSpPr/>
+          <p:nvPr/>
+        </p:nvSpPr>
+        <p:spPr>
+          <a:xfrm>
+            <a:off x="8258774" y="5682640"/>
+            <a:ext cx="1187839" cy="775919"/>
+          </a:xfrm>
+          <a:prstGeom prst="rect">
+            <a:avLst/>
+          </a:prstGeom>
+          <a:noFill/>
+          <a:ln w="25400"/>
+        </p:spPr>
+        <p:style>
+          <a:lnRef idx="2">
+            <a:schemeClr val="dk1">
+              <a:shade val="50000"/>
+            </a:schemeClr>
+          </a:lnRef>
+          <a:fillRef idx="1">
+            <a:schemeClr val="dk1"/>
+          </a:fillRef>
+          <a:effectRef idx="0">
+            <a:schemeClr val="dk1"/>
+          </a:effectRef>
+          <a:fontRef idx="minor">
+            <a:schemeClr val="lt1"/>
+          </a:fontRef>
+        </p:style>
+        <p:txBody>
+          <a:bodyPr rtlCol="0" anchor="ctr"/>
+          <a:lstStyle/>
+          <a:p>
+            <a:pPr algn="ctr"/>
+            <a:r>
+              <a:rPr kumimoji="1" lang="en-US" altLang="ko-Kore-KR">
+                <a:solidFill>
+                  <a:schemeClr val="tx1"/>
+                </a:solidFill>
+              </a:rPr>
+              <a:t>SMA </a:t>
+            </a:r>
+          </a:p>
+          <a:p>
+            <a:pPr algn="ctr"/>
+            <a:r>
+              <a:rPr kumimoji="1" lang="en-US" altLang="ko-Kore-KR">
+                <a:solidFill>
+                  <a:schemeClr val="tx1"/>
+                </a:solidFill>
+              </a:rPr>
+              <a:t>output</a:t>
+            </a:r>
+            <a:endParaRPr kumimoji="1" lang="ko-Kore-KR" altLang="en-US" dirty="0">
+              <a:solidFill>
+                <a:schemeClr val="tx1"/>
+              </a:solidFill>
+            </a:endParaRPr>
+          </a:p>
+        </p:txBody>
+      </p:sp>
+      <p:cxnSp>
+        <p:nvCxnSpPr>
+          <p:cNvPr id="53" name="연결선: 꺾임 52">
+            <a:extLst>
+              <a:ext uri="{FF2B5EF4-FFF2-40B4-BE49-F238E27FC236}">
+                <a16:creationId xmlns:a16="http://schemas.microsoft.com/office/drawing/2014/main" id="{1FFEC3D9-4DB6-DAC5-9965-36ADDD50F621}"/>
+              </a:ext>
+            </a:extLst>
+          </p:cNvPr>
+          <p:cNvCxnSpPr>
+            <a:cxnSpLocks/>
+            <a:endCxn id="47" idx="0"/>
+          </p:cNvCxnSpPr>
+          <p:nvPr/>
+        </p:nvCxnSpPr>
+        <p:spPr>
+          <a:xfrm>
+            <a:off x="3204475" y="3536605"/>
+            <a:ext cx="3003918" cy="717471"/>
+          </a:xfrm>
+          <a:prstGeom prst="bentConnector2">
+            <a:avLst/>
+          </a:prstGeom>
+          <a:ln w="25400">
+            <a:tailEnd type="triangle"/>
+          </a:ln>
+        </p:spPr>
+        <p:style>
+          <a:lnRef idx="1">
+            <a:schemeClr val="dk1"/>
+          </a:lnRef>
+          <a:fillRef idx="0">
+            <a:schemeClr val="dk1"/>
+          </a:fillRef>
+          <a:effectRef idx="0">
+            <a:schemeClr val="dk1"/>
+          </a:effectRef>
+          <a:fontRef idx="minor">
+            <a:schemeClr val="tx1"/>
+          </a:fontRef>
+        </p:style>
+      </p:cxnSp>
+      <p:sp>
+        <p:nvSpPr>
+          <p:cNvPr id="54" name="TextBox 53">
+            <a:extLst>
+              <a:ext uri="{FF2B5EF4-FFF2-40B4-BE49-F238E27FC236}">
+                <a16:creationId xmlns:a16="http://schemas.microsoft.com/office/drawing/2014/main" id="{0E24183F-9031-9203-06BC-349BD75B40CA}"/>
+              </a:ext>
+            </a:extLst>
+          </p:cNvPr>
+          <p:cNvSpPr txBox="1"/>
+          <p:nvPr/>
+        </p:nvSpPr>
+        <p:spPr>
+          <a:xfrm>
+            <a:off x="5654781" y="4911834"/>
+            <a:ext cx="875916" cy="292388"/>
+          </a:xfrm>
+          <a:prstGeom prst="rect">
+            <a:avLst/>
+          </a:prstGeom>
+          <a:noFill/>
+        </p:spPr>
+        <p:txBody>
+          <a:bodyPr wrap="square" rtlCol="0">
+            <a:spAutoFit/>
+          </a:bodyPr>
+          <a:lstStyle/>
+          <a:p>
+            <a:pPr algn="ctr"/>
+            <a:r>
+              <a:rPr kumimoji="1" lang="en-US" altLang="ko-Kore-KR" sz="1300"/>
+              <a:t>RF SPDT</a:t>
+            </a:r>
+            <a:endParaRPr kumimoji="1" lang="ko-Kore-KR" altLang="en-US" sz="1300" dirty="0"/>
+          </a:p>
+        </p:txBody>
+      </p:sp>
+      <p:sp>
+        <p:nvSpPr>
+          <p:cNvPr id="55" name="TextBox 54">
+            <a:extLst>
+              <a:ext uri="{FF2B5EF4-FFF2-40B4-BE49-F238E27FC236}">
+                <a16:creationId xmlns:a16="http://schemas.microsoft.com/office/drawing/2014/main" id="{F158E427-4768-0967-18DB-0EC487444342}"/>
+              </a:ext>
+            </a:extLst>
+          </p:cNvPr>
+          <p:cNvSpPr txBox="1"/>
+          <p:nvPr/>
+        </p:nvSpPr>
+        <p:spPr>
+          <a:xfrm>
+            <a:off x="59376" y="117628"/>
+            <a:ext cx="2856551" cy="477054"/>
+          </a:xfrm>
+          <a:prstGeom prst="rect">
+            <a:avLst/>
+          </a:prstGeom>
+          <a:noFill/>
+        </p:spPr>
+        <p:txBody>
+          <a:bodyPr wrap="none" rtlCol="0">
+            <a:spAutoFit/>
+          </a:bodyPr>
+          <a:lstStyle/>
+          <a:p>
+            <a:r>
+              <a:rPr lang="en-US" altLang="ko-KR" sz="2500"/>
+              <a:t>DAC</a:t>
+            </a:r>
+            <a:r>
+              <a:rPr lang="ko-KR" altLang="en-US" sz="2500"/>
+              <a:t> </a:t>
+            </a:r>
+            <a:r>
+              <a:rPr lang="en-US" altLang="ko-KR" sz="2500"/>
+              <a:t>output Arch2</a:t>
+            </a:r>
+            <a:endParaRPr lang="ko-KR" altLang="en-US" sz="2500"/>
+          </a:p>
+        </p:txBody>
+      </p:sp>
+      <p:sp>
+        <p:nvSpPr>
+          <p:cNvPr id="65" name="TextBox 64">
+            <a:extLst>
+              <a:ext uri="{FF2B5EF4-FFF2-40B4-BE49-F238E27FC236}">
+                <a16:creationId xmlns:a16="http://schemas.microsoft.com/office/drawing/2014/main" id="{C8DB26B4-973A-8602-480C-579F69AEE790}"/>
+              </a:ext>
+            </a:extLst>
+          </p:cNvPr>
+          <p:cNvSpPr txBox="1"/>
+          <p:nvPr/>
+        </p:nvSpPr>
+        <p:spPr>
+          <a:xfrm>
+            <a:off x="7852837" y="2172620"/>
+            <a:ext cx="1907517" cy="369332"/>
+          </a:xfrm>
+          <a:prstGeom prst="rect">
+            <a:avLst/>
+          </a:prstGeom>
+          <a:noFill/>
+        </p:spPr>
+        <p:txBody>
+          <a:bodyPr wrap="square">
+            <a:spAutoFit/>
+          </a:bodyPr>
+          <a:lstStyle/>
+          <a:p>
+            <a:pPr algn="ctr"/>
+            <a:r>
+              <a:rPr kumimoji="1" lang="en-US" altLang="en-US" sz="1800" b="1"/>
+              <a:t>ERA-3SM+ </a:t>
+            </a:r>
+            <a:endParaRPr lang="ko-KR" altLang="en-US" b="1"/>
+          </a:p>
+        </p:txBody>
+      </p:sp>
+      <p:cxnSp>
+        <p:nvCxnSpPr>
+          <p:cNvPr id="67" name="직선 연결선 66">
+            <a:extLst>
+              <a:ext uri="{FF2B5EF4-FFF2-40B4-BE49-F238E27FC236}">
+                <a16:creationId xmlns:a16="http://schemas.microsoft.com/office/drawing/2014/main" id="{1C0DE481-3BA8-5133-C25A-5A56EA16280A}"/>
+              </a:ext>
+            </a:extLst>
+          </p:cNvPr>
+          <p:cNvCxnSpPr>
+            <a:cxnSpLocks/>
+            <a:stCxn id="10" idx="0"/>
+            <a:endCxn id="56" idx="2"/>
+          </p:cNvCxnSpPr>
+          <p:nvPr/>
+        </p:nvCxnSpPr>
+        <p:spPr>
+          <a:xfrm flipV="1">
+            <a:off x="4193037" y="2726334"/>
+            <a:ext cx="4856" cy="1516532"/>
+          </a:xfrm>
+          <a:prstGeom prst="line">
+            <a:avLst/>
+          </a:prstGeom>
+          <a:ln w="19050">
+            <a:prstDash val="lgDash"/>
+          </a:ln>
+        </p:spPr>
+        <p:style>
+          <a:lnRef idx="1">
+            <a:schemeClr val="dk1"/>
+          </a:lnRef>
+          <a:fillRef idx="0">
+            <a:schemeClr val="dk1"/>
+          </a:fillRef>
+          <a:effectRef idx="0">
+            <a:schemeClr val="dk1"/>
+          </a:effectRef>
+          <a:fontRef idx="minor">
+            <a:schemeClr val="tx1"/>
+          </a:fontRef>
+        </p:style>
+      </p:cxnSp>
+      <p:cxnSp>
+        <p:nvCxnSpPr>
+          <p:cNvPr id="68" name="직선 연결선 67">
+            <a:extLst>
+              <a:ext uri="{FF2B5EF4-FFF2-40B4-BE49-F238E27FC236}">
+                <a16:creationId xmlns:a16="http://schemas.microsoft.com/office/drawing/2014/main" id="{C9543972-CC59-38BB-5397-A5A3599AF430}"/>
+              </a:ext>
+            </a:extLst>
+          </p:cNvPr>
+          <p:cNvCxnSpPr>
+            <a:cxnSpLocks/>
+            <a:stCxn id="4" idx="1"/>
+            <a:endCxn id="65" idx="2"/>
+          </p:cNvCxnSpPr>
+          <p:nvPr/>
+        </p:nvCxnSpPr>
+        <p:spPr>
+          <a:xfrm flipV="1">
+            <a:off x="7873421" y="2541952"/>
+            <a:ext cx="933175" cy="1600242"/>
+          </a:xfrm>
+          <a:prstGeom prst="line">
+            <a:avLst/>
+          </a:prstGeom>
+          <a:ln w="19050">
+            <a:prstDash val="lgDash"/>
+          </a:ln>
+        </p:spPr>
+        <p:style>
+          <a:lnRef idx="1">
+            <a:schemeClr val="dk1"/>
+          </a:lnRef>
+          <a:fillRef idx="0">
+            <a:schemeClr val="dk1"/>
+          </a:fillRef>
+          <a:effectRef idx="0">
+            <a:schemeClr val="dk1"/>
+          </a:effectRef>
+          <a:fontRef idx="minor">
+            <a:schemeClr val="tx1"/>
+          </a:fontRef>
+        </p:style>
+      </p:cxnSp>
+      <p:sp>
+        <p:nvSpPr>
+          <p:cNvPr id="71" name="TextBox 70">
+            <a:extLst>
+              <a:ext uri="{FF2B5EF4-FFF2-40B4-BE49-F238E27FC236}">
+                <a16:creationId xmlns:a16="http://schemas.microsoft.com/office/drawing/2014/main" id="{9F0E31F0-0209-07AF-029B-C66C3EFA5533}"/>
+              </a:ext>
+            </a:extLst>
+          </p:cNvPr>
+          <p:cNvSpPr txBox="1"/>
+          <p:nvPr/>
+        </p:nvSpPr>
+        <p:spPr>
+          <a:xfrm>
+            <a:off x="6271277" y="2204539"/>
+            <a:ext cx="1748783" cy="646331"/>
+          </a:xfrm>
+          <a:prstGeom prst="rect">
+            <a:avLst/>
+          </a:prstGeom>
+          <a:noFill/>
+        </p:spPr>
+        <p:txBody>
+          <a:bodyPr wrap="square">
+            <a:spAutoFit/>
+          </a:bodyPr>
+          <a:lstStyle/>
+          <a:p>
+            <a:pPr algn="ctr"/>
+            <a:r>
+              <a:rPr lang="en-US" altLang="ko-KR"/>
+              <a:t>2nd Chebysev</a:t>
+            </a:r>
+            <a:r>
+              <a:rPr lang="en-US" altLang="ko-KR" sz="1800" i="0">
+                <a:effectLst/>
+              </a:rPr>
+              <a:t> filter</a:t>
+            </a:r>
+            <a:endParaRPr lang="ko-KR" altLang="en-US"/>
+          </a:p>
+        </p:txBody>
+      </p:sp>
+      <p:cxnSp>
+        <p:nvCxnSpPr>
+          <p:cNvPr id="72" name="직선 연결선 71">
+            <a:extLst>
+              <a:ext uri="{FF2B5EF4-FFF2-40B4-BE49-F238E27FC236}">
+                <a16:creationId xmlns:a16="http://schemas.microsoft.com/office/drawing/2014/main" id="{2BA12069-7DCA-7D8D-5E40-FB2B9CE44E8A}"/>
+              </a:ext>
+            </a:extLst>
+          </p:cNvPr>
+          <p:cNvCxnSpPr>
+            <a:cxnSpLocks/>
+            <a:stCxn id="6" idx="0"/>
+            <a:endCxn id="71" idx="2"/>
+          </p:cNvCxnSpPr>
+          <p:nvPr/>
+        </p:nvCxnSpPr>
+        <p:spPr>
+          <a:xfrm flipV="1">
+            <a:off x="6761353" y="2850870"/>
+            <a:ext cx="384316" cy="1122028"/>
+          </a:xfrm>
+          <a:prstGeom prst="line">
+            <a:avLst/>
+          </a:prstGeom>
+          <a:ln w="19050">
+            <a:prstDash val="lgDash"/>
+          </a:ln>
+        </p:spPr>
+        <p:style>
+          <a:lnRef idx="1">
+            <a:schemeClr val="dk1"/>
+          </a:lnRef>
+          <a:fillRef idx="0">
+            <a:schemeClr val="dk1"/>
+          </a:fillRef>
+          <a:effectRef idx="0">
+            <a:schemeClr val="dk1"/>
+          </a:effectRef>
+          <a:fontRef idx="minor">
+            <a:schemeClr val="tx1"/>
+          </a:fontRef>
+        </p:style>
+      </p:cxnSp>
+      <p:sp>
+        <p:nvSpPr>
+          <p:cNvPr id="77" name="TextBox 76">
+            <a:extLst>
+              <a:ext uri="{FF2B5EF4-FFF2-40B4-BE49-F238E27FC236}">
+                <a16:creationId xmlns:a16="http://schemas.microsoft.com/office/drawing/2014/main" id="{A897D51F-BF9D-FBAB-0F0F-69F1B253F5E3}"/>
+              </a:ext>
+            </a:extLst>
+          </p:cNvPr>
+          <p:cNvSpPr txBox="1"/>
+          <p:nvPr/>
+        </p:nvSpPr>
+        <p:spPr>
+          <a:xfrm>
+            <a:off x="4837790" y="2191727"/>
+            <a:ext cx="1597156" cy="369332"/>
+          </a:xfrm>
+          <a:prstGeom prst="rect">
+            <a:avLst/>
+          </a:prstGeom>
+          <a:noFill/>
+        </p:spPr>
+        <p:txBody>
+          <a:bodyPr wrap="square">
+            <a:spAutoFit/>
+          </a:bodyPr>
+          <a:lstStyle/>
+          <a:p>
+            <a:pPr algn="ctr"/>
+            <a:r>
+              <a:rPr lang="en-US" altLang="ko-KR" sz="1800" b="1" i="0">
+                <a:effectLst/>
+              </a:rPr>
+              <a:t>TC2-72T+</a:t>
+            </a:r>
+            <a:endParaRPr lang="ko-KR" altLang="en-US" b="1"/>
+          </a:p>
+        </p:txBody>
+      </p:sp>
+      <p:cxnSp>
+        <p:nvCxnSpPr>
+          <p:cNvPr id="78" name="직선 연결선 77">
+            <a:extLst>
+              <a:ext uri="{FF2B5EF4-FFF2-40B4-BE49-F238E27FC236}">
+                <a16:creationId xmlns:a16="http://schemas.microsoft.com/office/drawing/2014/main" id="{3F47FBC5-D47D-96C3-062A-7F9975F38C28}"/>
+              </a:ext>
+            </a:extLst>
+          </p:cNvPr>
+          <p:cNvCxnSpPr>
+            <a:cxnSpLocks/>
+            <a:stCxn id="15" idx="0"/>
+            <a:endCxn id="77" idx="2"/>
+          </p:cNvCxnSpPr>
+          <p:nvPr/>
+        </p:nvCxnSpPr>
+        <p:spPr>
+          <a:xfrm flipV="1">
+            <a:off x="5472699" y="2561059"/>
+            <a:ext cx="163669" cy="1681153"/>
+          </a:xfrm>
+          <a:prstGeom prst="line">
+            <a:avLst/>
+          </a:prstGeom>
+          <a:ln w="19050">
+            <a:prstDash val="lgDash"/>
+          </a:ln>
+        </p:spPr>
+        <p:style>
+          <a:lnRef idx="1">
+            <a:schemeClr val="dk1"/>
+          </a:lnRef>
+          <a:fillRef idx="0">
+            <a:schemeClr val="dk1"/>
+          </a:fillRef>
+          <a:effectRef idx="0">
+            <a:schemeClr val="dk1"/>
+          </a:effectRef>
+          <a:fontRef idx="minor">
+            <a:schemeClr val="tx1"/>
+          </a:fontRef>
+        </p:style>
+      </p:cxnSp>
+      <p:sp>
+        <p:nvSpPr>
+          <p:cNvPr id="97" name="TextBox 96">
+            <a:extLst>
+              <a:ext uri="{FF2B5EF4-FFF2-40B4-BE49-F238E27FC236}">
+                <a16:creationId xmlns:a16="http://schemas.microsoft.com/office/drawing/2014/main" id="{30384885-52E9-B1DA-83C2-4D9AEF36CD1E}"/>
+              </a:ext>
+            </a:extLst>
+          </p:cNvPr>
+          <p:cNvSpPr txBox="1"/>
+          <p:nvPr/>
+        </p:nvSpPr>
+        <p:spPr>
+          <a:xfrm>
+            <a:off x="9351817" y="6458559"/>
+            <a:ext cx="2739153" cy="369332"/>
+          </a:xfrm>
+          <a:prstGeom prst="rect">
+            <a:avLst/>
+          </a:prstGeom>
+          <a:noFill/>
+        </p:spPr>
+        <p:txBody>
+          <a:bodyPr wrap="square">
+            <a:spAutoFit/>
+          </a:bodyPr>
+          <a:lstStyle/>
+          <a:p>
+            <a:pPr algn="ctr"/>
+            <a:r>
+              <a:rPr lang="en-US" altLang="ko-KR" sz="1800" b="0" i="0" u="none" strike="noStrike">
+                <a:solidFill>
+                  <a:srgbClr val="000000"/>
+                </a:solidFill>
+                <a:effectLst/>
+                <a:latin typeface="맑은 고딕" panose="020B0503020000020004" pitchFamily="50" charset="-127"/>
+                <a:ea typeface="맑은 고딕" panose="020B0503020000020004" pitchFamily="50" charset="-127"/>
+              </a:rPr>
+              <a:t>or total 13dB attenuator?</a:t>
+            </a:r>
+            <a:endParaRPr lang="ko-KR" altLang="en-US"/>
+          </a:p>
+        </p:txBody>
+      </p:sp>
+      <p:sp>
+        <p:nvSpPr>
+          <p:cNvPr id="64" name="TextBox 24">
+            <a:extLst>
+              <a:ext uri="{FF2B5EF4-FFF2-40B4-BE49-F238E27FC236}">
+                <a16:creationId xmlns:a16="http://schemas.microsoft.com/office/drawing/2014/main" id="{5425818D-6BC4-2E0B-AFCD-2F0E8AE2597C}"/>
+              </a:ext>
+            </a:extLst>
+          </p:cNvPr>
+          <p:cNvSpPr txBox="1"/>
+          <p:nvPr/>
+        </p:nvSpPr>
+        <p:spPr>
+          <a:xfrm>
+            <a:off x="3300653" y="5881569"/>
+            <a:ext cx="1918659" cy="923330"/>
+          </a:xfrm>
+          <a:prstGeom prst="rect">
+            <a:avLst/>
+          </a:prstGeom>
+          <a:noFill/>
+        </p:spPr>
+        <p:txBody>
+          <a:bodyPr wrap="square" rtlCol="0">
+            <a:spAutoFit/>
+          </a:bodyPr>
+          <a:lstStyle>
+            <a:defPPr>
+              <a:defRPr lang="ko-Kore-KR"/>
+            </a:defPPr>
+            <a:lvl1pPr marL="0" algn="l" defTabSz="914400" rtl="0" eaLnBrk="1" latinLnBrk="0" hangingPunct="1">
+              <a:defRPr sz="1800" kern="1200">
+                <a:solidFill>
+                  <a:schemeClr val="tx1"/>
+                </a:solidFill>
+                <a:latin typeface="+mn-lt"/>
+                <a:ea typeface="+mn-ea"/>
+                <a:cs typeface="+mn-cs"/>
+              </a:defRPr>
+            </a:lvl1pPr>
+            <a:lvl2pPr marL="457200" algn="l" defTabSz="914400" rtl="0" eaLnBrk="1" latinLnBrk="0" hangingPunct="1">
+              <a:defRPr sz="1800" kern="1200">
+                <a:solidFill>
+                  <a:schemeClr val="tx1"/>
+                </a:solidFill>
+                <a:latin typeface="+mn-lt"/>
+                <a:ea typeface="+mn-ea"/>
+                <a:cs typeface="+mn-cs"/>
+              </a:defRPr>
+            </a:lvl2pPr>
+            <a:lvl3pPr marL="914400" algn="l" defTabSz="914400" rtl="0" eaLnBrk="1" latinLnBrk="0" hangingPunct="1">
+              <a:defRPr sz="1800" kern="1200">
+                <a:solidFill>
+                  <a:schemeClr val="tx1"/>
+                </a:solidFill>
+                <a:latin typeface="+mn-lt"/>
+                <a:ea typeface="+mn-ea"/>
+                <a:cs typeface="+mn-cs"/>
+              </a:defRPr>
+            </a:lvl3pPr>
+            <a:lvl4pPr marL="1371600" algn="l" defTabSz="914400" rtl="0" eaLnBrk="1" latinLnBrk="0" hangingPunct="1">
+              <a:defRPr sz="1800" kern="1200">
+                <a:solidFill>
+                  <a:schemeClr val="tx1"/>
+                </a:solidFill>
+                <a:latin typeface="+mn-lt"/>
+                <a:ea typeface="+mn-ea"/>
+                <a:cs typeface="+mn-cs"/>
+              </a:defRPr>
+            </a:lvl4pPr>
+            <a:lvl5pPr marL="1828800" algn="l" defTabSz="914400" rtl="0" eaLnBrk="1" latinLnBrk="0" hangingPunct="1">
+              <a:defRPr sz="1800" kern="1200">
+                <a:solidFill>
+                  <a:schemeClr val="tx1"/>
+                </a:solidFill>
+                <a:latin typeface="+mn-lt"/>
+                <a:ea typeface="+mn-ea"/>
+                <a:cs typeface="+mn-cs"/>
+              </a:defRPr>
+            </a:lvl5pPr>
+            <a:lvl6pPr marL="2286000" algn="l" defTabSz="914400" rtl="0" eaLnBrk="1" latinLnBrk="0" hangingPunct="1">
+              <a:defRPr sz="1800" kern="1200">
+                <a:solidFill>
+                  <a:schemeClr val="tx1"/>
+                </a:solidFill>
+                <a:latin typeface="+mn-lt"/>
+                <a:ea typeface="+mn-ea"/>
+                <a:cs typeface="+mn-cs"/>
+              </a:defRPr>
+            </a:lvl6pPr>
+            <a:lvl7pPr marL="2743200" algn="l" defTabSz="914400" rtl="0" eaLnBrk="1" latinLnBrk="0" hangingPunct="1">
+              <a:defRPr sz="1800" kern="1200">
+                <a:solidFill>
+                  <a:schemeClr val="tx1"/>
+                </a:solidFill>
+                <a:latin typeface="+mn-lt"/>
+                <a:ea typeface="+mn-ea"/>
+                <a:cs typeface="+mn-cs"/>
+              </a:defRPr>
+            </a:lvl7pPr>
+            <a:lvl8pPr marL="3200400" algn="l" defTabSz="914400" rtl="0" eaLnBrk="1" latinLnBrk="0" hangingPunct="1">
+              <a:defRPr sz="1800" kern="1200">
+                <a:solidFill>
+                  <a:schemeClr val="tx1"/>
+                </a:solidFill>
+                <a:latin typeface="+mn-lt"/>
+                <a:ea typeface="+mn-ea"/>
+                <a:cs typeface="+mn-cs"/>
+              </a:defRPr>
+            </a:lvl8pPr>
+            <a:lvl9pPr marL="3657600" algn="l" defTabSz="914400" rtl="0" eaLnBrk="1" latinLnBrk="0" hangingPunct="1">
+              <a:defRPr sz="1800" kern="1200">
+                <a:solidFill>
+                  <a:schemeClr val="tx1"/>
+                </a:solidFill>
+                <a:latin typeface="+mn-lt"/>
+                <a:ea typeface="+mn-ea"/>
+                <a:cs typeface="+mn-cs"/>
+              </a:defRPr>
+            </a:lvl9pPr>
+          </a:lstStyle>
+          <a:p>
+            <a:r>
+              <a:rPr lang="en-US" altLang="ko-KR" b="1" dirty="0"/>
+              <a:t>HMC545A</a:t>
+            </a:r>
+          </a:p>
+          <a:p>
+            <a:r>
+              <a:rPr lang="en-US" altLang="ko-KR" b="1" dirty="0"/>
+              <a:t>QPC7522</a:t>
+            </a:r>
+          </a:p>
+          <a:p>
+            <a:r>
+              <a:rPr lang="en-US" altLang="ko-KR" b="1" dirty="0"/>
+              <a:t>HSWA2-30DR+</a:t>
+            </a:r>
+            <a:endParaRPr lang="ko-KR" altLang="en-US" b="1" dirty="0"/>
+          </a:p>
+        </p:txBody>
+      </p:sp>
+      <p:cxnSp>
+        <p:nvCxnSpPr>
+          <p:cNvPr id="66" name="직선 연결선 65">
+            <a:extLst>
+              <a:ext uri="{FF2B5EF4-FFF2-40B4-BE49-F238E27FC236}">
+                <a16:creationId xmlns:a16="http://schemas.microsoft.com/office/drawing/2014/main" id="{4EB82198-2F69-85FE-EEE1-EDCA9E873451}"/>
+              </a:ext>
+            </a:extLst>
+          </p:cNvPr>
+          <p:cNvCxnSpPr>
+            <a:cxnSpLocks/>
+            <a:endCxn id="64" idx="0"/>
+          </p:cNvCxnSpPr>
+          <p:nvPr/>
+        </p:nvCxnSpPr>
+        <p:spPr>
+          <a:xfrm flipH="1">
+            <a:off x="4259983" y="5188734"/>
+            <a:ext cx="1833207" cy="692835"/>
+          </a:xfrm>
+          <a:prstGeom prst="line">
+            <a:avLst/>
+          </a:prstGeom>
+          <a:ln w="19050">
+            <a:prstDash val="lgDash"/>
+          </a:ln>
+        </p:spPr>
+        <p:style>
+          <a:lnRef idx="1">
+            <a:schemeClr val="dk1"/>
+          </a:lnRef>
+          <a:fillRef idx="0">
+            <a:schemeClr val="dk1"/>
+          </a:fillRef>
+          <a:effectRef idx="0">
+            <a:schemeClr val="dk1"/>
+          </a:effectRef>
+          <a:fontRef idx="minor">
+            <a:schemeClr val="tx1"/>
+          </a:fontRef>
+        </p:style>
+      </p:cxnSp>
+      <p:sp>
+        <p:nvSpPr>
+          <p:cNvPr id="75" name="직사각형 74">
+            <a:extLst>
+              <a:ext uri="{FF2B5EF4-FFF2-40B4-BE49-F238E27FC236}">
+                <a16:creationId xmlns:a16="http://schemas.microsoft.com/office/drawing/2014/main" id="{D1A780B7-7EF7-6223-41EF-70775FBEDB34}"/>
+              </a:ext>
+            </a:extLst>
+          </p:cNvPr>
+          <p:cNvSpPr/>
+          <p:nvPr/>
+        </p:nvSpPr>
+        <p:spPr>
+          <a:xfrm>
+            <a:off x="9275103" y="1034857"/>
+            <a:ext cx="1353274" cy="731176"/>
+          </a:xfrm>
+          <a:prstGeom prst="rect">
+            <a:avLst/>
+          </a:prstGeom>
+          <a:noFill/>
+          <a:ln w="25400"/>
+        </p:spPr>
+        <p:style>
+          <a:lnRef idx="2">
+            <a:schemeClr val="dk1">
+              <a:shade val="50000"/>
+            </a:schemeClr>
+          </a:lnRef>
+          <a:fillRef idx="1">
+            <a:schemeClr val="dk1"/>
+          </a:fillRef>
+          <a:effectRef idx="0">
+            <a:schemeClr val="dk1"/>
+          </a:effectRef>
+          <a:fontRef idx="minor">
+            <a:schemeClr val="lt1"/>
+          </a:fontRef>
+        </p:style>
+        <p:txBody>
+          <a:bodyPr rtlCol="0" anchor="ctr"/>
+          <a:lstStyle/>
+          <a:p>
+            <a:pPr algn="ctr"/>
+            <a:r>
+              <a:rPr kumimoji="1" lang="en-US" altLang="en-US">
+                <a:solidFill>
+                  <a:schemeClr val="tx1"/>
+                </a:solidFill>
+              </a:rPr>
+              <a:t>regulator</a:t>
+            </a:r>
+            <a:endParaRPr kumimoji="1" lang="ko-Kore-KR" altLang="en-US" dirty="0">
+              <a:solidFill>
+                <a:schemeClr val="tx1"/>
+              </a:solidFill>
+            </a:endParaRPr>
+          </a:p>
+        </p:txBody>
+      </p:sp>
+      <p:cxnSp>
+        <p:nvCxnSpPr>
+          <p:cNvPr id="76" name="연결선: 꺾임 75">
+            <a:extLst>
+              <a:ext uri="{FF2B5EF4-FFF2-40B4-BE49-F238E27FC236}">
+                <a16:creationId xmlns:a16="http://schemas.microsoft.com/office/drawing/2014/main" id="{3F74A277-6158-BC59-4FB8-BC59483EDB53}"/>
+              </a:ext>
+            </a:extLst>
+          </p:cNvPr>
+          <p:cNvCxnSpPr>
+            <a:cxnSpLocks/>
+            <a:stCxn id="75" idx="2"/>
+            <a:endCxn id="4" idx="1"/>
+          </p:cNvCxnSpPr>
+          <p:nvPr/>
+        </p:nvCxnSpPr>
+        <p:spPr>
+          <a:xfrm rot="5400000">
+            <a:off x="7724501" y="1914954"/>
+            <a:ext cx="2376161" cy="2078319"/>
+          </a:xfrm>
+          <a:prstGeom prst="bentConnector3">
+            <a:avLst>
+              <a:gd name="adj1" fmla="val 82870"/>
+            </a:avLst>
+          </a:prstGeom>
+          <a:ln w="25400">
+            <a:tailEnd type="triangle"/>
+          </a:ln>
+        </p:spPr>
+        <p:style>
+          <a:lnRef idx="1">
+            <a:schemeClr val="dk1"/>
+          </a:lnRef>
+          <a:fillRef idx="0">
+            <a:schemeClr val="dk1"/>
+          </a:fillRef>
+          <a:effectRef idx="0">
+            <a:schemeClr val="dk1"/>
+          </a:effectRef>
+          <a:fontRef idx="minor">
+            <a:schemeClr val="tx1"/>
+          </a:fontRef>
+        </p:style>
+      </p:cxnSp>
+      <p:sp>
+        <p:nvSpPr>
+          <p:cNvPr id="83" name="TextBox 82">
+            <a:extLst>
+              <a:ext uri="{FF2B5EF4-FFF2-40B4-BE49-F238E27FC236}">
+                <a16:creationId xmlns:a16="http://schemas.microsoft.com/office/drawing/2014/main" id="{56A345CC-5DC4-C56B-07EF-C054670445D0}"/>
+              </a:ext>
+            </a:extLst>
+          </p:cNvPr>
+          <p:cNvSpPr txBox="1"/>
+          <p:nvPr/>
+        </p:nvSpPr>
+        <p:spPr>
+          <a:xfrm>
+            <a:off x="10095222" y="1956262"/>
+            <a:ext cx="622259" cy="369332"/>
+          </a:xfrm>
+          <a:prstGeom prst="rect">
+            <a:avLst/>
+          </a:prstGeom>
+          <a:noFill/>
+        </p:spPr>
+        <p:txBody>
+          <a:bodyPr wrap="square">
+            <a:spAutoFit/>
+          </a:bodyPr>
+          <a:lstStyle/>
+          <a:p>
+            <a:pPr algn="ctr"/>
+            <a:r>
+              <a:rPr kumimoji="1" lang="en-US" altLang="en-US" sz="1800"/>
+              <a:t>7V</a:t>
+            </a:r>
+            <a:endParaRPr lang="ko-KR" altLang="en-US"/>
+          </a:p>
+        </p:txBody>
+      </p:sp>
+      <p:sp>
+        <p:nvSpPr>
+          <p:cNvPr id="111" name="TextBox 110">
+            <a:extLst>
+              <a:ext uri="{FF2B5EF4-FFF2-40B4-BE49-F238E27FC236}">
+                <a16:creationId xmlns:a16="http://schemas.microsoft.com/office/drawing/2014/main" id="{C065E164-CCAE-FF02-C642-62F7B17FDAD4}"/>
+              </a:ext>
+            </a:extLst>
+          </p:cNvPr>
+          <p:cNvSpPr txBox="1"/>
+          <p:nvPr/>
+        </p:nvSpPr>
+        <p:spPr>
+          <a:xfrm>
+            <a:off x="10095222" y="438690"/>
+            <a:ext cx="1995748" cy="369332"/>
+          </a:xfrm>
+          <a:prstGeom prst="rect">
+            <a:avLst/>
+          </a:prstGeom>
+          <a:noFill/>
+        </p:spPr>
+        <p:txBody>
+          <a:bodyPr wrap="square">
+            <a:spAutoFit/>
+          </a:bodyPr>
+          <a:lstStyle/>
+          <a:p>
+            <a:pPr algn="ctr"/>
+            <a:r>
+              <a:rPr kumimoji="1" lang="en-US" altLang="en-US" sz="1800"/>
+              <a:t>12V from RFMC</a:t>
+            </a:r>
+            <a:endParaRPr lang="ko-KR" altLang="en-US"/>
+          </a:p>
+        </p:txBody>
+      </p:sp>
+      <p:sp>
+        <p:nvSpPr>
+          <p:cNvPr id="112" name="아래쪽 화살표[D] 127">
+            <a:extLst>
+              <a:ext uri="{FF2B5EF4-FFF2-40B4-BE49-F238E27FC236}">
+                <a16:creationId xmlns:a16="http://schemas.microsoft.com/office/drawing/2014/main" id="{56603FC2-B127-341C-239C-0D0485EFF0E8}"/>
+              </a:ext>
+            </a:extLst>
+          </p:cNvPr>
+          <p:cNvSpPr/>
+          <p:nvPr/>
+        </p:nvSpPr>
+        <p:spPr>
+          <a:xfrm>
+            <a:off x="9916119" y="677908"/>
+            <a:ext cx="71241" cy="297296"/>
+          </a:xfrm>
+          <a:prstGeom prst="downArrow">
+            <a:avLst/>
+          </a:prstGeom>
+          <a:solidFill>
+            <a:schemeClr val="tx1"/>
+          </a:solidFill>
+          <a:ln w="25400">
+            <a:solidFill>
+              <a:schemeClr val="tx1"/>
+            </a:solidFill>
+          </a:ln>
+        </p:spPr>
+        <p:style>
+          <a:lnRef idx="2">
+            <a:schemeClr val="accent1">
+              <a:shade val="50000"/>
+            </a:schemeClr>
+          </a:lnRef>
+          <a:fillRef idx="1">
+            <a:schemeClr val="accent1"/>
+          </a:fillRef>
+          <a:effectRef idx="0">
+            <a:schemeClr val="accent1"/>
+          </a:effectRef>
+          <a:fontRef idx="minor">
+            <a:schemeClr val="lt1"/>
+          </a:fontRef>
+        </p:style>
+        <p:txBody>
+          <a:bodyPr rtlCol="0" anchor="ctr"/>
+          <a:lstStyle/>
+          <a:p>
+            <a:pPr algn="ctr"/>
+            <a:endParaRPr kumimoji="1" lang="ko-Kore-KR" altLang="en-US" dirty="0"/>
+          </a:p>
+        </p:txBody>
+      </p:sp>
+      <p:cxnSp>
+        <p:nvCxnSpPr>
+          <p:cNvPr id="115" name="직선 연결선[R] 117">
+            <a:extLst>
+              <a:ext uri="{FF2B5EF4-FFF2-40B4-BE49-F238E27FC236}">
+                <a16:creationId xmlns:a16="http://schemas.microsoft.com/office/drawing/2014/main" id="{40877C0D-F736-B077-3F29-269786288F01}"/>
+              </a:ext>
+            </a:extLst>
+          </p:cNvPr>
+          <p:cNvCxnSpPr>
+            <a:cxnSpLocks/>
+            <a:endCxn id="6" idx="3"/>
+          </p:cNvCxnSpPr>
+          <p:nvPr/>
+        </p:nvCxnSpPr>
+        <p:spPr>
+          <a:xfrm flipH="1">
+            <a:off x="7071899" y="4283445"/>
+            <a:ext cx="258322" cy="0"/>
+          </a:xfrm>
+          <a:prstGeom prst="line">
+            <a:avLst/>
+          </a:prstGeom>
+          <a:ln w="25400">
+            <a:solidFill>
+              <a:schemeClr val="tx1"/>
+            </a:solidFill>
+          </a:ln>
+        </p:spPr>
+        <p:style>
+          <a:lnRef idx="1">
+            <a:schemeClr val="dk1"/>
+          </a:lnRef>
+          <a:fillRef idx="0">
+            <a:schemeClr val="dk1"/>
+          </a:fillRef>
+          <a:effectRef idx="0">
+            <a:schemeClr val="dk1"/>
+          </a:effectRef>
+          <a:fontRef idx="minor">
+            <a:schemeClr val="tx1"/>
+          </a:fontRef>
+        </p:style>
+      </p:cxnSp>
+      <p:cxnSp>
+        <p:nvCxnSpPr>
+          <p:cNvPr id="116" name="직선 연결선[R] 117">
+            <a:extLst>
+              <a:ext uri="{FF2B5EF4-FFF2-40B4-BE49-F238E27FC236}">
+                <a16:creationId xmlns:a16="http://schemas.microsoft.com/office/drawing/2014/main" id="{F63FE9AD-F5D8-947B-1D71-262DE4C5277E}"/>
+              </a:ext>
+            </a:extLst>
+          </p:cNvPr>
+          <p:cNvCxnSpPr>
+            <a:cxnSpLocks/>
+          </p:cNvCxnSpPr>
+          <p:nvPr/>
+        </p:nvCxnSpPr>
+        <p:spPr>
+          <a:xfrm flipH="1">
+            <a:off x="7403246" y="4284057"/>
+            <a:ext cx="246786" cy="0"/>
+          </a:xfrm>
+          <a:prstGeom prst="line">
+            <a:avLst/>
+          </a:prstGeom>
+          <a:ln w="25400">
+            <a:solidFill>
+              <a:schemeClr val="tx1"/>
+            </a:solidFill>
+          </a:ln>
+        </p:spPr>
+        <p:style>
+          <a:lnRef idx="1">
+            <a:schemeClr val="dk1"/>
+          </a:lnRef>
+          <a:fillRef idx="0">
+            <a:schemeClr val="dk1"/>
+          </a:fillRef>
+          <a:effectRef idx="0">
+            <a:schemeClr val="dk1"/>
+          </a:effectRef>
+          <a:fontRef idx="minor">
+            <a:schemeClr val="tx1"/>
+          </a:fontRef>
+        </p:style>
+      </p:cxnSp>
+      <p:cxnSp>
+        <p:nvCxnSpPr>
+          <p:cNvPr id="117" name="직선 연결선 116">
+            <a:extLst>
+              <a:ext uri="{FF2B5EF4-FFF2-40B4-BE49-F238E27FC236}">
+                <a16:creationId xmlns:a16="http://schemas.microsoft.com/office/drawing/2014/main" id="{01AC8B2F-373C-8448-6458-92ACFF90F33E}"/>
+              </a:ext>
+            </a:extLst>
+          </p:cNvPr>
+          <p:cNvCxnSpPr/>
+          <p:nvPr/>
+        </p:nvCxnSpPr>
+        <p:spPr>
+          <a:xfrm>
+            <a:off x="7330221" y="4142194"/>
+            <a:ext cx="0" cy="264792"/>
+          </a:xfrm>
+          <a:prstGeom prst="line">
+            <a:avLst/>
+          </a:prstGeom>
+          <a:ln w="12700"/>
+        </p:spPr>
+        <p:style>
+          <a:lnRef idx="1">
+            <a:schemeClr val="dk1"/>
+          </a:lnRef>
+          <a:fillRef idx="0">
+            <a:schemeClr val="dk1"/>
+          </a:fillRef>
+          <a:effectRef idx="0">
+            <a:schemeClr val="dk1"/>
+          </a:effectRef>
+          <a:fontRef idx="minor">
+            <a:schemeClr val="tx1"/>
+          </a:fontRef>
+        </p:style>
+      </p:cxnSp>
+      <p:cxnSp>
+        <p:nvCxnSpPr>
+          <p:cNvPr id="118" name="직선 연결선 117">
+            <a:extLst>
+              <a:ext uri="{FF2B5EF4-FFF2-40B4-BE49-F238E27FC236}">
+                <a16:creationId xmlns:a16="http://schemas.microsoft.com/office/drawing/2014/main" id="{AE112570-D401-96D9-1227-2AE523450CB3}"/>
+              </a:ext>
+            </a:extLst>
+          </p:cNvPr>
+          <p:cNvCxnSpPr/>
+          <p:nvPr/>
+        </p:nvCxnSpPr>
+        <p:spPr>
+          <a:xfrm>
+            <a:off x="7403246" y="4142194"/>
+            <a:ext cx="0" cy="264792"/>
+          </a:xfrm>
+          <a:prstGeom prst="line">
+            <a:avLst/>
+          </a:prstGeom>
+          <a:ln w="12700"/>
+        </p:spPr>
+        <p:style>
+          <a:lnRef idx="1">
+            <a:schemeClr val="dk1"/>
+          </a:lnRef>
+          <a:fillRef idx="0">
+            <a:schemeClr val="dk1"/>
+          </a:fillRef>
+          <a:effectRef idx="0">
+            <a:schemeClr val="dk1"/>
+          </a:effectRef>
+          <a:fontRef idx="minor">
+            <a:schemeClr val="tx1"/>
+          </a:fontRef>
+        </p:style>
+      </p:cxnSp>
+      <p:cxnSp>
+        <p:nvCxnSpPr>
+          <p:cNvPr id="125" name="직선 연결선[R] 117">
+            <a:extLst>
+              <a:ext uri="{FF2B5EF4-FFF2-40B4-BE49-F238E27FC236}">
+                <a16:creationId xmlns:a16="http://schemas.microsoft.com/office/drawing/2014/main" id="{55B72F5E-F9EB-4550-EF51-AEFBA0D20CAB}"/>
+              </a:ext>
+            </a:extLst>
+          </p:cNvPr>
+          <p:cNvCxnSpPr>
+            <a:cxnSpLocks/>
+          </p:cNvCxnSpPr>
+          <p:nvPr/>
+        </p:nvCxnSpPr>
+        <p:spPr>
+          <a:xfrm flipH="1">
+            <a:off x="8108294" y="4283445"/>
+            <a:ext cx="65932" cy="0"/>
+          </a:xfrm>
+          <a:prstGeom prst="line">
+            <a:avLst/>
+          </a:prstGeom>
+          <a:ln w="25400">
+            <a:solidFill>
+              <a:schemeClr val="tx1"/>
+            </a:solidFill>
+          </a:ln>
+        </p:spPr>
+        <p:style>
+          <a:lnRef idx="1">
+            <a:schemeClr val="dk1"/>
+          </a:lnRef>
+          <a:fillRef idx="0">
+            <a:schemeClr val="dk1"/>
+          </a:fillRef>
+          <a:effectRef idx="0">
+            <a:schemeClr val="dk1"/>
+          </a:effectRef>
+          <a:fontRef idx="minor">
+            <a:schemeClr val="tx1"/>
+          </a:fontRef>
+        </p:style>
+      </p:cxnSp>
+      <p:cxnSp>
+        <p:nvCxnSpPr>
+          <p:cNvPr id="126" name="직선 연결선[R] 117">
+            <a:extLst>
+              <a:ext uri="{FF2B5EF4-FFF2-40B4-BE49-F238E27FC236}">
+                <a16:creationId xmlns:a16="http://schemas.microsoft.com/office/drawing/2014/main" id="{0BAF5226-A736-D048-9FDA-1AAD2723ED1B}"/>
+              </a:ext>
+            </a:extLst>
+          </p:cNvPr>
+          <p:cNvCxnSpPr>
+            <a:cxnSpLocks/>
+          </p:cNvCxnSpPr>
+          <p:nvPr/>
+        </p:nvCxnSpPr>
+        <p:spPr>
+          <a:xfrm flipH="1">
+            <a:off x="8247251" y="4284057"/>
+            <a:ext cx="81686" cy="0"/>
+          </a:xfrm>
+          <a:prstGeom prst="line">
+            <a:avLst/>
+          </a:prstGeom>
+          <a:ln w="25400">
+            <a:solidFill>
+              <a:schemeClr val="tx1"/>
+            </a:solidFill>
+          </a:ln>
+        </p:spPr>
+        <p:style>
+          <a:lnRef idx="1">
+            <a:schemeClr val="dk1"/>
+          </a:lnRef>
+          <a:fillRef idx="0">
+            <a:schemeClr val="dk1"/>
+          </a:fillRef>
+          <a:effectRef idx="0">
+            <a:schemeClr val="dk1"/>
+          </a:effectRef>
+          <a:fontRef idx="minor">
+            <a:schemeClr val="tx1"/>
+          </a:fontRef>
+        </p:style>
+      </p:cxnSp>
+      <p:cxnSp>
+        <p:nvCxnSpPr>
+          <p:cNvPr id="127" name="직선 연결선 126">
+            <a:extLst>
+              <a:ext uri="{FF2B5EF4-FFF2-40B4-BE49-F238E27FC236}">
+                <a16:creationId xmlns:a16="http://schemas.microsoft.com/office/drawing/2014/main" id="{E5BC80F0-C254-0469-7E97-DC4F402789D1}"/>
+              </a:ext>
+            </a:extLst>
+          </p:cNvPr>
+          <p:cNvCxnSpPr/>
+          <p:nvPr/>
+        </p:nvCxnSpPr>
+        <p:spPr>
+          <a:xfrm>
+            <a:off x="8174226" y="4142194"/>
+            <a:ext cx="0" cy="264792"/>
+          </a:xfrm>
+          <a:prstGeom prst="line">
+            <a:avLst/>
+          </a:prstGeom>
+          <a:ln w="12700"/>
+        </p:spPr>
+        <p:style>
+          <a:lnRef idx="1">
+            <a:schemeClr val="dk1"/>
+          </a:lnRef>
+          <a:fillRef idx="0">
+            <a:schemeClr val="dk1"/>
+          </a:fillRef>
+          <a:effectRef idx="0">
+            <a:schemeClr val="dk1"/>
+          </a:effectRef>
+          <a:fontRef idx="minor">
+            <a:schemeClr val="tx1"/>
+          </a:fontRef>
+        </p:style>
+      </p:cxnSp>
+      <p:cxnSp>
+        <p:nvCxnSpPr>
+          <p:cNvPr id="128" name="직선 연결선 127">
+            <a:extLst>
+              <a:ext uri="{FF2B5EF4-FFF2-40B4-BE49-F238E27FC236}">
+                <a16:creationId xmlns:a16="http://schemas.microsoft.com/office/drawing/2014/main" id="{4E46308D-258B-E89C-A5C5-2DC4EB747078}"/>
+              </a:ext>
+            </a:extLst>
+          </p:cNvPr>
+          <p:cNvCxnSpPr/>
+          <p:nvPr/>
+        </p:nvCxnSpPr>
+        <p:spPr>
+          <a:xfrm>
+            <a:off x="8247251" y="4142194"/>
+            <a:ext cx="0" cy="264792"/>
+          </a:xfrm>
+          <a:prstGeom prst="line">
+            <a:avLst/>
+          </a:prstGeom>
+          <a:ln w="12700"/>
+        </p:spPr>
+        <p:style>
+          <a:lnRef idx="1">
+            <a:schemeClr val="dk1"/>
+          </a:lnRef>
+          <a:fillRef idx="0">
+            <a:schemeClr val="dk1"/>
+          </a:fillRef>
+          <a:effectRef idx="0">
+            <a:schemeClr val="dk1"/>
+          </a:effectRef>
+          <a:fontRef idx="minor">
+            <a:schemeClr val="tx1"/>
+          </a:fontRef>
+        </p:style>
+      </p:cxnSp>
+      <p:sp>
+        <p:nvSpPr>
+          <p:cNvPr id="56" name="TextBox 55">
+            <a:extLst>
+              <a:ext uri="{FF2B5EF4-FFF2-40B4-BE49-F238E27FC236}">
+                <a16:creationId xmlns:a16="http://schemas.microsoft.com/office/drawing/2014/main" id="{02A0E376-1C92-7B49-4C4B-17CB08CAD8C5}"/>
+              </a:ext>
+            </a:extLst>
+          </p:cNvPr>
+          <p:cNvSpPr txBox="1"/>
+          <p:nvPr/>
+        </p:nvSpPr>
+        <p:spPr>
+          <a:xfrm>
+            <a:off x="3399315" y="2080003"/>
+            <a:ext cx="1597156" cy="646331"/>
+          </a:xfrm>
+          <a:prstGeom prst="rect">
+            <a:avLst/>
+          </a:prstGeom>
+          <a:noFill/>
+        </p:spPr>
+        <p:txBody>
+          <a:bodyPr wrap="square">
+            <a:spAutoFit/>
+          </a:bodyPr>
+          <a:lstStyle/>
+          <a:p>
+            <a:pPr algn="ctr"/>
+            <a:r>
+              <a:rPr lang="en-US" altLang="ko-KR" sz="1800" i="0">
+                <a:effectLst/>
+              </a:rPr>
+              <a:t>Discrete Component</a:t>
+            </a:r>
+            <a:endParaRPr lang="ko-KR" altLang="en-US"/>
+          </a:p>
+        </p:txBody>
+      </p:sp>
+      <p:cxnSp>
+        <p:nvCxnSpPr>
+          <p:cNvPr id="70" name="직선 연결선[R] 120">
+            <a:extLst>
+              <a:ext uri="{FF2B5EF4-FFF2-40B4-BE49-F238E27FC236}">
+                <a16:creationId xmlns:a16="http://schemas.microsoft.com/office/drawing/2014/main" id="{FC66338D-730F-2B13-2D09-50527C5B22EB}"/>
+              </a:ext>
+            </a:extLst>
+          </p:cNvPr>
+          <p:cNvCxnSpPr>
+            <a:cxnSpLocks/>
+          </p:cNvCxnSpPr>
+          <p:nvPr/>
+        </p:nvCxnSpPr>
+        <p:spPr>
+          <a:xfrm flipH="1" flipV="1">
+            <a:off x="3238543" y="4441357"/>
+            <a:ext cx="620334" cy="1"/>
+          </a:xfrm>
+          <a:prstGeom prst="line">
+            <a:avLst/>
+          </a:prstGeom>
+          <a:ln w="25400"/>
+        </p:spPr>
+        <p:style>
+          <a:lnRef idx="1">
+            <a:schemeClr val="dk1"/>
+          </a:lnRef>
+          <a:fillRef idx="0">
+            <a:schemeClr val="dk1"/>
+          </a:fillRef>
+          <a:effectRef idx="0">
+            <a:schemeClr val="dk1"/>
+          </a:effectRef>
+          <a:fontRef idx="minor">
+            <a:schemeClr val="tx1"/>
+          </a:fontRef>
+        </p:style>
+      </p:cxnSp>
+      <p:cxnSp>
+        <p:nvCxnSpPr>
+          <p:cNvPr id="73" name="직선 연결선[R] 120">
+            <a:extLst>
+              <a:ext uri="{FF2B5EF4-FFF2-40B4-BE49-F238E27FC236}">
+                <a16:creationId xmlns:a16="http://schemas.microsoft.com/office/drawing/2014/main" id="{EFE73702-73E8-DFC0-4726-445EA5852977}"/>
+              </a:ext>
+            </a:extLst>
+          </p:cNvPr>
+          <p:cNvCxnSpPr>
+            <a:cxnSpLocks/>
+          </p:cNvCxnSpPr>
+          <p:nvPr/>
+        </p:nvCxnSpPr>
+        <p:spPr>
+          <a:xfrm flipH="1" flipV="1">
+            <a:off x="3238543" y="4644147"/>
+            <a:ext cx="620334" cy="1"/>
+          </a:xfrm>
+          <a:prstGeom prst="line">
+            <a:avLst/>
+          </a:prstGeom>
+          <a:ln w="25400"/>
+        </p:spPr>
+        <p:style>
+          <a:lnRef idx="1">
+            <a:schemeClr val="dk1"/>
+          </a:lnRef>
+          <a:fillRef idx="0">
+            <a:schemeClr val="dk1"/>
+          </a:fillRef>
+          <a:effectRef idx="0">
+            <a:schemeClr val="dk1"/>
+          </a:effectRef>
+          <a:fontRef idx="minor">
+            <a:schemeClr val="tx1"/>
+          </a:fontRef>
+        </p:style>
+      </p:cxnSp>
+      <p:cxnSp>
+        <p:nvCxnSpPr>
+          <p:cNvPr id="91" name="직선 연결선[R] 89">
+            <a:extLst>
+              <a:ext uri="{FF2B5EF4-FFF2-40B4-BE49-F238E27FC236}">
+                <a16:creationId xmlns:a16="http://schemas.microsoft.com/office/drawing/2014/main" id="{E8A46034-6EDE-6925-42BE-F92B4E7C3DB6}"/>
+              </a:ext>
+            </a:extLst>
+          </p:cNvPr>
+          <p:cNvCxnSpPr>
+            <a:cxnSpLocks/>
+          </p:cNvCxnSpPr>
+          <p:nvPr/>
+        </p:nvCxnSpPr>
+        <p:spPr>
+          <a:xfrm flipH="1">
+            <a:off x="4516438" y="4456070"/>
+            <a:ext cx="216210" cy="0"/>
+          </a:xfrm>
+          <a:prstGeom prst="line">
+            <a:avLst/>
+          </a:prstGeom>
+          <a:ln w="25400">
+            <a:solidFill>
+              <a:schemeClr val="tx1"/>
+            </a:solidFill>
+          </a:ln>
+        </p:spPr>
+        <p:style>
+          <a:lnRef idx="1">
+            <a:schemeClr val="dk1"/>
+          </a:lnRef>
+          <a:fillRef idx="0">
+            <a:schemeClr val="dk1"/>
+          </a:fillRef>
+          <a:effectRef idx="0">
+            <a:schemeClr val="dk1"/>
+          </a:effectRef>
+          <a:fontRef idx="minor">
+            <a:schemeClr val="tx1"/>
+          </a:fontRef>
+        </p:style>
+      </p:cxnSp>
+      <p:cxnSp>
+        <p:nvCxnSpPr>
+          <p:cNvPr id="94" name="직선 연결선[R] 89">
+            <a:extLst>
+              <a:ext uri="{FF2B5EF4-FFF2-40B4-BE49-F238E27FC236}">
+                <a16:creationId xmlns:a16="http://schemas.microsoft.com/office/drawing/2014/main" id="{AA8747B0-D3BA-0F9A-54D6-123E5E63D37E}"/>
+              </a:ext>
+            </a:extLst>
+          </p:cNvPr>
+          <p:cNvCxnSpPr>
+            <a:cxnSpLocks/>
+          </p:cNvCxnSpPr>
+          <p:nvPr/>
+        </p:nvCxnSpPr>
+        <p:spPr>
+          <a:xfrm flipH="1">
+            <a:off x="4805673" y="4456070"/>
+            <a:ext cx="356479" cy="0"/>
+          </a:xfrm>
+          <a:prstGeom prst="line">
+            <a:avLst/>
+          </a:prstGeom>
+          <a:ln w="25400">
+            <a:solidFill>
+              <a:schemeClr val="tx1"/>
+            </a:solidFill>
+          </a:ln>
+        </p:spPr>
+        <p:style>
+          <a:lnRef idx="1">
+            <a:schemeClr val="dk1"/>
+          </a:lnRef>
+          <a:fillRef idx="0">
+            <a:schemeClr val="dk1"/>
+          </a:fillRef>
+          <a:effectRef idx="0">
+            <a:schemeClr val="dk1"/>
+          </a:effectRef>
+          <a:fontRef idx="minor">
+            <a:schemeClr val="tx1"/>
+          </a:fontRef>
+        </p:style>
+      </p:cxnSp>
+      <p:cxnSp>
+        <p:nvCxnSpPr>
+          <p:cNvPr id="102" name="직선 연결선[R] 89">
+            <a:extLst>
+              <a:ext uri="{FF2B5EF4-FFF2-40B4-BE49-F238E27FC236}">
+                <a16:creationId xmlns:a16="http://schemas.microsoft.com/office/drawing/2014/main" id="{A44FC449-1110-38C3-C253-000C555F9D94}"/>
+              </a:ext>
+            </a:extLst>
+          </p:cNvPr>
+          <p:cNvCxnSpPr>
+            <a:cxnSpLocks/>
+          </p:cNvCxnSpPr>
+          <p:nvPr/>
+        </p:nvCxnSpPr>
+        <p:spPr>
+          <a:xfrm flipH="1">
+            <a:off x="4516438" y="4634812"/>
+            <a:ext cx="216210" cy="0"/>
+          </a:xfrm>
+          <a:prstGeom prst="line">
+            <a:avLst/>
+          </a:prstGeom>
+          <a:ln w="25400">
+            <a:solidFill>
+              <a:schemeClr val="tx1"/>
+            </a:solidFill>
+          </a:ln>
+        </p:spPr>
+        <p:style>
+          <a:lnRef idx="1">
+            <a:schemeClr val="dk1"/>
+          </a:lnRef>
+          <a:fillRef idx="0">
+            <a:schemeClr val="dk1"/>
+          </a:fillRef>
+          <a:effectRef idx="0">
+            <a:schemeClr val="dk1"/>
+          </a:effectRef>
+          <a:fontRef idx="minor">
+            <a:schemeClr val="tx1"/>
+          </a:fontRef>
+        </p:style>
+      </p:cxnSp>
+      <p:cxnSp>
+        <p:nvCxnSpPr>
+          <p:cNvPr id="103" name="직선 연결선[R] 89">
+            <a:extLst>
+              <a:ext uri="{FF2B5EF4-FFF2-40B4-BE49-F238E27FC236}">
+                <a16:creationId xmlns:a16="http://schemas.microsoft.com/office/drawing/2014/main" id="{14ACF9AC-203E-E448-F19C-CE28E1128D2F}"/>
+              </a:ext>
+            </a:extLst>
+          </p:cNvPr>
+          <p:cNvCxnSpPr>
+            <a:cxnSpLocks/>
+          </p:cNvCxnSpPr>
+          <p:nvPr/>
+        </p:nvCxnSpPr>
+        <p:spPr>
+          <a:xfrm flipH="1">
+            <a:off x="4805673" y="4634812"/>
+            <a:ext cx="356479" cy="0"/>
+          </a:xfrm>
+          <a:prstGeom prst="line">
+            <a:avLst/>
+          </a:prstGeom>
+          <a:ln w="25400">
+            <a:solidFill>
+              <a:schemeClr val="tx1"/>
+            </a:solidFill>
+          </a:ln>
+        </p:spPr>
+        <p:style>
+          <a:lnRef idx="1">
+            <a:schemeClr val="dk1"/>
+          </a:lnRef>
+          <a:fillRef idx="0">
+            <a:schemeClr val="dk1"/>
+          </a:fillRef>
+          <a:effectRef idx="0">
+            <a:schemeClr val="dk1"/>
+          </a:effectRef>
+          <a:fontRef idx="minor">
+            <a:schemeClr val="tx1"/>
+          </a:fontRef>
+        </p:style>
+      </p:cxnSp>
+      <p:cxnSp>
+        <p:nvCxnSpPr>
+          <p:cNvPr id="105" name="직선 연결선 104">
+            <a:extLst>
+              <a:ext uri="{FF2B5EF4-FFF2-40B4-BE49-F238E27FC236}">
+                <a16:creationId xmlns:a16="http://schemas.microsoft.com/office/drawing/2014/main" id="{C9A64773-9375-A2D9-483D-651E5EDD2318}"/>
+              </a:ext>
+            </a:extLst>
+          </p:cNvPr>
+          <p:cNvCxnSpPr>
+            <a:cxnSpLocks/>
+          </p:cNvCxnSpPr>
+          <p:nvPr/>
+        </p:nvCxnSpPr>
+        <p:spPr>
+          <a:xfrm>
+            <a:off x="4805673" y="4572539"/>
+            <a:ext cx="0" cy="120985"/>
+          </a:xfrm>
+          <a:prstGeom prst="line">
+            <a:avLst/>
+          </a:prstGeom>
+          <a:ln w="12700"/>
+        </p:spPr>
+        <p:style>
+          <a:lnRef idx="1">
+            <a:schemeClr val="dk1"/>
+          </a:lnRef>
+          <a:fillRef idx="0">
+            <a:schemeClr val="dk1"/>
+          </a:fillRef>
+          <a:effectRef idx="0">
+            <a:schemeClr val="dk1"/>
+          </a:effectRef>
+          <a:fontRef idx="minor">
+            <a:schemeClr val="tx1"/>
+          </a:fontRef>
+        </p:style>
+      </p:cxnSp>
+      <p:cxnSp>
+        <p:nvCxnSpPr>
+          <p:cNvPr id="120" name="직선 연결선 119">
+            <a:extLst>
+              <a:ext uri="{FF2B5EF4-FFF2-40B4-BE49-F238E27FC236}">
+                <a16:creationId xmlns:a16="http://schemas.microsoft.com/office/drawing/2014/main" id="{FFBB33C6-0C32-7E36-25EE-4B1AAD00C2EC}"/>
+              </a:ext>
+            </a:extLst>
+          </p:cNvPr>
+          <p:cNvCxnSpPr>
+            <a:cxnSpLocks/>
+          </p:cNvCxnSpPr>
+          <p:nvPr/>
+        </p:nvCxnSpPr>
+        <p:spPr>
+          <a:xfrm>
+            <a:off x="4732648" y="4572539"/>
+            <a:ext cx="0" cy="120985"/>
+          </a:xfrm>
+          <a:prstGeom prst="line">
+            <a:avLst/>
+          </a:prstGeom>
+          <a:ln w="12700"/>
+        </p:spPr>
+        <p:style>
+          <a:lnRef idx="1">
+            <a:schemeClr val="dk1"/>
+          </a:lnRef>
+          <a:fillRef idx="0">
+            <a:schemeClr val="dk1"/>
+          </a:fillRef>
+          <a:effectRef idx="0">
+            <a:schemeClr val="dk1"/>
+          </a:effectRef>
+          <a:fontRef idx="minor">
+            <a:schemeClr val="tx1"/>
+          </a:fontRef>
+        </p:style>
+      </p:cxnSp>
+      <p:cxnSp>
+        <p:nvCxnSpPr>
+          <p:cNvPr id="121" name="직선 연결선 120">
+            <a:extLst>
+              <a:ext uri="{FF2B5EF4-FFF2-40B4-BE49-F238E27FC236}">
+                <a16:creationId xmlns:a16="http://schemas.microsoft.com/office/drawing/2014/main" id="{F81B3477-1FCF-E7C8-A43F-56FC9A45D965}"/>
+              </a:ext>
+            </a:extLst>
+          </p:cNvPr>
+          <p:cNvCxnSpPr>
+            <a:cxnSpLocks/>
+          </p:cNvCxnSpPr>
+          <p:nvPr/>
+        </p:nvCxnSpPr>
+        <p:spPr>
+          <a:xfrm>
+            <a:off x="4805673" y="4402908"/>
+            <a:ext cx="0" cy="120985"/>
+          </a:xfrm>
+          <a:prstGeom prst="line">
+            <a:avLst/>
+          </a:prstGeom>
+          <a:ln w="12700"/>
+        </p:spPr>
+        <p:style>
+          <a:lnRef idx="1">
+            <a:schemeClr val="dk1"/>
+          </a:lnRef>
+          <a:fillRef idx="0">
+            <a:schemeClr val="dk1"/>
+          </a:fillRef>
+          <a:effectRef idx="0">
+            <a:schemeClr val="dk1"/>
+          </a:effectRef>
+          <a:fontRef idx="minor">
+            <a:schemeClr val="tx1"/>
+          </a:fontRef>
+        </p:style>
+      </p:cxnSp>
+      <p:cxnSp>
+        <p:nvCxnSpPr>
+          <p:cNvPr id="122" name="직선 연결선 121">
+            <a:extLst>
+              <a:ext uri="{FF2B5EF4-FFF2-40B4-BE49-F238E27FC236}">
+                <a16:creationId xmlns:a16="http://schemas.microsoft.com/office/drawing/2014/main" id="{A692D184-CCA5-58AA-3E67-1B3314BF1C88}"/>
+              </a:ext>
+            </a:extLst>
+          </p:cNvPr>
+          <p:cNvCxnSpPr>
+            <a:cxnSpLocks/>
+          </p:cNvCxnSpPr>
+          <p:nvPr/>
+        </p:nvCxnSpPr>
+        <p:spPr>
+          <a:xfrm>
+            <a:off x="4732648" y="4402908"/>
+            <a:ext cx="0" cy="120985"/>
+          </a:xfrm>
+          <a:prstGeom prst="line">
+            <a:avLst/>
+          </a:prstGeom>
+          <a:ln w="12700"/>
+        </p:spPr>
+        <p:style>
+          <a:lnRef idx="1">
+            <a:schemeClr val="dk1"/>
+          </a:lnRef>
+          <a:fillRef idx="0">
+            <a:schemeClr val="dk1"/>
+          </a:fillRef>
+          <a:effectRef idx="0">
+            <a:schemeClr val="dk1"/>
+          </a:effectRef>
+          <a:fontRef idx="minor">
+            <a:schemeClr val="tx1"/>
+          </a:fontRef>
+        </p:style>
+      </p:cxnSp>
+      <p:sp>
+        <p:nvSpPr>
+          <p:cNvPr id="3" name="화살표: U자형 2">
+            <a:extLst>
+              <a:ext uri="{FF2B5EF4-FFF2-40B4-BE49-F238E27FC236}">
+                <a16:creationId xmlns:a16="http://schemas.microsoft.com/office/drawing/2014/main" id="{74A2BFBF-D4F3-E91D-B3CD-76348F081912}"/>
+              </a:ext>
+            </a:extLst>
+          </p:cNvPr>
+          <p:cNvSpPr/>
+          <p:nvPr/>
+        </p:nvSpPr>
+        <p:spPr>
+          <a:xfrm rot="5400000">
+            <a:off x="5152220" y="-529361"/>
+            <a:ext cx="708299" cy="3793753"/>
+          </a:xfrm>
+          <a:prstGeom prst="uturnArrow">
+            <a:avLst>
+              <a:gd name="adj1" fmla="val 25000"/>
+              <a:gd name="adj2" fmla="val 25000"/>
+              <a:gd name="adj3" fmla="val 25000"/>
+              <a:gd name="adj4" fmla="val 43750"/>
+              <a:gd name="adj5" fmla="val 97851"/>
+            </a:avLst>
+          </a:prstGeom>
+          <a:solidFill>
+            <a:schemeClr val="accent2">
+              <a:alpha val="70000"/>
+            </a:schemeClr>
+          </a:solidFill>
+          <a:ln>
+            <a:noFill/>
+          </a:ln>
+        </p:spPr>
+        <p:style>
+          <a:lnRef idx="2">
+            <a:schemeClr val="accent1">
+              <a:shade val="15000"/>
+            </a:schemeClr>
+          </a:lnRef>
+          <a:fillRef idx="1">
+            <a:schemeClr val="accent1"/>
+          </a:fillRef>
+          <a:effectRef idx="0">
+            <a:schemeClr val="accent1"/>
+          </a:effectRef>
+          <a:fontRef idx="minor">
+            <a:schemeClr val="lt1"/>
+          </a:fontRef>
+        </p:style>
+        <p:txBody>
+          <a:bodyPr rtlCol="0" anchor="ctr"/>
+          <a:lstStyle/>
+          <a:p>
+            <a:pPr algn="ctr"/>
+            <a:endParaRPr lang="ko-KR" altLang="en-US">
+              <a:solidFill>
+                <a:schemeClr val="tx1"/>
+              </a:solidFill>
+            </a:endParaRPr>
+          </a:p>
+        </p:txBody>
+      </p:sp>
+      <p:sp>
+        <p:nvSpPr>
+          <p:cNvPr id="30" name="TextBox 29">
+            <a:extLst>
+              <a:ext uri="{FF2B5EF4-FFF2-40B4-BE49-F238E27FC236}">
+                <a16:creationId xmlns:a16="http://schemas.microsoft.com/office/drawing/2014/main" id="{260E9786-F324-E603-D506-B4164CDA04FA}"/>
+              </a:ext>
+            </a:extLst>
+          </p:cNvPr>
+          <p:cNvSpPr txBox="1"/>
+          <p:nvPr/>
+        </p:nvSpPr>
+        <p:spPr>
+          <a:xfrm>
+            <a:off x="3548710" y="566792"/>
+            <a:ext cx="3611941" cy="369332"/>
+          </a:xfrm>
+          <a:prstGeom prst="rect">
+            <a:avLst/>
+          </a:prstGeom>
+          <a:noFill/>
+        </p:spPr>
+        <p:txBody>
+          <a:bodyPr wrap="square">
+            <a:spAutoFit/>
+          </a:bodyPr>
+          <a:lstStyle/>
+          <a:p>
+            <a:pPr algn="ctr"/>
+            <a:r>
+              <a:rPr lang="en-US" altLang="ko-KR" sz="1800" i="0">
+                <a:effectLst/>
+              </a:rPr>
+              <a:t>reflection -&gt; at least -27dB</a:t>
+            </a:r>
+            <a:endParaRPr lang="ko-KR" altLang="en-US"/>
+          </a:p>
+        </p:txBody>
+      </p:sp>
+    </p:spTree>
+    <p:extLst>
+      <p:ext uri="{BB962C8B-B14F-4D97-AF65-F5344CB8AC3E}">
+        <p14:creationId xmlns:p14="http://schemas.microsoft.com/office/powerpoint/2010/main" val="4237358232"/>
+      </p:ext>
+    </p:extLst>
+  </p:cSld>
+  <p:clrMapOvr>
+    <a:masterClrMapping/>
+  </p:clrMapOvr>
+</p:sld>
+</file>
+
+<file path=ppt/slides/slide8.xml><?xml version="1.0" encoding="utf-8"?>
+<p:sld xmlns:a="http://schemas.openxmlformats.org/drawingml/2006/main" xmlns:r="http://schemas.openxmlformats.org/officeDocument/2006/relationships" xmlns:p="http://schemas.openxmlformats.org/presentationml/2006/main">
+  <p:cSld>
+    <p:spTree>
+      <p:nvGrpSpPr>
+        <p:cNvPr id="1" name=""/>
+        <p:cNvGrpSpPr/>
+        <p:nvPr/>
+      </p:nvGrpSpPr>
+      <p:grpSpPr>
+        <a:xfrm>
+          <a:off x="0" y="0"/>
+          <a:ext cx="0" cy="0"/>
+          <a:chOff x="0" y="0"/>
+          <a:chExt cx="0" cy="0"/>
+        </a:xfrm>
+      </p:grpSpPr>
+      <p:sp>
+        <p:nvSpPr>
+          <p:cNvPr id="4" name="TextBox 3">
+            <a:extLst>
+              <a:ext uri="{FF2B5EF4-FFF2-40B4-BE49-F238E27FC236}">
+                <a16:creationId xmlns:a16="http://schemas.microsoft.com/office/drawing/2014/main" id="{BDF640B3-A0A3-1D33-7037-8307D0EEBF1F}"/>
+              </a:ext>
+            </a:extLst>
+          </p:cNvPr>
+          <p:cNvSpPr txBox="1"/>
+          <p:nvPr/>
+        </p:nvSpPr>
+        <p:spPr>
+          <a:xfrm>
+            <a:off x="59376" y="117628"/>
+            <a:ext cx="1579728" cy="477054"/>
+          </a:xfrm>
+          <a:prstGeom prst="rect">
+            <a:avLst/>
+          </a:prstGeom>
+          <a:noFill/>
+        </p:spPr>
+        <p:txBody>
+          <a:bodyPr wrap="none" rtlCol="0">
+            <a:spAutoFit/>
+          </a:bodyPr>
+          <a:lstStyle/>
+          <a:p>
+            <a:r>
+              <a:rPr lang="en-US" altLang="ko-KR" sz="2500"/>
+              <a:t>Regulator</a:t>
+            </a:r>
+            <a:endParaRPr lang="ko-KR" altLang="en-US" sz="2500"/>
+          </a:p>
+        </p:txBody>
+      </p:sp>
+      <p:sp>
+        <p:nvSpPr>
+          <p:cNvPr id="5" name="직사각형 4">
+            <a:extLst>
+              <a:ext uri="{FF2B5EF4-FFF2-40B4-BE49-F238E27FC236}">
+                <a16:creationId xmlns:a16="http://schemas.microsoft.com/office/drawing/2014/main" id="{BB24DDE4-0CC0-B02D-FF2B-19AB23C34861}"/>
+              </a:ext>
+            </a:extLst>
+          </p:cNvPr>
+          <p:cNvSpPr/>
+          <p:nvPr/>
+        </p:nvSpPr>
+        <p:spPr>
+          <a:xfrm>
+            <a:off x="790184" y="1533621"/>
+            <a:ext cx="1810512" cy="731176"/>
+          </a:xfrm>
+          <a:prstGeom prst="rect">
+            <a:avLst/>
+          </a:prstGeom>
+          <a:noFill/>
+          <a:ln w="25400"/>
+        </p:spPr>
+        <p:style>
+          <a:lnRef idx="2">
+            <a:schemeClr val="dk1">
+              <a:shade val="50000"/>
+            </a:schemeClr>
+          </a:lnRef>
+          <a:fillRef idx="1">
+            <a:schemeClr val="dk1"/>
+          </a:fillRef>
+          <a:effectRef idx="0">
+            <a:schemeClr val="dk1"/>
+          </a:effectRef>
+          <a:fontRef idx="minor">
+            <a:schemeClr val="lt1"/>
+          </a:fontRef>
+        </p:style>
+        <p:txBody>
+          <a:bodyPr rtlCol="0" anchor="ctr"/>
+          <a:lstStyle/>
+          <a:p>
+            <a:pPr algn="ctr"/>
+            <a:r>
+              <a:rPr kumimoji="1" lang="en-US" altLang="en-US">
+                <a:solidFill>
+                  <a:schemeClr val="tx1"/>
+                </a:solidFill>
+              </a:rPr>
+              <a:t>12V0 -&gt; 7V0</a:t>
+            </a:r>
+            <a:endParaRPr kumimoji="1" lang="ko-Kore-KR" altLang="en-US" dirty="0">
+              <a:solidFill>
+                <a:schemeClr val="tx1"/>
+              </a:solidFill>
+            </a:endParaRPr>
+          </a:p>
+        </p:txBody>
+      </p:sp>
+      <p:sp>
+        <p:nvSpPr>
+          <p:cNvPr id="7" name="직사각형 6">
+            <a:extLst>
+              <a:ext uri="{FF2B5EF4-FFF2-40B4-BE49-F238E27FC236}">
+                <a16:creationId xmlns:a16="http://schemas.microsoft.com/office/drawing/2014/main" id="{C75D4564-5082-5F55-4437-C83D1C4D959F}"/>
+              </a:ext>
+            </a:extLst>
+          </p:cNvPr>
+          <p:cNvSpPr/>
+          <p:nvPr/>
+        </p:nvSpPr>
+        <p:spPr>
+          <a:xfrm>
+            <a:off x="790183" y="2430208"/>
+            <a:ext cx="1810511" cy="731176"/>
+          </a:xfrm>
+          <a:prstGeom prst="rect">
+            <a:avLst/>
+          </a:prstGeom>
+          <a:noFill/>
+          <a:ln w="25400"/>
+        </p:spPr>
+        <p:style>
+          <a:lnRef idx="2">
+            <a:schemeClr val="dk1">
+              <a:shade val="50000"/>
+            </a:schemeClr>
+          </a:lnRef>
+          <a:fillRef idx="1">
+            <a:schemeClr val="dk1"/>
+          </a:fillRef>
+          <a:effectRef idx="0">
+            <a:schemeClr val="dk1"/>
+          </a:effectRef>
+          <a:fontRef idx="minor">
+            <a:schemeClr val="lt1"/>
+          </a:fontRef>
+        </p:style>
+        <p:txBody>
+          <a:bodyPr rtlCol="0" anchor="ctr"/>
+          <a:lstStyle/>
+          <a:p>
+            <a:pPr algn="ctr"/>
+            <a:r>
+              <a:rPr kumimoji="1" lang="en-US" altLang="en-US">
+                <a:solidFill>
+                  <a:schemeClr val="tx1"/>
+                </a:solidFill>
+              </a:rPr>
+              <a:t>12V0 -&gt; 3V0</a:t>
+            </a:r>
+            <a:endParaRPr kumimoji="1" lang="ko-Kore-KR" altLang="en-US" dirty="0">
+              <a:solidFill>
+                <a:schemeClr val="tx1"/>
+              </a:solidFill>
+            </a:endParaRPr>
+          </a:p>
+        </p:txBody>
+      </p:sp>
+      <p:sp>
+        <p:nvSpPr>
+          <p:cNvPr id="9" name="직사각형 8">
+            <a:extLst>
+              <a:ext uri="{FF2B5EF4-FFF2-40B4-BE49-F238E27FC236}">
+                <a16:creationId xmlns:a16="http://schemas.microsoft.com/office/drawing/2014/main" id="{82E52319-5324-2DFC-B873-6E6482A9454A}"/>
+              </a:ext>
+            </a:extLst>
+          </p:cNvPr>
+          <p:cNvSpPr/>
+          <p:nvPr/>
+        </p:nvSpPr>
+        <p:spPr>
+          <a:xfrm>
+            <a:off x="790183" y="3326795"/>
+            <a:ext cx="1810511" cy="731176"/>
+          </a:xfrm>
+          <a:prstGeom prst="rect">
+            <a:avLst/>
+          </a:prstGeom>
+          <a:noFill/>
+          <a:ln w="25400"/>
+        </p:spPr>
+        <p:style>
+          <a:lnRef idx="2">
+            <a:schemeClr val="dk1">
+              <a:shade val="50000"/>
+            </a:schemeClr>
+          </a:lnRef>
+          <a:fillRef idx="1">
+            <a:schemeClr val="dk1"/>
+          </a:fillRef>
+          <a:effectRef idx="0">
+            <a:schemeClr val="dk1"/>
+          </a:effectRef>
+          <a:fontRef idx="minor">
+            <a:schemeClr val="lt1"/>
+          </a:fontRef>
+        </p:style>
+        <p:txBody>
+          <a:bodyPr rtlCol="0" anchor="ctr"/>
+          <a:lstStyle/>
+          <a:p>
+            <a:pPr algn="ctr"/>
+            <a:r>
+              <a:rPr kumimoji="1" lang="en-US" altLang="en-US">
+                <a:solidFill>
+                  <a:schemeClr val="tx1"/>
+                </a:solidFill>
+              </a:rPr>
+              <a:t>12V0 -&gt; 2V5</a:t>
+            </a:r>
+            <a:endParaRPr kumimoji="1" lang="ko-Kore-KR" altLang="en-US" dirty="0">
+              <a:solidFill>
+                <a:schemeClr val="tx1"/>
+              </a:solidFill>
+            </a:endParaRPr>
+          </a:p>
+        </p:txBody>
+      </p:sp>
+    </p:spTree>
+    <p:extLst>
+      <p:ext uri="{BB962C8B-B14F-4D97-AF65-F5344CB8AC3E}">
+        <p14:creationId xmlns:p14="http://schemas.microsoft.com/office/powerpoint/2010/main" val="1626103576"/>
+      </p:ext>
+    </p:extLst>
+  </p:cSld>
+  <p:clrMapOvr>
+    <a:masterClrMapping/>
+  </p:clrMapOvr>
+</p:sld>
+</file>
+
+<file path=ppt/slides/slide9.xml><?xml version="1.0" encoding="utf-8"?>
+<p:sld xmlns:a="http://schemas.openxmlformats.org/drawingml/2006/main" xmlns:r="http://schemas.openxmlformats.org/officeDocument/2006/relationships" xmlns:p="http://schemas.openxmlformats.org/presentationml/2006/main">
+  <p:cSld>
+    <p:spTree>
+      <p:nvGrpSpPr>
+        <p:cNvPr id="1" name=""/>
+        <p:cNvGrpSpPr/>
+        <p:nvPr/>
+      </p:nvGrpSpPr>
+      <p:grpSpPr>
+        <a:xfrm>
+          <a:off x="0" y="0"/>
+          <a:ext cx="0" cy="0"/>
+          <a:chOff x="0" y="0"/>
+          <a:chExt cx="0" cy="0"/>
+        </a:xfrm>
+      </p:grpSpPr>
+      <p:sp>
+        <p:nvSpPr>
+          <p:cNvPr id="4" name="자유형 83">
+            <a:extLst>
+              <a:ext uri="{FF2B5EF4-FFF2-40B4-BE49-F238E27FC236}">
+                <a16:creationId xmlns:a16="http://schemas.microsoft.com/office/drawing/2014/main" id="{4368D659-1A55-8F7A-03C7-526E12C39BE4}"/>
+              </a:ext>
+            </a:extLst>
+          </p:cNvPr>
+          <p:cNvSpPr/>
+          <p:nvPr/>
+        </p:nvSpPr>
+        <p:spPr>
+          <a:xfrm>
+            <a:off x="1209835" y="2321867"/>
+            <a:ext cx="161021" cy="692266"/>
+          </a:xfrm>
+          <a:custGeom>
+            <a:avLst/>
+            <a:gdLst>
+              <a:gd name="connsiteX0" fmla="*/ 46434 w 85725"/>
+              <a:gd name="connsiteY0" fmla="*/ 0 h 692944"/>
+              <a:gd name="connsiteX1" fmla="*/ 46434 w 85725"/>
+              <a:gd name="connsiteY1" fmla="*/ 121444 h 692944"/>
+              <a:gd name="connsiteX2" fmla="*/ 85725 w 85725"/>
+              <a:gd name="connsiteY2" fmla="*/ 160735 h 692944"/>
+              <a:gd name="connsiteX3" fmla="*/ 10716 w 85725"/>
+              <a:gd name="connsiteY3" fmla="*/ 235744 h 692944"/>
+              <a:gd name="connsiteX4" fmla="*/ 82153 w 85725"/>
+              <a:gd name="connsiteY4" fmla="*/ 307181 h 692944"/>
+              <a:gd name="connsiteX5" fmla="*/ 3571 w 85725"/>
+              <a:gd name="connsiteY5" fmla="*/ 385763 h 692944"/>
+              <a:gd name="connsiteX6" fmla="*/ 78581 w 85725"/>
+              <a:gd name="connsiteY6" fmla="*/ 460773 h 692944"/>
+              <a:gd name="connsiteX7" fmla="*/ 0 w 85725"/>
+              <a:gd name="connsiteY7" fmla="*/ 539354 h 692944"/>
+              <a:gd name="connsiteX8" fmla="*/ 46434 w 85725"/>
+              <a:gd name="connsiteY8" fmla="*/ 585788 h 692944"/>
+              <a:gd name="connsiteX9" fmla="*/ 46434 w 85725"/>
+              <a:gd name="connsiteY9" fmla="*/ 692944 h 692944"/>
+            </a:gdLst>
+            <a:ahLst/>
+            <a:cxnLst>
+              <a:cxn ang="0">
+                <a:pos x="connsiteX0" y="connsiteY0"/>
+              </a:cxn>
+              <a:cxn ang="0">
+                <a:pos x="connsiteX1" y="connsiteY1"/>
+              </a:cxn>
+              <a:cxn ang="0">
+                <a:pos x="connsiteX2" y="connsiteY2"/>
+              </a:cxn>
+              <a:cxn ang="0">
+                <a:pos x="connsiteX3" y="connsiteY3"/>
+              </a:cxn>
+              <a:cxn ang="0">
+                <a:pos x="connsiteX4" y="connsiteY4"/>
+              </a:cxn>
+              <a:cxn ang="0">
+                <a:pos x="connsiteX5" y="connsiteY5"/>
+              </a:cxn>
+              <a:cxn ang="0">
+                <a:pos x="connsiteX6" y="connsiteY6"/>
+              </a:cxn>
+              <a:cxn ang="0">
+                <a:pos x="connsiteX7" y="connsiteY7"/>
+              </a:cxn>
+              <a:cxn ang="0">
+                <a:pos x="connsiteX8" y="connsiteY8"/>
+              </a:cxn>
+              <a:cxn ang="0">
+                <a:pos x="connsiteX9" y="connsiteY9"/>
+              </a:cxn>
+            </a:cxnLst>
+            <a:rect l="l" t="t" r="r" b="b"/>
+            <a:pathLst>
+              <a:path w="85725" h="692944">
+                <a:moveTo>
+                  <a:pt x="46434" y="0"/>
+                </a:moveTo>
+                <a:lnTo>
+                  <a:pt x="46434" y="121444"/>
+                </a:lnTo>
+                <a:lnTo>
+                  <a:pt x="85725" y="160735"/>
+                </a:lnTo>
+                <a:lnTo>
+                  <a:pt x="10716" y="235744"/>
+                </a:lnTo>
+                <a:lnTo>
+                  <a:pt x="82153" y="307181"/>
+                </a:lnTo>
+                <a:lnTo>
+                  <a:pt x="3571" y="385763"/>
+                </a:lnTo>
+                <a:lnTo>
+                  <a:pt x="78581" y="460773"/>
+                </a:lnTo>
+                <a:lnTo>
+                  <a:pt x="0" y="539354"/>
+                </a:lnTo>
+                <a:lnTo>
+                  <a:pt x="46434" y="585788"/>
+                </a:lnTo>
+                <a:lnTo>
+                  <a:pt x="46434" y="692944"/>
+                </a:lnTo>
+              </a:path>
+            </a:pathLst>
+          </a:custGeom>
+          <a:noFill/>
+          <a:ln>
+            <a:solidFill>
+              <a:schemeClr val="tx1"/>
+            </a:solidFill>
+          </a:ln>
+        </p:spPr>
+        <p:style>
+          <a:lnRef idx="2">
+            <a:schemeClr val="accent1">
+              <a:shade val="50000"/>
+            </a:schemeClr>
+          </a:lnRef>
+          <a:fillRef idx="1">
+            <a:schemeClr val="accent1"/>
+          </a:fillRef>
+          <a:effectRef idx="0">
+            <a:schemeClr val="accent1"/>
+          </a:effectRef>
+          <a:fontRef idx="minor">
+            <a:schemeClr val="lt1"/>
+          </a:fontRef>
+        </p:style>
+        <p:txBody>
+          <a:bodyPr rtlCol="0" anchor="ctr"/>
+          <a:lstStyle/>
+          <a:p>
+            <a:pPr algn="ctr"/>
+            <a:endParaRPr kumimoji="1" lang="ko-Kore-KR" altLang="en-US"/>
+          </a:p>
+        </p:txBody>
+      </p:sp>
+      <p:sp>
+        <p:nvSpPr>
+          <p:cNvPr id="5" name="자유형 83">
+            <a:extLst>
+              <a:ext uri="{FF2B5EF4-FFF2-40B4-BE49-F238E27FC236}">
+                <a16:creationId xmlns:a16="http://schemas.microsoft.com/office/drawing/2014/main" id="{6BFB92F8-609B-8440-45F3-5AC7DF992D7B}"/>
+              </a:ext>
+            </a:extLst>
+          </p:cNvPr>
+          <p:cNvSpPr/>
+          <p:nvPr/>
+        </p:nvSpPr>
+        <p:spPr>
+          <a:xfrm>
+            <a:off x="1824410" y="2321867"/>
+            <a:ext cx="161021" cy="692266"/>
+          </a:xfrm>
+          <a:custGeom>
+            <a:avLst/>
+            <a:gdLst>
+              <a:gd name="connsiteX0" fmla="*/ 46434 w 85725"/>
+              <a:gd name="connsiteY0" fmla="*/ 0 h 692944"/>
+              <a:gd name="connsiteX1" fmla="*/ 46434 w 85725"/>
+              <a:gd name="connsiteY1" fmla="*/ 121444 h 692944"/>
+              <a:gd name="connsiteX2" fmla="*/ 85725 w 85725"/>
+              <a:gd name="connsiteY2" fmla="*/ 160735 h 692944"/>
+              <a:gd name="connsiteX3" fmla="*/ 10716 w 85725"/>
+              <a:gd name="connsiteY3" fmla="*/ 235744 h 692944"/>
+              <a:gd name="connsiteX4" fmla="*/ 82153 w 85725"/>
+              <a:gd name="connsiteY4" fmla="*/ 307181 h 692944"/>
+              <a:gd name="connsiteX5" fmla="*/ 3571 w 85725"/>
+              <a:gd name="connsiteY5" fmla="*/ 385763 h 692944"/>
+              <a:gd name="connsiteX6" fmla="*/ 78581 w 85725"/>
+              <a:gd name="connsiteY6" fmla="*/ 460773 h 692944"/>
+              <a:gd name="connsiteX7" fmla="*/ 0 w 85725"/>
+              <a:gd name="connsiteY7" fmla="*/ 539354 h 692944"/>
+              <a:gd name="connsiteX8" fmla="*/ 46434 w 85725"/>
+              <a:gd name="connsiteY8" fmla="*/ 585788 h 692944"/>
+              <a:gd name="connsiteX9" fmla="*/ 46434 w 85725"/>
+              <a:gd name="connsiteY9" fmla="*/ 692944 h 692944"/>
+            </a:gdLst>
+            <a:ahLst/>
+            <a:cxnLst>
+              <a:cxn ang="0">
+                <a:pos x="connsiteX0" y="connsiteY0"/>
+              </a:cxn>
+              <a:cxn ang="0">
+                <a:pos x="connsiteX1" y="connsiteY1"/>
+              </a:cxn>
+              <a:cxn ang="0">
+                <a:pos x="connsiteX2" y="connsiteY2"/>
+              </a:cxn>
+              <a:cxn ang="0">
+                <a:pos x="connsiteX3" y="connsiteY3"/>
+              </a:cxn>
+              <a:cxn ang="0">
+                <a:pos x="connsiteX4" y="connsiteY4"/>
+              </a:cxn>
+              <a:cxn ang="0">
+                <a:pos x="connsiteX5" y="connsiteY5"/>
+              </a:cxn>
+              <a:cxn ang="0">
+                <a:pos x="connsiteX6" y="connsiteY6"/>
+              </a:cxn>
+              <a:cxn ang="0">
+                <a:pos x="connsiteX7" y="connsiteY7"/>
+              </a:cxn>
+              <a:cxn ang="0">
+                <a:pos x="connsiteX8" y="connsiteY8"/>
+              </a:cxn>
+              <a:cxn ang="0">
+                <a:pos x="connsiteX9" y="connsiteY9"/>
+              </a:cxn>
+            </a:cxnLst>
+            <a:rect l="l" t="t" r="r" b="b"/>
+            <a:pathLst>
+              <a:path w="85725" h="692944">
+                <a:moveTo>
+                  <a:pt x="46434" y="0"/>
+                </a:moveTo>
+                <a:lnTo>
+                  <a:pt x="46434" y="121444"/>
+                </a:lnTo>
+                <a:lnTo>
+                  <a:pt x="85725" y="160735"/>
+                </a:lnTo>
+                <a:lnTo>
+                  <a:pt x="10716" y="235744"/>
+                </a:lnTo>
+                <a:lnTo>
+                  <a:pt x="82153" y="307181"/>
+                </a:lnTo>
+                <a:lnTo>
+                  <a:pt x="3571" y="385763"/>
+                </a:lnTo>
+                <a:lnTo>
+                  <a:pt x="78581" y="460773"/>
+                </a:lnTo>
+                <a:lnTo>
+                  <a:pt x="0" y="539354"/>
+                </a:lnTo>
+                <a:lnTo>
+                  <a:pt x="46434" y="585788"/>
+                </a:lnTo>
+                <a:lnTo>
+                  <a:pt x="46434" y="692944"/>
+                </a:lnTo>
+              </a:path>
+            </a:pathLst>
+          </a:custGeom>
+          <a:noFill/>
+          <a:ln>
+            <a:solidFill>
+              <a:schemeClr val="tx1"/>
+            </a:solidFill>
+          </a:ln>
+        </p:spPr>
+        <p:style>
+          <a:lnRef idx="2">
+            <a:schemeClr val="accent1">
+              <a:shade val="50000"/>
+            </a:schemeClr>
+          </a:lnRef>
+          <a:fillRef idx="1">
+            <a:schemeClr val="accent1"/>
+          </a:fillRef>
+          <a:effectRef idx="0">
+            <a:schemeClr val="accent1"/>
+          </a:effectRef>
+          <a:fontRef idx="minor">
+            <a:schemeClr val="lt1"/>
+          </a:fontRef>
+        </p:style>
+        <p:txBody>
+          <a:bodyPr rtlCol="0" anchor="ctr"/>
+          <a:lstStyle/>
+          <a:p>
+            <a:pPr algn="ctr"/>
+            <a:endParaRPr kumimoji="1" lang="ko-Kore-KR" altLang="en-US"/>
+          </a:p>
+        </p:txBody>
+      </p:sp>
+      <p:sp>
+        <p:nvSpPr>
+          <p:cNvPr id="6" name="자유형 83">
+            <a:extLst>
+              <a:ext uri="{FF2B5EF4-FFF2-40B4-BE49-F238E27FC236}">
+                <a16:creationId xmlns:a16="http://schemas.microsoft.com/office/drawing/2014/main" id="{E0BE2DEF-AB4C-97A4-D934-73EDF413E7D7}"/>
+              </a:ext>
+            </a:extLst>
+          </p:cNvPr>
+          <p:cNvSpPr/>
+          <p:nvPr/>
+        </p:nvSpPr>
+        <p:spPr>
+          <a:xfrm rot="16200000">
+            <a:off x="1526233" y="1948619"/>
+            <a:ext cx="143930" cy="774467"/>
+          </a:xfrm>
+          <a:custGeom>
+            <a:avLst/>
+            <a:gdLst>
+              <a:gd name="connsiteX0" fmla="*/ 46434 w 85725"/>
+              <a:gd name="connsiteY0" fmla="*/ 0 h 692944"/>
+              <a:gd name="connsiteX1" fmla="*/ 46434 w 85725"/>
+              <a:gd name="connsiteY1" fmla="*/ 121444 h 692944"/>
+              <a:gd name="connsiteX2" fmla="*/ 85725 w 85725"/>
+              <a:gd name="connsiteY2" fmla="*/ 160735 h 692944"/>
+              <a:gd name="connsiteX3" fmla="*/ 10716 w 85725"/>
+              <a:gd name="connsiteY3" fmla="*/ 235744 h 692944"/>
+              <a:gd name="connsiteX4" fmla="*/ 82153 w 85725"/>
+              <a:gd name="connsiteY4" fmla="*/ 307181 h 692944"/>
+              <a:gd name="connsiteX5" fmla="*/ 3571 w 85725"/>
+              <a:gd name="connsiteY5" fmla="*/ 385763 h 692944"/>
+              <a:gd name="connsiteX6" fmla="*/ 78581 w 85725"/>
+              <a:gd name="connsiteY6" fmla="*/ 460773 h 692944"/>
+              <a:gd name="connsiteX7" fmla="*/ 0 w 85725"/>
+              <a:gd name="connsiteY7" fmla="*/ 539354 h 692944"/>
+              <a:gd name="connsiteX8" fmla="*/ 46434 w 85725"/>
+              <a:gd name="connsiteY8" fmla="*/ 585788 h 692944"/>
+              <a:gd name="connsiteX9" fmla="*/ 46434 w 85725"/>
+              <a:gd name="connsiteY9" fmla="*/ 692944 h 692944"/>
+            </a:gdLst>
+            <a:ahLst/>
+            <a:cxnLst>
+              <a:cxn ang="0">
+                <a:pos x="connsiteX0" y="connsiteY0"/>
+              </a:cxn>
+              <a:cxn ang="0">
+                <a:pos x="connsiteX1" y="connsiteY1"/>
+              </a:cxn>
+              <a:cxn ang="0">
+                <a:pos x="connsiteX2" y="connsiteY2"/>
+              </a:cxn>
+              <a:cxn ang="0">
+                <a:pos x="connsiteX3" y="connsiteY3"/>
+              </a:cxn>
+              <a:cxn ang="0">
+                <a:pos x="connsiteX4" y="connsiteY4"/>
+              </a:cxn>
+              <a:cxn ang="0">
+                <a:pos x="connsiteX5" y="connsiteY5"/>
+              </a:cxn>
+              <a:cxn ang="0">
+                <a:pos x="connsiteX6" y="connsiteY6"/>
+              </a:cxn>
+              <a:cxn ang="0">
+                <a:pos x="connsiteX7" y="connsiteY7"/>
+              </a:cxn>
+              <a:cxn ang="0">
+                <a:pos x="connsiteX8" y="connsiteY8"/>
+              </a:cxn>
+              <a:cxn ang="0">
+                <a:pos x="connsiteX9" y="connsiteY9"/>
+              </a:cxn>
+            </a:cxnLst>
+            <a:rect l="l" t="t" r="r" b="b"/>
+            <a:pathLst>
+              <a:path w="85725" h="692944">
+                <a:moveTo>
+                  <a:pt x="46434" y="0"/>
+                </a:moveTo>
+                <a:lnTo>
+                  <a:pt x="46434" y="121444"/>
+                </a:lnTo>
+                <a:lnTo>
+                  <a:pt x="85725" y="160735"/>
+                </a:lnTo>
+                <a:lnTo>
+                  <a:pt x="10716" y="235744"/>
+                </a:lnTo>
+                <a:lnTo>
+                  <a:pt x="82153" y="307181"/>
+                </a:lnTo>
+                <a:lnTo>
+                  <a:pt x="3571" y="385763"/>
+                </a:lnTo>
+                <a:lnTo>
+                  <a:pt x="78581" y="460773"/>
+                </a:lnTo>
+                <a:lnTo>
+                  <a:pt x="0" y="539354"/>
+                </a:lnTo>
+                <a:lnTo>
+                  <a:pt x="46434" y="585788"/>
+                </a:lnTo>
+                <a:lnTo>
+                  <a:pt x="46434" y="692944"/>
+                </a:lnTo>
+              </a:path>
+            </a:pathLst>
+          </a:custGeom>
+          <a:noFill/>
+          <a:ln>
+            <a:solidFill>
+              <a:schemeClr val="tx1"/>
+            </a:solidFill>
+          </a:ln>
+        </p:spPr>
+        <p:style>
+          <a:lnRef idx="2">
+            <a:schemeClr val="accent1">
+              <a:shade val="50000"/>
+            </a:schemeClr>
+          </a:lnRef>
+          <a:fillRef idx="1">
+            <a:schemeClr val="accent1"/>
+          </a:fillRef>
+          <a:effectRef idx="0">
+            <a:schemeClr val="accent1"/>
+          </a:effectRef>
+          <a:fontRef idx="minor">
+            <a:schemeClr val="lt1"/>
+          </a:fontRef>
+        </p:style>
+        <p:txBody>
+          <a:bodyPr rtlCol="0" anchor="ctr"/>
+          <a:lstStyle/>
+          <a:p>
+            <a:pPr algn="ctr"/>
+            <a:endParaRPr kumimoji="1" lang="ko-Kore-KR" altLang="en-US"/>
+          </a:p>
+        </p:txBody>
+      </p:sp>
+      <p:sp>
+        <p:nvSpPr>
+          <p:cNvPr id="9" name="자유형 83">
+            <a:extLst>
+              <a:ext uri="{FF2B5EF4-FFF2-40B4-BE49-F238E27FC236}">
+                <a16:creationId xmlns:a16="http://schemas.microsoft.com/office/drawing/2014/main" id="{F7CF7E9F-C271-2C8A-D54E-323864B21203}"/>
+              </a:ext>
+            </a:extLst>
+          </p:cNvPr>
+          <p:cNvSpPr/>
+          <p:nvPr/>
+        </p:nvSpPr>
+        <p:spPr>
+          <a:xfrm rot="10800000">
+            <a:off x="1837110" y="3014133"/>
+            <a:ext cx="161021" cy="692266"/>
+          </a:xfrm>
+          <a:custGeom>
+            <a:avLst/>
+            <a:gdLst>
+              <a:gd name="connsiteX0" fmla="*/ 46434 w 85725"/>
+              <a:gd name="connsiteY0" fmla="*/ 0 h 692944"/>
+              <a:gd name="connsiteX1" fmla="*/ 46434 w 85725"/>
+              <a:gd name="connsiteY1" fmla="*/ 121444 h 692944"/>
+              <a:gd name="connsiteX2" fmla="*/ 85725 w 85725"/>
+              <a:gd name="connsiteY2" fmla="*/ 160735 h 692944"/>
+              <a:gd name="connsiteX3" fmla="*/ 10716 w 85725"/>
+              <a:gd name="connsiteY3" fmla="*/ 235744 h 692944"/>
+              <a:gd name="connsiteX4" fmla="*/ 82153 w 85725"/>
+              <a:gd name="connsiteY4" fmla="*/ 307181 h 692944"/>
+              <a:gd name="connsiteX5" fmla="*/ 3571 w 85725"/>
+              <a:gd name="connsiteY5" fmla="*/ 385763 h 692944"/>
+              <a:gd name="connsiteX6" fmla="*/ 78581 w 85725"/>
+              <a:gd name="connsiteY6" fmla="*/ 460773 h 692944"/>
+              <a:gd name="connsiteX7" fmla="*/ 0 w 85725"/>
+              <a:gd name="connsiteY7" fmla="*/ 539354 h 692944"/>
+              <a:gd name="connsiteX8" fmla="*/ 46434 w 85725"/>
+              <a:gd name="connsiteY8" fmla="*/ 585788 h 692944"/>
+              <a:gd name="connsiteX9" fmla="*/ 46434 w 85725"/>
+              <a:gd name="connsiteY9" fmla="*/ 692944 h 692944"/>
+            </a:gdLst>
+            <a:ahLst/>
+            <a:cxnLst>
+              <a:cxn ang="0">
+                <a:pos x="connsiteX0" y="connsiteY0"/>
+              </a:cxn>
+              <a:cxn ang="0">
+                <a:pos x="connsiteX1" y="connsiteY1"/>
+              </a:cxn>
+              <a:cxn ang="0">
+                <a:pos x="connsiteX2" y="connsiteY2"/>
+              </a:cxn>
+              <a:cxn ang="0">
+                <a:pos x="connsiteX3" y="connsiteY3"/>
+              </a:cxn>
+              <a:cxn ang="0">
+                <a:pos x="connsiteX4" y="connsiteY4"/>
+              </a:cxn>
+              <a:cxn ang="0">
+                <a:pos x="connsiteX5" y="connsiteY5"/>
+              </a:cxn>
+              <a:cxn ang="0">
+                <a:pos x="connsiteX6" y="connsiteY6"/>
+              </a:cxn>
+              <a:cxn ang="0">
+                <a:pos x="connsiteX7" y="connsiteY7"/>
+              </a:cxn>
+              <a:cxn ang="0">
+                <a:pos x="connsiteX8" y="connsiteY8"/>
+              </a:cxn>
+              <a:cxn ang="0">
+                <a:pos x="connsiteX9" y="connsiteY9"/>
+              </a:cxn>
+            </a:cxnLst>
+            <a:rect l="l" t="t" r="r" b="b"/>
+            <a:pathLst>
+              <a:path w="85725" h="692944">
+                <a:moveTo>
+                  <a:pt x="46434" y="0"/>
+                </a:moveTo>
+                <a:lnTo>
+                  <a:pt x="46434" y="121444"/>
+                </a:lnTo>
+                <a:lnTo>
+                  <a:pt x="85725" y="160735"/>
+                </a:lnTo>
+                <a:lnTo>
+                  <a:pt x="10716" y="235744"/>
+                </a:lnTo>
+                <a:lnTo>
+                  <a:pt x="82153" y="307181"/>
+                </a:lnTo>
+                <a:lnTo>
+                  <a:pt x="3571" y="385763"/>
+                </a:lnTo>
+                <a:lnTo>
+                  <a:pt x="78581" y="460773"/>
+                </a:lnTo>
+                <a:lnTo>
+                  <a:pt x="0" y="539354"/>
+                </a:lnTo>
+                <a:lnTo>
+                  <a:pt x="46434" y="585788"/>
+                </a:lnTo>
+                <a:lnTo>
+                  <a:pt x="46434" y="692944"/>
+                </a:lnTo>
+              </a:path>
+            </a:pathLst>
+          </a:custGeom>
+          <a:noFill/>
+          <a:ln>
+            <a:solidFill>
+              <a:schemeClr val="tx1"/>
+            </a:solidFill>
+          </a:ln>
+        </p:spPr>
+        <p:style>
+          <a:lnRef idx="2">
+            <a:schemeClr val="accent1">
+              <a:shade val="50000"/>
+            </a:schemeClr>
+          </a:lnRef>
+          <a:fillRef idx="1">
+            <a:schemeClr val="accent1"/>
+          </a:fillRef>
+          <a:effectRef idx="0">
+            <a:schemeClr val="accent1"/>
+          </a:effectRef>
+          <a:fontRef idx="minor">
+            <a:schemeClr val="lt1"/>
+          </a:fontRef>
+        </p:style>
+        <p:txBody>
+          <a:bodyPr rtlCol="0" anchor="ctr"/>
+          <a:lstStyle/>
+          <a:p>
+            <a:pPr algn="ctr"/>
+            <a:endParaRPr kumimoji="1" lang="ko-Kore-KR" altLang="en-US"/>
+          </a:p>
+        </p:txBody>
+      </p:sp>
+      <p:sp>
+        <p:nvSpPr>
+          <p:cNvPr id="10" name="자유형 83">
+            <a:extLst>
+              <a:ext uri="{FF2B5EF4-FFF2-40B4-BE49-F238E27FC236}">
+                <a16:creationId xmlns:a16="http://schemas.microsoft.com/office/drawing/2014/main" id="{CDC0ADC2-C140-6020-E08E-38E50457CD2B}"/>
+              </a:ext>
+            </a:extLst>
+          </p:cNvPr>
+          <p:cNvSpPr/>
+          <p:nvPr/>
+        </p:nvSpPr>
+        <p:spPr>
+          <a:xfrm rot="10800000">
+            <a:off x="1222535" y="3014133"/>
+            <a:ext cx="161021" cy="692266"/>
+          </a:xfrm>
+          <a:custGeom>
+            <a:avLst/>
+            <a:gdLst>
+              <a:gd name="connsiteX0" fmla="*/ 46434 w 85725"/>
+              <a:gd name="connsiteY0" fmla="*/ 0 h 692944"/>
+              <a:gd name="connsiteX1" fmla="*/ 46434 w 85725"/>
+              <a:gd name="connsiteY1" fmla="*/ 121444 h 692944"/>
+              <a:gd name="connsiteX2" fmla="*/ 85725 w 85725"/>
+              <a:gd name="connsiteY2" fmla="*/ 160735 h 692944"/>
+              <a:gd name="connsiteX3" fmla="*/ 10716 w 85725"/>
+              <a:gd name="connsiteY3" fmla="*/ 235744 h 692944"/>
+              <a:gd name="connsiteX4" fmla="*/ 82153 w 85725"/>
+              <a:gd name="connsiteY4" fmla="*/ 307181 h 692944"/>
+              <a:gd name="connsiteX5" fmla="*/ 3571 w 85725"/>
+              <a:gd name="connsiteY5" fmla="*/ 385763 h 692944"/>
+              <a:gd name="connsiteX6" fmla="*/ 78581 w 85725"/>
+              <a:gd name="connsiteY6" fmla="*/ 460773 h 692944"/>
+              <a:gd name="connsiteX7" fmla="*/ 0 w 85725"/>
+              <a:gd name="connsiteY7" fmla="*/ 539354 h 692944"/>
+              <a:gd name="connsiteX8" fmla="*/ 46434 w 85725"/>
+              <a:gd name="connsiteY8" fmla="*/ 585788 h 692944"/>
+              <a:gd name="connsiteX9" fmla="*/ 46434 w 85725"/>
+              <a:gd name="connsiteY9" fmla="*/ 692944 h 692944"/>
+            </a:gdLst>
+            <a:ahLst/>
+            <a:cxnLst>
+              <a:cxn ang="0">
+                <a:pos x="connsiteX0" y="connsiteY0"/>
+              </a:cxn>
+              <a:cxn ang="0">
+                <a:pos x="connsiteX1" y="connsiteY1"/>
+              </a:cxn>
+              <a:cxn ang="0">
+                <a:pos x="connsiteX2" y="connsiteY2"/>
+              </a:cxn>
+              <a:cxn ang="0">
+                <a:pos x="connsiteX3" y="connsiteY3"/>
+              </a:cxn>
+              <a:cxn ang="0">
+                <a:pos x="connsiteX4" y="connsiteY4"/>
+              </a:cxn>
+              <a:cxn ang="0">
+                <a:pos x="connsiteX5" y="connsiteY5"/>
+              </a:cxn>
+              <a:cxn ang="0">
+                <a:pos x="connsiteX6" y="connsiteY6"/>
+              </a:cxn>
+              <a:cxn ang="0">
+                <a:pos x="connsiteX7" y="connsiteY7"/>
+              </a:cxn>
+              <a:cxn ang="0">
+                <a:pos x="connsiteX8" y="connsiteY8"/>
+              </a:cxn>
+              <a:cxn ang="0">
+                <a:pos x="connsiteX9" y="connsiteY9"/>
+              </a:cxn>
+            </a:cxnLst>
+            <a:rect l="l" t="t" r="r" b="b"/>
+            <a:pathLst>
+              <a:path w="85725" h="692944">
+                <a:moveTo>
+                  <a:pt x="46434" y="0"/>
+                </a:moveTo>
+                <a:lnTo>
+                  <a:pt x="46434" y="121444"/>
+                </a:lnTo>
+                <a:lnTo>
+                  <a:pt x="85725" y="160735"/>
+                </a:lnTo>
+                <a:lnTo>
+                  <a:pt x="10716" y="235744"/>
+                </a:lnTo>
+                <a:lnTo>
+                  <a:pt x="82153" y="307181"/>
+                </a:lnTo>
+                <a:lnTo>
+                  <a:pt x="3571" y="385763"/>
+                </a:lnTo>
+                <a:lnTo>
+                  <a:pt x="78581" y="460773"/>
+                </a:lnTo>
+                <a:lnTo>
+                  <a:pt x="0" y="539354"/>
+                </a:lnTo>
+                <a:lnTo>
+                  <a:pt x="46434" y="585788"/>
+                </a:lnTo>
+                <a:lnTo>
+                  <a:pt x="46434" y="692944"/>
+                </a:lnTo>
+              </a:path>
+            </a:pathLst>
+          </a:custGeom>
+          <a:noFill/>
+          <a:ln>
+            <a:solidFill>
+              <a:schemeClr val="tx1"/>
+            </a:solidFill>
+          </a:ln>
+        </p:spPr>
+        <p:style>
+          <a:lnRef idx="2">
+            <a:schemeClr val="accent1">
+              <a:shade val="50000"/>
+            </a:schemeClr>
+          </a:lnRef>
+          <a:fillRef idx="1">
+            <a:schemeClr val="accent1"/>
+          </a:fillRef>
+          <a:effectRef idx="0">
+            <a:schemeClr val="accent1"/>
+          </a:effectRef>
+          <a:fontRef idx="minor">
+            <a:schemeClr val="lt1"/>
+          </a:fontRef>
+        </p:style>
+        <p:txBody>
+          <a:bodyPr rtlCol="0" anchor="ctr"/>
+          <a:lstStyle/>
+          <a:p>
+            <a:pPr algn="ctr"/>
+            <a:endParaRPr kumimoji="1" lang="ko-Kore-KR" altLang="en-US"/>
+          </a:p>
+        </p:txBody>
+      </p:sp>
+      <p:sp>
+        <p:nvSpPr>
+          <p:cNvPr id="11" name="자유형 83">
+            <a:extLst>
+              <a:ext uri="{FF2B5EF4-FFF2-40B4-BE49-F238E27FC236}">
+                <a16:creationId xmlns:a16="http://schemas.microsoft.com/office/drawing/2014/main" id="{08581E1A-CFC6-067A-00D3-3AB3F876586B}"/>
+              </a:ext>
+            </a:extLst>
+          </p:cNvPr>
+          <p:cNvSpPr/>
+          <p:nvPr/>
+        </p:nvSpPr>
+        <p:spPr>
+          <a:xfrm rot="5400000">
+            <a:off x="1537802" y="3305179"/>
+            <a:ext cx="143930" cy="774467"/>
+          </a:xfrm>
+          <a:custGeom>
+            <a:avLst/>
+            <a:gdLst>
+              <a:gd name="connsiteX0" fmla="*/ 46434 w 85725"/>
+              <a:gd name="connsiteY0" fmla="*/ 0 h 692944"/>
+              <a:gd name="connsiteX1" fmla="*/ 46434 w 85725"/>
+              <a:gd name="connsiteY1" fmla="*/ 121444 h 692944"/>
+              <a:gd name="connsiteX2" fmla="*/ 85725 w 85725"/>
+              <a:gd name="connsiteY2" fmla="*/ 160735 h 692944"/>
+              <a:gd name="connsiteX3" fmla="*/ 10716 w 85725"/>
+              <a:gd name="connsiteY3" fmla="*/ 235744 h 692944"/>
+              <a:gd name="connsiteX4" fmla="*/ 82153 w 85725"/>
+              <a:gd name="connsiteY4" fmla="*/ 307181 h 692944"/>
+              <a:gd name="connsiteX5" fmla="*/ 3571 w 85725"/>
+              <a:gd name="connsiteY5" fmla="*/ 385763 h 692944"/>
+              <a:gd name="connsiteX6" fmla="*/ 78581 w 85725"/>
+              <a:gd name="connsiteY6" fmla="*/ 460773 h 692944"/>
+              <a:gd name="connsiteX7" fmla="*/ 0 w 85725"/>
+              <a:gd name="connsiteY7" fmla="*/ 539354 h 692944"/>
+              <a:gd name="connsiteX8" fmla="*/ 46434 w 85725"/>
+              <a:gd name="connsiteY8" fmla="*/ 585788 h 692944"/>
+              <a:gd name="connsiteX9" fmla="*/ 46434 w 85725"/>
+              <a:gd name="connsiteY9" fmla="*/ 692944 h 692944"/>
+            </a:gdLst>
+            <a:ahLst/>
+            <a:cxnLst>
+              <a:cxn ang="0">
+                <a:pos x="connsiteX0" y="connsiteY0"/>
+              </a:cxn>
+              <a:cxn ang="0">
+                <a:pos x="connsiteX1" y="connsiteY1"/>
+              </a:cxn>
+              <a:cxn ang="0">
+                <a:pos x="connsiteX2" y="connsiteY2"/>
+              </a:cxn>
+              <a:cxn ang="0">
+                <a:pos x="connsiteX3" y="connsiteY3"/>
+              </a:cxn>
+              <a:cxn ang="0">
+                <a:pos x="connsiteX4" y="connsiteY4"/>
+              </a:cxn>
+              <a:cxn ang="0">
+                <a:pos x="connsiteX5" y="connsiteY5"/>
+              </a:cxn>
+              <a:cxn ang="0">
+                <a:pos x="connsiteX6" y="connsiteY6"/>
+              </a:cxn>
+              <a:cxn ang="0">
+                <a:pos x="connsiteX7" y="connsiteY7"/>
+              </a:cxn>
+              <a:cxn ang="0">
+                <a:pos x="connsiteX8" y="connsiteY8"/>
+              </a:cxn>
+              <a:cxn ang="0">
+                <a:pos x="connsiteX9" y="connsiteY9"/>
+              </a:cxn>
+            </a:cxnLst>
+            <a:rect l="l" t="t" r="r" b="b"/>
+            <a:pathLst>
+              <a:path w="85725" h="692944">
+                <a:moveTo>
+                  <a:pt x="46434" y="0"/>
+                </a:moveTo>
+                <a:lnTo>
+                  <a:pt x="46434" y="121444"/>
+                </a:lnTo>
+                <a:lnTo>
+                  <a:pt x="85725" y="160735"/>
+                </a:lnTo>
+                <a:lnTo>
+                  <a:pt x="10716" y="235744"/>
+                </a:lnTo>
+                <a:lnTo>
+                  <a:pt x="82153" y="307181"/>
+                </a:lnTo>
+                <a:lnTo>
+                  <a:pt x="3571" y="385763"/>
+                </a:lnTo>
+                <a:lnTo>
+                  <a:pt x="78581" y="460773"/>
+                </a:lnTo>
+                <a:lnTo>
+                  <a:pt x="0" y="539354"/>
+                </a:lnTo>
+                <a:lnTo>
+                  <a:pt x="46434" y="585788"/>
+                </a:lnTo>
+                <a:lnTo>
+                  <a:pt x="46434" y="692944"/>
+                </a:lnTo>
+              </a:path>
+            </a:pathLst>
+          </a:custGeom>
+          <a:noFill/>
+          <a:ln>
+            <a:solidFill>
+              <a:schemeClr val="tx1"/>
+            </a:solidFill>
+          </a:ln>
+        </p:spPr>
+        <p:style>
+          <a:lnRef idx="2">
+            <a:schemeClr val="accent1">
+              <a:shade val="50000"/>
+            </a:schemeClr>
+          </a:lnRef>
+          <a:fillRef idx="1">
+            <a:schemeClr val="accent1"/>
+          </a:fillRef>
+          <a:effectRef idx="0">
+            <a:schemeClr val="accent1"/>
+          </a:effectRef>
+          <a:fontRef idx="minor">
+            <a:schemeClr val="lt1"/>
+          </a:fontRef>
+        </p:style>
+        <p:txBody>
+          <a:bodyPr rtlCol="0" anchor="ctr"/>
+          <a:lstStyle/>
+          <a:p>
+            <a:pPr algn="ctr"/>
+            <a:endParaRPr kumimoji="1" lang="ko-Kore-KR" altLang="en-US"/>
+          </a:p>
+        </p:txBody>
+      </p:sp>
+      <p:sp>
+        <p:nvSpPr>
+          <p:cNvPr id="12" name="TextBox 11">
+            <a:extLst>
+              <a:ext uri="{FF2B5EF4-FFF2-40B4-BE49-F238E27FC236}">
+                <a16:creationId xmlns:a16="http://schemas.microsoft.com/office/drawing/2014/main" id="{EAC02A06-6DC2-A0FB-390C-0F9392CAD701}"/>
+              </a:ext>
+            </a:extLst>
+          </p:cNvPr>
+          <p:cNvSpPr txBox="1"/>
+          <p:nvPr/>
+        </p:nvSpPr>
+        <p:spPr>
+          <a:xfrm>
+            <a:off x="1163623" y="1923545"/>
+            <a:ext cx="958917" cy="369332"/>
+          </a:xfrm>
+          <a:prstGeom prst="rect">
+            <a:avLst/>
+          </a:prstGeom>
+          <a:noFill/>
+        </p:spPr>
+        <p:txBody>
+          <a:bodyPr wrap="none" rtlCol="0">
+            <a:spAutoFit/>
+          </a:bodyPr>
+          <a:lstStyle/>
+          <a:p>
+            <a:r>
+              <a:rPr lang="en-US" altLang="ko-KR"/>
+              <a:t>106R07</a:t>
+            </a:r>
+            <a:endParaRPr lang="ko-KR" altLang="en-US"/>
+          </a:p>
+        </p:txBody>
+      </p:sp>
+      <p:sp>
+        <p:nvSpPr>
+          <p:cNvPr id="13" name="TextBox 12">
+            <a:extLst>
+              <a:ext uri="{FF2B5EF4-FFF2-40B4-BE49-F238E27FC236}">
+                <a16:creationId xmlns:a16="http://schemas.microsoft.com/office/drawing/2014/main" id="{1FAC9180-6A35-39E6-DC36-854D131DAC6D}"/>
+              </a:ext>
+            </a:extLst>
+          </p:cNvPr>
+          <p:cNvSpPr txBox="1"/>
+          <p:nvPr/>
+        </p:nvSpPr>
+        <p:spPr>
+          <a:xfrm>
+            <a:off x="1163623" y="3764378"/>
+            <a:ext cx="958917" cy="369332"/>
+          </a:xfrm>
+          <a:prstGeom prst="rect">
+            <a:avLst/>
+          </a:prstGeom>
+          <a:noFill/>
+        </p:spPr>
+        <p:txBody>
+          <a:bodyPr wrap="none" rtlCol="0">
+            <a:spAutoFit/>
+          </a:bodyPr>
+          <a:lstStyle/>
+          <a:p>
+            <a:r>
+              <a:rPr lang="en-US" altLang="ko-KR"/>
+              <a:t>106R07</a:t>
+            </a:r>
+            <a:endParaRPr lang="ko-KR" altLang="en-US"/>
+          </a:p>
+        </p:txBody>
+      </p:sp>
+      <p:sp>
+        <p:nvSpPr>
+          <p:cNvPr id="15" name="TextBox 14">
+            <a:extLst>
+              <a:ext uri="{FF2B5EF4-FFF2-40B4-BE49-F238E27FC236}">
+                <a16:creationId xmlns:a16="http://schemas.microsoft.com/office/drawing/2014/main" id="{6F718A10-D86E-A900-35DD-6C4F7D199A6E}"/>
+              </a:ext>
+            </a:extLst>
+          </p:cNvPr>
+          <p:cNvSpPr txBox="1"/>
+          <p:nvPr/>
+        </p:nvSpPr>
+        <p:spPr>
+          <a:xfrm>
+            <a:off x="1951059" y="2525318"/>
+            <a:ext cx="832279" cy="369332"/>
+          </a:xfrm>
+          <a:prstGeom prst="rect">
+            <a:avLst/>
+          </a:prstGeom>
+          <a:noFill/>
+        </p:spPr>
+        <p:txBody>
+          <a:bodyPr wrap="none" rtlCol="0">
+            <a:spAutoFit/>
+          </a:bodyPr>
+          <a:lstStyle/>
+          <a:p>
+            <a:r>
+              <a:rPr lang="en-US" altLang="ko-KR"/>
+              <a:t>78R84</a:t>
+            </a:r>
+            <a:endParaRPr lang="ko-KR" altLang="en-US"/>
+          </a:p>
+        </p:txBody>
+      </p:sp>
+      <p:sp>
+        <p:nvSpPr>
+          <p:cNvPr id="16" name="TextBox 15">
+            <a:extLst>
+              <a:ext uri="{FF2B5EF4-FFF2-40B4-BE49-F238E27FC236}">
+                <a16:creationId xmlns:a16="http://schemas.microsoft.com/office/drawing/2014/main" id="{3F1ED6C7-B5F7-E918-AC44-DBF35DECA82C}"/>
+              </a:ext>
+            </a:extLst>
+          </p:cNvPr>
+          <p:cNvSpPr txBox="1"/>
+          <p:nvPr/>
+        </p:nvSpPr>
+        <p:spPr>
+          <a:xfrm>
+            <a:off x="1951059" y="3204423"/>
+            <a:ext cx="832279" cy="369332"/>
+          </a:xfrm>
+          <a:prstGeom prst="rect">
+            <a:avLst/>
+          </a:prstGeom>
+          <a:noFill/>
+        </p:spPr>
+        <p:txBody>
+          <a:bodyPr wrap="none" rtlCol="0">
+            <a:spAutoFit/>
+          </a:bodyPr>
+          <a:lstStyle/>
+          <a:p>
+            <a:r>
+              <a:rPr lang="en-US" altLang="ko-KR"/>
+              <a:t>78R84</a:t>
+            </a:r>
+            <a:endParaRPr lang="ko-KR" altLang="en-US"/>
+          </a:p>
+        </p:txBody>
+      </p:sp>
+      <p:sp>
+        <p:nvSpPr>
+          <p:cNvPr id="17" name="TextBox 16">
+            <a:extLst>
+              <a:ext uri="{FF2B5EF4-FFF2-40B4-BE49-F238E27FC236}">
+                <a16:creationId xmlns:a16="http://schemas.microsoft.com/office/drawing/2014/main" id="{3357826F-CFEB-64D9-587C-006D805FEB2A}"/>
+              </a:ext>
+            </a:extLst>
+          </p:cNvPr>
+          <p:cNvSpPr txBox="1"/>
+          <p:nvPr/>
+        </p:nvSpPr>
+        <p:spPr>
+          <a:xfrm>
+            <a:off x="314231" y="2526140"/>
+            <a:ext cx="832279" cy="369332"/>
+          </a:xfrm>
+          <a:prstGeom prst="rect">
+            <a:avLst/>
+          </a:prstGeom>
+          <a:noFill/>
+        </p:spPr>
+        <p:txBody>
+          <a:bodyPr wrap="none" rtlCol="0">
+            <a:spAutoFit/>
+          </a:bodyPr>
+          <a:lstStyle/>
+          <a:p>
+            <a:r>
+              <a:rPr lang="en-US" altLang="ko-KR"/>
+              <a:t>78R84</a:t>
+            </a:r>
+            <a:endParaRPr lang="ko-KR" altLang="en-US"/>
+          </a:p>
+        </p:txBody>
+      </p:sp>
+      <p:sp>
+        <p:nvSpPr>
+          <p:cNvPr id="18" name="TextBox 17">
+            <a:extLst>
+              <a:ext uri="{FF2B5EF4-FFF2-40B4-BE49-F238E27FC236}">
+                <a16:creationId xmlns:a16="http://schemas.microsoft.com/office/drawing/2014/main" id="{1FC85E54-9A2C-DB89-EB71-C5B0EA2166A3}"/>
+              </a:ext>
+            </a:extLst>
+          </p:cNvPr>
+          <p:cNvSpPr txBox="1"/>
+          <p:nvPr/>
+        </p:nvSpPr>
+        <p:spPr>
+          <a:xfrm>
+            <a:off x="314231" y="3204423"/>
+            <a:ext cx="832279" cy="369332"/>
+          </a:xfrm>
+          <a:prstGeom prst="rect">
+            <a:avLst/>
+          </a:prstGeom>
+          <a:noFill/>
+        </p:spPr>
+        <p:txBody>
+          <a:bodyPr wrap="none" rtlCol="0">
+            <a:spAutoFit/>
+          </a:bodyPr>
+          <a:lstStyle/>
+          <a:p>
+            <a:r>
+              <a:rPr lang="en-US" altLang="ko-KR"/>
+              <a:t>78R84</a:t>
+            </a:r>
+            <a:endParaRPr lang="ko-KR" altLang="en-US"/>
+          </a:p>
+        </p:txBody>
+      </p:sp>
+      <p:sp>
+        <p:nvSpPr>
+          <p:cNvPr id="19" name="직사각형 18">
+            <a:extLst>
+              <a:ext uri="{FF2B5EF4-FFF2-40B4-BE49-F238E27FC236}">
+                <a16:creationId xmlns:a16="http://schemas.microsoft.com/office/drawing/2014/main" id="{2BFB40EF-F6A9-5CC3-ADC6-C563F76193E3}"/>
+              </a:ext>
+            </a:extLst>
+          </p:cNvPr>
+          <p:cNvSpPr/>
+          <p:nvPr/>
+        </p:nvSpPr>
+        <p:spPr>
+          <a:xfrm rot="5400000">
+            <a:off x="2117274" y="2639866"/>
+            <a:ext cx="2286000" cy="748535"/>
+          </a:xfrm>
+          <a:prstGeom prst="rect">
+            <a:avLst/>
+          </a:prstGeom>
+          <a:solidFill>
+            <a:schemeClr val="tx2"/>
+          </a:solidFill>
+          <a:ln>
+            <a:noFill/>
+          </a:ln>
+        </p:spPr>
+        <p:style>
+          <a:lnRef idx="2">
+            <a:schemeClr val="accent1">
+              <a:shade val="15000"/>
+            </a:schemeClr>
+          </a:lnRef>
+          <a:fillRef idx="1">
+            <a:schemeClr val="accent1"/>
+          </a:fillRef>
+          <a:effectRef idx="0">
+            <a:schemeClr val="accent1"/>
+          </a:effectRef>
+          <a:fontRef idx="minor">
+            <a:schemeClr val="lt1"/>
+          </a:fontRef>
+        </p:style>
+        <p:txBody>
+          <a:bodyPr rtlCol="0" anchor="ctr"/>
+          <a:lstStyle/>
+          <a:p>
+            <a:pPr algn="ctr"/>
+            <a:r>
+              <a:rPr lang="en-US" altLang="ko-KR" b="1">
+                <a:solidFill>
+                  <a:schemeClr val="bg1"/>
+                </a:solidFill>
+              </a:rPr>
+              <a:t>BALUN</a:t>
+            </a:r>
+            <a:endParaRPr lang="ko-KR" altLang="en-US" b="1">
+              <a:solidFill>
+                <a:schemeClr val="bg1"/>
+              </a:solidFill>
+            </a:endParaRPr>
+          </a:p>
+        </p:txBody>
+      </p:sp>
+      <p:cxnSp>
+        <p:nvCxnSpPr>
+          <p:cNvPr id="24" name="직선 연결선 23">
+            <a:extLst>
+              <a:ext uri="{FF2B5EF4-FFF2-40B4-BE49-F238E27FC236}">
+                <a16:creationId xmlns:a16="http://schemas.microsoft.com/office/drawing/2014/main" id="{C6462ED3-F5D8-6897-B814-57C90503CC82}"/>
+              </a:ext>
+            </a:extLst>
+          </p:cNvPr>
+          <p:cNvCxnSpPr>
+            <a:cxnSpLocks/>
+          </p:cNvCxnSpPr>
+          <p:nvPr/>
+        </p:nvCxnSpPr>
+        <p:spPr>
+          <a:xfrm>
+            <a:off x="1985431" y="2329502"/>
+            <a:ext cx="863674" cy="0"/>
+          </a:xfrm>
+          <a:prstGeom prst="line">
+            <a:avLst/>
+          </a:prstGeom>
+          <a:ln w="12700"/>
+        </p:spPr>
+        <p:style>
+          <a:lnRef idx="1">
+            <a:schemeClr val="dk1"/>
+          </a:lnRef>
+          <a:fillRef idx="0">
+            <a:schemeClr val="dk1"/>
+          </a:fillRef>
+          <a:effectRef idx="0">
+            <a:schemeClr val="dk1"/>
+          </a:effectRef>
+          <a:fontRef idx="minor">
+            <a:schemeClr val="tx1"/>
+          </a:fontRef>
+        </p:style>
+      </p:cxnSp>
+      <p:cxnSp>
+        <p:nvCxnSpPr>
+          <p:cNvPr id="26" name="직선 연결선 25">
+            <a:extLst>
+              <a:ext uri="{FF2B5EF4-FFF2-40B4-BE49-F238E27FC236}">
+                <a16:creationId xmlns:a16="http://schemas.microsoft.com/office/drawing/2014/main" id="{EAA6BA24-AE33-0986-AEE6-DE914C0FD1D0}"/>
+              </a:ext>
+            </a:extLst>
+          </p:cNvPr>
+          <p:cNvCxnSpPr>
+            <a:cxnSpLocks/>
+          </p:cNvCxnSpPr>
+          <p:nvPr/>
+        </p:nvCxnSpPr>
+        <p:spPr>
+          <a:xfrm>
+            <a:off x="1985431" y="3700049"/>
+            <a:ext cx="863674" cy="0"/>
+          </a:xfrm>
+          <a:prstGeom prst="line">
+            <a:avLst/>
+          </a:prstGeom>
+          <a:ln w="12700"/>
+        </p:spPr>
+        <p:style>
+          <a:lnRef idx="1">
+            <a:schemeClr val="dk1"/>
+          </a:lnRef>
+          <a:fillRef idx="0">
+            <a:schemeClr val="dk1"/>
+          </a:fillRef>
+          <a:effectRef idx="0">
+            <a:schemeClr val="dk1"/>
+          </a:effectRef>
+          <a:fontRef idx="minor">
+            <a:schemeClr val="tx1"/>
+          </a:fontRef>
+        </p:style>
+      </p:cxnSp>
+      <p:sp>
+        <p:nvSpPr>
+          <p:cNvPr id="27" name="직사각형 26">
+            <a:extLst>
+              <a:ext uri="{FF2B5EF4-FFF2-40B4-BE49-F238E27FC236}">
+                <a16:creationId xmlns:a16="http://schemas.microsoft.com/office/drawing/2014/main" id="{69F90A4B-E04C-40FD-450D-3B9B66E2959E}"/>
+              </a:ext>
+            </a:extLst>
+          </p:cNvPr>
+          <p:cNvSpPr/>
+          <p:nvPr/>
+        </p:nvSpPr>
+        <p:spPr>
+          <a:xfrm>
+            <a:off x="237506" y="1621790"/>
+            <a:ext cx="2611599" cy="1489247"/>
+          </a:xfrm>
+          <a:prstGeom prst="rect">
+            <a:avLst/>
+          </a:prstGeom>
+          <a:noFill/>
+          <a:ln w="19050">
+            <a:solidFill>
+              <a:schemeClr val="tx1"/>
+            </a:solidFill>
+            <a:prstDash val="lgDash"/>
+          </a:ln>
+        </p:spPr>
+        <p:style>
+          <a:lnRef idx="2">
+            <a:schemeClr val="accent1">
+              <a:shade val="15000"/>
+            </a:schemeClr>
+          </a:lnRef>
+          <a:fillRef idx="1">
+            <a:schemeClr val="accent1"/>
+          </a:fillRef>
+          <a:effectRef idx="0">
+            <a:schemeClr val="accent1"/>
+          </a:effectRef>
+          <a:fontRef idx="minor">
+            <a:schemeClr val="lt1"/>
+          </a:fontRef>
+        </p:style>
+        <p:txBody>
+          <a:bodyPr rtlCol="0" anchor="ctr"/>
+          <a:lstStyle/>
+          <a:p>
+            <a:pPr algn="ctr"/>
+            <a:endParaRPr lang="ko-KR" altLang="en-US"/>
+          </a:p>
+        </p:txBody>
+      </p:sp>
+      <p:sp>
+        <p:nvSpPr>
+          <p:cNvPr id="28" name="TextBox 27">
+            <a:extLst>
+              <a:ext uri="{FF2B5EF4-FFF2-40B4-BE49-F238E27FC236}">
+                <a16:creationId xmlns:a16="http://schemas.microsoft.com/office/drawing/2014/main" id="{6962D3F0-AD2F-53C3-A79B-C28250BAC480}"/>
+              </a:ext>
+            </a:extLst>
+          </p:cNvPr>
+          <p:cNvSpPr txBox="1"/>
+          <p:nvPr/>
+        </p:nvSpPr>
+        <p:spPr>
+          <a:xfrm>
+            <a:off x="744727" y="914248"/>
+            <a:ext cx="1597156" cy="369332"/>
+          </a:xfrm>
+          <a:prstGeom prst="rect">
+            <a:avLst/>
+          </a:prstGeom>
+          <a:noFill/>
+        </p:spPr>
+        <p:txBody>
+          <a:bodyPr wrap="square">
+            <a:spAutoFit/>
+          </a:bodyPr>
+          <a:lstStyle/>
+          <a:p>
+            <a:pPr algn="ctr"/>
+            <a:r>
+              <a:rPr lang="en-US" altLang="ko-KR" sz="1800" i="0">
+                <a:effectLst/>
+              </a:rPr>
+              <a:t>-13dB PI pad</a:t>
+            </a:r>
+            <a:endParaRPr lang="ko-KR" altLang="en-US"/>
+          </a:p>
+        </p:txBody>
+      </p:sp>
       <p:pic>
         <p:nvPicPr>
-          <p:cNvPr id="5" name="그림 4">
-            <a:extLst>
-              <a:ext uri="{FF2B5EF4-FFF2-40B4-BE49-F238E27FC236}">
-                <a16:creationId xmlns:a16="http://schemas.microsoft.com/office/drawing/2014/main" id="{64503EE6-A5CA-E864-ECD2-DDF2E077C7DE}"/>
+          <p:cNvPr id="30" name="그림 29">
+            <a:extLst>
+              <a:ext uri="{FF2B5EF4-FFF2-40B4-BE49-F238E27FC236}">
+                <a16:creationId xmlns:a16="http://schemas.microsoft.com/office/drawing/2014/main" id="{8C7AD8CE-0FAC-0FFE-674B-6F80508ED765}"/>
               </a:ext>
             </a:extLst>
           </p:cNvPr>
@@ -9671,18 +17416,57 @@
         </p:blipFill>
         <p:spPr>
           <a:xfrm>
-            <a:off x="2861953" y="96159"/>
-            <a:ext cx="6468094" cy="6665682"/>
+            <a:off x="142503" y="4787051"/>
+            <a:ext cx="4742035" cy="1724676"/>
           </a:xfrm>
           <a:prstGeom prst="rect">
             <a:avLst/>
           </a:prstGeom>
         </p:spPr>
       </p:pic>
+      <p:cxnSp>
+        <p:nvCxnSpPr>
+          <p:cNvPr id="31" name="직선 연결선 30">
+            <a:extLst>
+              <a:ext uri="{FF2B5EF4-FFF2-40B4-BE49-F238E27FC236}">
+                <a16:creationId xmlns:a16="http://schemas.microsoft.com/office/drawing/2014/main" id="{32970540-4D20-52AA-63E5-AAD731CFF4D3}"/>
+              </a:ext>
+            </a:extLst>
+          </p:cNvPr>
+          <p:cNvCxnSpPr>
+            <a:cxnSpLocks/>
+          </p:cNvCxnSpPr>
+          <p:nvPr/>
+        </p:nvCxnSpPr>
+        <p:spPr>
+          <a:xfrm>
+            <a:off x="3634542" y="2329502"/>
+            <a:ext cx="863674" cy="0"/>
+          </a:xfrm>
+          <a:prstGeom prst="line">
+            <a:avLst/>
+          </a:prstGeom>
+          <a:ln w="12700"/>
+        </p:spPr>
+        <p:style>
+          <a:lnRef idx="1">
+            <a:schemeClr val="dk1"/>
+          </a:lnRef>
+          <a:fillRef idx="0">
+            <a:schemeClr val="dk1"/>
+          </a:fillRef>
+          <a:effectRef idx="0">
+            <a:schemeClr val="dk1"/>
+          </a:effectRef>
+          <a:fontRef idx="minor">
+            <a:schemeClr val="tx1"/>
+          </a:fontRef>
+        </p:style>
+      </p:cxnSp>
     </p:spTree>
     <p:extLst>
       <p:ext uri="{BB962C8B-B14F-4D97-AF65-F5344CB8AC3E}">
-        <p14:creationId xmlns:p14="http://schemas.microsoft.com/office/powerpoint/2010/main" val="808146173"/>
+        <p14:creationId xmlns:p14="http://schemas.microsoft.com/office/powerpoint/2010/main" val="1820164726"/>
       </p:ext>
     </p:extLst>
   </p:cSld>

--- a/Documents/PPT/RFSoC RF FrontEnd_v1_00.pptx
+++ b/Documents/PPT/RFSoC RF FrontEnd_v1_00.pptx
@@ -273,7 +273,7 @@
           <a:p>
             <a:fld id="{83D81050-B5AC-4287-9BFE-8FA365E2B7CE}" type="datetimeFigureOut">
               <a:rPr lang="ko-KR" altLang="en-US" smtClean="0"/>
-              <a:t>2023-11-30</a:t>
+              <a:t>2023-12-01</a:t>
             </a:fld>
             <a:endParaRPr lang="ko-KR" altLang="en-US"/>
           </a:p>
@@ -471,7 +471,7 @@
           <a:p>
             <a:fld id="{83D81050-B5AC-4287-9BFE-8FA365E2B7CE}" type="datetimeFigureOut">
               <a:rPr lang="ko-KR" altLang="en-US" smtClean="0"/>
-              <a:t>2023-11-30</a:t>
+              <a:t>2023-12-01</a:t>
             </a:fld>
             <a:endParaRPr lang="ko-KR" altLang="en-US"/>
           </a:p>
@@ -679,7 +679,7 @@
           <a:p>
             <a:fld id="{83D81050-B5AC-4287-9BFE-8FA365E2B7CE}" type="datetimeFigureOut">
               <a:rPr lang="ko-KR" altLang="en-US" smtClean="0"/>
-              <a:t>2023-11-30</a:t>
+              <a:t>2023-12-01</a:t>
             </a:fld>
             <a:endParaRPr lang="ko-KR" altLang="en-US"/>
           </a:p>
@@ -877,7 +877,7 @@
           <a:p>
             <a:fld id="{83D81050-B5AC-4287-9BFE-8FA365E2B7CE}" type="datetimeFigureOut">
               <a:rPr lang="ko-KR" altLang="en-US" smtClean="0"/>
-              <a:t>2023-11-30</a:t>
+              <a:t>2023-12-01</a:t>
             </a:fld>
             <a:endParaRPr lang="ko-KR" altLang="en-US"/>
           </a:p>
@@ -1152,7 +1152,7 @@
           <a:p>
             <a:fld id="{83D81050-B5AC-4287-9BFE-8FA365E2B7CE}" type="datetimeFigureOut">
               <a:rPr lang="ko-KR" altLang="en-US" smtClean="0"/>
-              <a:t>2023-11-30</a:t>
+              <a:t>2023-12-01</a:t>
             </a:fld>
             <a:endParaRPr lang="ko-KR" altLang="en-US"/>
           </a:p>
@@ -1417,7 +1417,7 @@
           <a:p>
             <a:fld id="{83D81050-B5AC-4287-9BFE-8FA365E2B7CE}" type="datetimeFigureOut">
               <a:rPr lang="ko-KR" altLang="en-US" smtClean="0"/>
-              <a:t>2023-11-30</a:t>
+              <a:t>2023-12-01</a:t>
             </a:fld>
             <a:endParaRPr lang="ko-KR" altLang="en-US"/>
           </a:p>
@@ -1829,7 +1829,7 @@
           <a:p>
             <a:fld id="{83D81050-B5AC-4287-9BFE-8FA365E2B7CE}" type="datetimeFigureOut">
               <a:rPr lang="ko-KR" altLang="en-US" smtClean="0"/>
-              <a:t>2023-11-30</a:t>
+              <a:t>2023-12-01</a:t>
             </a:fld>
             <a:endParaRPr lang="ko-KR" altLang="en-US"/>
           </a:p>
@@ -1970,7 +1970,7 @@
           <a:p>
             <a:fld id="{83D81050-B5AC-4287-9BFE-8FA365E2B7CE}" type="datetimeFigureOut">
               <a:rPr lang="ko-KR" altLang="en-US" smtClean="0"/>
-              <a:t>2023-11-30</a:t>
+              <a:t>2023-12-01</a:t>
             </a:fld>
             <a:endParaRPr lang="ko-KR" altLang="en-US"/>
           </a:p>
@@ -2083,7 +2083,7 @@
           <a:p>
             <a:fld id="{83D81050-B5AC-4287-9BFE-8FA365E2B7CE}" type="datetimeFigureOut">
               <a:rPr lang="ko-KR" altLang="en-US" smtClean="0"/>
-              <a:t>2023-11-30</a:t>
+              <a:t>2023-12-01</a:t>
             </a:fld>
             <a:endParaRPr lang="ko-KR" altLang="en-US"/>
           </a:p>
@@ -2394,7 +2394,7 @@
           <a:p>
             <a:fld id="{83D81050-B5AC-4287-9BFE-8FA365E2B7CE}" type="datetimeFigureOut">
               <a:rPr lang="ko-KR" altLang="en-US" smtClean="0"/>
-              <a:t>2023-11-30</a:t>
+              <a:t>2023-12-01</a:t>
             </a:fld>
             <a:endParaRPr lang="ko-KR" altLang="en-US"/>
           </a:p>
@@ -2682,7 +2682,7 @@
           <a:p>
             <a:fld id="{83D81050-B5AC-4287-9BFE-8FA365E2B7CE}" type="datetimeFigureOut">
               <a:rPr lang="ko-KR" altLang="en-US" smtClean="0"/>
-              <a:t>2023-11-30</a:t>
+              <a:t>2023-12-01</a:t>
             </a:fld>
             <a:endParaRPr lang="ko-KR" altLang="en-US"/>
           </a:p>
@@ -2923,7 +2923,7 @@
           <a:p>
             <a:fld id="{83D81050-B5AC-4287-9BFE-8FA365E2B7CE}" type="datetimeFigureOut">
               <a:rPr lang="ko-KR" altLang="en-US" smtClean="0"/>
-              <a:t>2023-11-30</a:t>
+              <a:t>2023-12-01</a:t>
             </a:fld>
             <a:endParaRPr lang="ko-KR" altLang="en-US"/>
           </a:p>
@@ -14333,7 +14333,7 @@
         <p:spPr>
           <a:xfrm>
             <a:off x="6271277" y="2204539"/>
-            <a:ext cx="1748783" cy="646331"/>
+            <a:ext cx="1748783" cy="923330"/>
           </a:xfrm>
           <a:prstGeom prst="rect">
             <a:avLst/>
@@ -14356,6 +14356,15 @@
                 <a:effectLst/>
               </a:rPr>
               <a:t> filter</a:t>
+            </a:r>
+          </a:p>
+          <a:p>
+            <a:pPr algn="ctr"/>
+            <a:r>
+              <a:rPr lang="en-US" altLang="ko-KR" sz="1800" i="0">
+                <a:effectLst/>
+              </a:rPr>
+              <a:t>-&gt;Butterworth</a:t>
             </a:r>
             <a:endParaRPr lang="ko-KR" altLang="en-US"/>
           </a:p>
@@ -14379,8 +14388,8 @@
         </p:nvCxnSpPr>
         <p:spPr>
           <a:xfrm flipV="1">
-            <a:off x="6761353" y="2850870"/>
-            <a:ext cx="384316" cy="1122028"/>
+            <a:off x="6761353" y="3127869"/>
+            <a:ext cx="384316" cy="845029"/>
           </a:xfrm>
           <a:prstGeom prst="line">
             <a:avLst/>
